--- a/HouseRenting.pptx
+++ b/HouseRenting.pptx
@@ -2,10 +2,11 @@
 <file path=ppt/presentation.xml><?xml version="1.0" encoding="utf-8"?>
 <p:presentation xmlns:a="http://schemas.openxmlformats.org/drawingml/2006/main" xmlns:r="http://schemas.openxmlformats.org/officeDocument/2006/relationships" xmlns:p="http://schemas.openxmlformats.org/presentationml/2006/main" saveSubsetFonts="1">
   <p:sldMasterIdLst>
-    <p:sldMasterId id="2147483678" r:id="rId1"/>
+    <p:sldMasterId id="2147483762" r:id="rId1"/>
   </p:sldMasterIdLst>
   <p:sldIdLst>
     <p:sldId id="256" r:id="rId2"/>
+    <p:sldId id="257" r:id="rId3"/>
   </p:sldIdLst>
   <p:sldSz cx="12192000" cy="6858000"/>
   <p:notesSz cx="6858000" cy="9144000"/>
@@ -126,16 +127,16 @@
       </p:grpSpPr>
       <p:grpSp>
         <p:nvGrpSpPr>
-          <p:cNvPr id="14" name="Group 13"/>
+          <p:cNvPr id="7" name="Group 6"/>
           <p:cNvGrpSpPr/>
           <p:nvPr/>
         </p:nvGrpSpPr>
         <p:grpSpPr>
           <a:xfrm>
-            <a:off x="-1588" y="0"/>
-            <a:ext cx="12193588" cy="6861555"/>
-            <a:chOff x="-1588" y="0"/>
-            <a:chExt cx="12193588" cy="6861555"/>
+            <a:off x="0" y="0"/>
+            <a:ext cx="12192000" cy="6858000"/>
+            <a:chOff x="0" y="0"/>
+            <a:chExt cx="12192000" cy="6858000"/>
           </a:xfrm>
         </p:grpSpPr>
         <p:sp>
@@ -157,15 +158,14 @@
                 <a:duotone>
                   <a:schemeClr val="dk2">
                     <a:shade val="69000"/>
-                    <a:hueMod val="108000"/>
+                    <a:hueMod val="91000"/>
                     <a:satMod val="164000"/>
                     <a:lumMod val="74000"/>
                   </a:schemeClr>
                   <a:schemeClr val="dk2">
-                    <a:tint val="96000"/>
-                    <a:hueMod val="88000"/>
+                    <a:hueMod val="124000"/>
                     <a:satMod val="140000"/>
-                    <a:lumMod val="132000"/>
+                    <a:lumMod val="142000"/>
                   </a:schemeClr>
                 </a:duotone>
               </a:blip>
@@ -187,177 +187,6 @@
               <a:schemeClr val="accent1"/>
             </a:fillRef>
             <a:effectRef idx="0">
-              <a:schemeClr val="accent1"/>
-            </a:effectRef>
-            <a:fontRef idx="minor">
-              <a:schemeClr val="lt1"/>
-            </a:fontRef>
-          </p:style>
-        </p:sp>
-        <p:sp>
-          <p:nvSpPr>
-            <p:cNvPr id="11" name="Oval 10"/>
-            <p:cNvSpPr/>
-            <p:nvPr/>
-          </p:nvSpPr>
-          <p:spPr>
-            <a:xfrm>
-              <a:off x="8761412" y="1828800"/>
-              <a:ext cx="2819400" cy="2819400"/>
-            </a:xfrm>
-            <a:prstGeom prst="ellipse">
-              <a:avLst/>
-            </a:prstGeom>
-            <a:gradFill flip="none" rotWithShape="1">
-              <a:gsLst>
-                <a:gs pos="0">
-                  <a:schemeClr val="accent5">
-                    <a:alpha val="7000"/>
-                  </a:schemeClr>
-                </a:gs>
-                <a:gs pos="69000">
-                  <a:schemeClr val="accent5">
-                    <a:alpha val="0"/>
-                  </a:schemeClr>
-                </a:gs>
-                <a:gs pos="36000">
-                  <a:schemeClr val="accent5">
-                    <a:alpha val="6000"/>
-                  </a:schemeClr>
-                </a:gs>
-              </a:gsLst>
-              <a:path path="circle">
-                <a:fillToRect l="50000" t="50000" r="50000" b="50000"/>
-              </a:path>
-              <a:tileRect/>
-            </a:gradFill>
-            <a:ln>
-              <a:noFill/>
-            </a:ln>
-            <a:effectLst/>
-          </p:spPr>
-          <p:style>
-            <a:lnRef idx="1">
-              <a:schemeClr val="accent1"/>
-            </a:lnRef>
-            <a:fillRef idx="3">
-              <a:schemeClr val="accent1"/>
-            </a:fillRef>
-            <a:effectRef idx="2">
-              <a:schemeClr val="accent1"/>
-            </a:effectRef>
-            <a:fontRef idx="minor">
-              <a:schemeClr val="lt1"/>
-            </a:fontRef>
-          </p:style>
-        </p:sp>
-        <p:sp>
-          <p:nvSpPr>
-            <p:cNvPr id="12" name="Oval 11"/>
-            <p:cNvSpPr/>
-            <p:nvPr/>
-          </p:nvSpPr>
-          <p:spPr>
-            <a:xfrm>
-              <a:off x="8761412" y="5870955"/>
-              <a:ext cx="990600" cy="990600"/>
-            </a:xfrm>
-            <a:prstGeom prst="ellipse">
-              <a:avLst/>
-            </a:prstGeom>
-            <a:gradFill flip="none" rotWithShape="1">
-              <a:gsLst>
-                <a:gs pos="0">
-                  <a:schemeClr val="accent5">
-                    <a:alpha val="14000"/>
-                  </a:schemeClr>
-                </a:gs>
-                <a:gs pos="66000">
-                  <a:schemeClr val="accent5">
-                    <a:alpha val="0"/>
-                  </a:schemeClr>
-                </a:gs>
-                <a:gs pos="36000">
-                  <a:schemeClr val="accent5">
-                    <a:alpha val="7000"/>
-                  </a:schemeClr>
-                </a:gs>
-              </a:gsLst>
-              <a:path path="circle">
-                <a:fillToRect l="50000" t="50000" r="50000" b="50000"/>
-              </a:path>
-              <a:tileRect/>
-            </a:gradFill>
-            <a:ln>
-              <a:noFill/>
-            </a:ln>
-            <a:effectLst/>
-          </p:spPr>
-          <p:style>
-            <a:lnRef idx="1">
-              <a:schemeClr val="accent1"/>
-            </a:lnRef>
-            <a:fillRef idx="3">
-              <a:schemeClr val="accent1"/>
-            </a:fillRef>
-            <a:effectRef idx="2">
-              <a:schemeClr val="accent1"/>
-            </a:effectRef>
-            <a:fontRef idx="minor">
-              <a:schemeClr val="lt1"/>
-            </a:fontRef>
-          </p:style>
-        </p:sp>
-        <p:sp>
-          <p:nvSpPr>
-            <p:cNvPr id="13" name="Oval 12"/>
-            <p:cNvSpPr/>
-            <p:nvPr/>
-          </p:nvSpPr>
-          <p:spPr>
-            <a:xfrm>
-              <a:off x="-1588" y="2667000"/>
-              <a:ext cx="4191000" cy="4191000"/>
-            </a:xfrm>
-            <a:prstGeom prst="ellipse">
-              <a:avLst/>
-            </a:prstGeom>
-            <a:gradFill flip="none" rotWithShape="1">
-              <a:gsLst>
-                <a:gs pos="0">
-                  <a:schemeClr val="accent5">
-                    <a:alpha val="11000"/>
-                  </a:schemeClr>
-                </a:gs>
-                <a:gs pos="75000">
-                  <a:schemeClr val="accent5">
-                    <a:alpha val="0"/>
-                  </a:schemeClr>
-                </a:gs>
-                <a:gs pos="36000">
-                  <a:schemeClr val="accent5">
-                    <a:alpha val="10000"/>
-                  </a:schemeClr>
-                </a:gs>
-              </a:gsLst>
-              <a:path path="circle">
-                <a:fillToRect l="50000" t="50000" r="50000" b="50000"/>
-              </a:path>
-              <a:tileRect/>
-            </a:gradFill>
-            <a:ln>
-              <a:noFill/>
-            </a:ln>
-            <a:effectLst/>
-          </p:spPr>
-          <p:style>
-            <a:lnRef idx="1">
-              <a:schemeClr val="accent1"/>
-            </a:lnRef>
-            <a:fillRef idx="3">
-              <a:schemeClr val="accent1"/>
-            </a:fillRef>
-            <a:effectRef idx="2">
               <a:schemeClr val="accent1"/>
             </a:effectRef>
             <a:fontRef idx="minor">
@@ -445,9 +274,6 @@
             <a:off x="1154955" y="2099733"/>
             <a:ext cx="8825658" cy="2677648"/>
           </a:xfrm>
-          <a:prstGeom prst="rect">
-            <a:avLst/>
-          </a:prstGeom>
         </p:spPr>
         <p:txBody>
           <a:bodyPr anchor="b"/>
@@ -475,7 +301,7 @@
             <p:ph type="subTitle" idx="1"/>
           </p:nvPr>
         </p:nvSpPr>
-        <p:spPr>
+        <p:spPr bwMode="gray">
           <a:xfrm>
             <a:off x="1154955" y="4777380"/>
             <a:ext cx="8825658" cy="861420"/>
@@ -488,9 +314,9 @@
               <a:buNone/>
               <a:defRPr cap="all">
                 <a:solidFill>
-                  <a:schemeClr val="tx2">
-                    <a:lumMod val="40000"/>
-                    <a:lumOff val="60000"/>
+                  <a:schemeClr val="accent1">
+                    <a:lumMod val="60000"/>
+                    <a:lumOff val="40000"/>
                   </a:schemeClr>
                 </a:solidFill>
               </a:defRPr>
@@ -595,19 +421,21 @@
             <p:ph type="dt" sz="half" idx="10"/>
           </p:nvPr>
         </p:nvSpPr>
-        <p:spPr>
+        <p:spPr bwMode="gray">
           <a:xfrm rot="5400000">
             <a:off x="10158984" y="1792224"/>
             <a:ext cx="990599" cy="304799"/>
           </a:xfrm>
         </p:spPr>
         <p:txBody>
-          <a:bodyPr/>
+          <a:bodyPr anchor="t"/>
           <a:lstStyle>
             <a:lvl1pPr algn="l">
-              <a:defRPr b="0">
+              <a:defRPr b="0" i="0">
                 <a:solidFill>
-                  <a:schemeClr val="bg1"/>
+                  <a:schemeClr val="bg1">
+                    <a:alpha val="60000"/>
+                  </a:schemeClr>
                 </a:solidFill>
               </a:defRPr>
             </a:lvl1pPr>
@@ -631,19 +459,21 @@
             <p:ph type="ftr" sz="quarter" idx="11"/>
           </p:nvPr>
         </p:nvSpPr>
-        <p:spPr>
+        <p:spPr bwMode="gray">
           <a:xfrm rot="5400000">
             <a:off x="8951976" y="3227832"/>
-            <a:ext cx="3867912" cy="310896"/>
+            <a:ext cx="3859795" cy="304801"/>
           </a:xfrm>
         </p:spPr>
         <p:txBody>
           <a:bodyPr/>
           <a:lstStyle>
             <a:lvl1pPr>
-              <a:defRPr sz="1000" b="0">
+              <a:defRPr b="0" i="0">
                 <a:solidFill>
-                  <a:schemeClr val="bg1"/>
+                  <a:schemeClr val="bg1">
+                    <a:alpha val="60000"/>
+                  </a:schemeClr>
                 </a:solidFill>
               </a:defRPr>
             </a:lvl1pPr>
@@ -655,7 +485,7 @@
       </p:sp>
       <p:sp>
         <p:nvSpPr>
-          <p:cNvPr id="8" name="Rectangle 7"/>
+          <p:cNvPr id="11" name="Rectangle 10"/>
           <p:cNvSpPr/>
           <p:nvPr/>
         </p:nvSpPr>
@@ -691,7 +521,7 @@
       </p:sp>
       <p:sp>
         <p:nvSpPr>
-          <p:cNvPr id="6" name="Slide Number Placeholder 5"/>
+          <p:cNvPr id="12" name="Slide Number Placeholder 5"/>
           <p:cNvSpPr>
             <a:spLocks noGrp="1"/>
           </p:cNvSpPr>
@@ -701,19 +531,13 @@
         </p:nvSpPr>
         <p:spPr>
           <a:xfrm>
-            <a:off x="10351008" y="292608"/>
+            <a:off x="10352540" y="295729"/>
             <a:ext cx="838199" cy="767687"/>
           </a:xfrm>
         </p:spPr>
         <p:txBody>
           <a:bodyPr/>
-          <a:lstStyle>
-            <a:lvl1pPr>
-              <a:defRPr sz="2800" b="0" i="0">
-                <a:latin typeface="+mj-lt"/>
-              </a:defRPr>
-            </a:lvl1pPr>
-          </a:lstStyle>
+          <a:lstStyle/>
           <a:p>
             <a:fld id="{6E9FFD27-FB4F-4FCC-9634-B58CCBB9A27D}" type="slidenum">
               <a:rPr lang="en-US" smtClean="0"/>
@@ -726,7 +550,7 @@
     </p:spTree>
     <p:extLst>
       <p:ext uri="{BB962C8B-B14F-4D97-AF65-F5344CB8AC3E}">
-        <p14:creationId xmlns:p14="http://schemas.microsoft.com/office/powerpoint/2010/main" val="3051425918"/>
+        <p14:creationId xmlns:p14="http://schemas.microsoft.com/office/powerpoint/2010/main" val="1710717536"/>
       </p:ext>
     </p:extLst>
   </p:cSld>
@@ -737,7 +561,7 @@
 </file>
 
 <file path=ppt/slideLayouts/slideLayout10.xml><?xml version="1.0" encoding="utf-8"?>
-<p:sldLayout xmlns:a="http://schemas.openxmlformats.org/drawingml/2006/main" xmlns:r="http://schemas.openxmlformats.org/officeDocument/2006/relationships" xmlns:p="http://schemas.openxmlformats.org/presentationml/2006/main" showMasterSp="0" preserve="1">
+<p:sldLayout xmlns:a="http://schemas.openxmlformats.org/drawingml/2006/main" xmlns:r="http://schemas.openxmlformats.org/officeDocument/2006/relationships" xmlns:p="http://schemas.openxmlformats.org/presentationml/2006/main" preserve="1">
   <p:cSld name="Panoramic Picture with Caption">
     <p:spTree>
       <p:nvGrpSpPr>
@@ -755,21 +579,21 @@
       </p:grpSpPr>
       <p:grpSp>
         <p:nvGrpSpPr>
-          <p:cNvPr id="17" name="Group 16"/>
+          <p:cNvPr id="9" name="Group 8"/>
           <p:cNvGrpSpPr/>
           <p:nvPr/>
         </p:nvGrpSpPr>
         <p:grpSpPr>
           <a:xfrm>
-            <a:off x="-1588" y="0"/>
-            <a:ext cx="12193588" cy="6861555"/>
-            <a:chOff x="-1588" y="0"/>
-            <a:chExt cx="12193588" cy="6861555"/>
+            <a:off x="0" y="0"/>
+            <a:ext cx="12192000" cy="6858000"/>
+            <a:chOff x="0" y="0"/>
+            <a:chExt cx="12192000" cy="6858000"/>
           </a:xfrm>
         </p:grpSpPr>
         <p:sp>
           <p:nvSpPr>
-            <p:cNvPr id="11" name="Rectangle 10"/>
+            <p:cNvPr id="13" name="Rectangle 12"/>
             <p:cNvSpPr/>
             <p:nvPr/>
           </p:nvSpPr>
@@ -786,15 +610,14 @@
                 <a:duotone>
                   <a:schemeClr val="dk2">
                     <a:shade val="69000"/>
-                    <a:hueMod val="108000"/>
+                    <a:hueMod val="91000"/>
                     <a:satMod val="164000"/>
                     <a:lumMod val="74000"/>
                   </a:schemeClr>
                   <a:schemeClr val="dk2">
-                    <a:tint val="96000"/>
-                    <a:hueMod val="88000"/>
+                    <a:hueMod val="124000"/>
                     <a:satMod val="140000"/>
-                    <a:lumMod val="132000"/>
+                    <a:lumMod val="142000"/>
                   </a:schemeClr>
                 </a:duotone>
               </a:blip>
@@ -825,14 +648,14 @@
         </p:sp>
         <p:sp>
           <p:nvSpPr>
-            <p:cNvPr id="14" name="Oval 13"/>
+            <p:cNvPr id="17" name="Oval 16"/>
             <p:cNvSpPr/>
             <p:nvPr/>
           </p:nvSpPr>
           <p:spPr>
             <a:xfrm>
-              <a:off x="8761412" y="1828800"/>
-              <a:ext cx="2819400" cy="2819400"/>
+              <a:off x="0" y="2667000"/>
+              <a:ext cx="4191000" cy="4191000"/>
             </a:xfrm>
             <a:prstGeom prst="ellipse">
               <a:avLst/>
@@ -841,17 +664,17 @@
               <a:gsLst>
                 <a:gs pos="0">
                   <a:schemeClr val="accent5">
-                    <a:alpha val="7000"/>
+                    <a:alpha val="11000"/>
                   </a:schemeClr>
                 </a:gs>
-                <a:gs pos="69000">
+                <a:gs pos="75000">
                   <a:schemeClr val="accent5">
                     <a:alpha val="0"/>
                   </a:schemeClr>
                 </a:gs>
                 <a:gs pos="36000">
                   <a:schemeClr val="accent5">
-                    <a:alpha val="6000"/>
+                    <a:alpha val="10000"/>
                   </a:schemeClr>
                 </a:gs>
               </a:gsLst>
@@ -882,14 +705,14 @@
         </p:sp>
         <p:sp>
           <p:nvSpPr>
-            <p:cNvPr id="15" name="Oval 14"/>
+            <p:cNvPr id="18" name="Oval 17"/>
             <p:cNvSpPr/>
             <p:nvPr/>
           </p:nvSpPr>
           <p:spPr>
             <a:xfrm>
-              <a:off x="8761412" y="5870955"/>
-              <a:ext cx="990600" cy="990600"/>
+              <a:off x="0" y="2895600"/>
+              <a:ext cx="2362200" cy="2362200"/>
             </a:xfrm>
             <a:prstGeom prst="ellipse">
               <a:avLst/>
@@ -898,17 +721,17 @@
               <a:gsLst>
                 <a:gs pos="0">
                   <a:schemeClr val="accent5">
-                    <a:alpha val="14000"/>
+                    <a:alpha val="8000"/>
                   </a:schemeClr>
                 </a:gs>
-                <a:gs pos="66000">
+                <a:gs pos="72000">
                   <a:schemeClr val="accent5">
                     <a:alpha val="0"/>
                   </a:schemeClr>
                 </a:gs>
                 <a:gs pos="36000">
                   <a:schemeClr val="accent5">
-                    <a:alpha val="7000"/>
+                    <a:alpha val="8000"/>
                   </a:schemeClr>
                 </a:gs>
               </a:gsLst>
@@ -939,14 +762,14 @@
         </p:sp>
         <p:sp>
           <p:nvSpPr>
-            <p:cNvPr id="16" name="Oval 15"/>
+            <p:cNvPr id="19" name="Oval 18"/>
             <p:cNvSpPr/>
             <p:nvPr/>
           </p:nvSpPr>
           <p:spPr>
             <a:xfrm>
-              <a:off x="-1588" y="2667000"/>
-              <a:ext cx="4191000" cy="4191000"/>
+              <a:off x="8609012" y="5867400"/>
+              <a:ext cx="990600" cy="990600"/>
             </a:xfrm>
             <a:prstGeom prst="ellipse">
               <a:avLst/>
@@ -955,17 +778,17 @@
               <a:gsLst>
                 <a:gs pos="0">
                   <a:schemeClr val="accent5">
-                    <a:alpha val="11000"/>
+                    <a:alpha val="14000"/>
                   </a:schemeClr>
                 </a:gs>
-                <a:gs pos="75000">
+                <a:gs pos="66000">
                   <a:schemeClr val="accent5">
                     <a:alpha val="0"/>
                   </a:schemeClr>
                 </a:gs>
                 <a:gs pos="36000">
                   <a:schemeClr val="accent5">
-                    <a:alpha val="10000"/>
+                    <a:alpha val="7000"/>
                   </a:schemeClr>
                 </a:gs>
               </a:gsLst>
@@ -996,7 +819,121 @@
         </p:sp>
         <p:sp>
           <p:nvSpPr>
-            <p:cNvPr id="8" name="Freeform 5"/>
+            <p:cNvPr id="20" name="Oval 19"/>
+            <p:cNvSpPr/>
+            <p:nvPr/>
+          </p:nvSpPr>
+          <p:spPr>
+            <a:xfrm>
+              <a:off x="8609012" y="1676400"/>
+              <a:ext cx="2819400" cy="2819400"/>
+            </a:xfrm>
+            <a:prstGeom prst="ellipse">
+              <a:avLst/>
+            </a:prstGeom>
+            <a:gradFill flip="none" rotWithShape="1">
+              <a:gsLst>
+                <a:gs pos="0">
+                  <a:schemeClr val="accent5">
+                    <a:alpha val="7000"/>
+                  </a:schemeClr>
+                </a:gs>
+                <a:gs pos="69000">
+                  <a:schemeClr val="accent5">
+                    <a:alpha val="0"/>
+                  </a:schemeClr>
+                </a:gs>
+                <a:gs pos="36000">
+                  <a:schemeClr val="accent5">
+                    <a:alpha val="6000"/>
+                  </a:schemeClr>
+                </a:gs>
+              </a:gsLst>
+              <a:path path="circle">
+                <a:fillToRect l="50000" t="50000" r="50000" b="50000"/>
+              </a:path>
+              <a:tileRect/>
+            </a:gradFill>
+            <a:ln>
+              <a:noFill/>
+            </a:ln>
+            <a:effectLst/>
+          </p:spPr>
+          <p:style>
+            <a:lnRef idx="1">
+              <a:schemeClr val="accent1"/>
+            </a:lnRef>
+            <a:fillRef idx="3">
+              <a:schemeClr val="accent1"/>
+            </a:fillRef>
+            <a:effectRef idx="2">
+              <a:schemeClr val="accent1"/>
+            </a:effectRef>
+            <a:fontRef idx="minor">
+              <a:schemeClr val="lt1"/>
+            </a:fontRef>
+          </p:style>
+        </p:sp>
+        <p:sp>
+          <p:nvSpPr>
+            <p:cNvPr id="21" name="Oval 20"/>
+            <p:cNvSpPr/>
+            <p:nvPr/>
+          </p:nvSpPr>
+          <p:spPr>
+            <a:xfrm>
+              <a:off x="7999412" y="8464"/>
+              <a:ext cx="1600200" cy="1600200"/>
+            </a:xfrm>
+            <a:prstGeom prst="ellipse">
+              <a:avLst/>
+            </a:prstGeom>
+            <a:gradFill flip="none" rotWithShape="1">
+              <a:gsLst>
+                <a:gs pos="0">
+                  <a:schemeClr val="accent5">
+                    <a:alpha val="14000"/>
+                  </a:schemeClr>
+                </a:gs>
+                <a:gs pos="73000">
+                  <a:schemeClr val="accent5">
+                    <a:alpha val="0"/>
+                  </a:schemeClr>
+                </a:gs>
+                <a:gs pos="36000">
+                  <a:schemeClr val="accent5">
+                    <a:alpha val="7000"/>
+                  </a:schemeClr>
+                </a:gs>
+              </a:gsLst>
+              <a:path path="circle">
+                <a:fillToRect l="50000" t="50000" r="50000" b="50000"/>
+              </a:path>
+              <a:tileRect/>
+            </a:gradFill>
+            <a:ln>
+              <a:noFill/>
+            </a:ln>
+            <a:effectLst/>
+          </p:spPr>
+          <p:style>
+            <a:lnRef idx="1">
+              <a:schemeClr val="accent1"/>
+            </a:lnRef>
+            <a:fillRef idx="3">
+              <a:schemeClr val="accent1"/>
+            </a:fillRef>
+            <a:effectRef idx="2">
+              <a:schemeClr val="accent1"/>
+            </a:effectRef>
+            <a:fontRef idx="minor">
+              <a:schemeClr val="lt1"/>
+            </a:fontRef>
+          </p:style>
+        </p:sp>
+        <p:sp>
+          <p:nvSpPr>
+            <p:cNvPr id="14" name="Freeform 5"/>
             <p:cNvSpPr/>
             <p:nvPr/>
           </p:nvSpPr>
@@ -1143,7 +1080,7 @@
         </p:sp>
         <p:sp>
           <p:nvSpPr>
-            <p:cNvPr id="9" name="Freeform 5"/>
+            <p:cNvPr id="11" name="Freeform 5"/>
             <p:cNvSpPr/>
             <p:nvPr/>
           </p:nvSpPr>
@@ -1327,7 +1264,7 @@
         </p:sp>
         <p:sp>
           <p:nvSpPr>
-            <p:cNvPr id="13" name="Freeform 5"/>
+            <p:cNvPr id="15" name="Freeform 5"/>
             <p:cNvSpPr>
               <a:spLocks noEditPoints="1"/>
             </p:cNvSpPr>
@@ -1402,12 +1339,9 @@
         </p:nvSpPr>
         <p:spPr>
           <a:xfrm>
-            <a:off x="1154957" y="4969927"/>
-            <a:ext cx="8825657" cy="566738"/>
+            <a:off x="1154954" y="4969927"/>
+            <a:ext cx="8825659" cy="566738"/>
           </a:xfrm>
-          <a:prstGeom prst="rect">
-            <a:avLst/>
-          </a:prstGeom>
         </p:spPr>
         <p:txBody>
           <a:bodyPr anchor="b">
@@ -1439,8 +1373,8 @@
         </p:nvSpPr>
         <p:spPr>
           <a:xfrm>
-            <a:off x="1154955" y="685800"/>
-            <a:ext cx="8825658" cy="3429000"/>
+            <a:off x="1154954" y="685800"/>
+            <a:ext cx="8825659" cy="3429000"/>
           </a:xfrm>
           <a:prstGeom prst="roundRect">
             <a:avLst>
@@ -1516,10 +1450,10 @@
             <p:ph type="body" sz="half" idx="2"/>
           </p:nvPr>
         </p:nvSpPr>
-        <p:spPr bwMode="gray">
+        <p:spPr>
           <a:xfrm>
-            <a:off x="1154957" y="5536665"/>
-            <a:ext cx="8825656" cy="493712"/>
+            <a:off x="1154954" y="5536665"/>
+            <a:ext cx="8825658" cy="493712"/>
           </a:xfrm>
         </p:spPr>
         <p:txBody>
@@ -1531,9 +1465,9 @@
               <a:buNone/>
               <a:defRPr sz="1200">
                 <a:solidFill>
-                  <a:schemeClr val="tx2">
-                    <a:lumMod val="40000"/>
-                    <a:lumOff val="60000"/>
+                  <a:schemeClr val="accent1">
+                    <a:lumMod val="60000"/>
+                    <a:lumOff val="40000"/>
                   </a:schemeClr>
                 </a:solidFill>
               </a:defRPr>
@@ -1624,7 +1558,7 @@
       </p:sp>
       <p:sp>
         <p:nvSpPr>
-          <p:cNvPr id="12" name="Rectangle 11"/>
+          <p:cNvPr id="16" name="Rectangle 15"/>
           <p:cNvSpPr/>
           <p:nvPr/>
         </p:nvSpPr>
@@ -1684,7 +1618,7 @@
     </p:spTree>
     <p:extLst>
       <p:ext uri="{BB962C8B-B14F-4D97-AF65-F5344CB8AC3E}">
-        <p14:creationId xmlns:p14="http://schemas.microsoft.com/office/powerpoint/2010/main" val="2503076754"/>
+        <p14:creationId xmlns:p14="http://schemas.microsoft.com/office/powerpoint/2010/main" val="3468352916"/>
       </p:ext>
     </p:extLst>
   </p:cSld>
@@ -1713,21 +1647,21 @@
       </p:grpSpPr>
       <p:grpSp>
         <p:nvGrpSpPr>
-          <p:cNvPr id="16" name="Group 15"/>
+          <p:cNvPr id="7" name="Group 6"/>
           <p:cNvGrpSpPr/>
           <p:nvPr/>
         </p:nvGrpSpPr>
         <p:grpSpPr>
           <a:xfrm>
-            <a:off x="-1588" y="0"/>
-            <a:ext cx="12193588" cy="6861555"/>
-            <a:chOff x="-1588" y="0"/>
-            <a:chExt cx="12193588" cy="6861555"/>
+            <a:off x="0" y="0"/>
+            <a:ext cx="12192000" cy="6858000"/>
+            <a:chOff x="0" y="0"/>
+            <a:chExt cx="12192000" cy="6858000"/>
           </a:xfrm>
         </p:grpSpPr>
         <p:sp>
           <p:nvSpPr>
-            <p:cNvPr id="10" name="Rectangle 9"/>
+            <p:cNvPr id="11" name="Rectangle 10"/>
             <p:cNvSpPr/>
             <p:nvPr/>
           </p:nvSpPr>
@@ -1744,15 +1678,14 @@
                 <a:duotone>
                   <a:schemeClr val="dk2">
                     <a:shade val="69000"/>
-                    <a:hueMod val="108000"/>
+                    <a:hueMod val="91000"/>
                     <a:satMod val="164000"/>
                     <a:lumMod val="74000"/>
                   </a:schemeClr>
                   <a:schemeClr val="dk2">
-                    <a:tint val="96000"/>
-                    <a:hueMod val="88000"/>
+                    <a:hueMod val="124000"/>
                     <a:satMod val="140000"/>
-                    <a:lumMod val="132000"/>
+                    <a:lumMod val="142000"/>
                   </a:schemeClr>
                 </a:duotone>
               </a:blip>
@@ -1783,14 +1716,14 @@
         </p:sp>
         <p:sp>
           <p:nvSpPr>
-            <p:cNvPr id="13" name="Oval 12"/>
+            <p:cNvPr id="14" name="Oval 13"/>
             <p:cNvSpPr/>
             <p:nvPr/>
           </p:nvSpPr>
           <p:spPr>
             <a:xfrm>
-              <a:off x="8761412" y="1828800"/>
-              <a:ext cx="2819400" cy="2819400"/>
+              <a:off x="0" y="2667000"/>
+              <a:ext cx="4191000" cy="4191000"/>
             </a:xfrm>
             <a:prstGeom prst="ellipse">
               <a:avLst/>
@@ -1799,17 +1732,17 @@
               <a:gsLst>
                 <a:gs pos="0">
                   <a:schemeClr val="accent5">
-                    <a:alpha val="7000"/>
+                    <a:alpha val="11000"/>
                   </a:schemeClr>
                 </a:gs>
-                <a:gs pos="69000">
+                <a:gs pos="75000">
                   <a:schemeClr val="accent5">
                     <a:alpha val="0"/>
                   </a:schemeClr>
                 </a:gs>
                 <a:gs pos="36000">
                   <a:schemeClr val="accent5">
-                    <a:alpha val="6000"/>
+                    <a:alpha val="10000"/>
                   </a:schemeClr>
                 </a:gs>
               </a:gsLst>
@@ -1840,14 +1773,14 @@
         </p:sp>
         <p:sp>
           <p:nvSpPr>
-            <p:cNvPr id="14" name="Oval 13"/>
+            <p:cNvPr id="15" name="Oval 14"/>
             <p:cNvSpPr/>
             <p:nvPr/>
           </p:nvSpPr>
           <p:spPr>
             <a:xfrm>
-              <a:off x="8761412" y="5870955"/>
-              <a:ext cx="990600" cy="990600"/>
+              <a:off x="0" y="2895600"/>
+              <a:ext cx="2362200" cy="2362200"/>
             </a:xfrm>
             <a:prstGeom prst="ellipse">
               <a:avLst/>
@@ -1856,17 +1789,17 @@
               <a:gsLst>
                 <a:gs pos="0">
                   <a:schemeClr val="accent5">
-                    <a:alpha val="14000"/>
+                    <a:alpha val="8000"/>
                   </a:schemeClr>
                 </a:gs>
-                <a:gs pos="66000">
+                <a:gs pos="72000">
                   <a:schemeClr val="accent5">
                     <a:alpha val="0"/>
                   </a:schemeClr>
                 </a:gs>
                 <a:gs pos="36000">
                   <a:schemeClr val="accent5">
-                    <a:alpha val="7000"/>
+                    <a:alpha val="8000"/>
                   </a:schemeClr>
                 </a:gs>
               </a:gsLst>
@@ -1897,14 +1830,14 @@
         </p:sp>
         <p:sp>
           <p:nvSpPr>
-            <p:cNvPr id="15" name="Oval 14"/>
+            <p:cNvPr id="16" name="Oval 15"/>
             <p:cNvSpPr/>
             <p:nvPr/>
           </p:nvSpPr>
           <p:spPr>
             <a:xfrm>
-              <a:off x="-1588" y="2667000"/>
-              <a:ext cx="4191000" cy="4191000"/>
+              <a:off x="8609012" y="5867400"/>
+              <a:ext cx="990600" cy="990600"/>
             </a:xfrm>
             <a:prstGeom prst="ellipse">
               <a:avLst/>
@@ -1913,17 +1846,17 @@
               <a:gsLst>
                 <a:gs pos="0">
                   <a:schemeClr val="accent5">
-                    <a:alpha val="11000"/>
+                    <a:alpha val="14000"/>
                   </a:schemeClr>
                 </a:gs>
-                <a:gs pos="75000">
+                <a:gs pos="66000">
                   <a:schemeClr val="accent5">
                     <a:alpha val="0"/>
                   </a:schemeClr>
                 </a:gs>
                 <a:gs pos="36000">
                   <a:schemeClr val="accent5">
-                    <a:alpha val="10000"/>
+                    <a:alpha val="7000"/>
                   </a:schemeClr>
                 </a:gs>
               </a:gsLst>
@@ -1954,191 +1887,121 @@
         </p:sp>
         <p:sp>
           <p:nvSpPr>
-            <p:cNvPr id="7" name="Freeform 5"/>
+            <p:cNvPr id="18" name="Oval 17"/>
             <p:cNvSpPr/>
             <p:nvPr/>
           </p:nvSpPr>
-          <p:spPr bwMode="gray">
+          <p:spPr>
             <a:xfrm>
-              <a:off x="455612" y="2801319"/>
-              <a:ext cx="11277600" cy="3602637"/>
+              <a:off x="8609012" y="1676400"/>
+              <a:ext cx="2819400" cy="2819400"/>
             </a:xfrm>
-            <a:custGeom>
+            <a:prstGeom prst="ellipse">
               <a:avLst/>
-              <a:gdLst/>
-              <a:ahLst/>
-              <a:cxnLst/>
-              <a:rect l="l" t="t" r="r" b="b"/>
-              <a:pathLst>
-                <a:path w="10000" h="7946">
-                  <a:moveTo>
-                    <a:pt x="0" y="0"/>
-                  </a:moveTo>
-                  <a:lnTo>
-                    <a:pt x="0" y="7945"/>
-                  </a:lnTo>
-                  <a:lnTo>
-                    <a:pt x="10000" y="7946"/>
-                  </a:lnTo>
-                  <a:lnTo>
-                    <a:pt x="10000" y="4"/>
-                  </a:lnTo>
-                  <a:lnTo>
-                    <a:pt x="10000" y="4"/>
-                  </a:lnTo>
-                  <a:lnTo>
-                    <a:pt x="9773" y="91"/>
-                  </a:lnTo>
-                  <a:lnTo>
-                    <a:pt x="9547" y="175"/>
-                  </a:lnTo>
-                  <a:lnTo>
-                    <a:pt x="9320" y="256"/>
-                  </a:lnTo>
-                  <a:lnTo>
-                    <a:pt x="9092" y="326"/>
-                  </a:lnTo>
-                  <a:lnTo>
-                    <a:pt x="8865" y="396"/>
-                  </a:lnTo>
-                  <a:lnTo>
-                    <a:pt x="8637" y="462"/>
-                  </a:lnTo>
-                  <a:lnTo>
-                    <a:pt x="8412" y="518"/>
-                  </a:lnTo>
-                  <a:lnTo>
-                    <a:pt x="8184" y="571"/>
-                  </a:lnTo>
-                  <a:lnTo>
-                    <a:pt x="7957" y="620"/>
-                  </a:lnTo>
-                  <a:lnTo>
-                    <a:pt x="7734" y="662"/>
-                  </a:lnTo>
-                  <a:lnTo>
-                    <a:pt x="7508" y="704"/>
-                  </a:lnTo>
-                  <a:lnTo>
-                    <a:pt x="7285" y="739"/>
-                  </a:lnTo>
-                  <a:lnTo>
-                    <a:pt x="7062" y="767"/>
-                  </a:lnTo>
-                  <a:lnTo>
-                    <a:pt x="6840" y="795"/>
-                  </a:lnTo>
-                  <a:lnTo>
-                    <a:pt x="6620" y="819"/>
-                  </a:lnTo>
-                  <a:lnTo>
-                    <a:pt x="6402" y="837"/>
-                  </a:lnTo>
-                  <a:lnTo>
-                    <a:pt x="6184" y="851"/>
-                  </a:lnTo>
-                  <a:lnTo>
-                    <a:pt x="5968" y="865"/>
-                  </a:lnTo>
-                  <a:lnTo>
-                    <a:pt x="5755" y="872"/>
-                  </a:lnTo>
-                  <a:lnTo>
-                    <a:pt x="5542" y="879"/>
-                  </a:lnTo>
-                  <a:lnTo>
-                    <a:pt x="5332" y="882"/>
-                  </a:lnTo>
-                  <a:lnTo>
-                    <a:pt x="5124" y="879"/>
-                  </a:lnTo>
-                  <a:lnTo>
-                    <a:pt x="4918" y="879"/>
-                  </a:lnTo>
-                  <a:lnTo>
-                    <a:pt x="4714" y="872"/>
-                  </a:lnTo>
-                  <a:lnTo>
-                    <a:pt x="4514" y="861"/>
-                  </a:lnTo>
-                  <a:lnTo>
-                    <a:pt x="4316" y="851"/>
-                  </a:lnTo>
-                  <a:lnTo>
-                    <a:pt x="4122" y="840"/>
-                  </a:lnTo>
-                  <a:lnTo>
-                    <a:pt x="3929" y="823"/>
-                  </a:lnTo>
-                  <a:lnTo>
-                    <a:pt x="3739" y="805"/>
-                  </a:lnTo>
-                  <a:lnTo>
-                    <a:pt x="3553" y="788"/>
-                  </a:lnTo>
-                  <a:lnTo>
-                    <a:pt x="3190" y="742"/>
-                  </a:lnTo>
-                  <a:lnTo>
-                    <a:pt x="2842" y="693"/>
-                  </a:lnTo>
-                  <a:lnTo>
-                    <a:pt x="2508" y="641"/>
-                  </a:lnTo>
-                  <a:lnTo>
-                    <a:pt x="2192" y="585"/>
-                  </a:lnTo>
-                  <a:lnTo>
-                    <a:pt x="1890" y="525"/>
-                  </a:lnTo>
-                  <a:lnTo>
-                    <a:pt x="1610" y="462"/>
-                  </a:lnTo>
-                  <a:lnTo>
-                    <a:pt x="1347" y="399"/>
-                  </a:lnTo>
-                  <a:lnTo>
-                    <a:pt x="1105" y="336"/>
-                  </a:lnTo>
-                  <a:lnTo>
-                    <a:pt x="883" y="277"/>
-                  </a:lnTo>
-                  <a:lnTo>
-                    <a:pt x="686" y="221"/>
-                  </a:lnTo>
-                  <a:lnTo>
-                    <a:pt x="508" y="168"/>
-                  </a:lnTo>
-                  <a:lnTo>
-                    <a:pt x="358" y="123"/>
-                  </a:lnTo>
-                  <a:lnTo>
-                    <a:pt x="232" y="81"/>
-                  </a:lnTo>
-                  <a:lnTo>
-                    <a:pt x="59" y="21"/>
-                  </a:lnTo>
-                  <a:lnTo>
-                    <a:pt x="0" y="0"/>
-                  </a:lnTo>
-                  <a:lnTo>
-                    <a:pt x="0" y="0"/>
-                  </a:lnTo>
-                  <a:close/>
-                </a:path>
-              </a:pathLst>
-            </a:custGeom>
-            <a:solidFill>
-              <a:schemeClr val="bg1"/>
-            </a:solidFill>
+            </a:prstGeom>
+            <a:gradFill flip="none" rotWithShape="1">
+              <a:gsLst>
+                <a:gs pos="0">
+                  <a:schemeClr val="accent5">
+                    <a:alpha val="7000"/>
+                  </a:schemeClr>
+                </a:gs>
+                <a:gs pos="69000">
+                  <a:schemeClr val="accent5">
+                    <a:alpha val="0"/>
+                  </a:schemeClr>
+                </a:gs>
+                <a:gs pos="36000">
+                  <a:schemeClr val="accent5">
+                    <a:alpha val="6000"/>
+                  </a:schemeClr>
+                </a:gs>
+              </a:gsLst>
+              <a:path path="circle">
+                <a:fillToRect l="50000" t="50000" r="50000" b="50000"/>
+              </a:path>
+              <a:tileRect/>
+            </a:gradFill>
             <a:ln>
               <a:noFill/>
             </a:ln>
+            <a:effectLst/>
           </p:spPr>
+          <p:style>
+            <a:lnRef idx="1">
+              <a:schemeClr val="accent1"/>
+            </a:lnRef>
+            <a:fillRef idx="3">
+              <a:schemeClr val="accent1"/>
+            </a:fillRef>
+            <a:effectRef idx="2">
+              <a:schemeClr val="accent1"/>
+            </a:effectRef>
+            <a:fontRef idx="minor">
+              <a:schemeClr val="lt1"/>
+            </a:fontRef>
+          </p:style>
         </p:sp>
         <p:sp>
           <p:nvSpPr>
-            <p:cNvPr id="9" name="Freeform 5"/>
+            <p:cNvPr id="19" name="Oval 18"/>
+            <p:cNvSpPr/>
+            <p:nvPr/>
+          </p:nvSpPr>
+          <p:spPr>
+            <a:xfrm>
+              <a:off x="7999412" y="8464"/>
+              <a:ext cx="1600200" cy="1600200"/>
+            </a:xfrm>
+            <a:prstGeom prst="ellipse">
+              <a:avLst/>
+            </a:prstGeom>
+            <a:gradFill flip="none" rotWithShape="1">
+              <a:gsLst>
+                <a:gs pos="0">
+                  <a:schemeClr val="accent5">
+                    <a:alpha val="14000"/>
+                  </a:schemeClr>
+                </a:gs>
+                <a:gs pos="73000">
+                  <a:schemeClr val="accent5">
+                    <a:alpha val="0"/>
+                  </a:schemeClr>
+                </a:gs>
+                <a:gs pos="36000">
+                  <a:schemeClr val="accent5">
+                    <a:alpha val="7000"/>
+                  </a:schemeClr>
+                </a:gs>
+              </a:gsLst>
+              <a:path path="circle">
+                <a:fillToRect l="50000" t="50000" r="50000" b="50000"/>
+              </a:path>
+              <a:tileRect/>
+            </a:gradFill>
+            <a:ln>
+              <a:noFill/>
+            </a:ln>
+            <a:effectLst/>
+          </p:spPr>
+          <p:style>
+            <a:lnRef idx="1">
+              <a:schemeClr val="accent1"/>
+            </a:lnRef>
+            <a:fillRef idx="3">
+              <a:schemeClr val="accent1"/>
+            </a:fillRef>
+            <a:effectRef idx="2">
+              <a:schemeClr val="accent1"/>
+            </a:effectRef>
+            <a:fontRef idx="minor">
+              <a:schemeClr val="lt1"/>
+            </a:fontRef>
+          </p:style>
+        </p:sp>
+        <p:sp>
+          <p:nvSpPr>
+            <p:cNvPr id="25" name="Freeform 5"/>
             <p:cNvSpPr/>
             <p:nvPr/>
           </p:nvSpPr>
@@ -2277,6 +2140,190 @@
               <a:schemeClr val="bg1">
                 <a:alpha val="20000"/>
               </a:schemeClr>
+            </a:solidFill>
+            <a:ln>
+              <a:noFill/>
+            </a:ln>
+          </p:spPr>
+        </p:sp>
+        <p:sp>
+          <p:nvSpPr>
+            <p:cNvPr id="17" name="Freeform 5"/>
+            <p:cNvSpPr/>
+            <p:nvPr/>
+          </p:nvSpPr>
+          <p:spPr bwMode="gray">
+            <a:xfrm>
+              <a:off x="455612" y="2801319"/>
+              <a:ext cx="11277600" cy="3602637"/>
+            </a:xfrm>
+            <a:custGeom>
+              <a:avLst/>
+              <a:gdLst/>
+              <a:ahLst/>
+              <a:cxnLst/>
+              <a:rect l="l" t="t" r="r" b="b"/>
+              <a:pathLst>
+                <a:path w="10000" h="7946">
+                  <a:moveTo>
+                    <a:pt x="0" y="0"/>
+                  </a:moveTo>
+                  <a:lnTo>
+                    <a:pt x="0" y="7945"/>
+                  </a:lnTo>
+                  <a:lnTo>
+                    <a:pt x="10000" y="7946"/>
+                  </a:lnTo>
+                  <a:lnTo>
+                    <a:pt x="10000" y="4"/>
+                  </a:lnTo>
+                  <a:lnTo>
+                    <a:pt x="10000" y="4"/>
+                  </a:lnTo>
+                  <a:lnTo>
+                    <a:pt x="9773" y="91"/>
+                  </a:lnTo>
+                  <a:lnTo>
+                    <a:pt x="9547" y="175"/>
+                  </a:lnTo>
+                  <a:lnTo>
+                    <a:pt x="9320" y="256"/>
+                  </a:lnTo>
+                  <a:lnTo>
+                    <a:pt x="9092" y="326"/>
+                  </a:lnTo>
+                  <a:lnTo>
+                    <a:pt x="8865" y="396"/>
+                  </a:lnTo>
+                  <a:lnTo>
+                    <a:pt x="8637" y="462"/>
+                  </a:lnTo>
+                  <a:lnTo>
+                    <a:pt x="8412" y="518"/>
+                  </a:lnTo>
+                  <a:lnTo>
+                    <a:pt x="8184" y="571"/>
+                  </a:lnTo>
+                  <a:lnTo>
+                    <a:pt x="7957" y="620"/>
+                  </a:lnTo>
+                  <a:lnTo>
+                    <a:pt x="7734" y="662"/>
+                  </a:lnTo>
+                  <a:lnTo>
+                    <a:pt x="7508" y="704"/>
+                  </a:lnTo>
+                  <a:lnTo>
+                    <a:pt x="7285" y="739"/>
+                  </a:lnTo>
+                  <a:lnTo>
+                    <a:pt x="7062" y="767"/>
+                  </a:lnTo>
+                  <a:lnTo>
+                    <a:pt x="6840" y="795"/>
+                  </a:lnTo>
+                  <a:lnTo>
+                    <a:pt x="6620" y="819"/>
+                  </a:lnTo>
+                  <a:lnTo>
+                    <a:pt x="6402" y="837"/>
+                  </a:lnTo>
+                  <a:lnTo>
+                    <a:pt x="6184" y="851"/>
+                  </a:lnTo>
+                  <a:lnTo>
+                    <a:pt x="5968" y="865"/>
+                  </a:lnTo>
+                  <a:lnTo>
+                    <a:pt x="5755" y="872"/>
+                  </a:lnTo>
+                  <a:lnTo>
+                    <a:pt x="5542" y="879"/>
+                  </a:lnTo>
+                  <a:lnTo>
+                    <a:pt x="5332" y="882"/>
+                  </a:lnTo>
+                  <a:lnTo>
+                    <a:pt x="5124" y="879"/>
+                  </a:lnTo>
+                  <a:lnTo>
+                    <a:pt x="4918" y="879"/>
+                  </a:lnTo>
+                  <a:lnTo>
+                    <a:pt x="4714" y="872"/>
+                  </a:lnTo>
+                  <a:lnTo>
+                    <a:pt x="4514" y="861"/>
+                  </a:lnTo>
+                  <a:lnTo>
+                    <a:pt x="4316" y="851"/>
+                  </a:lnTo>
+                  <a:lnTo>
+                    <a:pt x="4122" y="840"/>
+                  </a:lnTo>
+                  <a:lnTo>
+                    <a:pt x="3929" y="823"/>
+                  </a:lnTo>
+                  <a:lnTo>
+                    <a:pt x="3739" y="805"/>
+                  </a:lnTo>
+                  <a:lnTo>
+                    <a:pt x="3553" y="788"/>
+                  </a:lnTo>
+                  <a:lnTo>
+                    <a:pt x="3190" y="742"/>
+                  </a:lnTo>
+                  <a:lnTo>
+                    <a:pt x="2842" y="693"/>
+                  </a:lnTo>
+                  <a:lnTo>
+                    <a:pt x="2508" y="641"/>
+                  </a:lnTo>
+                  <a:lnTo>
+                    <a:pt x="2192" y="585"/>
+                  </a:lnTo>
+                  <a:lnTo>
+                    <a:pt x="1890" y="525"/>
+                  </a:lnTo>
+                  <a:lnTo>
+                    <a:pt x="1610" y="462"/>
+                  </a:lnTo>
+                  <a:lnTo>
+                    <a:pt x="1347" y="399"/>
+                  </a:lnTo>
+                  <a:lnTo>
+                    <a:pt x="1105" y="336"/>
+                  </a:lnTo>
+                  <a:lnTo>
+                    <a:pt x="883" y="277"/>
+                  </a:lnTo>
+                  <a:lnTo>
+                    <a:pt x="686" y="221"/>
+                  </a:lnTo>
+                  <a:lnTo>
+                    <a:pt x="508" y="168"/>
+                  </a:lnTo>
+                  <a:lnTo>
+                    <a:pt x="358" y="123"/>
+                  </a:lnTo>
+                  <a:lnTo>
+                    <a:pt x="232" y="81"/>
+                  </a:lnTo>
+                  <a:lnTo>
+                    <a:pt x="59" y="21"/>
+                  </a:lnTo>
+                  <a:lnTo>
+                    <a:pt x="0" y="0"/>
+                  </a:lnTo>
+                  <a:lnTo>
+                    <a:pt x="0" y="0"/>
+                  </a:lnTo>
+                  <a:close/>
+                </a:path>
+              </a:pathLst>
+            </a:custGeom>
+            <a:solidFill>
+              <a:schemeClr val="bg1"/>
             </a:solidFill>
             <a:ln>
               <a:noFill/>
@@ -2360,15 +2407,12 @@
         </p:nvSpPr>
         <p:spPr>
           <a:xfrm>
-            <a:off x="1154954" y="1060704"/>
-            <a:ext cx="8833104" cy="1371600"/>
+            <a:off x="1148798" y="1063417"/>
+            <a:ext cx="8831816" cy="1372986"/>
           </a:xfrm>
-          <a:prstGeom prst="rect">
-            <a:avLst/>
-          </a:prstGeom>
         </p:spPr>
         <p:txBody>
-          <a:bodyPr anchor="ctr" anchorCtr="0"/>
+          <a:bodyPr/>
           <a:lstStyle>
             <a:lvl1pPr>
               <a:defRPr sz="4000"/>
@@ -2395,8 +2439,8 @@
         </p:nvSpPr>
         <p:spPr>
           <a:xfrm>
-            <a:off x="1152144" y="3547872"/>
-            <a:ext cx="8825659" cy="2478024"/>
+            <a:off x="1154954" y="3543300"/>
+            <a:ext cx="8825659" cy="2476500"/>
           </a:xfrm>
         </p:spPr>
         <p:txBody>
@@ -2494,7 +2538,7 @@
       </p:sp>
       <p:sp>
         <p:nvSpPr>
-          <p:cNvPr id="11" name="Rectangle 10"/>
+          <p:cNvPr id="13" name="Rectangle 12"/>
           <p:cNvSpPr/>
           <p:nvPr/>
         </p:nvSpPr>
@@ -2554,7 +2598,7 @@
     </p:spTree>
     <p:extLst>
       <p:ext uri="{BB962C8B-B14F-4D97-AF65-F5344CB8AC3E}">
-        <p14:creationId xmlns:p14="http://schemas.microsoft.com/office/powerpoint/2010/main" val="1403527496"/>
+        <p14:creationId xmlns:p14="http://schemas.microsoft.com/office/powerpoint/2010/main" val="4058342885"/>
       </p:ext>
     </p:extLst>
   </p:cSld>
@@ -2583,21 +2627,21 @@
       </p:grpSpPr>
       <p:grpSp>
         <p:nvGrpSpPr>
-          <p:cNvPr id="7" name="Group 6"/>
+          <p:cNvPr id="3" name="Group 2"/>
           <p:cNvGrpSpPr/>
           <p:nvPr/>
         </p:nvGrpSpPr>
         <p:grpSpPr>
           <a:xfrm>
-            <a:off x="-1588" y="0"/>
-            <a:ext cx="12193588" cy="6861555"/>
-            <a:chOff x="-1588" y="0"/>
-            <a:chExt cx="12193588" cy="6861555"/>
+            <a:off x="0" y="0"/>
+            <a:ext cx="12192000" cy="6858000"/>
+            <a:chOff x="0" y="0"/>
+            <a:chExt cx="12192000" cy="6858000"/>
           </a:xfrm>
         </p:grpSpPr>
         <p:sp>
           <p:nvSpPr>
-            <p:cNvPr id="16" name="Rectangle 15"/>
+            <p:cNvPr id="17" name="Rectangle 16"/>
             <p:cNvSpPr/>
             <p:nvPr/>
           </p:nvSpPr>
@@ -2614,15 +2658,14 @@
                 <a:duotone>
                   <a:schemeClr val="dk2">
                     <a:shade val="69000"/>
-                    <a:hueMod val="108000"/>
+                    <a:hueMod val="91000"/>
                     <a:satMod val="164000"/>
                     <a:lumMod val="74000"/>
                   </a:schemeClr>
                   <a:schemeClr val="dk2">
-                    <a:tint val="96000"/>
-                    <a:hueMod val="88000"/>
+                    <a:hueMod val="124000"/>
                     <a:satMod val="140000"/>
-                    <a:lumMod val="132000"/>
+                    <a:lumMod val="142000"/>
                   </a:schemeClr>
                 </a:duotone>
               </a:blip>
@@ -2653,14 +2696,14 @@
         </p:sp>
         <p:sp>
           <p:nvSpPr>
-            <p:cNvPr id="18" name="Oval 17"/>
+            <p:cNvPr id="20" name="Oval 19"/>
             <p:cNvSpPr/>
             <p:nvPr/>
           </p:nvSpPr>
           <p:spPr>
             <a:xfrm>
-              <a:off x="8761412" y="1828800"/>
-              <a:ext cx="2819400" cy="2819400"/>
+              <a:off x="0" y="2667000"/>
+              <a:ext cx="4191000" cy="4191000"/>
             </a:xfrm>
             <a:prstGeom prst="ellipse">
               <a:avLst/>
@@ -2669,17 +2712,17 @@
               <a:gsLst>
                 <a:gs pos="0">
                   <a:schemeClr val="accent5">
-                    <a:alpha val="7000"/>
+                    <a:alpha val="11000"/>
                   </a:schemeClr>
                 </a:gs>
-                <a:gs pos="69000">
+                <a:gs pos="75000">
                   <a:schemeClr val="accent5">
                     <a:alpha val="0"/>
                   </a:schemeClr>
                 </a:gs>
                 <a:gs pos="36000">
                   <a:schemeClr val="accent5">
-                    <a:alpha val="6000"/>
+                    <a:alpha val="10000"/>
                   </a:schemeClr>
                 </a:gs>
               </a:gsLst>
@@ -2710,14 +2753,14 @@
         </p:sp>
         <p:sp>
           <p:nvSpPr>
-            <p:cNvPr id="19" name="Oval 18"/>
+            <p:cNvPr id="22" name="Oval 21"/>
             <p:cNvSpPr/>
             <p:nvPr/>
           </p:nvSpPr>
           <p:spPr>
             <a:xfrm>
-              <a:off x="8761412" y="5870955"/>
-              <a:ext cx="990600" cy="990600"/>
+              <a:off x="0" y="2895600"/>
+              <a:ext cx="2362200" cy="2362200"/>
             </a:xfrm>
             <a:prstGeom prst="ellipse">
               <a:avLst/>
@@ -2726,17 +2769,17 @@
               <a:gsLst>
                 <a:gs pos="0">
                   <a:schemeClr val="accent5">
-                    <a:alpha val="14000"/>
+                    <a:alpha val="8000"/>
                   </a:schemeClr>
                 </a:gs>
-                <a:gs pos="66000">
+                <a:gs pos="72000">
                   <a:schemeClr val="accent5">
                     <a:alpha val="0"/>
                   </a:schemeClr>
                 </a:gs>
                 <a:gs pos="36000">
                   <a:schemeClr val="accent5">
-                    <a:alpha val="7000"/>
+                    <a:alpha val="8000"/>
                   </a:schemeClr>
                 </a:gs>
               </a:gsLst>
@@ -2767,14 +2810,14 @@
         </p:sp>
         <p:sp>
           <p:nvSpPr>
-            <p:cNvPr id="20" name="Oval 19"/>
+            <p:cNvPr id="23" name="Oval 22"/>
             <p:cNvSpPr/>
             <p:nvPr/>
           </p:nvSpPr>
           <p:spPr>
             <a:xfrm>
-              <a:off x="-1588" y="2667000"/>
-              <a:ext cx="4191000" cy="4191000"/>
+              <a:off x="8609012" y="5867400"/>
+              <a:ext cx="990600" cy="990600"/>
             </a:xfrm>
             <a:prstGeom prst="ellipse">
               <a:avLst/>
@@ -2783,17 +2826,17 @@
               <a:gsLst>
                 <a:gs pos="0">
                   <a:schemeClr val="accent5">
-                    <a:alpha val="11000"/>
+                    <a:alpha val="14000"/>
                   </a:schemeClr>
                 </a:gs>
-                <a:gs pos="75000">
+                <a:gs pos="66000">
                   <a:schemeClr val="accent5">
                     <a:alpha val="0"/>
                   </a:schemeClr>
                 </a:gs>
                 <a:gs pos="36000">
                   <a:schemeClr val="accent5">
-                    <a:alpha val="10000"/>
+                    <a:alpha val="7000"/>
                   </a:schemeClr>
                 </a:gs>
               </a:gsLst>
@@ -2824,7 +2867,121 @@
         </p:sp>
         <p:sp>
           <p:nvSpPr>
-            <p:cNvPr id="13" name="Freeform 5"/>
+            <p:cNvPr id="24" name="Oval 23"/>
+            <p:cNvSpPr/>
+            <p:nvPr/>
+          </p:nvSpPr>
+          <p:spPr>
+            <a:xfrm>
+              <a:off x="8609012" y="1676400"/>
+              <a:ext cx="2819400" cy="2819400"/>
+            </a:xfrm>
+            <a:prstGeom prst="ellipse">
+              <a:avLst/>
+            </a:prstGeom>
+            <a:gradFill flip="none" rotWithShape="1">
+              <a:gsLst>
+                <a:gs pos="0">
+                  <a:schemeClr val="accent5">
+                    <a:alpha val="7000"/>
+                  </a:schemeClr>
+                </a:gs>
+                <a:gs pos="69000">
+                  <a:schemeClr val="accent5">
+                    <a:alpha val="0"/>
+                  </a:schemeClr>
+                </a:gs>
+                <a:gs pos="36000">
+                  <a:schemeClr val="accent5">
+                    <a:alpha val="6000"/>
+                  </a:schemeClr>
+                </a:gs>
+              </a:gsLst>
+              <a:path path="circle">
+                <a:fillToRect l="50000" t="50000" r="50000" b="50000"/>
+              </a:path>
+              <a:tileRect/>
+            </a:gradFill>
+            <a:ln>
+              <a:noFill/>
+            </a:ln>
+            <a:effectLst/>
+          </p:spPr>
+          <p:style>
+            <a:lnRef idx="1">
+              <a:schemeClr val="accent1"/>
+            </a:lnRef>
+            <a:fillRef idx="3">
+              <a:schemeClr val="accent1"/>
+            </a:fillRef>
+            <a:effectRef idx="2">
+              <a:schemeClr val="accent1"/>
+            </a:effectRef>
+            <a:fontRef idx="minor">
+              <a:schemeClr val="lt1"/>
+            </a:fontRef>
+          </p:style>
+        </p:sp>
+        <p:sp>
+          <p:nvSpPr>
+            <p:cNvPr id="25" name="Oval 24"/>
+            <p:cNvSpPr/>
+            <p:nvPr/>
+          </p:nvSpPr>
+          <p:spPr>
+            <a:xfrm>
+              <a:off x="7999412" y="8464"/>
+              <a:ext cx="1600200" cy="1600200"/>
+            </a:xfrm>
+            <a:prstGeom prst="ellipse">
+              <a:avLst/>
+            </a:prstGeom>
+            <a:gradFill flip="none" rotWithShape="1">
+              <a:gsLst>
+                <a:gs pos="0">
+                  <a:schemeClr val="accent5">
+                    <a:alpha val="14000"/>
+                  </a:schemeClr>
+                </a:gs>
+                <a:gs pos="73000">
+                  <a:schemeClr val="accent5">
+                    <a:alpha val="0"/>
+                  </a:schemeClr>
+                </a:gs>
+                <a:gs pos="36000">
+                  <a:schemeClr val="accent5">
+                    <a:alpha val="7000"/>
+                  </a:schemeClr>
+                </a:gs>
+              </a:gsLst>
+              <a:path path="circle">
+                <a:fillToRect l="50000" t="50000" r="50000" b="50000"/>
+              </a:path>
+              <a:tileRect/>
+            </a:gradFill>
+            <a:ln>
+              <a:noFill/>
+            </a:ln>
+            <a:effectLst/>
+          </p:spPr>
+          <p:style>
+            <a:lnRef idx="1">
+              <a:schemeClr val="accent1"/>
+            </a:lnRef>
+            <a:fillRef idx="3">
+              <a:schemeClr val="accent1"/>
+            </a:fillRef>
+            <a:effectRef idx="2">
+              <a:schemeClr val="accent1"/>
+            </a:effectRef>
+            <a:fontRef idx="minor">
+              <a:schemeClr val="lt1"/>
+            </a:fontRef>
+          </p:style>
+        </p:sp>
+        <p:sp>
+          <p:nvSpPr>
+            <p:cNvPr id="21" name="Freeform 5"/>
             <p:cNvSpPr/>
             <p:nvPr/>
           </p:nvSpPr>
@@ -2971,7 +3128,7 @@
         </p:sp>
         <p:sp>
           <p:nvSpPr>
-            <p:cNvPr id="14" name="Freeform 5"/>
+            <p:cNvPr id="12" name="Freeform 5"/>
             <p:cNvSpPr/>
             <p:nvPr/>
           </p:nvSpPr>
@@ -3155,7 +3312,7 @@
         </p:sp>
         <p:sp>
           <p:nvSpPr>
-            <p:cNvPr id="17" name="Freeform 5"/>
+            <p:cNvPr id="18" name="Freeform 5"/>
             <p:cNvSpPr>
               <a:spLocks noEditPoints="1"/>
             </p:cNvSpPr>
@@ -3220,13 +3377,13 @@
       </p:grpSp>
       <p:sp>
         <p:nvSpPr>
-          <p:cNvPr id="12" name="TextBox 11"/>
+          <p:cNvPr id="16" name="TextBox 15"/>
           <p:cNvSpPr txBox="1"/>
           <p:nvPr/>
         </p:nvSpPr>
         <p:spPr bwMode="gray">
           <a:xfrm>
-            <a:off x="898295" y="596767"/>
+            <a:off x="881566" y="607336"/>
             <a:ext cx="801912" cy="1569660"/>
           </a:xfrm>
           <a:prstGeom prst="rect">
@@ -3238,33 +3395,19 @@
           <a:bodyPr wrap="square" rtlCol="0">
             <a:spAutoFit/>
           </a:bodyPr>
-          <a:lstStyle>
-            <a:defPPr>
-              <a:defRPr lang="en-US"/>
-            </a:defPPr>
-            <a:lvl1pPr algn="r">
-              <a:defRPr sz="12200" b="0" i="0">
+          <a:lstStyle/>
+          <a:p>
+            <a:pPr algn="r"/>
+            <a:r>
+              <a:rPr lang="en-US" sz="9600" b="0" i="0" dirty="0">
                 <a:solidFill>
-                  <a:schemeClr val="bg2">
-                    <a:lumMod val="40000"/>
-                    <a:lumOff val="60000"/>
+                  <a:schemeClr val="accent1">
+                    <a:lumMod val="60000"/>
+                    <a:lumOff val="40000"/>
                   </a:schemeClr>
                 </a:solidFill>
                 <a:latin typeface="Arial"/>
                 <a:cs typeface="Arial"/>
-              </a:defRPr>
-            </a:lvl1pPr>
-          </a:lstStyle>
-          <a:p>
-            <a:pPr lvl="0"/>
-            <a:r>
-              <a:rPr lang="en-US" sz="9600" dirty="0">
-                <a:solidFill>
-                  <a:schemeClr val="tx2">
-                    <a:lumMod val="40000"/>
-                    <a:lumOff val="60000"/>
-                  </a:schemeClr>
-                </a:solidFill>
               </a:rPr>
               <a:t>“</a:t>
             </a:r>
@@ -3273,14 +3416,14 @@
       </p:sp>
       <p:sp>
         <p:nvSpPr>
-          <p:cNvPr id="15" name="TextBox 14"/>
+          <p:cNvPr id="13" name="TextBox 12"/>
           <p:cNvSpPr txBox="1"/>
           <p:nvPr/>
         </p:nvSpPr>
         <p:spPr bwMode="gray">
           <a:xfrm>
-            <a:off x="9715063" y="2629300"/>
-            <a:ext cx="801912" cy="1569660"/>
+            <a:off x="9884458" y="2613787"/>
+            <a:ext cx="652763" cy="1569660"/>
           </a:xfrm>
           <a:prstGeom prst="rect">
             <a:avLst/>
@@ -3291,33 +3434,19 @@
           <a:bodyPr wrap="square" rtlCol="0">
             <a:spAutoFit/>
           </a:bodyPr>
-          <a:lstStyle>
-            <a:defPPr>
-              <a:defRPr lang="en-US"/>
-            </a:defPPr>
-            <a:lvl1pPr algn="r">
-              <a:defRPr sz="12200" b="0" i="0">
+          <a:lstStyle/>
+          <a:p>
+            <a:pPr algn="r"/>
+            <a:r>
+              <a:rPr lang="en-US" sz="9600" b="0" i="0" dirty="0">
                 <a:solidFill>
-                  <a:schemeClr val="bg2">
-                    <a:lumMod val="40000"/>
-                    <a:lumOff val="60000"/>
+                  <a:schemeClr val="accent1">
+                    <a:lumMod val="60000"/>
+                    <a:lumOff val="40000"/>
                   </a:schemeClr>
                 </a:solidFill>
                 <a:latin typeface="Arial"/>
                 <a:cs typeface="Arial"/>
-              </a:defRPr>
-            </a:lvl1pPr>
-          </a:lstStyle>
-          <a:p>
-            <a:pPr lvl="0"/>
-            <a:r>
-              <a:rPr lang="en-US" sz="9600" dirty="0">
-                <a:solidFill>
-                  <a:schemeClr val="tx2">
-                    <a:lumMod val="40000"/>
-                    <a:lumOff val="60000"/>
-                  </a:schemeClr>
-                </a:solidFill>
               </a:rPr>
               <a:t>”</a:t>
             </a:r>
@@ -3336,15 +3465,12 @@
         </p:nvSpPr>
         <p:spPr>
           <a:xfrm>
-            <a:off x="1574801" y="980517"/>
-            <a:ext cx="8460983" cy="2698249"/>
+            <a:off x="1581878" y="982134"/>
+            <a:ext cx="8453906" cy="2696632"/>
           </a:xfrm>
-          <a:prstGeom prst="rect">
-            <a:avLst/>
-          </a:prstGeom>
         </p:spPr>
         <p:txBody>
-          <a:bodyPr anchor="ctr" anchorCtr="0"/>
+          <a:bodyPr/>
           <a:lstStyle>
             <a:lvl1pPr>
               <a:defRPr sz="4000"/>
@@ -3361,42 +3487,73 @@
       </p:sp>
       <p:sp>
         <p:nvSpPr>
-          <p:cNvPr id="11" name="Text Placeholder 3"/>
+          <p:cNvPr id="14" name="Text Placeholder 3"/>
           <p:cNvSpPr>
             <a:spLocks noGrp="1"/>
           </p:cNvSpPr>
           <p:nvPr>
-            <p:ph type="body" sz="half" idx="14"/>
+            <p:ph type="body" sz="half" idx="13"/>
           </p:nvPr>
         </p:nvSpPr>
         <p:spPr bwMode="gray">
           <a:xfrm>
-            <a:off x="1945945" y="3679987"/>
-            <a:ext cx="7725772" cy="342174"/>
+            <a:off x="1945945" y="3678766"/>
+            <a:ext cx="7731219" cy="342174"/>
           </a:xfrm>
         </p:spPr>
         <p:txBody>
-          <a:bodyPr vert="horz" lIns="91440" tIns="45720" rIns="91440" bIns="45720" rtlCol="0" anchor="t">
+          <a:bodyPr anchor="t">
             <a:normAutofit/>
           </a:bodyPr>
           <a:lstStyle>
-            <a:lvl1pPr>
-              <a:buNone/>
-              <a:defRPr lang="en-US" sz="1400" cap="small" dirty="0">
+            <a:lvl1pPr marL="0" indent="0">
+              <a:buNone/>
+              <a:defRPr lang="en-US" sz="1400" b="0" i="0" kern="1200" cap="small" dirty="0">
                 <a:solidFill>
-                  <a:schemeClr val="tx2">
-                    <a:lumMod val="40000"/>
-                    <a:lumOff val="60000"/>
+                  <a:schemeClr val="accent1">
+                    <a:lumMod val="60000"/>
+                    <a:lumOff val="40000"/>
                   </a:schemeClr>
                 </a:solidFill>
                 <a:latin typeface="+mn-lt"/>
+                <a:ea typeface="+mn-ea"/>
               </a:defRPr>
             </a:lvl1pPr>
+            <a:lvl2pPr marL="457200" indent="0">
+              <a:buNone/>
+              <a:defRPr sz="1200"/>
+            </a:lvl2pPr>
+            <a:lvl3pPr marL="914400" indent="0">
+              <a:buNone/>
+              <a:defRPr sz="1000"/>
+            </a:lvl3pPr>
+            <a:lvl4pPr marL="1371600" indent="0">
+              <a:buNone/>
+              <a:defRPr sz="900"/>
+            </a:lvl4pPr>
+            <a:lvl5pPr marL="1828800" indent="0">
+              <a:buNone/>
+              <a:defRPr sz="900"/>
+            </a:lvl5pPr>
+            <a:lvl6pPr marL="2286000" indent="0">
+              <a:buNone/>
+              <a:defRPr sz="900"/>
+            </a:lvl6pPr>
+            <a:lvl7pPr marL="2743200" indent="0">
+              <a:buNone/>
+              <a:defRPr sz="900"/>
+            </a:lvl7pPr>
+            <a:lvl8pPr marL="3200400" indent="0">
+              <a:buNone/>
+              <a:defRPr sz="900"/>
+            </a:lvl8pPr>
+            <a:lvl9pPr marL="3657600" indent="0">
+              <a:buNone/>
+              <a:defRPr sz="900"/>
+            </a:lvl9pPr>
           </a:lstStyle>
           <a:p>
-            <a:pPr marL="0" lvl="0" indent="0">
-              <a:buNone/>
-            </a:pPr>
+            <a:pPr lvl="0"/>
             <a:r>
               <a:rPr lang="en-US"/>
               <a:t>Edit Master text styles</a:t>
@@ -3416,8 +3573,8 @@
         </p:nvSpPr>
         <p:spPr>
           <a:xfrm>
-            <a:off x="1154954" y="5029198"/>
-            <a:ext cx="8825659" cy="997858"/>
+            <a:off x="1154954" y="5029199"/>
+            <a:ext cx="9244897" cy="997857"/>
           </a:xfrm>
         </p:spPr>
         <p:txBody>
@@ -3515,7 +3672,7 @@
       </p:sp>
       <p:sp>
         <p:nvSpPr>
-          <p:cNvPr id="23" name="Rectangle 22"/>
+          <p:cNvPr id="19" name="Rectangle 18"/>
           <p:cNvSpPr/>
           <p:nvPr/>
         </p:nvSpPr>
@@ -3575,7 +3732,7 @@
     </p:spTree>
     <p:extLst>
       <p:ext uri="{BB962C8B-B14F-4D97-AF65-F5344CB8AC3E}">
-        <p14:creationId xmlns:p14="http://schemas.microsoft.com/office/powerpoint/2010/main" val="917310042"/>
+        <p14:creationId xmlns:p14="http://schemas.microsoft.com/office/powerpoint/2010/main" val="2959736406"/>
       </p:ext>
     </p:extLst>
   </p:cSld>
@@ -3604,16 +3761,16 @@
       </p:grpSpPr>
       <p:grpSp>
         <p:nvGrpSpPr>
-          <p:cNvPr id="16" name="Group 15"/>
+          <p:cNvPr id="9" name="Group 8"/>
           <p:cNvGrpSpPr/>
           <p:nvPr/>
         </p:nvGrpSpPr>
         <p:grpSpPr>
           <a:xfrm>
-            <a:off x="-1588" y="0"/>
-            <a:ext cx="12193588" cy="6861555"/>
-            <a:chOff x="-1588" y="0"/>
-            <a:chExt cx="12193588" cy="6861555"/>
+            <a:off x="0" y="0"/>
+            <a:ext cx="12192000" cy="6858000"/>
+            <a:chOff x="0" y="0"/>
+            <a:chExt cx="12192000" cy="6858000"/>
           </a:xfrm>
         </p:grpSpPr>
         <p:sp>
@@ -3635,15 +3792,14 @@
                 <a:duotone>
                   <a:schemeClr val="dk2">
                     <a:shade val="69000"/>
-                    <a:hueMod val="108000"/>
+                    <a:hueMod val="91000"/>
                     <a:satMod val="164000"/>
                     <a:lumMod val="74000"/>
                   </a:schemeClr>
                   <a:schemeClr val="dk2">
-                    <a:tint val="96000"/>
-                    <a:hueMod val="88000"/>
+                    <a:hueMod val="124000"/>
                     <a:satMod val="140000"/>
-                    <a:lumMod val="132000"/>
+                    <a:lumMod val="142000"/>
                   </a:schemeClr>
                 </a:duotone>
               </a:blip>
@@ -3674,14 +3830,14 @@
         </p:sp>
         <p:sp>
           <p:nvSpPr>
-            <p:cNvPr id="13" name="Oval 12"/>
+            <p:cNvPr id="15" name="Oval 14"/>
             <p:cNvSpPr/>
             <p:nvPr/>
           </p:nvSpPr>
           <p:spPr>
             <a:xfrm>
-              <a:off x="8761412" y="1828800"/>
-              <a:ext cx="2819400" cy="2819400"/>
+              <a:off x="0" y="2667000"/>
+              <a:ext cx="4191000" cy="4191000"/>
             </a:xfrm>
             <a:prstGeom prst="ellipse">
               <a:avLst/>
@@ -3690,17 +3846,17 @@
               <a:gsLst>
                 <a:gs pos="0">
                   <a:schemeClr val="accent5">
-                    <a:alpha val="7000"/>
+                    <a:alpha val="11000"/>
                   </a:schemeClr>
                 </a:gs>
-                <a:gs pos="69000">
+                <a:gs pos="75000">
                   <a:schemeClr val="accent5">
                     <a:alpha val="0"/>
                   </a:schemeClr>
                 </a:gs>
                 <a:gs pos="36000">
                   <a:schemeClr val="accent5">
-                    <a:alpha val="6000"/>
+                    <a:alpha val="10000"/>
                   </a:schemeClr>
                 </a:gs>
               </a:gsLst>
@@ -3731,14 +3887,14 @@
         </p:sp>
         <p:sp>
           <p:nvSpPr>
-            <p:cNvPr id="14" name="Oval 13"/>
+            <p:cNvPr id="16" name="Oval 15"/>
             <p:cNvSpPr/>
             <p:nvPr/>
           </p:nvSpPr>
           <p:spPr>
             <a:xfrm>
-              <a:off x="8761412" y="5870955"/>
-              <a:ext cx="990600" cy="990600"/>
+              <a:off x="0" y="2895600"/>
+              <a:ext cx="2362200" cy="2362200"/>
             </a:xfrm>
             <a:prstGeom prst="ellipse">
               <a:avLst/>
@@ -3747,17 +3903,17 @@
               <a:gsLst>
                 <a:gs pos="0">
                   <a:schemeClr val="accent5">
-                    <a:alpha val="14000"/>
+                    <a:alpha val="8000"/>
                   </a:schemeClr>
                 </a:gs>
-                <a:gs pos="66000">
+                <a:gs pos="72000">
                   <a:schemeClr val="accent5">
                     <a:alpha val="0"/>
                   </a:schemeClr>
                 </a:gs>
                 <a:gs pos="36000">
                   <a:schemeClr val="accent5">
-                    <a:alpha val="7000"/>
+                    <a:alpha val="8000"/>
                   </a:schemeClr>
                 </a:gs>
               </a:gsLst>
@@ -3788,14 +3944,14 @@
         </p:sp>
         <p:sp>
           <p:nvSpPr>
-            <p:cNvPr id="15" name="Oval 14"/>
+            <p:cNvPr id="17" name="Oval 16"/>
             <p:cNvSpPr/>
             <p:nvPr/>
           </p:nvSpPr>
           <p:spPr>
             <a:xfrm>
-              <a:off x="-1588" y="2667000"/>
-              <a:ext cx="4191000" cy="4191000"/>
+              <a:off x="8609012" y="5867400"/>
+              <a:ext cx="990600" cy="990600"/>
             </a:xfrm>
             <a:prstGeom prst="ellipse">
               <a:avLst/>
@@ -3804,17 +3960,17 @@
               <a:gsLst>
                 <a:gs pos="0">
                   <a:schemeClr val="accent5">
-                    <a:alpha val="11000"/>
+                    <a:alpha val="14000"/>
                   </a:schemeClr>
                 </a:gs>
-                <a:gs pos="75000">
+                <a:gs pos="66000">
                   <a:schemeClr val="accent5">
                     <a:alpha val="0"/>
                   </a:schemeClr>
                 </a:gs>
                 <a:gs pos="36000">
                   <a:schemeClr val="accent5">
-                    <a:alpha val="10000"/>
+                    <a:alpha val="7000"/>
                   </a:schemeClr>
                 </a:gs>
               </a:gsLst>
@@ -3845,7 +4001,121 @@
         </p:sp>
         <p:sp>
           <p:nvSpPr>
-            <p:cNvPr id="7" name="Freeform 5"/>
+            <p:cNvPr id="18" name="Oval 17"/>
+            <p:cNvSpPr/>
+            <p:nvPr/>
+          </p:nvSpPr>
+          <p:spPr>
+            <a:xfrm>
+              <a:off x="8609012" y="1676400"/>
+              <a:ext cx="2819400" cy="2819400"/>
+            </a:xfrm>
+            <a:prstGeom prst="ellipse">
+              <a:avLst/>
+            </a:prstGeom>
+            <a:gradFill flip="none" rotWithShape="1">
+              <a:gsLst>
+                <a:gs pos="0">
+                  <a:schemeClr val="accent5">
+                    <a:alpha val="7000"/>
+                  </a:schemeClr>
+                </a:gs>
+                <a:gs pos="69000">
+                  <a:schemeClr val="accent5">
+                    <a:alpha val="0"/>
+                  </a:schemeClr>
+                </a:gs>
+                <a:gs pos="36000">
+                  <a:schemeClr val="accent5">
+                    <a:alpha val="6000"/>
+                  </a:schemeClr>
+                </a:gs>
+              </a:gsLst>
+              <a:path path="circle">
+                <a:fillToRect l="50000" t="50000" r="50000" b="50000"/>
+              </a:path>
+              <a:tileRect/>
+            </a:gradFill>
+            <a:ln>
+              <a:noFill/>
+            </a:ln>
+            <a:effectLst/>
+          </p:spPr>
+          <p:style>
+            <a:lnRef idx="1">
+              <a:schemeClr val="accent1"/>
+            </a:lnRef>
+            <a:fillRef idx="3">
+              <a:schemeClr val="accent1"/>
+            </a:fillRef>
+            <a:effectRef idx="2">
+              <a:schemeClr val="accent1"/>
+            </a:effectRef>
+            <a:fontRef idx="minor">
+              <a:schemeClr val="lt1"/>
+            </a:fontRef>
+          </p:style>
+        </p:sp>
+        <p:sp>
+          <p:nvSpPr>
+            <p:cNvPr id="19" name="Oval 18"/>
+            <p:cNvSpPr/>
+            <p:nvPr/>
+          </p:nvSpPr>
+          <p:spPr>
+            <a:xfrm>
+              <a:off x="7999412" y="8464"/>
+              <a:ext cx="1600200" cy="1600200"/>
+            </a:xfrm>
+            <a:prstGeom prst="ellipse">
+              <a:avLst/>
+            </a:prstGeom>
+            <a:gradFill flip="none" rotWithShape="1">
+              <a:gsLst>
+                <a:gs pos="0">
+                  <a:schemeClr val="accent5">
+                    <a:alpha val="14000"/>
+                  </a:schemeClr>
+                </a:gs>
+                <a:gs pos="73000">
+                  <a:schemeClr val="accent5">
+                    <a:alpha val="0"/>
+                  </a:schemeClr>
+                </a:gs>
+                <a:gs pos="36000">
+                  <a:schemeClr val="accent5">
+                    <a:alpha val="7000"/>
+                  </a:schemeClr>
+                </a:gs>
+              </a:gsLst>
+              <a:path path="circle">
+                <a:fillToRect l="50000" t="50000" r="50000" b="50000"/>
+              </a:path>
+              <a:tileRect/>
+            </a:gradFill>
+            <a:ln>
+              <a:noFill/>
+            </a:ln>
+            <a:effectLst/>
+          </p:spPr>
+          <p:style>
+            <a:lnRef idx="1">
+              <a:schemeClr val="accent1"/>
+            </a:lnRef>
+            <a:fillRef idx="3">
+              <a:schemeClr val="accent1"/>
+            </a:fillRef>
+            <a:effectRef idx="2">
+              <a:schemeClr val="accent1"/>
+            </a:effectRef>
+            <a:fontRef idx="minor">
+              <a:schemeClr val="lt1"/>
+            </a:fontRef>
+          </p:style>
+        </p:sp>
+        <p:sp>
+          <p:nvSpPr>
+            <p:cNvPr id="13" name="Freeform 5"/>
             <p:cNvSpPr/>
             <p:nvPr/>
           </p:nvSpPr>
@@ -4251,12 +4521,9 @@
         </p:nvSpPr>
         <p:spPr>
           <a:xfrm>
-            <a:off x="1154954" y="2373525"/>
-            <a:ext cx="8865623" cy="1819656"/>
+            <a:off x="1154954" y="2370667"/>
+            <a:ext cx="8825660" cy="1822514"/>
           </a:xfrm>
-          <a:prstGeom prst="rect">
-            <a:avLst/>
-          </a:prstGeom>
         </p:spPr>
         <p:txBody>
           <a:bodyPr anchor="b"/>
@@ -4286,7 +4553,7 @@
         </p:nvSpPr>
         <p:spPr>
           <a:xfrm>
-            <a:off x="1154954" y="5029200"/>
+            <a:off x="1154954" y="5024967"/>
             <a:ext cx="8825659" cy="860400"/>
           </a:xfrm>
         </p:spPr>
@@ -4297,7 +4564,10 @@
               <a:buNone/>
               <a:defRPr sz="2000" cap="none">
                 <a:solidFill>
-                  <a:schemeClr val="accent1"/>
+                  <a:schemeClr val="accent1">
+                    <a:lumMod val="60000"/>
+                    <a:lumOff val="40000"/>
+                  </a:schemeClr>
                 </a:solidFill>
               </a:defRPr>
             </a:lvl1pPr>
@@ -4435,7 +4705,7 @@
       </p:sp>
       <p:sp>
         <p:nvSpPr>
-          <p:cNvPr id="10" name="Rectangle 9"/>
+          <p:cNvPr id="14" name="Rectangle 13"/>
           <p:cNvSpPr/>
           <p:nvPr/>
         </p:nvSpPr>
@@ -4495,7 +4765,7 @@
     </p:spTree>
     <p:extLst>
       <p:ext uri="{BB962C8B-B14F-4D97-AF65-F5344CB8AC3E}">
-        <p14:creationId xmlns:p14="http://schemas.microsoft.com/office/powerpoint/2010/main" val="2116135369"/>
+        <p14:creationId xmlns:p14="http://schemas.microsoft.com/office/powerpoint/2010/main" val="317417034"/>
       </p:ext>
     </p:extLst>
   </p:cSld>
@@ -4537,9 +4807,6 @@
             <a:off x="1154954" y="973668"/>
             <a:ext cx="8825659" cy="706964"/>
           </a:xfrm>
-          <a:prstGeom prst="rect">
-            <a:avLst/>
-          </a:prstGeom>
         </p:spPr>
         <p:txBody>
           <a:bodyPr/>
@@ -4569,8 +4836,8 @@
         </p:nvSpPr>
         <p:spPr>
           <a:xfrm>
-            <a:off x="1154954" y="2603500"/>
-            <a:ext cx="3129168" cy="576261"/>
+            <a:off x="1154954" y="2603502"/>
+            <a:ext cx="3141878" cy="576262"/>
           </a:xfrm>
         </p:spPr>
         <p:txBody>
@@ -4582,7 +4849,10 @@
               <a:buNone/>
               <a:defRPr sz="2400" b="0">
                 <a:solidFill>
-                  <a:schemeClr val="accent1"/>
+                  <a:schemeClr val="accent1">
+                    <a:lumMod val="60000"/>
+                    <a:lumOff val="40000"/>
+                  </a:schemeClr>
                 </a:solidFill>
               </a:defRPr>
             </a:lvl1pPr>
@@ -4640,8 +4910,8 @@
         </p:nvSpPr>
         <p:spPr>
           <a:xfrm>
-            <a:off x="1154954" y="3179764"/>
-            <a:ext cx="3129168" cy="2847290"/>
+            <a:off x="1154953" y="3179764"/>
+            <a:ext cx="3141879" cy="2847293"/>
           </a:xfrm>
         </p:spPr>
         <p:txBody>
@@ -4708,7 +4978,7 @@
         <p:spPr>
           <a:xfrm>
             <a:off x="4512721" y="2603500"/>
-            <a:ext cx="3145380" cy="576261"/>
+            <a:ext cx="3147009" cy="576262"/>
           </a:xfrm>
         </p:spPr>
         <p:txBody>
@@ -4720,7 +4990,10 @@
               <a:buNone/>
               <a:defRPr sz="2400" b="0">
                 <a:solidFill>
-                  <a:schemeClr val="accent1"/>
+                  <a:schemeClr val="accent1">
+                    <a:lumMod val="60000"/>
+                    <a:lumOff val="40000"/>
+                  </a:schemeClr>
                 </a:solidFill>
               </a:defRPr>
             </a:lvl1pPr>
@@ -4778,8 +5051,8 @@
         </p:nvSpPr>
         <p:spPr>
           <a:xfrm>
-            <a:off x="4512721" y="3179764"/>
-            <a:ext cx="3145380" cy="2847290"/>
+            <a:off x="4512721" y="3179763"/>
+            <a:ext cx="3147009" cy="2847293"/>
           </a:xfrm>
         </p:spPr>
         <p:txBody>
@@ -4845,8 +5118,8 @@
         </p:nvSpPr>
         <p:spPr>
           <a:xfrm>
-            <a:off x="7886700" y="2595032"/>
-            <a:ext cx="3161029" cy="584732"/>
+            <a:off x="7888135" y="2603501"/>
+            <a:ext cx="3145730" cy="576262"/>
           </a:xfrm>
         </p:spPr>
         <p:txBody>
@@ -4858,7 +5131,10 @@
               <a:buNone/>
               <a:defRPr sz="2400" b="0">
                 <a:solidFill>
-                  <a:schemeClr val="accent1"/>
+                  <a:schemeClr val="accent1">
+                    <a:lumMod val="60000"/>
+                    <a:lumOff val="40000"/>
+                  </a:schemeClr>
                 </a:solidFill>
               </a:defRPr>
             </a:lvl1pPr>
@@ -4916,8 +5192,8 @@
         </p:nvSpPr>
         <p:spPr>
           <a:xfrm>
-            <a:off x="7886700" y="3179764"/>
-            <a:ext cx="3161029" cy="2847290"/>
+            <a:off x="7888329" y="3179762"/>
+            <a:ext cx="3145536" cy="2847293"/>
           </a:xfrm>
         </p:spPr>
         <p:txBody>
@@ -4979,16 +5255,15 @@
         </p:nvCxnSpPr>
         <p:spPr>
           <a:xfrm>
-            <a:off x="4384991" y="2603500"/>
-            <a:ext cx="32564" cy="3423554"/>
+            <a:off x="4403971" y="2569633"/>
+            <a:ext cx="0" cy="3492499"/>
           </a:xfrm>
           <a:prstGeom prst="line">
             <a:avLst/>
           </a:prstGeom>
           <a:ln w="12700" cmpd="sng">
             <a:solidFill>
-              <a:schemeClr val="tx1">
-                <a:lumMod val="75000"/>
+              <a:schemeClr val="accent1">
                 <a:alpha val="40000"/>
               </a:schemeClr>
             </a:solidFill>
@@ -5017,16 +5292,15 @@
         </p:nvCxnSpPr>
         <p:spPr>
           <a:xfrm>
-            <a:off x="7775824" y="2603500"/>
-            <a:ext cx="0" cy="3423554"/>
+            <a:off x="7772401" y="2569633"/>
+            <a:ext cx="0" cy="3492499"/>
           </a:xfrm>
           <a:prstGeom prst="line">
             <a:avLst/>
           </a:prstGeom>
           <a:ln w="12700" cmpd="sng">
             <a:solidFill>
-              <a:schemeClr val="tx1">
-                <a:lumMod val="75000"/>
+              <a:schemeClr val="accent1">
                 <a:alpha val="40000"/>
               </a:schemeClr>
             </a:solidFill>
@@ -5115,7 +5389,7 @@
     </p:spTree>
     <p:extLst>
       <p:ext uri="{BB962C8B-B14F-4D97-AF65-F5344CB8AC3E}">
-        <p14:creationId xmlns:p14="http://schemas.microsoft.com/office/powerpoint/2010/main" val="2443120336"/>
+        <p14:creationId xmlns:p14="http://schemas.microsoft.com/office/powerpoint/2010/main" val="1928092515"/>
       </p:ext>
     </p:extLst>
   </p:cSld>
@@ -5157,12 +5431,9 @@
             <a:off x="1154954" y="973668"/>
             <a:ext cx="8825659" cy="706964"/>
           </a:xfrm>
-          <a:prstGeom prst="rect">
-            <a:avLst/>
-          </a:prstGeom>
         </p:spPr>
         <p:txBody>
-          <a:bodyPr anchor="ctr" anchorCtr="0"/>
+          <a:bodyPr/>
           <a:lstStyle>
             <a:lvl1pPr>
               <a:defRPr sz="3600"/>
@@ -5189,8 +5460,8 @@
         </p:nvSpPr>
         <p:spPr>
           <a:xfrm>
-            <a:off x="1154954" y="4532845"/>
-            <a:ext cx="3050438" cy="576260"/>
+            <a:off x="1154954" y="4532844"/>
+            <a:ext cx="3050438" cy="576262"/>
           </a:xfrm>
         </p:spPr>
         <p:txBody>
@@ -5202,7 +5473,10 @@
               <a:buNone/>
               <a:defRPr sz="2400" b="0">
                 <a:solidFill>
-                  <a:schemeClr val="accent1"/>
+                  <a:schemeClr val="accent1">
+                    <a:lumMod val="60000"/>
+                    <a:lumOff val="40000"/>
+                  </a:schemeClr>
                 </a:solidFill>
               </a:defRPr>
             </a:lvl1pPr>
@@ -5250,7 +5524,7 @@
       </p:sp>
       <p:sp>
         <p:nvSpPr>
-          <p:cNvPr id="29" name="Picture Placeholder 2"/>
+          <p:cNvPr id="19" name="Picture Placeholder 2"/>
           <p:cNvSpPr>
             <a:spLocks noGrp="1" noChangeAspect="1"/>
           </p:cNvSpPr>
@@ -5260,224 +5534,7 @@
         </p:nvSpPr>
         <p:spPr>
           <a:xfrm>
-            <a:off x="1334552" y="2610916"/>
-            <a:ext cx="2691242" cy="1584094"/>
-          </a:xfrm>
-          <a:prstGeom prst="roundRect">
-            <a:avLst>
-              <a:gd name="adj" fmla="val 1858"/>
-            </a:avLst>
-          </a:prstGeom>
-          <a:effectLst>
-            <a:outerShdw blurRad="50800" dist="50800" dir="5400000" algn="tl" rotWithShape="0">
-              <a:srgbClr val="000000">
-                <a:alpha val="43000"/>
-              </a:srgbClr>
-            </a:outerShdw>
-          </a:effectLst>
-        </p:spPr>
-        <p:txBody>
-          <a:bodyPr anchor="t">
-            <a:normAutofit/>
-          </a:bodyPr>
-          <a:lstStyle>
-            <a:lvl1pPr marL="0" indent="0" algn="ctr">
-              <a:buNone/>
-              <a:defRPr sz="1600"/>
-            </a:lvl1pPr>
-            <a:lvl2pPr marL="457200" indent="0">
-              <a:buNone/>
-              <a:defRPr sz="1600"/>
-            </a:lvl2pPr>
-            <a:lvl3pPr marL="914400" indent="0">
-              <a:buNone/>
-              <a:defRPr sz="1600"/>
-            </a:lvl3pPr>
-            <a:lvl4pPr marL="1371600" indent="0">
-              <a:buNone/>
-              <a:defRPr sz="1600"/>
-            </a:lvl4pPr>
-            <a:lvl5pPr marL="1828800" indent="0">
-              <a:buNone/>
-              <a:defRPr sz="1600"/>
-            </a:lvl5pPr>
-            <a:lvl6pPr marL="2286000" indent="0">
-              <a:buNone/>
-              <a:defRPr sz="1600"/>
-            </a:lvl6pPr>
-            <a:lvl7pPr marL="2743200" indent="0">
-              <a:buNone/>
-              <a:defRPr sz="1600"/>
-            </a:lvl7pPr>
-            <a:lvl8pPr marL="3200400" indent="0">
-              <a:buNone/>
-              <a:defRPr sz="1600"/>
-            </a:lvl8pPr>
-            <a:lvl9pPr marL="3657600" indent="0">
-              <a:buNone/>
-              <a:defRPr sz="1600"/>
-            </a:lvl9pPr>
-          </a:lstStyle>
-          <a:p>
-            <a:r>
-              <a:rPr lang="en-US"/>
-              <a:t>Click icon to add picture</a:t>
-            </a:r>
-            <a:endParaRPr lang="en-US" dirty="0"/>
-          </a:p>
-        </p:txBody>
-      </p:sp>
-      <p:sp>
-        <p:nvSpPr>
-          <p:cNvPr id="22" name="Text Placeholder 3"/>
-          <p:cNvSpPr>
-            <a:spLocks noGrp="1"/>
-          </p:cNvSpPr>
-          <p:nvPr>
-            <p:ph type="body" sz="half" idx="18"/>
-          </p:nvPr>
-        </p:nvSpPr>
-        <p:spPr>
-          <a:xfrm>
-            <a:off x="1154954" y="5109107"/>
-            <a:ext cx="3050438" cy="917949"/>
-          </a:xfrm>
-        </p:spPr>
-        <p:txBody>
-          <a:bodyPr anchor="t">
-            <a:normAutofit/>
-          </a:bodyPr>
-          <a:lstStyle>
-            <a:lvl1pPr marL="0" indent="0">
-              <a:buNone/>
-              <a:defRPr sz="1400"/>
-            </a:lvl1pPr>
-            <a:lvl2pPr marL="457200" indent="0">
-              <a:buNone/>
-              <a:defRPr sz="1200"/>
-            </a:lvl2pPr>
-            <a:lvl3pPr marL="914400" indent="0">
-              <a:buNone/>
-              <a:defRPr sz="1000"/>
-            </a:lvl3pPr>
-            <a:lvl4pPr marL="1371600" indent="0">
-              <a:buNone/>
-              <a:defRPr sz="900"/>
-            </a:lvl4pPr>
-            <a:lvl5pPr marL="1828800" indent="0">
-              <a:buNone/>
-              <a:defRPr sz="900"/>
-            </a:lvl5pPr>
-            <a:lvl6pPr marL="2286000" indent="0">
-              <a:buNone/>
-              <a:defRPr sz="900"/>
-            </a:lvl6pPr>
-            <a:lvl7pPr marL="2743200" indent="0">
-              <a:buNone/>
-              <a:defRPr sz="900"/>
-            </a:lvl7pPr>
-            <a:lvl8pPr marL="3200400" indent="0">
-              <a:buNone/>
-              <a:defRPr sz="900"/>
-            </a:lvl8pPr>
-            <a:lvl9pPr marL="3657600" indent="0">
-              <a:buNone/>
-              <a:defRPr sz="900"/>
-            </a:lvl9pPr>
-          </a:lstStyle>
-          <a:p>
-            <a:pPr lvl="0"/>
-            <a:r>
-              <a:rPr lang="en-US"/>
-              <a:t>Edit Master text styles</a:t>
-            </a:r>
-          </a:p>
-        </p:txBody>
-      </p:sp>
-      <p:sp>
-        <p:nvSpPr>
-          <p:cNvPr id="5" name="Text Placeholder 4"/>
-          <p:cNvSpPr>
-            <a:spLocks noGrp="1"/>
-          </p:cNvSpPr>
-          <p:nvPr>
-            <p:ph type="body" sz="quarter" idx="3"/>
-          </p:nvPr>
-        </p:nvSpPr>
-        <p:spPr>
-          <a:xfrm>
-            <a:off x="4568865" y="4532842"/>
-            <a:ext cx="3050438" cy="576262"/>
-          </a:xfrm>
-        </p:spPr>
-        <p:txBody>
-          <a:bodyPr anchor="b">
-            <a:noAutofit/>
-          </a:bodyPr>
-          <a:lstStyle>
-            <a:lvl1pPr marL="0" indent="0">
-              <a:buNone/>
-              <a:defRPr sz="2400" b="0">
-                <a:solidFill>
-                  <a:schemeClr val="accent1"/>
-                </a:solidFill>
-              </a:defRPr>
-            </a:lvl1pPr>
-            <a:lvl2pPr marL="457200" indent="0">
-              <a:buNone/>
-              <a:defRPr sz="2000" b="1"/>
-            </a:lvl2pPr>
-            <a:lvl3pPr marL="914400" indent="0">
-              <a:buNone/>
-              <a:defRPr sz="1800" b="1"/>
-            </a:lvl3pPr>
-            <a:lvl4pPr marL="1371600" indent="0">
-              <a:buNone/>
-              <a:defRPr sz="1600" b="1"/>
-            </a:lvl4pPr>
-            <a:lvl5pPr marL="1828800" indent="0">
-              <a:buNone/>
-              <a:defRPr sz="1600" b="1"/>
-            </a:lvl5pPr>
-            <a:lvl6pPr marL="2286000" indent="0">
-              <a:buNone/>
-              <a:defRPr sz="1600" b="1"/>
-            </a:lvl6pPr>
-            <a:lvl7pPr marL="2743200" indent="0">
-              <a:buNone/>
-              <a:defRPr sz="1600" b="1"/>
-            </a:lvl7pPr>
-            <a:lvl8pPr marL="3200400" indent="0">
-              <a:buNone/>
-              <a:defRPr sz="1600" b="1"/>
-            </a:lvl8pPr>
-            <a:lvl9pPr marL="3657600" indent="0">
-              <a:buNone/>
-              <a:defRPr sz="1600" b="1"/>
-            </a:lvl9pPr>
-          </a:lstStyle>
-          <a:p>
-            <a:pPr lvl="0"/>
-            <a:r>
-              <a:rPr lang="en-US"/>
-              <a:t>Edit Master text styles</a:t>
-            </a:r>
-          </a:p>
-        </p:txBody>
-      </p:sp>
-      <p:sp>
-        <p:nvSpPr>
-          <p:cNvPr id="30" name="Picture Placeholder 2"/>
-          <p:cNvSpPr>
-            <a:spLocks noGrp="1" noChangeAspect="1"/>
-          </p:cNvSpPr>
-          <p:nvPr>
-            <p:ph type="pic" idx="21"/>
-          </p:nvPr>
-        </p:nvSpPr>
-        <p:spPr>
-          <a:xfrm>
-            <a:off x="4748463" y="2603500"/>
+            <a:off x="1334553" y="2603500"/>
             <a:ext cx="2691242" cy="1591510"/>
           </a:xfrm>
           <a:prstGeom prst="roundRect">
@@ -5546,6 +5603,226 @@
       </p:sp>
       <p:sp>
         <p:nvSpPr>
+          <p:cNvPr id="22" name="Text Placeholder 3"/>
+          <p:cNvSpPr>
+            <a:spLocks noGrp="1"/>
+          </p:cNvSpPr>
+          <p:nvPr>
+            <p:ph type="body" sz="half" idx="18"/>
+          </p:nvPr>
+        </p:nvSpPr>
+        <p:spPr>
+          <a:xfrm>
+            <a:off x="1154954" y="5109106"/>
+            <a:ext cx="3050438" cy="917952"/>
+          </a:xfrm>
+        </p:spPr>
+        <p:txBody>
+          <a:bodyPr anchor="t">
+            <a:normAutofit/>
+          </a:bodyPr>
+          <a:lstStyle>
+            <a:lvl1pPr marL="0" indent="0">
+              <a:buNone/>
+              <a:defRPr sz="1400"/>
+            </a:lvl1pPr>
+            <a:lvl2pPr marL="457200" indent="0">
+              <a:buNone/>
+              <a:defRPr sz="1200"/>
+            </a:lvl2pPr>
+            <a:lvl3pPr marL="914400" indent="0">
+              <a:buNone/>
+              <a:defRPr sz="1000"/>
+            </a:lvl3pPr>
+            <a:lvl4pPr marL="1371600" indent="0">
+              <a:buNone/>
+              <a:defRPr sz="900"/>
+            </a:lvl4pPr>
+            <a:lvl5pPr marL="1828800" indent="0">
+              <a:buNone/>
+              <a:defRPr sz="900"/>
+            </a:lvl5pPr>
+            <a:lvl6pPr marL="2286000" indent="0">
+              <a:buNone/>
+              <a:defRPr sz="900"/>
+            </a:lvl6pPr>
+            <a:lvl7pPr marL="2743200" indent="0">
+              <a:buNone/>
+              <a:defRPr sz="900"/>
+            </a:lvl7pPr>
+            <a:lvl8pPr marL="3200400" indent="0">
+              <a:buNone/>
+              <a:defRPr sz="900"/>
+            </a:lvl8pPr>
+            <a:lvl9pPr marL="3657600" indent="0">
+              <a:buNone/>
+              <a:defRPr sz="900"/>
+            </a:lvl9pPr>
+          </a:lstStyle>
+          <a:p>
+            <a:pPr lvl="0"/>
+            <a:r>
+              <a:rPr lang="en-US"/>
+              <a:t>Edit Master text styles</a:t>
+            </a:r>
+          </a:p>
+        </p:txBody>
+      </p:sp>
+      <p:sp>
+        <p:nvSpPr>
+          <p:cNvPr id="5" name="Text Placeholder 4"/>
+          <p:cNvSpPr>
+            <a:spLocks noGrp="1"/>
+          </p:cNvSpPr>
+          <p:nvPr>
+            <p:ph type="body" sz="quarter" idx="3"/>
+          </p:nvPr>
+        </p:nvSpPr>
+        <p:spPr>
+          <a:xfrm>
+            <a:off x="4568865" y="4532844"/>
+            <a:ext cx="3050438" cy="576263"/>
+          </a:xfrm>
+        </p:spPr>
+        <p:txBody>
+          <a:bodyPr anchor="b">
+            <a:noAutofit/>
+          </a:bodyPr>
+          <a:lstStyle>
+            <a:lvl1pPr marL="0" indent="0">
+              <a:buNone/>
+              <a:defRPr sz="2400" b="0">
+                <a:solidFill>
+                  <a:schemeClr val="accent1">
+                    <a:lumMod val="60000"/>
+                    <a:lumOff val="40000"/>
+                  </a:schemeClr>
+                </a:solidFill>
+              </a:defRPr>
+            </a:lvl1pPr>
+            <a:lvl2pPr marL="457200" indent="0">
+              <a:buNone/>
+              <a:defRPr sz="2000" b="1"/>
+            </a:lvl2pPr>
+            <a:lvl3pPr marL="914400" indent="0">
+              <a:buNone/>
+              <a:defRPr sz="1800" b="1"/>
+            </a:lvl3pPr>
+            <a:lvl4pPr marL="1371600" indent="0">
+              <a:buNone/>
+              <a:defRPr sz="1600" b="1"/>
+            </a:lvl4pPr>
+            <a:lvl5pPr marL="1828800" indent="0">
+              <a:buNone/>
+              <a:defRPr sz="1600" b="1"/>
+            </a:lvl5pPr>
+            <a:lvl6pPr marL="2286000" indent="0">
+              <a:buNone/>
+              <a:defRPr sz="1600" b="1"/>
+            </a:lvl6pPr>
+            <a:lvl7pPr marL="2743200" indent="0">
+              <a:buNone/>
+              <a:defRPr sz="1600" b="1"/>
+            </a:lvl7pPr>
+            <a:lvl8pPr marL="3200400" indent="0">
+              <a:buNone/>
+              <a:defRPr sz="1600" b="1"/>
+            </a:lvl8pPr>
+            <a:lvl9pPr marL="3657600" indent="0">
+              <a:buNone/>
+              <a:defRPr sz="1600" b="1"/>
+            </a:lvl9pPr>
+          </a:lstStyle>
+          <a:p>
+            <a:pPr lvl="0"/>
+            <a:r>
+              <a:rPr lang="en-US"/>
+              <a:t>Edit Master text styles</a:t>
+            </a:r>
+          </a:p>
+        </p:txBody>
+      </p:sp>
+      <p:sp>
+        <p:nvSpPr>
+          <p:cNvPr id="41" name="Picture Placeholder 2"/>
+          <p:cNvSpPr>
+            <a:spLocks noGrp="1" noChangeAspect="1"/>
+          </p:cNvSpPr>
+          <p:nvPr>
+            <p:ph type="pic" idx="21"/>
+          </p:nvPr>
+        </p:nvSpPr>
+        <p:spPr>
+          <a:xfrm>
+            <a:off x="4748462" y="2603500"/>
+            <a:ext cx="2691243" cy="1591510"/>
+          </a:xfrm>
+          <a:prstGeom prst="roundRect">
+            <a:avLst>
+              <a:gd name="adj" fmla="val 1858"/>
+            </a:avLst>
+          </a:prstGeom>
+          <a:effectLst>
+            <a:outerShdw blurRad="50800" dist="50800" dir="5400000" algn="tl" rotWithShape="0">
+              <a:srgbClr val="000000">
+                <a:alpha val="43000"/>
+              </a:srgbClr>
+            </a:outerShdw>
+          </a:effectLst>
+        </p:spPr>
+        <p:txBody>
+          <a:bodyPr anchor="t">
+            <a:normAutofit/>
+          </a:bodyPr>
+          <a:lstStyle>
+            <a:lvl1pPr marL="0" indent="0" algn="ctr">
+              <a:buNone/>
+              <a:defRPr sz="1600"/>
+            </a:lvl1pPr>
+            <a:lvl2pPr marL="457200" indent="0">
+              <a:buNone/>
+              <a:defRPr sz="1600"/>
+            </a:lvl2pPr>
+            <a:lvl3pPr marL="914400" indent="0">
+              <a:buNone/>
+              <a:defRPr sz="1600"/>
+            </a:lvl3pPr>
+            <a:lvl4pPr marL="1371600" indent="0">
+              <a:buNone/>
+              <a:defRPr sz="1600"/>
+            </a:lvl4pPr>
+            <a:lvl5pPr marL="1828800" indent="0">
+              <a:buNone/>
+              <a:defRPr sz="1600"/>
+            </a:lvl5pPr>
+            <a:lvl6pPr marL="2286000" indent="0">
+              <a:buNone/>
+              <a:defRPr sz="1600"/>
+            </a:lvl6pPr>
+            <a:lvl7pPr marL="2743200" indent="0">
+              <a:buNone/>
+              <a:defRPr sz="1600"/>
+            </a:lvl7pPr>
+            <a:lvl8pPr marL="3200400" indent="0">
+              <a:buNone/>
+              <a:defRPr sz="1600"/>
+            </a:lvl8pPr>
+            <a:lvl9pPr marL="3657600" indent="0">
+              <a:buNone/>
+              <a:defRPr sz="1600"/>
+            </a:lvl9pPr>
+          </a:lstStyle>
+          <a:p>
+            <a:r>
+              <a:rPr lang="en-US"/>
+              <a:t>Click icon to add picture</a:t>
+            </a:r>
+            <a:endParaRPr lang="en-US" dirty="0"/>
+          </a:p>
+        </p:txBody>
+      </p:sp>
+      <p:sp>
+        <p:nvSpPr>
           <p:cNvPr id="23" name="Text Placeholder 3"/>
           <p:cNvSpPr>
             <a:spLocks noGrp="1"/>
@@ -5556,8 +5833,8 @@
         </p:nvSpPr>
         <p:spPr>
           <a:xfrm>
-            <a:off x="4568865" y="5109108"/>
-            <a:ext cx="3050438" cy="912578"/>
+            <a:off x="4570172" y="5109105"/>
+            <a:ext cx="3050438" cy="917952"/>
           </a:xfrm>
         </p:spPr>
         <p:txBody>
@@ -5623,8 +5900,8 @@
         </p:nvSpPr>
         <p:spPr>
           <a:xfrm>
-            <a:off x="7983433" y="4532842"/>
-            <a:ext cx="3050438" cy="576262"/>
+            <a:off x="7982775" y="4532845"/>
+            <a:ext cx="3051095" cy="576262"/>
           </a:xfrm>
         </p:spPr>
         <p:txBody>
@@ -5636,7 +5913,10 @@
               <a:buNone/>
               <a:defRPr sz="2400" b="0">
                 <a:solidFill>
-                  <a:schemeClr val="accent1"/>
+                  <a:schemeClr val="accent1">
+                    <a:lumMod val="60000"/>
+                    <a:lumOff val="40000"/>
+                  </a:schemeClr>
                 </a:solidFill>
               </a:defRPr>
             </a:lvl1pPr>
@@ -5684,7 +5964,7 @@
       </p:sp>
       <p:sp>
         <p:nvSpPr>
-          <p:cNvPr id="31" name="Picture Placeholder 2"/>
+          <p:cNvPr id="42" name="Picture Placeholder 2"/>
           <p:cNvSpPr>
             <a:spLocks noGrp="1" noChangeAspect="1"/>
           </p:cNvSpPr>
@@ -5773,8 +6053,8 @@
         </p:nvSpPr>
         <p:spPr>
           <a:xfrm>
-            <a:off x="7983433" y="5109107"/>
-            <a:ext cx="3050438" cy="917947"/>
+            <a:off x="7982775" y="5109104"/>
+            <a:ext cx="3051096" cy="917952"/>
           </a:xfrm>
         </p:spPr>
         <p:txBody>
@@ -5830,22 +6110,21 @@
       </p:sp>
       <p:cxnSp>
         <p:nvCxnSpPr>
-          <p:cNvPr id="17" name="Straight Connector 16"/>
+          <p:cNvPr id="43" name="Straight Connector 42"/>
           <p:cNvCxnSpPr/>
           <p:nvPr/>
         </p:nvCxnSpPr>
         <p:spPr>
           <a:xfrm>
-            <a:off x="4384245" y="2603500"/>
-            <a:ext cx="1" cy="3461811"/>
+            <a:off x="4405831" y="2569633"/>
+            <a:ext cx="0" cy="3492499"/>
           </a:xfrm>
           <a:prstGeom prst="line">
             <a:avLst/>
           </a:prstGeom>
           <a:ln w="12700" cmpd="sng">
             <a:solidFill>
-              <a:schemeClr val="tx1">
-                <a:lumMod val="75000"/>
+              <a:schemeClr val="accent1">
                 <a:alpha val="40000"/>
               </a:schemeClr>
             </a:solidFill>
@@ -5868,22 +6147,21 @@
       </p:cxnSp>
       <p:cxnSp>
         <p:nvCxnSpPr>
-          <p:cNvPr id="18" name="Straight Connector 17"/>
+          <p:cNvPr id="44" name="Straight Connector 43"/>
           <p:cNvCxnSpPr/>
           <p:nvPr/>
         </p:nvCxnSpPr>
         <p:spPr>
           <a:xfrm>
-            <a:off x="7807352" y="2603500"/>
-            <a:ext cx="0" cy="3461811"/>
+            <a:off x="7797802" y="2569633"/>
+            <a:ext cx="0" cy="3492499"/>
           </a:xfrm>
           <a:prstGeom prst="line">
             <a:avLst/>
           </a:prstGeom>
           <a:ln w="12700" cmpd="sng">
             <a:solidFill>
-              <a:schemeClr val="tx1">
-                <a:lumMod val="75000"/>
+              <a:schemeClr val="accent1">
                 <a:alpha val="40000"/>
               </a:schemeClr>
             </a:solidFill>
@@ -5937,7 +6215,12 @@
             <p:ph type="ftr" sz="quarter" idx="11"/>
           </p:nvPr>
         </p:nvSpPr>
-        <p:spPr/>
+        <p:spPr>
+          <a:xfrm>
+            <a:off x="561111" y="6391838"/>
+            <a:ext cx="3644282" cy="304801"/>
+          </a:xfrm>
+        </p:spPr>
         <p:txBody>
           <a:bodyPr/>
           <a:lstStyle/>
@@ -5972,7 +6255,7 @@
     </p:spTree>
     <p:extLst>
       <p:ext uri="{BB962C8B-B14F-4D97-AF65-F5344CB8AC3E}">
-        <p14:creationId xmlns:p14="http://schemas.microsoft.com/office/powerpoint/2010/main" val="3464377538"/>
+        <p14:creationId xmlns:p14="http://schemas.microsoft.com/office/powerpoint/2010/main" val="2513393240"/>
       </p:ext>
     </p:extLst>
   </p:cSld>
@@ -6014,9 +6297,6 @@
             <a:off x="1154954" y="973668"/>
             <a:ext cx="8825659" cy="706964"/>
           </a:xfrm>
-          <a:prstGeom prst="rect">
-            <a:avLst/>
-          </a:prstGeom>
         </p:spPr>
         <p:txBody>
           <a:bodyPr/>
@@ -6042,8 +6322,8 @@
         </p:nvSpPr>
         <p:spPr>
           <a:xfrm>
-            <a:off x="1154954" y="2595033"/>
-            <a:ext cx="8825659" cy="3424768"/>
+            <a:off x="1154954" y="2603500"/>
+            <a:ext cx="8825659" cy="3416300"/>
           </a:xfrm>
         </p:spPr>
         <p:txBody>
@@ -6097,7 +6377,12 @@
             <p:ph type="dt" sz="half" idx="10"/>
           </p:nvPr>
         </p:nvSpPr>
-        <p:spPr/>
+        <p:spPr>
+          <a:xfrm>
+            <a:off x="10695439" y="6391838"/>
+            <a:ext cx="990599" cy="304799"/>
+          </a:xfrm>
+        </p:spPr>
         <p:txBody>
           <a:bodyPr/>
           <a:lstStyle/>
@@ -6155,7 +6440,7 @@
     </p:spTree>
     <p:extLst>
       <p:ext uri="{BB962C8B-B14F-4D97-AF65-F5344CB8AC3E}">
-        <p14:creationId xmlns:p14="http://schemas.microsoft.com/office/powerpoint/2010/main" val="1914330421"/>
+        <p14:creationId xmlns:p14="http://schemas.microsoft.com/office/powerpoint/2010/main" val="3731165885"/>
       </p:ext>
     </p:extLst>
   </p:cSld>
@@ -6184,21 +6469,21 @@
       </p:grpSpPr>
       <p:grpSp>
         <p:nvGrpSpPr>
-          <p:cNvPr id="8" name="Group 7"/>
+          <p:cNvPr id="9" name="Group 8"/>
           <p:cNvGrpSpPr/>
           <p:nvPr/>
         </p:nvGrpSpPr>
         <p:grpSpPr>
           <a:xfrm>
-            <a:off x="-1588" y="0"/>
-            <a:ext cx="12193588" cy="6861555"/>
-            <a:chOff x="-1588" y="0"/>
-            <a:chExt cx="12193588" cy="6861555"/>
+            <a:off x="0" y="0"/>
+            <a:ext cx="12192000" cy="6858000"/>
+            <a:chOff x="0" y="0"/>
+            <a:chExt cx="12192000" cy="6858000"/>
           </a:xfrm>
         </p:grpSpPr>
         <p:sp>
           <p:nvSpPr>
-            <p:cNvPr id="15" name="Rectangle 14"/>
+            <p:cNvPr id="12" name="Rectangle 11"/>
             <p:cNvSpPr/>
             <p:nvPr/>
           </p:nvSpPr>
@@ -6215,15 +6500,14 @@
                 <a:duotone>
                   <a:schemeClr val="dk2">
                     <a:shade val="69000"/>
-                    <a:hueMod val="108000"/>
+                    <a:hueMod val="91000"/>
                     <a:satMod val="164000"/>
                     <a:lumMod val="74000"/>
                   </a:schemeClr>
                   <a:schemeClr val="dk2">
-                    <a:tint val="96000"/>
-                    <a:hueMod val="88000"/>
+                    <a:hueMod val="124000"/>
                     <a:satMod val="140000"/>
-                    <a:lumMod val="132000"/>
+                    <a:lumMod val="142000"/>
                   </a:schemeClr>
                 </a:duotone>
               </a:blip>
@@ -6254,14 +6538,14 @@
         </p:sp>
         <p:sp>
           <p:nvSpPr>
-            <p:cNvPr id="17" name="Oval 16"/>
+            <p:cNvPr id="15" name="Oval 14"/>
             <p:cNvSpPr/>
             <p:nvPr/>
           </p:nvSpPr>
           <p:spPr>
             <a:xfrm>
-              <a:off x="8761412" y="1828800"/>
-              <a:ext cx="2819400" cy="2819400"/>
+              <a:off x="0" y="2667000"/>
+              <a:ext cx="4191000" cy="4191000"/>
             </a:xfrm>
             <a:prstGeom prst="ellipse">
               <a:avLst/>
@@ -6270,17 +6554,17 @@
               <a:gsLst>
                 <a:gs pos="0">
                   <a:schemeClr val="accent5">
-                    <a:alpha val="7000"/>
+                    <a:alpha val="11000"/>
                   </a:schemeClr>
                 </a:gs>
-                <a:gs pos="69000">
+                <a:gs pos="75000">
                   <a:schemeClr val="accent5">
                     <a:alpha val="0"/>
                   </a:schemeClr>
                 </a:gs>
                 <a:gs pos="36000">
                   <a:schemeClr val="accent5">
-                    <a:alpha val="6000"/>
+                    <a:alpha val="10000"/>
                   </a:schemeClr>
                 </a:gs>
               </a:gsLst>
@@ -6311,14 +6595,14 @@
         </p:sp>
         <p:sp>
           <p:nvSpPr>
-            <p:cNvPr id="18" name="Oval 17"/>
+            <p:cNvPr id="16" name="Oval 15"/>
             <p:cNvSpPr/>
             <p:nvPr/>
           </p:nvSpPr>
           <p:spPr>
             <a:xfrm>
-              <a:off x="8761412" y="5870955"/>
-              <a:ext cx="990600" cy="990600"/>
+              <a:off x="0" y="2895600"/>
+              <a:ext cx="2362200" cy="2362200"/>
             </a:xfrm>
             <a:prstGeom prst="ellipse">
               <a:avLst/>
@@ -6327,17 +6611,17 @@
               <a:gsLst>
                 <a:gs pos="0">
                   <a:schemeClr val="accent5">
-                    <a:alpha val="14000"/>
+                    <a:alpha val="8000"/>
                   </a:schemeClr>
                 </a:gs>
-                <a:gs pos="66000">
+                <a:gs pos="72000">
                   <a:schemeClr val="accent5">
                     <a:alpha val="0"/>
                   </a:schemeClr>
                 </a:gs>
                 <a:gs pos="36000">
                   <a:schemeClr val="accent5">
-                    <a:alpha val="7000"/>
+                    <a:alpha val="8000"/>
                   </a:schemeClr>
                 </a:gs>
               </a:gsLst>
@@ -6368,14 +6652,14 @@
         </p:sp>
         <p:sp>
           <p:nvSpPr>
-            <p:cNvPr id="19" name="Oval 18"/>
+            <p:cNvPr id="18" name="Oval 17"/>
             <p:cNvSpPr/>
             <p:nvPr/>
           </p:nvSpPr>
           <p:spPr>
             <a:xfrm>
-              <a:off x="-1588" y="2667000"/>
-              <a:ext cx="4191000" cy="4191000"/>
+              <a:off x="8609012" y="5867400"/>
+              <a:ext cx="990600" cy="990600"/>
             </a:xfrm>
             <a:prstGeom prst="ellipse">
               <a:avLst/>
@@ -6384,17 +6668,17 @@
               <a:gsLst>
                 <a:gs pos="0">
                   <a:schemeClr val="accent5">
-                    <a:alpha val="11000"/>
+                    <a:alpha val="14000"/>
                   </a:schemeClr>
                 </a:gs>
-                <a:gs pos="75000">
+                <a:gs pos="66000">
                   <a:schemeClr val="accent5">
                     <a:alpha val="0"/>
                   </a:schemeClr>
                 </a:gs>
                 <a:gs pos="36000">
                   <a:schemeClr val="accent5">
-                    <a:alpha val="10000"/>
+                    <a:alpha val="7000"/>
                   </a:schemeClr>
                 </a:gs>
               </a:gsLst>
@@ -6425,7 +6709,158 @@
         </p:sp>
         <p:sp>
           <p:nvSpPr>
-            <p:cNvPr id="12" name="Freeform 5"/>
+            <p:cNvPr id="19" name="Oval 18"/>
+            <p:cNvSpPr/>
+            <p:nvPr/>
+          </p:nvSpPr>
+          <p:spPr>
+            <a:xfrm>
+              <a:off x="8609012" y="1676400"/>
+              <a:ext cx="2819400" cy="2819400"/>
+            </a:xfrm>
+            <a:prstGeom prst="ellipse">
+              <a:avLst/>
+            </a:prstGeom>
+            <a:gradFill flip="none" rotWithShape="1">
+              <a:gsLst>
+                <a:gs pos="0">
+                  <a:schemeClr val="accent5">
+                    <a:alpha val="7000"/>
+                  </a:schemeClr>
+                </a:gs>
+                <a:gs pos="69000">
+                  <a:schemeClr val="accent5">
+                    <a:alpha val="0"/>
+                  </a:schemeClr>
+                </a:gs>
+                <a:gs pos="36000">
+                  <a:schemeClr val="accent5">
+                    <a:alpha val="6000"/>
+                  </a:schemeClr>
+                </a:gs>
+              </a:gsLst>
+              <a:path path="circle">
+                <a:fillToRect l="50000" t="50000" r="50000" b="50000"/>
+              </a:path>
+              <a:tileRect/>
+            </a:gradFill>
+            <a:ln>
+              <a:noFill/>
+            </a:ln>
+            <a:effectLst/>
+          </p:spPr>
+          <p:style>
+            <a:lnRef idx="1">
+              <a:schemeClr val="accent1"/>
+            </a:lnRef>
+            <a:fillRef idx="3">
+              <a:schemeClr val="accent1"/>
+            </a:fillRef>
+            <a:effectRef idx="2">
+              <a:schemeClr val="accent1"/>
+            </a:effectRef>
+            <a:fontRef idx="minor">
+              <a:schemeClr val="lt1"/>
+            </a:fontRef>
+          </p:style>
+        </p:sp>
+        <p:sp>
+          <p:nvSpPr>
+            <p:cNvPr id="20" name="Oval 19"/>
+            <p:cNvSpPr/>
+            <p:nvPr/>
+          </p:nvSpPr>
+          <p:spPr>
+            <a:xfrm>
+              <a:off x="7999412" y="8464"/>
+              <a:ext cx="1600200" cy="1600200"/>
+            </a:xfrm>
+            <a:prstGeom prst="ellipse">
+              <a:avLst/>
+            </a:prstGeom>
+            <a:gradFill flip="none" rotWithShape="1">
+              <a:gsLst>
+                <a:gs pos="0">
+                  <a:schemeClr val="accent5">
+                    <a:alpha val="14000"/>
+                  </a:schemeClr>
+                </a:gs>
+                <a:gs pos="73000">
+                  <a:schemeClr val="accent5">
+                    <a:alpha val="0"/>
+                  </a:schemeClr>
+                </a:gs>
+                <a:gs pos="36000">
+                  <a:schemeClr val="accent5">
+                    <a:alpha val="7000"/>
+                  </a:schemeClr>
+                </a:gs>
+              </a:gsLst>
+              <a:path path="circle">
+                <a:fillToRect l="50000" t="50000" r="50000" b="50000"/>
+              </a:path>
+              <a:tileRect/>
+            </a:gradFill>
+            <a:ln>
+              <a:noFill/>
+            </a:ln>
+            <a:effectLst/>
+          </p:spPr>
+          <p:style>
+            <a:lnRef idx="1">
+              <a:schemeClr val="accent1"/>
+            </a:lnRef>
+            <a:fillRef idx="3">
+              <a:schemeClr val="accent1"/>
+            </a:fillRef>
+            <a:effectRef idx="2">
+              <a:schemeClr val="accent1"/>
+            </a:effectRef>
+            <a:fontRef idx="minor">
+              <a:schemeClr val="lt1"/>
+            </a:fontRef>
+          </p:style>
+        </p:sp>
+        <p:sp>
+          <p:nvSpPr>
+            <p:cNvPr id="7" name="Rectangle 6"/>
+            <p:cNvSpPr/>
+            <p:nvPr/>
+          </p:nvSpPr>
+          <p:spPr bwMode="gray">
+            <a:xfrm>
+              <a:off x="414867" y="402165"/>
+              <a:ext cx="6510866" cy="6053670"/>
+            </a:xfrm>
+            <a:prstGeom prst="rect">
+              <a:avLst/>
+            </a:prstGeom>
+            <a:solidFill>
+              <a:schemeClr val="bg1"/>
+            </a:solidFill>
+            <a:ln>
+              <a:noFill/>
+            </a:ln>
+            <a:effectLst/>
+          </p:spPr>
+          <p:style>
+            <a:lnRef idx="1">
+              <a:schemeClr val="accent1"/>
+            </a:lnRef>
+            <a:fillRef idx="3">
+              <a:schemeClr val="accent1"/>
+            </a:fillRef>
+            <a:effectRef idx="2">
+              <a:schemeClr val="accent1"/>
+            </a:effectRef>
+            <a:fontRef idx="minor">
+              <a:schemeClr val="lt1"/>
+            </a:fontRef>
+          </p:style>
+        </p:sp>
+        <p:sp>
+          <p:nvSpPr>
+            <p:cNvPr id="17" name="Freeform 5"/>
             <p:cNvSpPr/>
             <p:nvPr/>
           </p:nvSpPr>
@@ -6572,44 +7007,7 @@
         </p:sp>
         <p:sp>
           <p:nvSpPr>
-            <p:cNvPr id="13" name="Rectangle 12"/>
-            <p:cNvSpPr/>
-            <p:nvPr/>
-          </p:nvSpPr>
-          <p:spPr>
-            <a:xfrm>
-              <a:off x="414867" y="402165"/>
-              <a:ext cx="6510866" cy="6053670"/>
-            </a:xfrm>
-            <a:prstGeom prst="rect">
-              <a:avLst/>
-            </a:prstGeom>
-            <a:solidFill>
-              <a:schemeClr val="bg1"/>
-            </a:solidFill>
-            <a:ln>
-              <a:noFill/>
-            </a:ln>
-            <a:effectLst/>
-          </p:spPr>
-          <p:style>
-            <a:lnRef idx="1">
-              <a:schemeClr val="accent1"/>
-            </a:lnRef>
-            <a:fillRef idx="3">
-              <a:schemeClr val="accent1"/>
-            </a:fillRef>
-            <a:effectRef idx="2">
-              <a:schemeClr val="accent1"/>
-            </a:effectRef>
-            <a:fontRef idx="minor">
-              <a:schemeClr val="lt1"/>
-            </a:fontRef>
-          </p:style>
-        </p:sp>
-        <p:sp>
-          <p:nvSpPr>
-            <p:cNvPr id="14" name="Freeform 5"/>
+            <p:cNvPr id="10" name="Freeform 5"/>
             <p:cNvSpPr/>
             <p:nvPr/>
           </p:nvSpPr>
@@ -6793,7 +7191,7 @@
         </p:sp>
         <p:sp>
           <p:nvSpPr>
-            <p:cNvPr id="16" name="Freeform 5"/>
+            <p:cNvPr id="13" name="Freeform 5"/>
             <p:cNvSpPr>
               <a:spLocks noEditPoints="1"/>
             </p:cNvSpPr>
@@ -6868,12 +7266,9 @@
         </p:nvSpPr>
         <p:spPr>
           <a:xfrm>
-            <a:off x="8576756" y="1278466"/>
-            <a:ext cx="1441567" cy="4748591"/>
+            <a:off x="8585235" y="1278467"/>
+            <a:ext cx="1409965" cy="4748590"/>
           </a:xfrm>
-          <a:prstGeom prst="rect">
-            <a:avLst/>
-          </a:prstGeom>
         </p:spPr>
         <p:txBody>
           <a:bodyPr vert="eaVert" anchor="b" anchorCtr="0"/>
@@ -6899,8 +7294,8 @@
         </p:nvSpPr>
         <p:spPr>
           <a:xfrm>
-            <a:off x="1154954" y="1278465"/>
-            <a:ext cx="6256025" cy="4748591"/>
+            <a:off x="1154954" y="1278467"/>
+            <a:ext cx="6256025" cy="4748590"/>
           </a:xfrm>
         </p:spPr>
         <p:txBody>
@@ -6954,7 +7349,12 @@
             <p:ph type="dt" sz="half" idx="10"/>
           </p:nvPr>
         </p:nvSpPr>
-        <p:spPr/>
+        <p:spPr>
+          <a:xfrm>
+            <a:off x="10653104" y="6391838"/>
+            <a:ext cx="992135" cy="304799"/>
+          </a:xfrm>
+        </p:spPr>
         <p:txBody>
           <a:bodyPr/>
           <a:lstStyle/>
@@ -6988,7 +7388,7 @@
       </p:sp>
       <p:sp>
         <p:nvSpPr>
-          <p:cNvPr id="20" name="Rectangle 19"/>
+          <p:cNvPr id="14" name="Rectangle 13"/>
           <p:cNvSpPr/>
           <p:nvPr/>
         </p:nvSpPr>
@@ -7048,7 +7448,7 @@
     </p:spTree>
     <p:extLst>
       <p:ext uri="{BB962C8B-B14F-4D97-AF65-F5344CB8AC3E}">
-        <p14:creationId xmlns:p14="http://schemas.microsoft.com/office/powerpoint/2010/main" val="3496568581"/>
+        <p14:creationId xmlns:p14="http://schemas.microsoft.com/office/powerpoint/2010/main" val="3770963523"/>
       </p:ext>
     </p:extLst>
   </p:cSld>
@@ -7085,17 +7485,9 @@
             <p:ph type="title"/>
           </p:nvPr>
         </p:nvSpPr>
-        <p:spPr>
-          <a:xfrm>
-            <a:off x="1154954" y="973669"/>
-            <a:ext cx="8825659" cy="706964"/>
-          </a:xfrm>
-          <a:prstGeom prst="rect">
-            <a:avLst/>
-          </a:prstGeom>
-        </p:spPr>
+        <p:spPr/>
         <p:txBody>
-          <a:bodyPr anchor="ctr"/>
+          <a:bodyPr/>
           <a:lstStyle/>
           <a:p>
             <a:r>
@@ -7199,11 +7591,7 @@
         <p:spPr/>
         <p:txBody>
           <a:bodyPr/>
-          <a:lstStyle>
-            <a:lvl1pPr>
-              <a:defRPr sz="1000" b="1"/>
-            </a:lvl1pPr>
-          </a:lstStyle>
+          <a:lstStyle/>
           <a:p>
             <a:endParaRPr lang="en-US"/>
           </a:p>
@@ -7235,7 +7623,7 @@
     </p:spTree>
     <p:extLst>
       <p:ext uri="{BB962C8B-B14F-4D97-AF65-F5344CB8AC3E}">
-        <p14:creationId xmlns:p14="http://schemas.microsoft.com/office/powerpoint/2010/main" val="2799350207"/>
+        <p14:creationId xmlns:p14="http://schemas.microsoft.com/office/powerpoint/2010/main" val="68025818"/>
       </p:ext>
     </p:extLst>
   </p:cSld>
@@ -7264,21 +7652,21 @@
       </p:grpSpPr>
       <p:grpSp>
         <p:nvGrpSpPr>
-          <p:cNvPr id="17" name="Group 16"/>
+          <p:cNvPr id="8" name="Group 7"/>
           <p:cNvGrpSpPr/>
           <p:nvPr/>
         </p:nvGrpSpPr>
         <p:grpSpPr>
           <a:xfrm>
-            <a:off x="-1588" y="0"/>
-            <a:ext cx="12193588" cy="6861555"/>
-            <a:chOff x="-1588" y="0"/>
-            <a:chExt cx="12193588" cy="6861555"/>
+            <a:off x="0" y="0"/>
+            <a:ext cx="12192000" cy="6858000"/>
+            <a:chOff x="0" y="0"/>
+            <a:chExt cx="12192000" cy="6858000"/>
           </a:xfrm>
         </p:grpSpPr>
         <p:sp>
           <p:nvSpPr>
-            <p:cNvPr id="12" name="Rectangle 11"/>
+            <p:cNvPr id="14" name="Rectangle 13"/>
             <p:cNvSpPr/>
             <p:nvPr/>
           </p:nvSpPr>
@@ -7295,15 +7683,14 @@
                 <a:duotone>
                   <a:schemeClr val="dk2">
                     <a:shade val="69000"/>
-                    <a:hueMod val="108000"/>
+                    <a:hueMod val="91000"/>
                     <a:satMod val="164000"/>
                     <a:lumMod val="74000"/>
                   </a:schemeClr>
                   <a:schemeClr val="dk2">
-                    <a:tint val="96000"/>
-                    <a:hueMod val="88000"/>
+                    <a:hueMod val="124000"/>
                     <a:satMod val="140000"/>
-                    <a:lumMod val="132000"/>
+                    <a:lumMod val="142000"/>
                   </a:schemeClr>
                 </a:duotone>
               </a:blip>
@@ -7334,14 +7721,14 @@
         </p:sp>
         <p:sp>
           <p:nvSpPr>
-            <p:cNvPr id="14" name="Oval 13"/>
+            <p:cNvPr id="17" name="Oval 16"/>
             <p:cNvSpPr/>
             <p:nvPr/>
           </p:nvSpPr>
           <p:spPr>
             <a:xfrm>
-              <a:off x="8761412" y="1828800"/>
-              <a:ext cx="2819400" cy="2819400"/>
+              <a:off x="0" y="2667000"/>
+              <a:ext cx="4191000" cy="4191000"/>
             </a:xfrm>
             <a:prstGeom prst="ellipse">
               <a:avLst/>
@@ -7350,17 +7737,17 @@
               <a:gsLst>
                 <a:gs pos="0">
                   <a:schemeClr val="accent5">
-                    <a:alpha val="7000"/>
+                    <a:alpha val="11000"/>
                   </a:schemeClr>
                 </a:gs>
-                <a:gs pos="69000">
+                <a:gs pos="75000">
                   <a:schemeClr val="accent5">
                     <a:alpha val="0"/>
                   </a:schemeClr>
                 </a:gs>
                 <a:gs pos="36000">
                   <a:schemeClr val="accent5">
-                    <a:alpha val="6000"/>
+                    <a:alpha val="10000"/>
                   </a:schemeClr>
                 </a:gs>
               </a:gsLst>
@@ -7391,14 +7778,14 @@
         </p:sp>
         <p:sp>
           <p:nvSpPr>
-            <p:cNvPr id="15" name="Oval 14"/>
+            <p:cNvPr id="18" name="Oval 17"/>
             <p:cNvSpPr/>
             <p:nvPr/>
           </p:nvSpPr>
           <p:spPr>
             <a:xfrm>
-              <a:off x="8761412" y="5870955"/>
-              <a:ext cx="990600" cy="990600"/>
+              <a:off x="0" y="2895600"/>
+              <a:ext cx="2362200" cy="2362200"/>
             </a:xfrm>
             <a:prstGeom prst="ellipse">
               <a:avLst/>
@@ -7407,17 +7794,17 @@
               <a:gsLst>
                 <a:gs pos="0">
                   <a:schemeClr val="accent5">
-                    <a:alpha val="14000"/>
+                    <a:alpha val="8000"/>
                   </a:schemeClr>
                 </a:gs>
-                <a:gs pos="66000">
+                <a:gs pos="72000">
                   <a:schemeClr val="accent5">
                     <a:alpha val="0"/>
                   </a:schemeClr>
                 </a:gs>
                 <a:gs pos="36000">
                   <a:schemeClr val="accent5">
-                    <a:alpha val="7000"/>
+                    <a:alpha val="8000"/>
                   </a:schemeClr>
                 </a:gs>
               </a:gsLst>
@@ -7448,14 +7835,14 @@
         </p:sp>
         <p:sp>
           <p:nvSpPr>
-            <p:cNvPr id="16" name="Oval 15"/>
+            <p:cNvPr id="19" name="Oval 18"/>
             <p:cNvSpPr/>
             <p:nvPr/>
           </p:nvSpPr>
           <p:spPr>
             <a:xfrm>
-              <a:off x="-1588" y="2667000"/>
-              <a:ext cx="4191000" cy="4191000"/>
+              <a:off x="8609012" y="5867400"/>
+              <a:ext cx="990600" cy="990600"/>
             </a:xfrm>
             <a:prstGeom prst="ellipse">
               <a:avLst/>
@@ -7464,17 +7851,17 @@
               <a:gsLst>
                 <a:gs pos="0">
                   <a:schemeClr val="accent5">
-                    <a:alpha val="11000"/>
+                    <a:alpha val="14000"/>
                   </a:schemeClr>
                 </a:gs>
-                <a:gs pos="75000">
+                <a:gs pos="66000">
                   <a:schemeClr val="accent5">
                     <a:alpha val="0"/>
                   </a:schemeClr>
                 </a:gs>
                 <a:gs pos="36000">
                   <a:schemeClr val="accent5">
-                    <a:alpha val="10000"/>
+                    <a:alpha val="7000"/>
                   </a:schemeClr>
                 </a:gs>
               </a:gsLst>
@@ -7505,7 +7892,121 @@
         </p:sp>
         <p:sp>
           <p:nvSpPr>
-            <p:cNvPr id="9" name="Rectangle 8"/>
+            <p:cNvPr id="20" name="Oval 19"/>
+            <p:cNvSpPr/>
+            <p:nvPr/>
+          </p:nvSpPr>
+          <p:spPr>
+            <a:xfrm>
+              <a:off x="8609012" y="1676400"/>
+              <a:ext cx="2819400" cy="2819400"/>
+            </a:xfrm>
+            <a:prstGeom prst="ellipse">
+              <a:avLst/>
+            </a:prstGeom>
+            <a:gradFill flip="none" rotWithShape="1">
+              <a:gsLst>
+                <a:gs pos="0">
+                  <a:schemeClr val="accent5">
+                    <a:alpha val="7000"/>
+                  </a:schemeClr>
+                </a:gs>
+                <a:gs pos="69000">
+                  <a:schemeClr val="accent5">
+                    <a:alpha val="0"/>
+                  </a:schemeClr>
+                </a:gs>
+                <a:gs pos="36000">
+                  <a:schemeClr val="accent5">
+                    <a:alpha val="6000"/>
+                  </a:schemeClr>
+                </a:gs>
+              </a:gsLst>
+              <a:path path="circle">
+                <a:fillToRect l="50000" t="50000" r="50000" b="50000"/>
+              </a:path>
+              <a:tileRect/>
+            </a:gradFill>
+            <a:ln>
+              <a:noFill/>
+            </a:ln>
+            <a:effectLst/>
+          </p:spPr>
+          <p:style>
+            <a:lnRef idx="1">
+              <a:schemeClr val="accent1"/>
+            </a:lnRef>
+            <a:fillRef idx="3">
+              <a:schemeClr val="accent1"/>
+            </a:fillRef>
+            <a:effectRef idx="2">
+              <a:schemeClr val="accent1"/>
+            </a:effectRef>
+            <a:fontRef idx="minor">
+              <a:schemeClr val="lt1"/>
+            </a:fontRef>
+          </p:style>
+        </p:sp>
+        <p:sp>
+          <p:nvSpPr>
+            <p:cNvPr id="21" name="Oval 20"/>
+            <p:cNvSpPr/>
+            <p:nvPr/>
+          </p:nvSpPr>
+          <p:spPr>
+            <a:xfrm>
+              <a:off x="7999412" y="8464"/>
+              <a:ext cx="1600200" cy="1600200"/>
+            </a:xfrm>
+            <a:prstGeom prst="ellipse">
+              <a:avLst/>
+            </a:prstGeom>
+            <a:gradFill flip="none" rotWithShape="1">
+              <a:gsLst>
+                <a:gs pos="0">
+                  <a:schemeClr val="accent5">
+                    <a:alpha val="14000"/>
+                  </a:schemeClr>
+                </a:gs>
+                <a:gs pos="73000">
+                  <a:schemeClr val="accent5">
+                    <a:alpha val="0"/>
+                  </a:schemeClr>
+                </a:gs>
+                <a:gs pos="36000">
+                  <a:schemeClr val="accent5">
+                    <a:alpha val="7000"/>
+                  </a:schemeClr>
+                </a:gs>
+              </a:gsLst>
+              <a:path path="circle">
+                <a:fillToRect l="50000" t="50000" r="50000" b="50000"/>
+              </a:path>
+              <a:tileRect/>
+            </a:gradFill>
+            <a:ln>
+              <a:noFill/>
+            </a:ln>
+            <a:effectLst/>
+          </p:spPr>
+          <p:style>
+            <a:lnRef idx="1">
+              <a:schemeClr val="accent1"/>
+            </a:lnRef>
+            <a:fillRef idx="3">
+              <a:schemeClr val="accent1"/>
+            </a:fillRef>
+            <a:effectRef idx="2">
+              <a:schemeClr val="accent1"/>
+            </a:effectRef>
+            <a:fontRef idx="minor">
+              <a:schemeClr val="lt1"/>
+            </a:fontRef>
+          </p:style>
+        </p:sp>
+        <p:sp>
+          <p:nvSpPr>
+            <p:cNvPr id="10" name="Rectangle 9"/>
             <p:cNvSpPr/>
             <p:nvPr/>
           </p:nvSpPr>
@@ -7542,7 +8043,191 @@
         </p:sp>
         <p:sp>
           <p:nvSpPr>
-            <p:cNvPr id="8" name="Freeform 5"/>
+            <p:cNvPr id="11" name="Freeform 5"/>
+            <p:cNvSpPr/>
+            <p:nvPr/>
+          </p:nvSpPr>
+          <p:spPr bwMode="gray">
+            <a:xfrm rot="16200000">
+              <a:off x="3787244" y="2801721"/>
+              <a:ext cx="6053670" cy="1254558"/>
+            </a:xfrm>
+            <a:custGeom>
+              <a:avLst/>
+              <a:gdLst/>
+              <a:ahLst/>
+              <a:cxnLst/>
+              <a:rect l="l" t="t" r="r" b="b"/>
+              <a:pathLst>
+                <a:path w="10000" h="8000">
+                  <a:moveTo>
+                    <a:pt x="0" y="0"/>
+                  </a:moveTo>
+                  <a:lnTo>
+                    <a:pt x="0" y="7970"/>
+                  </a:lnTo>
+                  <a:lnTo>
+                    <a:pt x="10000" y="8000"/>
+                  </a:lnTo>
+                  <a:lnTo>
+                    <a:pt x="10000" y="7"/>
+                  </a:lnTo>
+                  <a:lnTo>
+                    <a:pt x="10000" y="7"/>
+                  </a:lnTo>
+                  <a:lnTo>
+                    <a:pt x="9773" y="156"/>
+                  </a:lnTo>
+                  <a:lnTo>
+                    <a:pt x="9547" y="298"/>
+                  </a:lnTo>
+                  <a:lnTo>
+                    <a:pt x="9320" y="437"/>
+                  </a:lnTo>
+                  <a:lnTo>
+                    <a:pt x="9092" y="556"/>
+                  </a:lnTo>
+                  <a:lnTo>
+                    <a:pt x="8865" y="676"/>
+                  </a:lnTo>
+                  <a:lnTo>
+                    <a:pt x="8637" y="788"/>
+                  </a:lnTo>
+                  <a:lnTo>
+                    <a:pt x="8412" y="884"/>
+                  </a:lnTo>
+                  <a:lnTo>
+                    <a:pt x="8184" y="975"/>
+                  </a:lnTo>
+                  <a:lnTo>
+                    <a:pt x="7957" y="1058"/>
+                  </a:lnTo>
+                  <a:lnTo>
+                    <a:pt x="7734" y="1130"/>
+                  </a:lnTo>
+                  <a:lnTo>
+                    <a:pt x="7508" y="1202"/>
+                  </a:lnTo>
+                  <a:lnTo>
+                    <a:pt x="7285" y="1262"/>
+                  </a:lnTo>
+                  <a:lnTo>
+                    <a:pt x="7062" y="1309"/>
+                  </a:lnTo>
+                  <a:lnTo>
+                    <a:pt x="6840" y="1358"/>
+                  </a:lnTo>
+                  <a:lnTo>
+                    <a:pt x="6620" y="1399"/>
+                  </a:lnTo>
+                  <a:lnTo>
+                    <a:pt x="6402" y="1428"/>
+                  </a:lnTo>
+                  <a:lnTo>
+                    <a:pt x="6184" y="1453"/>
+                  </a:lnTo>
+                  <a:lnTo>
+                    <a:pt x="5968" y="1477"/>
+                  </a:lnTo>
+                  <a:lnTo>
+                    <a:pt x="5755" y="1488"/>
+                  </a:lnTo>
+                  <a:lnTo>
+                    <a:pt x="5542" y="1500"/>
+                  </a:lnTo>
+                  <a:lnTo>
+                    <a:pt x="5332" y="1506"/>
+                  </a:lnTo>
+                  <a:lnTo>
+                    <a:pt x="5124" y="1500"/>
+                  </a:lnTo>
+                  <a:lnTo>
+                    <a:pt x="4918" y="1500"/>
+                  </a:lnTo>
+                  <a:lnTo>
+                    <a:pt x="4714" y="1488"/>
+                  </a:lnTo>
+                  <a:lnTo>
+                    <a:pt x="4514" y="1470"/>
+                  </a:lnTo>
+                  <a:lnTo>
+                    <a:pt x="4316" y="1453"/>
+                  </a:lnTo>
+                  <a:lnTo>
+                    <a:pt x="4122" y="1434"/>
+                  </a:lnTo>
+                  <a:lnTo>
+                    <a:pt x="3929" y="1405"/>
+                  </a:lnTo>
+                  <a:lnTo>
+                    <a:pt x="3739" y="1374"/>
+                  </a:lnTo>
+                  <a:lnTo>
+                    <a:pt x="3553" y="1346"/>
+                  </a:lnTo>
+                  <a:lnTo>
+                    <a:pt x="3190" y="1267"/>
+                  </a:lnTo>
+                  <a:lnTo>
+                    <a:pt x="2842" y="1183"/>
+                  </a:lnTo>
+                  <a:lnTo>
+                    <a:pt x="2508" y="1095"/>
+                  </a:lnTo>
+                  <a:lnTo>
+                    <a:pt x="2192" y="998"/>
+                  </a:lnTo>
+                  <a:lnTo>
+                    <a:pt x="1890" y="897"/>
+                  </a:lnTo>
+                  <a:lnTo>
+                    <a:pt x="1610" y="788"/>
+                  </a:lnTo>
+                  <a:lnTo>
+                    <a:pt x="1347" y="681"/>
+                  </a:lnTo>
+                  <a:lnTo>
+                    <a:pt x="1105" y="574"/>
+                  </a:lnTo>
+                  <a:lnTo>
+                    <a:pt x="883" y="473"/>
+                  </a:lnTo>
+                  <a:lnTo>
+                    <a:pt x="686" y="377"/>
+                  </a:lnTo>
+                  <a:lnTo>
+                    <a:pt x="508" y="286"/>
+                  </a:lnTo>
+                  <a:lnTo>
+                    <a:pt x="358" y="210"/>
+                  </a:lnTo>
+                  <a:lnTo>
+                    <a:pt x="232" y="138"/>
+                  </a:lnTo>
+                  <a:lnTo>
+                    <a:pt x="59" y="35"/>
+                  </a:lnTo>
+                  <a:lnTo>
+                    <a:pt x="0" y="0"/>
+                  </a:lnTo>
+                  <a:lnTo>
+                    <a:pt x="0" y="0"/>
+                  </a:lnTo>
+                  <a:close/>
+                </a:path>
+              </a:pathLst>
+            </a:custGeom>
+            <a:solidFill>
+              <a:schemeClr val="bg1"/>
+            </a:solidFill>
+            <a:ln>
+              <a:noFill/>
+            </a:ln>
+          </p:spPr>
+        </p:sp>
+        <p:sp>
+          <p:nvSpPr>
+            <p:cNvPr id="12" name="Freeform 5"/>
             <p:cNvSpPr/>
             <p:nvPr/>
           </p:nvSpPr>
@@ -7689,191 +8374,7 @@
         </p:sp>
         <p:sp>
           <p:nvSpPr>
-            <p:cNvPr id="7" name="Freeform 5"/>
-            <p:cNvSpPr/>
-            <p:nvPr/>
-          </p:nvSpPr>
-          <p:spPr bwMode="gray">
-            <a:xfrm rot="16200000">
-              <a:off x="3787244" y="2801721"/>
-              <a:ext cx="6053670" cy="1254558"/>
-            </a:xfrm>
-            <a:custGeom>
-              <a:avLst/>
-              <a:gdLst/>
-              <a:ahLst/>
-              <a:cxnLst/>
-              <a:rect l="l" t="t" r="r" b="b"/>
-              <a:pathLst>
-                <a:path w="10000" h="8000">
-                  <a:moveTo>
-                    <a:pt x="0" y="0"/>
-                  </a:moveTo>
-                  <a:lnTo>
-                    <a:pt x="0" y="7970"/>
-                  </a:lnTo>
-                  <a:lnTo>
-                    <a:pt x="10000" y="8000"/>
-                  </a:lnTo>
-                  <a:lnTo>
-                    <a:pt x="10000" y="7"/>
-                  </a:lnTo>
-                  <a:lnTo>
-                    <a:pt x="10000" y="7"/>
-                  </a:lnTo>
-                  <a:lnTo>
-                    <a:pt x="9773" y="156"/>
-                  </a:lnTo>
-                  <a:lnTo>
-                    <a:pt x="9547" y="298"/>
-                  </a:lnTo>
-                  <a:lnTo>
-                    <a:pt x="9320" y="437"/>
-                  </a:lnTo>
-                  <a:lnTo>
-                    <a:pt x="9092" y="556"/>
-                  </a:lnTo>
-                  <a:lnTo>
-                    <a:pt x="8865" y="676"/>
-                  </a:lnTo>
-                  <a:lnTo>
-                    <a:pt x="8637" y="788"/>
-                  </a:lnTo>
-                  <a:lnTo>
-                    <a:pt x="8412" y="884"/>
-                  </a:lnTo>
-                  <a:lnTo>
-                    <a:pt x="8184" y="975"/>
-                  </a:lnTo>
-                  <a:lnTo>
-                    <a:pt x="7957" y="1058"/>
-                  </a:lnTo>
-                  <a:lnTo>
-                    <a:pt x="7734" y="1130"/>
-                  </a:lnTo>
-                  <a:lnTo>
-                    <a:pt x="7508" y="1202"/>
-                  </a:lnTo>
-                  <a:lnTo>
-                    <a:pt x="7285" y="1262"/>
-                  </a:lnTo>
-                  <a:lnTo>
-                    <a:pt x="7062" y="1309"/>
-                  </a:lnTo>
-                  <a:lnTo>
-                    <a:pt x="6840" y="1358"/>
-                  </a:lnTo>
-                  <a:lnTo>
-                    <a:pt x="6620" y="1399"/>
-                  </a:lnTo>
-                  <a:lnTo>
-                    <a:pt x="6402" y="1428"/>
-                  </a:lnTo>
-                  <a:lnTo>
-                    <a:pt x="6184" y="1453"/>
-                  </a:lnTo>
-                  <a:lnTo>
-                    <a:pt x="5968" y="1477"/>
-                  </a:lnTo>
-                  <a:lnTo>
-                    <a:pt x="5755" y="1488"/>
-                  </a:lnTo>
-                  <a:lnTo>
-                    <a:pt x="5542" y="1500"/>
-                  </a:lnTo>
-                  <a:lnTo>
-                    <a:pt x="5332" y="1506"/>
-                  </a:lnTo>
-                  <a:lnTo>
-                    <a:pt x="5124" y="1500"/>
-                  </a:lnTo>
-                  <a:lnTo>
-                    <a:pt x="4918" y="1500"/>
-                  </a:lnTo>
-                  <a:lnTo>
-                    <a:pt x="4714" y="1488"/>
-                  </a:lnTo>
-                  <a:lnTo>
-                    <a:pt x="4514" y="1470"/>
-                  </a:lnTo>
-                  <a:lnTo>
-                    <a:pt x="4316" y="1453"/>
-                  </a:lnTo>
-                  <a:lnTo>
-                    <a:pt x="4122" y="1434"/>
-                  </a:lnTo>
-                  <a:lnTo>
-                    <a:pt x="3929" y="1405"/>
-                  </a:lnTo>
-                  <a:lnTo>
-                    <a:pt x="3739" y="1374"/>
-                  </a:lnTo>
-                  <a:lnTo>
-                    <a:pt x="3553" y="1346"/>
-                  </a:lnTo>
-                  <a:lnTo>
-                    <a:pt x="3190" y="1267"/>
-                  </a:lnTo>
-                  <a:lnTo>
-                    <a:pt x="2842" y="1183"/>
-                  </a:lnTo>
-                  <a:lnTo>
-                    <a:pt x="2508" y="1095"/>
-                  </a:lnTo>
-                  <a:lnTo>
-                    <a:pt x="2192" y="998"/>
-                  </a:lnTo>
-                  <a:lnTo>
-                    <a:pt x="1890" y="897"/>
-                  </a:lnTo>
-                  <a:lnTo>
-                    <a:pt x="1610" y="788"/>
-                  </a:lnTo>
-                  <a:lnTo>
-                    <a:pt x="1347" y="681"/>
-                  </a:lnTo>
-                  <a:lnTo>
-                    <a:pt x="1105" y="574"/>
-                  </a:lnTo>
-                  <a:lnTo>
-                    <a:pt x="883" y="473"/>
-                  </a:lnTo>
-                  <a:lnTo>
-                    <a:pt x="686" y="377"/>
-                  </a:lnTo>
-                  <a:lnTo>
-                    <a:pt x="508" y="286"/>
-                  </a:lnTo>
-                  <a:lnTo>
-                    <a:pt x="358" y="210"/>
-                  </a:lnTo>
-                  <a:lnTo>
-                    <a:pt x="232" y="138"/>
-                  </a:lnTo>
-                  <a:lnTo>
-                    <a:pt x="59" y="35"/>
-                  </a:lnTo>
-                  <a:lnTo>
-                    <a:pt x="0" y="0"/>
-                  </a:lnTo>
-                  <a:lnTo>
-                    <a:pt x="0" y="0"/>
-                  </a:lnTo>
-                  <a:close/>
-                </a:path>
-              </a:pathLst>
-            </a:custGeom>
-            <a:solidFill>
-              <a:schemeClr val="bg1"/>
-            </a:solidFill>
-            <a:ln>
-              <a:noFill/>
-            </a:ln>
-          </p:spPr>
-        </p:sp>
-        <p:sp>
-          <p:nvSpPr>
-            <p:cNvPr id="13" name="Freeform 5"/>
+            <p:cNvPr id="15" name="Freeform 5"/>
             <p:cNvSpPr>
               <a:spLocks noEditPoints="1"/>
             </p:cNvSpPr>
@@ -7948,15 +8449,12 @@
         </p:nvSpPr>
         <p:spPr>
           <a:xfrm>
-            <a:off x="1154956" y="2679192"/>
-            <a:ext cx="4343400" cy="2286000"/>
+            <a:off x="1154954" y="2677645"/>
+            <a:ext cx="4351025" cy="2283824"/>
           </a:xfrm>
-          <a:prstGeom prst="rect">
-            <a:avLst/>
-          </a:prstGeom>
         </p:spPr>
         <p:txBody>
-          <a:bodyPr anchor="ctr" anchorCtr="0"/>
+          <a:bodyPr anchor="ctr"/>
           <a:lstStyle>
             <a:lvl1pPr algn="l">
               <a:defRPr sz="4000" b="0" cap="none"/>
@@ -7983,18 +8481,21 @@
         </p:nvSpPr>
         <p:spPr>
           <a:xfrm>
-            <a:off x="6894576" y="2679192"/>
-            <a:ext cx="3758184" cy="2286000"/>
+            <a:off x="6895559" y="2677644"/>
+            <a:ext cx="3757545" cy="2283824"/>
           </a:xfrm>
         </p:spPr>
         <p:txBody>
-          <a:bodyPr anchor="ctr" anchorCtr="0"/>
+          <a:bodyPr anchor="ctr"/>
           <a:lstStyle>
             <a:lvl1pPr marL="0" indent="0" algn="l">
               <a:buNone/>
               <a:defRPr sz="2000" cap="all">
                 <a:solidFill>
-                  <a:schemeClr val="accent1"/>
+                  <a:schemeClr val="accent1">
+                    <a:lumMod val="60000"/>
+                    <a:lumOff val="40000"/>
+                  </a:schemeClr>
                 </a:solidFill>
               </a:defRPr>
             </a:lvl1pPr>
@@ -8124,11 +8625,7 @@
         <p:spPr/>
         <p:txBody>
           <a:bodyPr/>
-          <a:lstStyle>
-            <a:lvl1pPr>
-              <a:defRPr sz="1000" b="1"/>
-            </a:lvl1pPr>
-          </a:lstStyle>
+          <a:lstStyle/>
           <a:p>
             <a:endParaRPr lang="en-US"/>
           </a:p>
@@ -8136,7 +8633,7 @@
       </p:sp>
       <p:sp>
         <p:nvSpPr>
-          <p:cNvPr id="10" name="Rectangle 9"/>
+          <p:cNvPr id="16" name="Rectangle 15"/>
           <p:cNvSpPr/>
           <p:nvPr/>
         </p:nvSpPr>
@@ -8196,7 +8693,7 @@
     </p:spTree>
     <p:extLst>
       <p:ext uri="{BB962C8B-B14F-4D97-AF65-F5344CB8AC3E}">
-        <p14:creationId xmlns:p14="http://schemas.microsoft.com/office/powerpoint/2010/main" val="1740494135"/>
+        <p14:creationId xmlns:p14="http://schemas.microsoft.com/office/powerpoint/2010/main" val="4143014839"/>
       </p:ext>
     </p:extLst>
   </p:cSld>
@@ -8233,15 +8730,7 @@
             <p:ph type="title"/>
           </p:nvPr>
         </p:nvSpPr>
-        <p:spPr>
-          <a:xfrm>
-            <a:off x="1154953" y="969264"/>
-            <a:ext cx="8825659" cy="704088"/>
-          </a:xfrm>
-          <a:prstGeom prst="rect">
-            <a:avLst/>
-          </a:prstGeom>
-        </p:spPr>
+        <p:spPr/>
         <p:txBody>
           <a:bodyPr/>
           <a:lstStyle/>
@@ -8267,7 +8756,7 @@
         <p:spPr>
           <a:xfrm>
             <a:off x="1154954" y="2603500"/>
-            <a:ext cx="4828032" cy="3416301"/>
+            <a:ext cx="4825158" cy="3416301"/>
           </a:xfrm>
         </p:spPr>
         <p:txBody>
@@ -8325,8 +8814,8 @@
         </p:nvSpPr>
         <p:spPr>
           <a:xfrm>
-            <a:off x="6208776" y="2603500"/>
-            <a:ext cx="4828032" cy="3416300"/>
+            <a:off x="6208712" y="2603500"/>
+            <a:ext cx="4825159" cy="3416300"/>
           </a:xfrm>
         </p:spPr>
         <p:txBody>
@@ -8440,7 +8929,7 @@
     </p:spTree>
     <p:extLst>
       <p:ext uri="{BB962C8B-B14F-4D97-AF65-F5344CB8AC3E}">
-        <p14:creationId xmlns:p14="http://schemas.microsoft.com/office/powerpoint/2010/main" val="3148668684"/>
+        <p14:creationId xmlns:p14="http://schemas.microsoft.com/office/powerpoint/2010/main" val="3362893894"/>
       </p:ext>
     </p:extLst>
   </p:cSld>
@@ -8477,15 +8966,7 @@
             <p:ph type="title"/>
           </p:nvPr>
         </p:nvSpPr>
-        <p:spPr>
-          <a:xfrm>
-            <a:off x="1154954" y="969264"/>
-            <a:ext cx="8825659" cy="704088"/>
-          </a:xfrm>
-          <a:prstGeom prst="rect">
-            <a:avLst/>
-          </a:prstGeom>
-        </p:spPr>
+        <p:spPr/>
         <p:txBody>
           <a:bodyPr/>
           <a:lstStyle>
@@ -8514,8 +8995,8 @@
         </p:nvSpPr>
         <p:spPr>
           <a:xfrm>
-            <a:off x="1154954" y="2606040"/>
-            <a:ext cx="4828032" cy="576262"/>
+            <a:off x="1154954" y="2603500"/>
+            <a:ext cx="4825157" cy="576262"/>
           </a:xfrm>
         </p:spPr>
         <p:txBody>
@@ -8585,8 +9066,8 @@
         </p:nvSpPr>
         <p:spPr>
           <a:xfrm>
-            <a:off x="1154954" y="3198448"/>
-            <a:ext cx="4828032" cy="2843784"/>
+            <a:off x="1154954" y="3179762"/>
+            <a:ext cx="4825158" cy="2840039"/>
           </a:xfrm>
         </p:spPr>
         <p:txBody>
@@ -8644,8 +9125,8 @@
         </p:nvSpPr>
         <p:spPr>
           <a:xfrm>
-            <a:off x="6208776" y="2606040"/>
-            <a:ext cx="4828032" cy="576262"/>
+            <a:off x="6208712" y="2603500"/>
+            <a:ext cx="4825159" cy="576262"/>
           </a:xfrm>
         </p:spPr>
         <p:txBody>
@@ -8715,15 +9196,43 @@
         </p:nvSpPr>
         <p:spPr>
           <a:xfrm>
-            <a:off x="6208711" y="3187921"/>
-            <a:ext cx="4825160" cy="2854311"/>
+            <a:off x="6208712" y="3179762"/>
+            <a:ext cx="4825159" cy="2840039"/>
           </a:xfrm>
         </p:spPr>
         <p:txBody>
           <a:bodyPr>
             <a:normAutofit/>
           </a:bodyPr>
-          <a:lstStyle/>
+          <a:lstStyle>
+            <a:lvl1pPr>
+              <a:defRPr sz="1800"/>
+            </a:lvl1pPr>
+            <a:lvl2pPr>
+              <a:defRPr sz="1600"/>
+            </a:lvl2pPr>
+            <a:lvl3pPr>
+              <a:defRPr sz="1400"/>
+            </a:lvl3pPr>
+            <a:lvl4pPr>
+              <a:defRPr sz="1200"/>
+            </a:lvl4pPr>
+            <a:lvl5pPr>
+              <a:defRPr sz="1200"/>
+            </a:lvl5pPr>
+            <a:lvl6pPr>
+              <a:defRPr sz="1200"/>
+            </a:lvl6pPr>
+            <a:lvl7pPr>
+              <a:defRPr sz="1200"/>
+            </a:lvl7pPr>
+            <a:lvl8pPr>
+              <a:defRPr sz="1200"/>
+            </a:lvl8pPr>
+            <a:lvl9pPr>
+              <a:defRPr sz="1200"/>
+            </a:lvl9pPr>
+          </a:lstStyle>
           <a:p>
             <a:pPr lvl="0"/>
             <a:r>
@@ -8830,7 +9339,7 @@
     </p:spTree>
     <p:extLst>
       <p:ext uri="{BB962C8B-B14F-4D97-AF65-F5344CB8AC3E}">
-        <p14:creationId xmlns:p14="http://schemas.microsoft.com/office/powerpoint/2010/main" val="1848775154"/>
+        <p14:creationId xmlns:p14="http://schemas.microsoft.com/office/powerpoint/2010/main" val="2482906323"/>
       </p:ext>
     </p:extLst>
   </p:cSld>
@@ -8859,7 +9368,7 @@
       </p:grpSpPr>
       <p:sp>
         <p:nvSpPr>
-          <p:cNvPr id="2" name="Title 1"/>
+          <p:cNvPr id="9" name="Title 1"/>
           <p:cNvSpPr>
             <a:spLocks noGrp="1"/>
           </p:cNvSpPr>
@@ -8869,16 +9378,17 @@
         </p:nvSpPr>
         <p:spPr>
           <a:xfrm>
-            <a:off x="1152144" y="969264"/>
-            <a:ext cx="8825659" cy="704088"/>
+            <a:off x="1154954" y="973668"/>
+            <a:ext cx="8761413" cy="706964"/>
           </a:xfrm>
-          <a:prstGeom prst="rect">
-            <a:avLst/>
-          </a:prstGeom>
         </p:spPr>
         <p:txBody>
           <a:bodyPr/>
-          <a:lstStyle/>
+          <a:lstStyle>
+            <a:lvl1pPr>
+              <a:defRPr/>
+            </a:lvl1pPr>
+          </a:lstStyle>
           <a:p>
             <a:r>
               <a:rPr lang="en-US"/>
@@ -8956,7 +9466,7 @@
     </p:spTree>
     <p:extLst>
       <p:ext uri="{BB962C8B-B14F-4D97-AF65-F5344CB8AC3E}">
-        <p14:creationId xmlns:p14="http://schemas.microsoft.com/office/powerpoint/2010/main" val="478477893"/>
+        <p14:creationId xmlns:p14="http://schemas.microsoft.com/office/powerpoint/2010/main" val="2029105796"/>
       </p:ext>
     </p:extLst>
   </p:cSld>
@@ -9027,7 +9537,7 @@
       </p:sp>
       <p:sp>
         <p:nvSpPr>
-          <p:cNvPr id="6" name="Rectangle 5"/>
+          <p:cNvPr id="7" name="Rectangle 6"/>
           <p:cNvSpPr/>
           <p:nvPr/>
         </p:nvSpPr>
@@ -9087,7 +9597,7 @@
     </p:spTree>
     <p:extLst>
       <p:ext uri="{BB962C8B-B14F-4D97-AF65-F5344CB8AC3E}">
-        <p14:creationId xmlns:p14="http://schemas.microsoft.com/office/powerpoint/2010/main" val="262077954"/>
+        <p14:creationId xmlns:p14="http://schemas.microsoft.com/office/powerpoint/2010/main" val="361377279"/>
       </p:ext>
     </p:extLst>
   </p:cSld>
@@ -9116,21 +9626,21 @@
       </p:grpSpPr>
       <p:grpSp>
         <p:nvGrpSpPr>
-          <p:cNvPr id="18" name="Group 17"/>
+          <p:cNvPr id="9" name="Group 8"/>
           <p:cNvGrpSpPr/>
           <p:nvPr/>
         </p:nvGrpSpPr>
         <p:grpSpPr>
           <a:xfrm>
-            <a:off x="-1588" y="0"/>
-            <a:ext cx="12193588" cy="6861555"/>
-            <a:chOff x="-1588" y="0"/>
-            <a:chExt cx="12193588" cy="6861555"/>
+            <a:off x="0" y="0"/>
+            <a:ext cx="12192000" cy="6858000"/>
+            <a:chOff x="0" y="0"/>
+            <a:chExt cx="12192000" cy="6858000"/>
           </a:xfrm>
         </p:grpSpPr>
         <p:sp>
           <p:nvSpPr>
-            <p:cNvPr id="12" name="Rectangle 11"/>
+            <p:cNvPr id="14" name="Rectangle 13"/>
             <p:cNvSpPr/>
             <p:nvPr/>
           </p:nvSpPr>
@@ -9147,15 +9657,14 @@
                 <a:duotone>
                   <a:schemeClr val="dk2">
                     <a:shade val="69000"/>
-                    <a:hueMod val="108000"/>
+                    <a:hueMod val="91000"/>
                     <a:satMod val="164000"/>
                     <a:lumMod val="74000"/>
                   </a:schemeClr>
                   <a:schemeClr val="dk2">
-                    <a:tint val="96000"/>
-                    <a:hueMod val="88000"/>
+                    <a:hueMod val="124000"/>
                     <a:satMod val="140000"/>
-                    <a:lumMod val="132000"/>
+                    <a:lumMod val="142000"/>
                   </a:schemeClr>
                 </a:duotone>
               </a:blip>
@@ -9186,14 +9695,14 @@
         </p:sp>
         <p:sp>
           <p:nvSpPr>
-            <p:cNvPr id="15" name="Oval 14"/>
+            <p:cNvPr id="17" name="Oval 16"/>
             <p:cNvSpPr/>
             <p:nvPr/>
           </p:nvSpPr>
           <p:spPr>
             <a:xfrm>
-              <a:off x="8761412" y="1828800"/>
-              <a:ext cx="2819400" cy="2819400"/>
+              <a:off x="0" y="2667000"/>
+              <a:ext cx="4191000" cy="4191000"/>
             </a:xfrm>
             <a:prstGeom prst="ellipse">
               <a:avLst/>
@@ -9202,17 +9711,17 @@
               <a:gsLst>
                 <a:gs pos="0">
                   <a:schemeClr val="accent5">
-                    <a:alpha val="7000"/>
+                    <a:alpha val="11000"/>
                   </a:schemeClr>
                 </a:gs>
-                <a:gs pos="69000">
+                <a:gs pos="75000">
                   <a:schemeClr val="accent5">
                     <a:alpha val="0"/>
                   </a:schemeClr>
                 </a:gs>
                 <a:gs pos="36000">
                   <a:schemeClr val="accent5">
-                    <a:alpha val="6000"/>
+                    <a:alpha val="10000"/>
                   </a:schemeClr>
                 </a:gs>
               </a:gsLst>
@@ -9243,14 +9752,14 @@
         </p:sp>
         <p:sp>
           <p:nvSpPr>
-            <p:cNvPr id="16" name="Oval 15"/>
+            <p:cNvPr id="19" name="Oval 18"/>
             <p:cNvSpPr/>
             <p:nvPr/>
           </p:nvSpPr>
           <p:spPr>
             <a:xfrm>
-              <a:off x="8761412" y="5870955"/>
-              <a:ext cx="990600" cy="990600"/>
+              <a:off x="0" y="2895600"/>
+              <a:ext cx="2362200" cy="2362200"/>
             </a:xfrm>
             <a:prstGeom prst="ellipse">
               <a:avLst/>
@@ -9259,17 +9768,17 @@
               <a:gsLst>
                 <a:gs pos="0">
                   <a:schemeClr val="accent5">
-                    <a:alpha val="14000"/>
+                    <a:alpha val="8000"/>
                   </a:schemeClr>
                 </a:gs>
-                <a:gs pos="66000">
+                <a:gs pos="72000">
                   <a:schemeClr val="accent5">
                     <a:alpha val="0"/>
                   </a:schemeClr>
                 </a:gs>
                 <a:gs pos="36000">
                   <a:schemeClr val="accent5">
-                    <a:alpha val="7000"/>
+                    <a:alpha val="8000"/>
                   </a:schemeClr>
                 </a:gs>
               </a:gsLst>
@@ -9300,14 +9809,14 @@
         </p:sp>
         <p:sp>
           <p:nvSpPr>
-            <p:cNvPr id="17" name="Oval 16"/>
+            <p:cNvPr id="20" name="Oval 19"/>
             <p:cNvSpPr/>
             <p:nvPr/>
           </p:nvSpPr>
           <p:spPr>
             <a:xfrm>
-              <a:off x="-1588" y="2667000"/>
-              <a:ext cx="4191000" cy="4191000"/>
+              <a:off x="8609012" y="5867400"/>
+              <a:ext cx="990600" cy="990600"/>
             </a:xfrm>
             <a:prstGeom prst="ellipse">
               <a:avLst/>
@@ -9316,17 +9825,17 @@
               <a:gsLst>
                 <a:gs pos="0">
                   <a:schemeClr val="accent5">
-                    <a:alpha val="11000"/>
+                    <a:alpha val="14000"/>
                   </a:schemeClr>
                 </a:gs>
-                <a:gs pos="75000">
+                <a:gs pos="66000">
                   <a:schemeClr val="accent5">
                     <a:alpha val="0"/>
                   </a:schemeClr>
                 </a:gs>
                 <a:gs pos="36000">
                   <a:schemeClr val="accent5">
-                    <a:alpha val="10000"/>
+                    <a:alpha val="7000"/>
                   </a:schemeClr>
                 </a:gs>
               </a:gsLst>
@@ -9357,11 +9866,125 @@
         </p:sp>
         <p:sp>
           <p:nvSpPr>
-            <p:cNvPr id="8" name="Rectangle 7"/>
+            <p:cNvPr id="21" name="Oval 20"/>
             <p:cNvSpPr/>
             <p:nvPr/>
           </p:nvSpPr>
           <p:spPr>
+            <a:xfrm>
+              <a:off x="8609012" y="1676400"/>
+              <a:ext cx="2819400" cy="2819400"/>
+            </a:xfrm>
+            <a:prstGeom prst="ellipse">
+              <a:avLst/>
+            </a:prstGeom>
+            <a:gradFill flip="none" rotWithShape="1">
+              <a:gsLst>
+                <a:gs pos="0">
+                  <a:schemeClr val="accent5">
+                    <a:alpha val="7000"/>
+                  </a:schemeClr>
+                </a:gs>
+                <a:gs pos="69000">
+                  <a:schemeClr val="accent5">
+                    <a:alpha val="0"/>
+                  </a:schemeClr>
+                </a:gs>
+                <a:gs pos="36000">
+                  <a:schemeClr val="accent5">
+                    <a:alpha val="6000"/>
+                  </a:schemeClr>
+                </a:gs>
+              </a:gsLst>
+              <a:path path="circle">
+                <a:fillToRect l="50000" t="50000" r="50000" b="50000"/>
+              </a:path>
+              <a:tileRect/>
+            </a:gradFill>
+            <a:ln>
+              <a:noFill/>
+            </a:ln>
+            <a:effectLst/>
+          </p:spPr>
+          <p:style>
+            <a:lnRef idx="1">
+              <a:schemeClr val="accent1"/>
+            </a:lnRef>
+            <a:fillRef idx="3">
+              <a:schemeClr val="accent1"/>
+            </a:fillRef>
+            <a:effectRef idx="2">
+              <a:schemeClr val="accent1"/>
+            </a:effectRef>
+            <a:fontRef idx="minor">
+              <a:schemeClr val="lt1"/>
+            </a:fontRef>
+          </p:style>
+        </p:sp>
+        <p:sp>
+          <p:nvSpPr>
+            <p:cNvPr id="22" name="Oval 21"/>
+            <p:cNvSpPr/>
+            <p:nvPr/>
+          </p:nvSpPr>
+          <p:spPr>
+            <a:xfrm>
+              <a:off x="7999412" y="8464"/>
+              <a:ext cx="1600200" cy="1600200"/>
+            </a:xfrm>
+            <a:prstGeom prst="ellipse">
+              <a:avLst/>
+            </a:prstGeom>
+            <a:gradFill flip="none" rotWithShape="1">
+              <a:gsLst>
+                <a:gs pos="0">
+                  <a:schemeClr val="accent5">
+                    <a:alpha val="14000"/>
+                  </a:schemeClr>
+                </a:gs>
+                <a:gs pos="73000">
+                  <a:schemeClr val="accent5">
+                    <a:alpha val="0"/>
+                  </a:schemeClr>
+                </a:gs>
+                <a:gs pos="36000">
+                  <a:schemeClr val="accent5">
+                    <a:alpha val="7000"/>
+                  </a:schemeClr>
+                </a:gs>
+              </a:gsLst>
+              <a:path path="circle">
+                <a:fillToRect l="50000" t="50000" r="50000" b="50000"/>
+              </a:path>
+              <a:tileRect/>
+            </a:gradFill>
+            <a:ln>
+              <a:noFill/>
+            </a:ln>
+            <a:effectLst/>
+          </p:spPr>
+          <p:style>
+            <a:lnRef idx="1">
+              <a:schemeClr val="accent1"/>
+            </a:lnRef>
+            <a:fillRef idx="3">
+              <a:schemeClr val="accent1"/>
+            </a:fillRef>
+            <a:effectRef idx="2">
+              <a:schemeClr val="accent1"/>
+            </a:effectRef>
+            <a:fontRef idx="minor">
+              <a:schemeClr val="lt1"/>
+            </a:fontRef>
+          </p:style>
+        </p:sp>
+        <p:sp>
+          <p:nvSpPr>
+            <p:cNvPr id="11" name="Rectangle 10"/>
+            <p:cNvSpPr/>
+            <p:nvPr/>
+          </p:nvSpPr>
+          <p:spPr bwMode="gray">
             <a:xfrm>
               <a:off x="5713412" y="402165"/>
               <a:ext cx="6055253" cy="6053670"/>
@@ -9394,191 +10017,7 @@
         </p:sp>
         <p:sp>
           <p:nvSpPr>
-            <p:cNvPr id="9" name="Freeform 5"/>
-            <p:cNvSpPr/>
-            <p:nvPr/>
-          </p:nvSpPr>
-          <p:spPr bwMode="gray">
-            <a:xfrm rot="16200000">
-              <a:off x="2229377" y="2801721"/>
-              <a:ext cx="6053670" cy="1254558"/>
-            </a:xfrm>
-            <a:custGeom>
-              <a:avLst/>
-              <a:gdLst/>
-              <a:ahLst/>
-              <a:cxnLst/>
-              <a:rect l="l" t="t" r="r" b="b"/>
-              <a:pathLst>
-                <a:path w="10000" h="8000">
-                  <a:moveTo>
-                    <a:pt x="0" y="0"/>
-                  </a:moveTo>
-                  <a:lnTo>
-                    <a:pt x="0" y="7970"/>
-                  </a:lnTo>
-                  <a:lnTo>
-                    <a:pt x="10000" y="8000"/>
-                  </a:lnTo>
-                  <a:lnTo>
-                    <a:pt x="10000" y="7"/>
-                  </a:lnTo>
-                  <a:lnTo>
-                    <a:pt x="10000" y="7"/>
-                  </a:lnTo>
-                  <a:lnTo>
-                    <a:pt x="9773" y="156"/>
-                  </a:lnTo>
-                  <a:lnTo>
-                    <a:pt x="9547" y="298"/>
-                  </a:lnTo>
-                  <a:lnTo>
-                    <a:pt x="9320" y="437"/>
-                  </a:lnTo>
-                  <a:lnTo>
-                    <a:pt x="9092" y="556"/>
-                  </a:lnTo>
-                  <a:lnTo>
-                    <a:pt x="8865" y="676"/>
-                  </a:lnTo>
-                  <a:lnTo>
-                    <a:pt x="8637" y="788"/>
-                  </a:lnTo>
-                  <a:lnTo>
-                    <a:pt x="8412" y="884"/>
-                  </a:lnTo>
-                  <a:lnTo>
-                    <a:pt x="8184" y="975"/>
-                  </a:lnTo>
-                  <a:lnTo>
-                    <a:pt x="7957" y="1058"/>
-                  </a:lnTo>
-                  <a:lnTo>
-                    <a:pt x="7734" y="1130"/>
-                  </a:lnTo>
-                  <a:lnTo>
-                    <a:pt x="7508" y="1202"/>
-                  </a:lnTo>
-                  <a:lnTo>
-                    <a:pt x="7285" y="1262"/>
-                  </a:lnTo>
-                  <a:lnTo>
-                    <a:pt x="7062" y="1309"/>
-                  </a:lnTo>
-                  <a:lnTo>
-                    <a:pt x="6840" y="1358"/>
-                  </a:lnTo>
-                  <a:lnTo>
-                    <a:pt x="6620" y="1399"/>
-                  </a:lnTo>
-                  <a:lnTo>
-                    <a:pt x="6402" y="1428"/>
-                  </a:lnTo>
-                  <a:lnTo>
-                    <a:pt x="6184" y="1453"/>
-                  </a:lnTo>
-                  <a:lnTo>
-                    <a:pt x="5968" y="1477"/>
-                  </a:lnTo>
-                  <a:lnTo>
-                    <a:pt x="5755" y="1488"/>
-                  </a:lnTo>
-                  <a:lnTo>
-                    <a:pt x="5542" y="1500"/>
-                  </a:lnTo>
-                  <a:lnTo>
-                    <a:pt x="5332" y="1506"/>
-                  </a:lnTo>
-                  <a:lnTo>
-                    <a:pt x="5124" y="1500"/>
-                  </a:lnTo>
-                  <a:lnTo>
-                    <a:pt x="4918" y="1500"/>
-                  </a:lnTo>
-                  <a:lnTo>
-                    <a:pt x="4714" y="1488"/>
-                  </a:lnTo>
-                  <a:lnTo>
-                    <a:pt x="4514" y="1470"/>
-                  </a:lnTo>
-                  <a:lnTo>
-                    <a:pt x="4316" y="1453"/>
-                  </a:lnTo>
-                  <a:lnTo>
-                    <a:pt x="4122" y="1434"/>
-                  </a:lnTo>
-                  <a:lnTo>
-                    <a:pt x="3929" y="1405"/>
-                  </a:lnTo>
-                  <a:lnTo>
-                    <a:pt x="3739" y="1374"/>
-                  </a:lnTo>
-                  <a:lnTo>
-                    <a:pt x="3553" y="1346"/>
-                  </a:lnTo>
-                  <a:lnTo>
-                    <a:pt x="3190" y="1267"/>
-                  </a:lnTo>
-                  <a:lnTo>
-                    <a:pt x="2842" y="1183"/>
-                  </a:lnTo>
-                  <a:lnTo>
-                    <a:pt x="2508" y="1095"/>
-                  </a:lnTo>
-                  <a:lnTo>
-                    <a:pt x="2192" y="998"/>
-                  </a:lnTo>
-                  <a:lnTo>
-                    <a:pt x="1890" y="897"/>
-                  </a:lnTo>
-                  <a:lnTo>
-                    <a:pt x="1610" y="788"/>
-                  </a:lnTo>
-                  <a:lnTo>
-                    <a:pt x="1347" y="681"/>
-                  </a:lnTo>
-                  <a:lnTo>
-                    <a:pt x="1105" y="574"/>
-                  </a:lnTo>
-                  <a:lnTo>
-                    <a:pt x="883" y="473"/>
-                  </a:lnTo>
-                  <a:lnTo>
-                    <a:pt x="686" y="377"/>
-                  </a:lnTo>
-                  <a:lnTo>
-                    <a:pt x="508" y="286"/>
-                  </a:lnTo>
-                  <a:lnTo>
-                    <a:pt x="358" y="210"/>
-                  </a:lnTo>
-                  <a:lnTo>
-                    <a:pt x="232" y="138"/>
-                  </a:lnTo>
-                  <a:lnTo>
-                    <a:pt x="59" y="35"/>
-                  </a:lnTo>
-                  <a:lnTo>
-                    <a:pt x="0" y="0"/>
-                  </a:lnTo>
-                  <a:lnTo>
-                    <a:pt x="0" y="0"/>
-                  </a:lnTo>
-                  <a:close/>
-                </a:path>
-              </a:pathLst>
-            </a:custGeom>
-            <a:solidFill>
-              <a:schemeClr val="bg1"/>
-            </a:solidFill>
-            <a:ln>
-              <a:noFill/>
-            </a:ln>
-          </p:spPr>
-        </p:sp>
-        <p:sp>
-          <p:nvSpPr>
-            <p:cNvPr id="10" name="Freeform 5"/>
+            <p:cNvPr id="18" name="Freeform 5"/>
             <p:cNvSpPr/>
             <p:nvPr/>
           </p:nvSpPr>
@@ -9725,7 +10164,191 @@
         </p:sp>
         <p:sp>
           <p:nvSpPr>
-            <p:cNvPr id="14" name="Freeform 5"/>
+            <p:cNvPr id="12" name="Freeform 5"/>
+            <p:cNvSpPr/>
+            <p:nvPr/>
+          </p:nvSpPr>
+          <p:spPr bwMode="gray">
+            <a:xfrm rot="16200000">
+              <a:off x="2229377" y="2801721"/>
+              <a:ext cx="6053670" cy="1254558"/>
+            </a:xfrm>
+            <a:custGeom>
+              <a:avLst/>
+              <a:gdLst/>
+              <a:ahLst/>
+              <a:cxnLst/>
+              <a:rect l="l" t="t" r="r" b="b"/>
+              <a:pathLst>
+                <a:path w="10000" h="8000">
+                  <a:moveTo>
+                    <a:pt x="0" y="0"/>
+                  </a:moveTo>
+                  <a:lnTo>
+                    <a:pt x="0" y="7970"/>
+                  </a:lnTo>
+                  <a:lnTo>
+                    <a:pt x="10000" y="8000"/>
+                  </a:lnTo>
+                  <a:lnTo>
+                    <a:pt x="10000" y="7"/>
+                  </a:lnTo>
+                  <a:lnTo>
+                    <a:pt x="10000" y="7"/>
+                  </a:lnTo>
+                  <a:lnTo>
+                    <a:pt x="9773" y="156"/>
+                  </a:lnTo>
+                  <a:lnTo>
+                    <a:pt x="9547" y="298"/>
+                  </a:lnTo>
+                  <a:lnTo>
+                    <a:pt x="9320" y="437"/>
+                  </a:lnTo>
+                  <a:lnTo>
+                    <a:pt x="9092" y="556"/>
+                  </a:lnTo>
+                  <a:lnTo>
+                    <a:pt x="8865" y="676"/>
+                  </a:lnTo>
+                  <a:lnTo>
+                    <a:pt x="8637" y="788"/>
+                  </a:lnTo>
+                  <a:lnTo>
+                    <a:pt x="8412" y="884"/>
+                  </a:lnTo>
+                  <a:lnTo>
+                    <a:pt x="8184" y="975"/>
+                  </a:lnTo>
+                  <a:lnTo>
+                    <a:pt x="7957" y="1058"/>
+                  </a:lnTo>
+                  <a:lnTo>
+                    <a:pt x="7734" y="1130"/>
+                  </a:lnTo>
+                  <a:lnTo>
+                    <a:pt x="7508" y="1202"/>
+                  </a:lnTo>
+                  <a:lnTo>
+                    <a:pt x="7285" y="1262"/>
+                  </a:lnTo>
+                  <a:lnTo>
+                    <a:pt x="7062" y="1309"/>
+                  </a:lnTo>
+                  <a:lnTo>
+                    <a:pt x="6840" y="1358"/>
+                  </a:lnTo>
+                  <a:lnTo>
+                    <a:pt x="6620" y="1399"/>
+                  </a:lnTo>
+                  <a:lnTo>
+                    <a:pt x="6402" y="1428"/>
+                  </a:lnTo>
+                  <a:lnTo>
+                    <a:pt x="6184" y="1453"/>
+                  </a:lnTo>
+                  <a:lnTo>
+                    <a:pt x="5968" y="1477"/>
+                  </a:lnTo>
+                  <a:lnTo>
+                    <a:pt x="5755" y="1488"/>
+                  </a:lnTo>
+                  <a:lnTo>
+                    <a:pt x="5542" y="1500"/>
+                  </a:lnTo>
+                  <a:lnTo>
+                    <a:pt x="5332" y="1506"/>
+                  </a:lnTo>
+                  <a:lnTo>
+                    <a:pt x="5124" y="1500"/>
+                  </a:lnTo>
+                  <a:lnTo>
+                    <a:pt x="4918" y="1500"/>
+                  </a:lnTo>
+                  <a:lnTo>
+                    <a:pt x="4714" y="1488"/>
+                  </a:lnTo>
+                  <a:lnTo>
+                    <a:pt x="4514" y="1470"/>
+                  </a:lnTo>
+                  <a:lnTo>
+                    <a:pt x="4316" y="1453"/>
+                  </a:lnTo>
+                  <a:lnTo>
+                    <a:pt x="4122" y="1434"/>
+                  </a:lnTo>
+                  <a:lnTo>
+                    <a:pt x="3929" y="1405"/>
+                  </a:lnTo>
+                  <a:lnTo>
+                    <a:pt x="3739" y="1374"/>
+                  </a:lnTo>
+                  <a:lnTo>
+                    <a:pt x="3553" y="1346"/>
+                  </a:lnTo>
+                  <a:lnTo>
+                    <a:pt x="3190" y="1267"/>
+                  </a:lnTo>
+                  <a:lnTo>
+                    <a:pt x="2842" y="1183"/>
+                  </a:lnTo>
+                  <a:lnTo>
+                    <a:pt x="2508" y="1095"/>
+                  </a:lnTo>
+                  <a:lnTo>
+                    <a:pt x="2192" y="998"/>
+                  </a:lnTo>
+                  <a:lnTo>
+                    <a:pt x="1890" y="897"/>
+                  </a:lnTo>
+                  <a:lnTo>
+                    <a:pt x="1610" y="788"/>
+                  </a:lnTo>
+                  <a:lnTo>
+                    <a:pt x="1347" y="681"/>
+                  </a:lnTo>
+                  <a:lnTo>
+                    <a:pt x="1105" y="574"/>
+                  </a:lnTo>
+                  <a:lnTo>
+                    <a:pt x="883" y="473"/>
+                  </a:lnTo>
+                  <a:lnTo>
+                    <a:pt x="686" y="377"/>
+                  </a:lnTo>
+                  <a:lnTo>
+                    <a:pt x="508" y="286"/>
+                  </a:lnTo>
+                  <a:lnTo>
+                    <a:pt x="358" y="210"/>
+                  </a:lnTo>
+                  <a:lnTo>
+                    <a:pt x="232" y="138"/>
+                  </a:lnTo>
+                  <a:lnTo>
+                    <a:pt x="59" y="35"/>
+                  </a:lnTo>
+                  <a:lnTo>
+                    <a:pt x="0" y="0"/>
+                  </a:lnTo>
+                  <a:lnTo>
+                    <a:pt x="0" y="0"/>
+                  </a:lnTo>
+                  <a:close/>
+                </a:path>
+              </a:pathLst>
+            </a:custGeom>
+            <a:solidFill>
+              <a:schemeClr val="bg1"/>
+            </a:solidFill>
+            <a:ln>
+              <a:noFill/>
+            </a:ln>
+          </p:spPr>
+        </p:sp>
+        <p:sp>
+          <p:nvSpPr>
+            <p:cNvPr id="15" name="Freeform 5"/>
             <p:cNvSpPr>
               <a:spLocks noEditPoints="1"/>
             </p:cNvSpPr>
@@ -9800,12 +10423,9 @@
         </p:nvSpPr>
         <p:spPr>
           <a:xfrm>
-            <a:off x="1154953" y="1298448"/>
-            <a:ext cx="2793159" cy="1597152"/>
+            <a:off x="1154955" y="1295400"/>
+            <a:ext cx="2793158" cy="1600200"/>
           </a:xfrm>
-          <a:prstGeom prst="rect">
-            <a:avLst/>
-          </a:prstGeom>
         </p:spPr>
         <p:txBody>
           <a:bodyPr anchor="b"/>
@@ -9835,8 +10455,8 @@
         </p:nvSpPr>
         <p:spPr>
           <a:xfrm>
-            <a:off x="5779008" y="1447800"/>
-            <a:ext cx="5195997" cy="4572000"/>
+            <a:off x="5781146" y="1447800"/>
+            <a:ext cx="5190066" cy="4572000"/>
           </a:xfrm>
         </p:spPr>
         <p:txBody>
@@ -9894,8 +10514,8 @@
         </p:nvSpPr>
         <p:spPr bwMode="gray">
           <a:xfrm>
-            <a:off x="1154953" y="3129280"/>
-            <a:ext cx="2793159" cy="2895599"/>
+            <a:off x="1154954" y="3129280"/>
+            <a:ext cx="2793158" cy="2895599"/>
           </a:xfrm>
         </p:spPr>
         <p:txBody>
@@ -9905,9 +10525,9 @@
               <a:buNone/>
               <a:defRPr sz="1400">
                 <a:solidFill>
-                  <a:schemeClr val="tx2">
-                    <a:lumMod val="40000"/>
-                    <a:lumOff val="60000"/>
+                  <a:schemeClr val="accent1">
+                    <a:lumMod val="60000"/>
+                    <a:lumOff val="40000"/>
                   </a:schemeClr>
                 </a:solidFill>
               </a:defRPr>
@@ -9998,7 +10618,7 @@
       </p:sp>
       <p:sp>
         <p:nvSpPr>
-          <p:cNvPr id="13" name="Rectangle 12"/>
+          <p:cNvPr id="16" name="Rectangle 15"/>
           <p:cNvSpPr/>
           <p:nvPr/>
         </p:nvSpPr>
@@ -10058,7 +10678,7 @@
     </p:spTree>
     <p:extLst>
       <p:ext uri="{BB962C8B-B14F-4D97-AF65-F5344CB8AC3E}">
-        <p14:creationId xmlns:p14="http://schemas.microsoft.com/office/powerpoint/2010/main" val="764577644"/>
+        <p14:creationId xmlns:p14="http://schemas.microsoft.com/office/powerpoint/2010/main" val="1996250984"/>
       </p:ext>
     </p:extLst>
   </p:cSld>
@@ -10087,21 +10707,21 @@
       </p:grpSpPr>
       <p:grpSp>
         <p:nvGrpSpPr>
-          <p:cNvPr id="18" name="Group 17"/>
+          <p:cNvPr id="9" name="Group 8"/>
           <p:cNvGrpSpPr/>
           <p:nvPr/>
         </p:nvGrpSpPr>
         <p:grpSpPr>
           <a:xfrm>
-            <a:off x="-1588" y="0"/>
-            <a:ext cx="12193588" cy="6861555"/>
-            <a:chOff x="-1588" y="0"/>
-            <a:chExt cx="12193588" cy="6861555"/>
+            <a:off x="0" y="0"/>
+            <a:ext cx="12192000" cy="6858000"/>
+            <a:chOff x="0" y="0"/>
+            <a:chExt cx="12192000" cy="6858000"/>
           </a:xfrm>
         </p:grpSpPr>
         <p:sp>
           <p:nvSpPr>
-            <p:cNvPr id="12" name="Rectangle 11"/>
+            <p:cNvPr id="14" name="Rectangle 13"/>
             <p:cNvSpPr/>
             <p:nvPr/>
           </p:nvSpPr>
@@ -10118,15 +10738,14 @@
                 <a:duotone>
                   <a:schemeClr val="dk2">
                     <a:shade val="69000"/>
-                    <a:hueMod val="108000"/>
+                    <a:hueMod val="91000"/>
                     <a:satMod val="164000"/>
                     <a:lumMod val="74000"/>
                   </a:schemeClr>
                   <a:schemeClr val="dk2">
-                    <a:tint val="96000"/>
-                    <a:hueMod val="88000"/>
+                    <a:hueMod val="124000"/>
                     <a:satMod val="140000"/>
-                    <a:lumMod val="132000"/>
+                    <a:lumMod val="142000"/>
                   </a:schemeClr>
                 </a:duotone>
               </a:blip>
@@ -10157,14 +10776,14 @@
         </p:sp>
         <p:sp>
           <p:nvSpPr>
-            <p:cNvPr id="15" name="Oval 14"/>
+            <p:cNvPr id="17" name="Oval 16"/>
             <p:cNvSpPr/>
             <p:nvPr/>
           </p:nvSpPr>
           <p:spPr>
             <a:xfrm>
-              <a:off x="8761412" y="1828800"/>
-              <a:ext cx="2819400" cy="2819400"/>
+              <a:off x="0" y="2667000"/>
+              <a:ext cx="4191000" cy="4191000"/>
             </a:xfrm>
             <a:prstGeom prst="ellipse">
               <a:avLst/>
@@ -10173,17 +10792,17 @@
               <a:gsLst>
                 <a:gs pos="0">
                   <a:schemeClr val="accent5">
-                    <a:alpha val="7000"/>
+                    <a:alpha val="11000"/>
                   </a:schemeClr>
                 </a:gs>
-                <a:gs pos="69000">
+                <a:gs pos="75000">
                   <a:schemeClr val="accent5">
                     <a:alpha val="0"/>
                   </a:schemeClr>
                 </a:gs>
                 <a:gs pos="36000">
                   <a:schemeClr val="accent5">
-                    <a:alpha val="6000"/>
+                    <a:alpha val="10000"/>
                   </a:schemeClr>
                 </a:gs>
               </a:gsLst>
@@ -10214,14 +10833,14 @@
         </p:sp>
         <p:sp>
           <p:nvSpPr>
-            <p:cNvPr id="16" name="Oval 15"/>
+            <p:cNvPr id="18" name="Oval 17"/>
             <p:cNvSpPr/>
             <p:nvPr/>
           </p:nvSpPr>
           <p:spPr>
             <a:xfrm>
-              <a:off x="8761412" y="5870955"/>
-              <a:ext cx="990600" cy="990600"/>
+              <a:off x="0" y="2895600"/>
+              <a:ext cx="2362200" cy="2362200"/>
             </a:xfrm>
             <a:prstGeom prst="ellipse">
               <a:avLst/>
@@ -10230,17 +10849,17 @@
               <a:gsLst>
                 <a:gs pos="0">
                   <a:schemeClr val="accent5">
-                    <a:alpha val="14000"/>
+                    <a:alpha val="8000"/>
                   </a:schemeClr>
                 </a:gs>
-                <a:gs pos="66000">
+                <a:gs pos="72000">
                   <a:schemeClr val="accent5">
                     <a:alpha val="0"/>
                   </a:schemeClr>
                 </a:gs>
                 <a:gs pos="36000">
                   <a:schemeClr val="accent5">
-                    <a:alpha val="7000"/>
+                    <a:alpha val="8000"/>
                   </a:schemeClr>
                 </a:gs>
               </a:gsLst>
@@ -10271,14 +10890,14 @@
         </p:sp>
         <p:sp>
           <p:nvSpPr>
-            <p:cNvPr id="17" name="Oval 16"/>
+            <p:cNvPr id="19" name="Oval 18"/>
             <p:cNvSpPr/>
             <p:nvPr/>
           </p:nvSpPr>
           <p:spPr>
             <a:xfrm>
-              <a:off x="-1588" y="2667000"/>
-              <a:ext cx="4191000" cy="4191000"/>
+              <a:off x="8609012" y="5867400"/>
+              <a:ext cx="990600" cy="990600"/>
             </a:xfrm>
             <a:prstGeom prst="ellipse">
               <a:avLst/>
@@ -10287,17 +10906,17 @@
               <a:gsLst>
                 <a:gs pos="0">
                   <a:schemeClr val="accent5">
-                    <a:alpha val="11000"/>
+                    <a:alpha val="14000"/>
                   </a:schemeClr>
                 </a:gs>
-                <a:gs pos="75000">
+                <a:gs pos="66000">
                   <a:schemeClr val="accent5">
                     <a:alpha val="0"/>
                   </a:schemeClr>
                 </a:gs>
                 <a:gs pos="36000">
                   <a:schemeClr val="accent5">
-                    <a:alpha val="10000"/>
+                    <a:alpha val="7000"/>
                   </a:schemeClr>
                 </a:gs>
               </a:gsLst>
@@ -10328,11 +10947,125 @@
         </p:sp>
         <p:sp>
           <p:nvSpPr>
-            <p:cNvPr id="8" name="Rectangle 7"/>
+            <p:cNvPr id="20" name="Oval 19"/>
             <p:cNvSpPr/>
             <p:nvPr/>
           </p:nvSpPr>
           <p:spPr>
+            <a:xfrm>
+              <a:off x="8609012" y="1676400"/>
+              <a:ext cx="2819400" cy="2819400"/>
+            </a:xfrm>
+            <a:prstGeom prst="ellipse">
+              <a:avLst/>
+            </a:prstGeom>
+            <a:gradFill flip="none" rotWithShape="1">
+              <a:gsLst>
+                <a:gs pos="0">
+                  <a:schemeClr val="accent5">
+                    <a:alpha val="7000"/>
+                  </a:schemeClr>
+                </a:gs>
+                <a:gs pos="69000">
+                  <a:schemeClr val="accent5">
+                    <a:alpha val="0"/>
+                  </a:schemeClr>
+                </a:gs>
+                <a:gs pos="36000">
+                  <a:schemeClr val="accent5">
+                    <a:alpha val="6000"/>
+                  </a:schemeClr>
+                </a:gs>
+              </a:gsLst>
+              <a:path path="circle">
+                <a:fillToRect l="50000" t="50000" r="50000" b="50000"/>
+              </a:path>
+              <a:tileRect/>
+            </a:gradFill>
+            <a:ln>
+              <a:noFill/>
+            </a:ln>
+            <a:effectLst/>
+          </p:spPr>
+          <p:style>
+            <a:lnRef idx="1">
+              <a:schemeClr val="accent1"/>
+            </a:lnRef>
+            <a:fillRef idx="3">
+              <a:schemeClr val="accent1"/>
+            </a:fillRef>
+            <a:effectRef idx="2">
+              <a:schemeClr val="accent1"/>
+            </a:effectRef>
+            <a:fontRef idx="minor">
+              <a:schemeClr val="lt1"/>
+            </a:fontRef>
+          </p:style>
+        </p:sp>
+        <p:sp>
+          <p:nvSpPr>
+            <p:cNvPr id="21" name="Oval 20"/>
+            <p:cNvSpPr/>
+            <p:nvPr/>
+          </p:nvSpPr>
+          <p:spPr>
+            <a:xfrm>
+              <a:off x="7999412" y="8464"/>
+              <a:ext cx="1600200" cy="1600200"/>
+            </a:xfrm>
+            <a:prstGeom prst="ellipse">
+              <a:avLst/>
+            </a:prstGeom>
+            <a:gradFill flip="none" rotWithShape="1">
+              <a:gsLst>
+                <a:gs pos="0">
+                  <a:schemeClr val="accent5">
+                    <a:alpha val="14000"/>
+                  </a:schemeClr>
+                </a:gs>
+                <a:gs pos="73000">
+                  <a:schemeClr val="accent5">
+                    <a:alpha val="0"/>
+                  </a:schemeClr>
+                </a:gs>
+                <a:gs pos="36000">
+                  <a:schemeClr val="accent5">
+                    <a:alpha val="7000"/>
+                  </a:schemeClr>
+                </a:gs>
+              </a:gsLst>
+              <a:path path="circle">
+                <a:fillToRect l="50000" t="50000" r="50000" b="50000"/>
+              </a:path>
+              <a:tileRect/>
+            </a:gradFill>
+            <a:ln>
+              <a:noFill/>
+            </a:ln>
+            <a:effectLst/>
+          </p:spPr>
+          <p:style>
+            <a:lnRef idx="1">
+              <a:schemeClr val="accent1"/>
+            </a:lnRef>
+            <a:fillRef idx="3">
+              <a:schemeClr val="accent1"/>
+            </a:fillRef>
+            <a:effectRef idx="2">
+              <a:schemeClr val="accent1"/>
+            </a:effectRef>
+            <a:fontRef idx="minor">
+              <a:schemeClr val="lt1"/>
+            </a:fontRef>
+          </p:style>
+        </p:sp>
+        <p:sp>
+          <p:nvSpPr>
+            <p:cNvPr id="11" name="Rectangle 10"/>
+            <p:cNvSpPr/>
+            <p:nvPr/>
+          </p:nvSpPr>
+          <p:spPr bwMode="gray">
             <a:xfrm>
               <a:off x="6172200" y="402165"/>
               <a:ext cx="5596465" cy="6053670"/>
@@ -10365,191 +11098,7 @@
         </p:sp>
         <p:sp>
           <p:nvSpPr>
-            <p:cNvPr id="9" name="Freeform 5"/>
-            <p:cNvSpPr/>
-            <p:nvPr/>
-          </p:nvSpPr>
-          <p:spPr bwMode="gray">
-            <a:xfrm rot="16200000">
-              <a:off x="3295432" y="2801721"/>
-              <a:ext cx="6053670" cy="1254558"/>
-            </a:xfrm>
-            <a:custGeom>
-              <a:avLst/>
-              <a:gdLst/>
-              <a:ahLst/>
-              <a:cxnLst/>
-              <a:rect l="l" t="t" r="r" b="b"/>
-              <a:pathLst>
-                <a:path w="10000" h="8000">
-                  <a:moveTo>
-                    <a:pt x="0" y="0"/>
-                  </a:moveTo>
-                  <a:lnTo>
-                    <a:pt x="0" y="7970"/>
-                  </a:lnTo>
-                  <a:lnTo>
-                    <a:pt x="10000" y="8000"/>
-                  </a:lnTo>
-                  <a:lnTo>
-                    <a:pt x="10000" y="7"/>
-                  </a:lnTo>
-                  <a:lnTo>
-                    <a:pt x="10000" y="7"/>
-                  </a:lnTo>
-                  <a:lnTo>
-                    <a:pt x="9773" y="156"/>
-                  </a:lnTo>
-                  <a:lnTo>
-                    <a:pt x="9547" y="298"/>
-                  </a:lnTo>
-                  <a:lnTo>
-                    <a:pt x="9320" y="437"/>
-                  </a:lnTo>
-                  <a:lnTo>
-                    <a:pt x="9092" y="556"/>
-                  </a:lnTo>
-                  <a:lnTo>
-                    <a:pt x="8865" y="676"/>
-                  </a:lnTo>
-                  <a:lnTo>
-                    <a:pt x="8637" y="788"/>
-                  </a:lnTo>
-                  <a:lnTo>
-                    <a:pt x="8412" y="884"/>
-                  </a:lnTo>
-                  <a:lnTo>
-                    <a:pt x="8184" y="975"/>
-                  </a:lnTo>
-                  <a:lnTo>
-                    <a:pt x="7957" y="1058"/>
-                  </a:lnTo>
-                  <a:lnTo>
-                    <a:pt x="7734" y="1130"/>
-                  </a:lnTo>
-                  <a:lnTo>
-                    <a:pt x="7508" y="1202"/>
-                  </a:lnTo>
-                  <a:lnTo>
-                    <a:pt x="7285" y="1262"/>
-                  </a:lnTo>
-                  <a:lnTo>
-                    <a:pt x="7062" y="1309"/>
-                  </a:lnTo>
-                  <a:lnTo>
-                    <a:pt x="6840" y="1358"/>
-                  </a:lnTo>
-                  <a:lnTo>
-                    <a:pt x="6620" y="1399"/>
-                  </a:lnTo>
-                  <a:lnTo>
-                    <a:pt x="6402" y="1428"/>
-                  </a:lnTo>
-                  <a:lnTo>
-                    <a:pt x="6184" y="1453"/>
-                  </a:lnTo>
-                  <a:lnTo>
-                    <a:pt x="5968" y="1477"/>
-                  </a:lnTo>
-                  <a:lnTo>
-                    <a:pt x="5755" y="1488"/>
-                  </a:lnTo>
-                  <a:lnTo>
-                    <a:pt x="5542" y="1500"/>
-                  </a:lnTo>
-                  <a:lnTo>
-                    <a:pt x="5332" y="1506"/>
-                  </a:lnTo>
-                  <a:lnTo>
-                    <a:pt x="5124" y="1500"/>
-                  </a:lnTo>
-                  <a:lnTo>
-                    <a:pt x="4918" y="1500"/>
-                  </a:lnTo>
-                  <a:lnTo>
-                    <a:pt x="4714" y="1488"/>
-                  </a:lnTo>
-                  <a:lnTo>
-                    <a:pt x="4514" y="1470"/>
-                  </a:lnTo>
-                  <a:lnTo>
-                    <a:pt x="4316" y="1453"/>
-                  </a:lnTo>
-                  <a:lnTo>
-                    <a:pt x="4122" y="1434"/>
-                  </a:lnTo>
-                  <a:lnTo>
-                    <a:pt x="3929" y="1405"/>
-                  </a:lnTo>
-                  <a:lnTo>
-                    <a:pt x="3739" y="1374"/>
-                  </a:lnTo>
-                  <a:lnTo>
-                    <a:pt x="3553" y="1346"/>
-                  </a:lnTo>
-                  <a:lnTo>
-                    <a:pt x="3190" y="1267"/>
-                  </a:lnTo>
-                  <a:lnTo>
-                    <a:pt x="2842" y="1183"/>
-                  </a:lnTo>
-                  <a:lnTo>
-                    <a:pt x="2508" y="1095"/>
-                  </a:lnTo>
-                  <a:lnTo>
-                    <a:pt x="2192" y="998"/>
-                  </a:lnTo>
-                  <a:lnTo>
-                    <a:pt x="1890" y="897"/>
-                  </a:lnTo>
-                  <a:lnTo>
-                    <a:pt x="1610" y="788"/>
-                  </a:lnTo>
-                  <a:lnTo>
-                    <a:pt x="1347" y="681"/>
-                  </a:lnTo>
-                  <a:lnTo>
-                    <a:pt x="1105" y="574"/>
-                  </a:lnTo>
-                  <a:lnTo>
-                    <a:pt x="883" y="473"/>
-                  </a:lnTo>
-                  <a:lnTo>
-                    <a:pt x="686" y="377"/>
-                  </a:lnTo>
-                  <a:lnTo>
-                    <a:pt x="508" y="286"/>
-                  </a:lnTo>
-                  <a:lnTo>
-                    <a:pt x="358" y="210"/>
-                  </a:lnTo>
-                  <a:lnTo>
-                    <a:pt x="232" y="138"/>
-                  </a:lnTo>
-                  <a:lnTo>
-                    <a:pt x="59" y="35"/>
-                  </a:lnTo>
-                  <a:lnTo>
-                    <a:pt x="0" y="0"/>
-                  </a:lnTo>
-                  <a:lnTo>
-                    <a:pt x="0" y="0"/>
-                  </a:lnTo>
-                  <a:close/>
-                </a:path>
-              </a:pathLst>
-            </a:custGeom>
-            <a:solidFill>
-              <a:schemeClr val="bg1"/>
-            </a:solidFill>
-            <a:ln>
-              <a:noFill/>
-            </a:ln>
-          </p:spPr>
-        </p:sp>
-        <p:sp>
-          <p:nvSpPr>
-            <p:cNvPr id="10" name="Freeform 5"/>
+            <p:cNvPr id="22" name="Freeform 5"/>
             <p:cNvSpPr/>
             <p:nvPr/>
           </p:nvSpPr>
@@ -10696,7 +11245,191 @@
         </p:sp>
         <p:sp>
           <p:nvSpPr>
-            <p:cNvPr id="14" name="Freeform 5"/>
+            <p:cNvPr id="12" name="Freeform 5"/>
+            <p:cNvSpPr/>
+            <p:nvPr/>
+          </p:nvSpPr>
+          <p:spPr bwMode="gray">
+            <a:xfrm rot="16200000">
+              <a:off x="3295432" y="2801721"/>
+              <a:ext cx="6053670" cy="1254558"/>
+            </a:xfrm>
+            <a:custGeom>
+              <a:avLst/>
+              <a:gdLst/>
+              <a:ahLst/>
+              <a:cxnLst/>
+              <a:rect l="l" t="t" r="r" b="b"/>
+              <a:pathLst>
+                <a:path w="10000" h="8000">
+                  <a:moveTo>
+                    <a:pt x="0" y="0"/>
+                  </a:moveTo>
+                  <a:lnTo>
+                    <a:pt x="0" y="7970"/>
+                  </a:lnTo>
+                  <a:lnTo>
+                    <a:pt x="10000" y="8000"/>
+                  </a:lnTo>
+                  <a:lnTo>
+                    <a:pt x="10000" y="7"/>
+                  </a:lnTo>
+                  <a:lnTo>
+                    <a:pt x="10000" y="7"/>
+                  </a:lnTo>
+                  <a:lnTo>
+                    <a:pt x="9773" y="156"/>
+                  </a:lnTo>
+                  <a:lnTo>
+                    <a:pt x="9547" y="298"/>
+                  </a:lnTo>
+                  <a:lnTo>
+                    <a:pt x="9320" y="437"/>
+                  </a:lnTo>
+                  <a:lnTo>
+                    <a:pt x="9092" y="556"/>
+                  </a:lnTo>
+                  <a:lnTo>
+                    <a:pt x="8865" y="676"/>
+                  </a:lnTo>
+                  <a:lnTo>
+                    <a:pt x="8637" y="788"/>
+                  </a:lnTo>
+                  <a:lnTo>
+                    <a:pt x="8412" y="884"/>
+                  </a:lnTo>
+                  <a:lnTo>
+                    <a:pt x="8184" y="975"/>
+                  </a:lnTo>
+                  <a:lnTo>
+                    <a:pt x="7957" y="1058"/>
+                  </a:lnTo>
+                  <a:lnTo>
+                    <a:pt x="7734" y="1130"/>
+                  </a:lnTo>
+                  <a:lnTo>
+                    <a:pt x="7508" y="1202"/>
+                  </a:lnTo>
+                  <a:lnTo>
+                    <a:pt x="7285" y="1262"/>
+                  </a:lnTo>
+                  <a:lnTo>
+                    <a:pt x="7062" y="1309"/>
+                  </a:lnTo>
+                  <a:lnTo>
+                    <a:pt x="6840" y="1358"/>
+                  </a:lnTo>
+                  <a:lnTo>
+                    <a:pt x="6620" y="1399"/>
+                  </a:lnTo>
+                  <a:lnTo>
+                    <a:pt x="6402" y="1428"/>
+                  </a:lnTo>
+                  <a:lnTo>
+                    <a:pt x="6184" y="1453"/>
+                  </a:lnTo>
+                  <a:lnTo>
+                    <a:pt x="5968" y="1477"/>
+                  </a:lnTo>
+                  <a:lnTo>
+                    <a:pt x="5755" y="1488"/>
+                  </a:lnTo>
+                  <a:lnTo>
+                    <a:pt x="5542" y="1500"/>
+                  </a:lnTo>
+                  <a:lnTo>
+                    <a:pt x="5332" y="1506"/>
+                  </a:lnTo>
+                  <a:lnTo>
+                    <a:pt x="5124" y="1500"/>
+                  </a:lnTo>
+                  <a:lnTo>
+                    <a:pt x="4918" y="1500"/>
+                  </a:lnTo>
+                  <a:lnTo>
+                    <a:pt x="4714" y="1488"/>
+                  </a:lnTo>
+                  <a:lnTo>
+                    <a:pt x="4514" y="1470"/>
+                  </a:lnTo>
+                  <a:lnTo>
+                    <a:pt x="4316" y="1453"/>
+                  </a:lnTo>
+                  <a:lnTo>
+                    <a:pt x="4122" y="1434"/>
+                  </a:lnTo>
+                  <a:lnTo>
+                    <a:pt x="3929" y="1405"/>
+                  </a:lnTo>
+                  <a:lnTo>
+                    <a:pt x="3739" y="1374"/>
+                  </a:lnTo>
+                  <a:lnTo>
+                    <a:pt x="3553" y="1346"/>
+                  </a:lnTo>
+                  <a:lnTo>
+                    <a:pt x="3190" y="1267"/>
+                  </a:lnTo>
+                  <a:lnTo>
+                    <a:pt x="2842" y="1183"/>
+                  </a:lnTo>
+                  <a:lnTo>
+                    <a:pt x="2508" y="1095"/>
+                  </a:lnTo>
+                  <a:lnTo>
+                    <a:pt x="2192" y="998"/>
+                  </a:lnTo>
+                  <a:lnTo>
+                    <a:pt x="1890" y="897"/>
+                  </a:lnTo>
+                  <a:lnTo>
+                    <a:pt x="1610" y="788"/>
+                  </a:lnTo>
+                  <a:lnTo>
+                    <a:pt x="1347" y="681"/>
+                  </a:lnTo>
+                  <a:lnTo>
+                    <a:pt x="1105" y="574"/>
+                  </a:lnTo>
+                  <a:lnTo>
+                    <a:pt x="883" y="473"/>
+                  </a:lnTo>
+                  <a:lnTo>
+                    <a:pt x="686" y="377"/>
+                  </a:lnTo>
+                  <a:lnTo>
+                    <a:pt x="508" y="286"/>
+                  </a:lnTo>
+                  <a:lnTo>
+                    <a:pt x="358" y="210"/>
+                  </a:lnTo>
+                  <a:lnTo>
+                    <a:pt x="232" y="138"/>
+                  </a:lnTo>
+                  <a:lnTo>
+                    <a:pt x="59" y="35"/>
+                  </a:lnTo>
+                  <a:lnTo>
+                    <a:pt x="0" y="0"/>
+                  </a:lnTo>
+                  <a:lnTo>
+                    <a:pt x="0" y="0"/>
+                  </a:lnTo>
+                  <a:close/>
+                </a:path>
+              </a:pathLst>
+            </a:custGeom>
+            <a:solidFill>
+              <a:schemeClr val="bg1"/>
+            </a:solidFill>
+            <a:ln>
+              <a:noFill/>
+            </a:ln>
+          </p:spPr>
+        </p:sp>
+        <p:sp>
+          <p:nvSpPr>
+            <p:cNvPr id="15" name="Freeform 5"/>
             <p:cNvSpPr>
               <a:spLocks noEditPoints="1"/>
             </p:cNvSpPr>
@@ -10771,12 +11504,9 @@
         </p:nvSpPr>
         <p:spPr>
           <a:xfrm>
-            <a:off x="1153907" y="1693332"/>
-            <a:ext cx="3860259" cy="1735668"/>
+            <a:off x="1154955" y="1693333"/>
+            <a:ext cx="3865134" cy="1735667"/>
           </a:xfrm>
-          <a:prstGeom prst="rect">
-            <a:avLst/>
-          </a:prstGeom>
         </p:spPr>
         <p:txBody>
           <a:bodyPr anchor="b">
@@ -10867,6 +11597,9 @@
             </a:lvl9pPr>
           </a:lstStyle>
           <a:p>
+            <a:pPr marL="0" lvl="0" indent="0" algn="ctr">
+              <a:buNone/>
+            </a:pPr>
             <a:r>
               <a:rPr lang="en-US"/>
               <a:t>Click icon to add picture</a:t>
@@ -10887,7 +11620,7 @@
         </p:nvSpPr>
         <p:spPr bwMode="gray">
           <a:xfrm>
-            <a:off x="1154955" y="3657600"/>
+            <a:off x="1154954" y="3657600"/>
             <a:ext cx="3859212" cy="1371600"/>
           </a:xfrm>
         </p:spPr>
@@ -10900,9 +11633,9 @@
               <a:buNone/>
               <a:defRPr sz="1400">
                 <a:solidFill>
-                  <a:schemeClr val="tx2">
-                    <a:lumMod val="40000"/>
-                    <a:lumOff val="60000"/>
+                  <a:schemeClr val="accent1">
+                    <a:lumMod val="60000"/>
+                    <a:lumOff val="40000"/>
                   </a:schemeClr>
                 </a:solidFill>
               </a:defRPr>
@@ -10993,7 +11726,7 @@
       </p:sp>
       <p:sp>
         <p:nvSpPr>
-          <p:cNvPr id="13" name="Rectangle 12"/>
+          <p:cNvPr id="16" name="Rectangle 15"/>
           <p:cNvSpPr/>
           <p:nvPr/>
         </p:nvSpPr>
@@ -11053,7 +11786,7 @@
     </p:spTree>
     <p:extLst>
       <p:ext uri="{BB962C8B-B14F-4D97-AF65-F5344CB8AC3E}">
-        <p14:creationId xmlns:p14="http://schemas.microsoft.com/office/powerpoint/2010/main" val="1998847757"/>
+        <p14:creationId xmlns:p14="http://schemas.microsoft.com/office/powerpoint/2010/main" val="1573301921"/>
       </p:ext>
     </p:extLst>
   </p:cSld>
@@ -11087,21 +11820,21 @@
       </p:grpSpPr>
       <p:grpSp>
         <p:nvGrpSpPr>
-          <p:cNvPr id="2" name="Group 1"/>
+          <p:cNvPr id="8" name="Group 7"/>
           <p:cNvGrpSpPr/>
           <p:nvPr/>
         </p:nvGrpSpPr>
         <p:grpSpPr>
           <a:xfrm>
-            <a:off x="-1588" y="0"/>
-            <a:ext cx="12193588" cy="6861555"/>
-            <a:chOff x="-1588" y="0"/>
-            <a:chExt cx="12193588" cy="6861555"/>
+            <a:off x="0" y="0"/>
+            <a:ext cx="12192000" cy="6858000"/>
+            <a:chOff x="0" y="0"/>
+            <a:chExt cx="12192000" cy="6858000"/>
           </a:xfrm>
         </p:grpSpPr>
         <p:sp>
           <p:nvSpPr>
-            <p:cNvPr id="12" name="Rectangle 11"/>
+            <p:cNvPr id="7" name="Rectangle 6"/>
             <p:cNvSpPr/>
             <p:nvPr/>
           </p:nvSpPr>
@@ -11118,15 +11851,14 @@
                 <a:duotone>
                   <a:schemeClr val="dk2">
                     <a:shade val="69000"/>
-                    <a:hueMod val="108000"/>
+                    <a:hueMod val="91000"/>
                     <a:satMod val="164000"/>
                     <a:lumMod val="74000"/>
                   </a:schemeClr>
                   <a:schemeClr val="dk2">
-                    <a:tint val="96000"/>
-                    <a:hueMod val="88000"/>
+                    <a:hueMod val="124000"/>
                     <a:satMod val="140000"/>
-                    <a:lumMod val="132000"/>
+                    <a:lumMod val="142000"/>
                   </a:schemeClr>
                 </a:duotone>
               </a:blip>
@@ -11157,14 +11889,14 @@
         </p:sp>
         <p:sp>
           <p:nvSpPr>
-            <p:cNvPr id="21" name="Oval 20"/>
+            <p:cNvPr id="13" name="Oval 12"/>
             <p:cNvSpPr/>
             <p:nvPr/>
           </p:nvSpPr>
           <p:spPr>
             <a:xfrm>
-              <a:off x="8761412" y="1828800"/>
-              <a:ext cx="2819400" cy="2819400"/>
+              <a:off x="0" y="2667000"/>
+              <a:ext cx="4191000" cy="4191000"/>
             </a:xfrm>
             <a:prstGeom prst="ellipse">
               <a:avLst/>
@@ -11173,17 +11905,17 @@
               <a:gsLst>
                 <a:gs pos="0">
                   <a:schemeClr val="accent5">
-                    <a:alpha val="7000"/>
+                    <a:alpha val="11000"/>
                   </a:schemeClr>
                 </a:gs>
-                <a:gs pos="69000">
+                <a:gs pos="75000">
                   <a:schemeClr val="accent5">
                     <a:alpha val="0"/>
                   </a:schemeClr>
                 </a:gs>
                 <a:gs pos="36000">
                   <a:schemeClr val="accent5">
-                    <a:alpha val="6000"/>
+                    <a:alpha val="10000"/>
                   </a:schemeClr>
                 </a:gs>
               </a:gsLst>
@@ -11214,14 +11946,14 @@
         </p:sp>
         <p:sp>
           <p:nvSpPr>
-            <p:cNvPr id="23" name="Oval 22"/>
+            <p:cNvPr id="15" name="Oval 14"/>
             <p:cNvSpPr/>
             <p:nvPr/>
           </p:nvSpPr>
           <p:spPr>
             <a:xfrm>
-              <a:off x="8761412" y="5870955"/>
-              <a:ext cx="990600" cy="990600"/>
+              <a:off x="0" y="2895600"/>
+              <a:ext cx="2362200" cy="2362200"/>
             </a:xfrm>
             <a:prstGeom prst="ellipse">
               <a:avLst/>
@@ -11230,17 +11962,17 @@
               <a:gsLst>
                 <a:gs pos="0">
                   <a:schemeClr val="accent5">
-                    <a:alpha val="14000"/>
+                    <a:alpha val="8000"/>
                   </a:schemeClr>
                 </a:gs>
-                <a:gs pos="66000">
+                <a:gs pos="72000">
                   <a:schemeClr val="accent5">
                     <a:alpha val="0"/>
                   </a:schemeClr>
                 </a:gs>
                 <a:gs pos="36000">
                   <a:schemeClr val="accent5">
-                    <a:alpha val="7000"/>
+                    <a:alpha val="8000"/>
                   </a:schemeClr>
                 </a:gs>
               </a:gsLst>
@@ -11271,14 +12003,14 @@
         </p:sp>
         <p:sp>
           <p:nvSpPr>
-            <p:cNvPr id="20" name="Oval 19"/>
+            <p:cNvPr id="18" name="Oval 17"/>
             <p:cNvSpPr/>
             <p:nvPr/>
           </p:nvSpPr>
           <p:spPr>
             <a:xfrm>
-              <a:off x="-1588" y="2667000"/>
-              <a:ext cx="4191000" cy="4191000"/>
+              <a:off x="8609012" y="5867400"/>
+              <a:ext cx="990600" cy="990600"/>
             </a:xfrm>
             <a:prstGeom prst="ellipse">
               <a:avLst/>
@@ -11287,17 +12019,17 @@
               <a:gsLst>
                 <a:gs pos="0">
                   <a:schemeClr val="accent5">
-                    <a:alpha val="11000"/>
+                    <a:alpha val="14000"/>
                   </a:schemeClr>
                 </a:gs>
-                <a:gs pos="75000">
+                <a:gs pos="66000">
                   <a:schemeClr val="accent5">
                     <a:alpha val="0"/>
                   </a:schemeClr>
                 </a:gs>
                 <a:gs pos="36000">
                   <a:schemeClr val="accent5">
-                    <a:alpha val="10000"/>
+                    <a:alpha val="7000"/>
                   </a:schemeClr>
                 </a:gs>
               </a:gsLst>
@@ -11328,7 +12060,121 @@
         </p:sp>
         <p:sp>
           <p:nvSpPr>
-            <p:cNvPr id="34" name="Freeform 5"/>
+            <p:cNvPr id="16" name="Oval 15"/>
+            <p:cNvSpPr/>
+            <p:nvPr/>
+          </p:nvSpPr>
+          <p:spPr>
+            <a:xfrm>
+              <a:off x="8609012" y="1676400"/>
+              <a:ext cx="2819400" cy="2819400"/>
+            </a:xfrm>
+            <a:prstGeom prst="ellipse">
+              <a:avLst/>
+            </a:prstGeom>
+            <a:gradFill flip="none" rotWithShape="1">
+              <a:gsLst>
+                <a:gs pos="0">
+                  <a:schemeClr val="accent5">
+                    <a:alpha val="7000"/>
+                  </a:schemeClr>
+                </a:gs>
+                <a:gs pos="69000">
+                  <a:schemeClr val="accent5">
+                    <a:alpha val="0"/>
+                  </a:schemeClr>
+                </a:gs>
+                <a:gs pos="36000">
+                  <a:schemeClr val="accent5">
+                    <a:alpha val="6000"/>
+                  </a:schemeClr>
+                </a:gs>
+              </a:gsLst>
+              <a:path path="circle">
+                <a:fillToRect l="50000" t="50000" r="50000" b="50000"/>
+              </a:path>
+              <a:tileRect/>
+            </a:gradFill>
+            <a:ln>
+              <a:noFill/>
+            </a:ln>
+            <a:effectLst/>
+          </p:spPr>
+          <p:style>
+            <a:lnRef idx="1">
+              <a:schemeClr val="accent1"/>
+            </a:lnRef>
+            <a:fillRef idx="3">
+              <a:schemeClr val="accent1"/>
+            </a:fillRef>
+            <a:effectRef idx="2">
+              <a:schemeClr val="accent1"/>
+            </a:effectRef>
+            <a:fontRef idx="minor">
+              <a:schemeClr val="lt1"/>
+            </a:fontRef>
+          </p:style>
+        </p:sp>
+        <p:sp>
+          <p:nvSpPr>
+            <p:cNvPr id="17" name="Oval 16"/>
+            <p:cNvSpPr/>
+            <p:nvPr/>
+          </p:nvSpPr>
+          <p:spPr>
+            <a:xfrm>
+              <a:off x="7999412" y="8464"/>
+              <a:ext cx="1600200" cy="1600200"/>
+            </a:xfrm>
+            <a:prstGeom prst="ellipse">
+              <a:avLst/>
+            </a:prstGeom>
+            <a:gradFill flip="none" rotWithShape="1">
+              <a:gsLst>
+                <a:gs pos="0">
+                  <a:schemeClr val="accent5">
+                    <a:alpha val="14000"/>
+                  </a:schemeClr>
+                </a:gs>
+                <a:gs pos="73000">
+                  <a:schemeClr val="accent5">
+                    <a:alpha val="0"/>
+                  </a:schemeClr>
+                </a:gs>
+                <a:gs pos="36000">
+                  <a:schemeClr val="accent5">
+                    <a:alpha val="7000"/>
+                  </a:schemeClr>
+                </a:gs>
+              </a:gsLst>
+              <a:path path="circle">
+                <a:fillToRect l="50000" t="50000" r="50000" b="50000"/>
+              </a:path>
+              <a:tileRect/>
+            </a:gradFill>
+            <a:ln>
+              <a:noFill/>
+            </a:ln>
+            <a:effectLst/>
+          </p:spPr>
+          <p:style>
+            <a:lnRef idx="1">
+              <a:schemeClr val="accent1"/>
+            </a:lnRef>
+            <a:fillRef idx="3">
+              <a:schemeClr val="accent1"/>
+            </a:fillRef>
+            <a:effectRef idx="2">
+              <a:schemeClr val="accent1"/>
+            </a:effectRef>
+            <a:fontRef idx="minor">
+              <a:schemeClr val="lt1"/>
+            </a:fontRef>
+          </p:style>
+        </p:sp>
+        <p:sp>
+          <p:nvSpPr>
+            <p:cNvPr id="20" name="Freeform 5"/>
             <p:cNvSpPr/>
             <p:nvPr/>
           </p:nvSpPr>
@@ -11475,7 +12321,7 @@
         </p:sp>
         <p:sp>
           <p:nvSpPr>
-            <p:cNvPr id="27" name="Freeform 5"/>
+            <p:cNvPr id="19" name="Freeform 5"/>
             <p:cNvSpPr/>
             <p:nvPr/>
           </p:nvSpPr>
@@ -11659,7 +12505,7 @@
         </p:sp>
         <p:sp>
           <p:nvSpPr>
-            <p:cNvPr id="28" name="Freeform 5"/>
+            <p:cNvPr id="14" name="Freeform 5"/>
             <p:cNvSpPr>
               <a:spLocks noEditPoints="1"/>
             </p:cNvSpPr>
@@ -11724,7 +12570,7 @@
       </p:grpSp>
       <p:sp>
         <p:nvSpPr>
-          <p:cNvPr id="30" name="Title Placeholder 1"/>
+          <p:cNvPr id="2" name="Title Placeholder 1"/>
           <p:cNvSpPr>
             <a:spLocks noGrp="1"/>
           </p:cNvSpPr>
@@ -11829,7 +12675,7 @@
         </p:nvSpPr>
         <p:spPr>
           <a:xfrm>
-            <a:off x="10652760" y="6391656"/>
+            <a:off x="10653104" y="6391838"/>
             <a:ext cx="990599" cy="304799"/>
           </a:xfrm>
           <a:prstGeom prst="rect">
@@ -11837,7 +12683,7 @@
           </a:prstGeom>
         </p:spPr>
         <p:txBody>
-          <a:bodyPr vert="horz" lIns="91440" tIns="45720" rIns="91440" bIns="45720" rtlCol="0" anchor="ctr" anchorCtr="0"/>
+          <a:bodyPr vert="horz" lIns="91440" tIns="45720" rIns="91440" bIns="45720" rtlCol="0" anchor="ctr"/>
           <a:lstStyle>
             <a:lvl1pPr algn="r">
               <a:defRPr sz="1000" b="1" i="0">
@@ -11868,15 +12714,15 @@
         </p:nvSpPr>
         <p:spPr>
           <a:xfrm>
-            <a:off x="557784" y="6391656"/>
-            <a:ext cx="3867912" cy="310896"/>
+            <a:off x="561110" y="6391838"/>
+            <a:ext cx="3859795" cy="304801"/>
           </a:xfrm>
           <a:prstGeom prst="rect">
             <a:avLst/>
           </a:prstGeom>
         </p:spPr>
         <p:txBody>
-          <a:bodyPr vert="horz" lIns="91440" tIns="45720" rIns="91440" bIns="45720" rtlCol="0" anchor="ctr" anchorCtr="0"/>
+          <a:bodyPr vert="horz" lIns="91440" tIns="45720" rIns="91440" bIns="45720" rtlCol="0" anchor="ctr"/>
           <a:lstStyle>
             <a:lvl1pPr algn="l">
               <a:defRPr sz="1000" b="1" i="0">
@@ -11893,7 +12739,7 @@
       </p:sp>
       <p:sp>
         <p:nvSpPr>
-          <p:cNvPr id="29" name="Rectangle 28"/>
+          <p:cNvPr id="21" name="Rectangle 20"/>
           <p:cNvSpPr/>
           <p:nvPr/>
         </p:nvSpPr>
@@ -11969,29 +12815,29 @@
     </p:spTree>
     <p:extLst>
       <p:ext uri="{BB962C8B-B14F-4D97-AF65-F5344CB8AC3E}">
-        <p14:creationId xmlns:p14="http://schemas.microsoft.com/office/powerpoint/2010/main" val="1980314825"/>
+        <p14:creationId xmlns:p14="http://schemas.microsoft.com/office/powerpoint/2010/main" val="4043600974"/>
       </p:ext>
     </p:extLst>
   </p:cSld>
   <p:clrMap bg1="lt1" tx1="dk1" bg2="lt2" tx2="dk2" accent1="accent1" accent2="accent2" accent3="accent3" accent4="accent4" accent5="accent5" accent6="accent6" hlink="hlink" folHlink="folHlink"/>
   <p:sldLayoutIdLst>
-    <p:sldLayoutId id="2147483679" r:id="rId1"/>
-    <p:sldLayoutId id="2147483680" r:id="rId2"/>
-    <p:sldLayoutId id="2147483681" r:id="rId3"/>
-    <p:sldLayoutId id="2147483682" r:id="rId4"/>
-    <p:sldLayoutId id="2147483683" r:id="rId5"/>
-    <p:sldLayoutId id="2147483684" r:id="rId6"/>
-    <p:sldLayoutId id="2147483685" r:id="rId7"/>
-    <p:sldLayoutId id="2147483686" r:id="rId8"/>
-    <p:sldLayoutId id="2147483687" r:id="rId9"/>
-    <p:sldLayoutId id="2147483688" r:id="rId10"/>
-    <p:sldLayoutId id="2147483689" r:id="rId11"/>
-    <p:sldLayoutId id="2147483690" r:id="rId12"/>
-    <p:sldLayoutId id="2147483691" r:id="rId13"/>
-    <p:sldLayoutId id="2147483692" r:id="rId14"/>
-    <p:sldLayoutId id="2147483693" r:id="rId15"/>
-    <p:sldLayoutId id="2147483694" r:id="rId16"/>
-    <p:sldLayoutId id="2147483695" r:id="rId17"/>
+    <p:sldLayoutId id="2147483763" r:id="rId1"/>
+    <p:sldLayoutId id="2147483764" r:id="rId2"/>
+    <p:sldLayoutId id="2147483765" r:id="rId3"/>
+    <p:sldLayoutId id="2147483766" r:id="rId4"/>
+    <p:sldLayoutId id="2147483767" r:id="rId5"/>
+    <p:sldLayoutId id="2147483768" r:id="rId6"/>
+    <p:sldLayoutId id="2147483769" r:id="rId7"/>
+    <p:sldLayoutId id="2147483770" r:id="rId8"/>
+    <p:sldLayoutId id="2147483771" r:id="rId9"/>
+    <p:sldLayoutId id="2147483772" r:id="rId10"/>
+    <p:sldLayoutId id="2147483773" r:id="rId11"/>
+    <p:sldLayoutId id="2147483774" r:id="rId12"/>
+    <p:sldLayoutId id="2147483775" r:id="rId13"/>
+    <p:sldLayoutId id="2147483776" r:id="rId14"/>
+    <p:sldLayoutId id="2147483777" r:id="rId15"/>
+    <p:sldLayoutId id="2147483778" r:id="rId16"/>
+    <p:sldLayoutId id="2147483779" r:id="rId17"/>
   </p:sldLayoutIdLst>
   <p:txStyles>
     <p:titleStyle>
@@ -12624,6 +13470,86 @@
 </p:sld>
 </file>
 
+<file path=ppt/slides/slide2.xml><?xml version="1.0" encoding="utf-8"?>
+<p:sld xmlns:a="http://schemas.openxmlformats.org/drawingml/2006/main" xmlns:r="http://schemas.openxmlformats.org/officeDocument/2006/relationships" xmlns:p="http://schemas.openxmlformats.org/presentationml/2006/main">
+  <p:cSld>
+    <p:spTree>
+      <p:nvGrpSpPr>
+        <p:cNvPr id="1" name=""/>
+        <p:cNvGrpSpPr/>
+        <p:nvPr/>
+      </p:nvGrpSpPr>
+      <p:grpSpPr>
+        <a:xfrm>
+          <a:off x="0" y="0"/>
+          <a:ext cx="0" cy="0"/>
+          <a:chOff x="0" y="0"/>
+          <a:chExt cx="0" cy="0"/>
+        </a:xfrm>
+      </p:grpSpPr>
+      <p:sp>
+        <p:nvSpPr>
+          <p:cNvPr id="2" name="Title 1">
+            <a:extLst>
+              <a:ext uri="{FF2B5EF4-FFF2-40B4-BE49-F238E27FC236}">
+                <a16:creationId xmlns:a16="http://schemas.microsoft.com/office/drawing/2014/main" id="{6B98F740-6360-4ECF-AD29-7FD2389ED3A3}"/>
+              </a:ext>
+            </a:extLst>
+          </p:cNvPr>
+          <p:cNvSpPr>
+            <a:spLocks noGrp="1"/>
+          </p:cNvSpPr>
+          <p:nvPr>
+            <p:ph type="title"/>
+          </p:nvPr>
+        </p:nvSpPr>
+        <p:spPr/>
+        <p:txBody>
+          <a:bodyPr/>
+          <a:lstStyle/>
+          <a:p>
+            <a:endParaRPr lang="en-US" dirty="0"/>
+          </a:p>
+        </p:txBody>
+      </p:sp>
+      <p:sp>
+        <p:nvSpPr>
+          <p:cNvPr id="3" name="Content Placeholder 2">
+            <a:extLst>
+              <a:ext uri="{FF2B5EF4-FFF2-40B4-BE49-F238E27FC236}">
+                <a16:creationId xmlns:a16="http://schemas.microsoft.com/office/drawing/2014/main" id="{746ACBA1-F61C-4A32-8F2C-2BEC02E7CCF8}"/>
+              </a:ext>
+            </a:extLst>
+          </p:cNvPr>
+          <p:cNvSpPr>
+            <a:spLocks noGrp="1"/>
+          </p:cNvSpPr>
+          <p:nvPr>
+            <p:ph idx="1"/>
+          </p:nvPr>
+        </p:nvSpPr>
+        <p:spPr/>
+        <p:txBody>
+          <a:bodyPr/>
+          <a:lstStyle/>
+          <a:p>
+            <a:endParaRPr lang="en-US"/>
+          </a:p>
+        </p:txBody>
+      </p:sp>
+    </p:spTree>
+    <p:extLst>
+      <p:ext uri="{BB962C8B-B14F-4D97-AF65-F5344CB8AC3E}">
+        <p14:creationId xmlns:p14="http://schemas.microsoft.com/office/powerpoint/2010/main" val="3938738532"/>
+      </p:ext>
+    </p:extLst>
+  </p:cSld>
+  <p:clrMapOvr>
+    <a:masterClrMapping/>
+  </p:clrMapOvr>
+</p:sld>
+</file>
+
 <file path=ppt/theme/theme1.xml><?xml version="1.0" encoding="utf-8"?>
 <a:theme xmlns:a="http://schemas.openxmlformats.org/drawingml/2006/main" name="Ion Boardroom">
   <a:themeElements>
@@ -12635,34 +13561,34 @@
         <a:sysClr val="window" lastClr="FFFFFF"/>
       </a:lt1>
       <a:dk2>
-        <a:srgbClr val="1E5155"/>
+        <a:srgbClr val="3B3059"/>
       </a:dk2>
       <a:lt2>
         <a:srgbClr val="EBEBEB"/>
       </a:lt2>
       <a:accent1>
-        <a:srgbClr val="B01513"/>
+        <a:srgbClr val="B31166"/>
       </a:accent1>
       <a:accent2>
-        <a:srgbClr val="EA6312"/>
+        <a:srgbClr val="E33D6F"/>
       </a:accent2>
       <a:accent3>
-        <a:srgbClr val="E6B729"/>
+        <a:srgbClr val="E45F3C"/>
       </a:accent3>
       <a:accent4>
-        <a:srgbClr val="6AAC90"/>
+        <a:srgbClr val="E9943A"/>
       </a:accent4>
       <a:accent5>
-        <a:srgbClr val="5F9C9D"/>
+        <a:srgbClr val="9B6BF2"/>
       </a:accent5>
       <a:accent6>
-        <a:srgbClr val="9E5E9B"/>
+        <a:srgbClr val="D53DD0"/>
       </a:accent6>
       <a:hlink>
-        <a:srgbClr val="58C1BA"/>
+        <a:srgbClr val="8F8F8F"/>
       </a:hlink>
       <a:folHlink>
-        <a:srgbClr val="9DFFCB"/>
+        <a:srgbClr val="A5A5A5"/>
       </a:folHlink>
     </a:clrScheme>
     <a:fontScheme name="Ion Boardroom">
@@ -12838,19 +13764,18 @@
           <a:gsLst>
             <a:gs pos="0">
               <a:schemeClr val="phClr">
-                <a:tint val="97000"/>
-                <a:hueMod val="88000"/>
-                <a:satMod val="130000"/>
+                <a:tint val="98000"/>
+                <a:hueMod val="124000"/>
+                <a:satMod val="148000"/>
                 <a:lumMod val="124000"/>
               </a:schemeClr>
             </a:gs>
             <a:gs pos="100000">
               <a:schemeClr val="phClr">
-                <a:tint val="96000"/>
-                <a:shade val="88000"/>
-                <a:hueMod val="108000"/>
+                <a:shade val="76000"/>
+                <a:hueMod val="89000"/>
                 <a:satMod val="164000"/>
-                <a:lumMod val="76000"/>
+                <a:lumMod val="56000"/>
               </a:schemeClr>
             </a:gs>
           </a:gsLst>
@@ -12863,15 +13788,14 @@
             <a:duotone>
               <a:schemeClr val="phClr">
                 <a:shade val="69000"/>
-                <a:hueMod val="108000"/>
+                <a:hueMod val="91000"/>
                 <a:satMod val="164000"/>
                 <a:lumMod val="74000"/>
               </a:schemeClr>
               <a:schemeClr val="phClr">
-                <a:tint val="96000"/>
-                <a:hueMod val="88000"/>
+                <a:hueMod val="124000"/>
                 <a:satMod val="140000"/>
-                <a:lumMod val="132000"/>
+                <a:lumMod val="142000"/>
               </a:schemeClr>
             </a:duotone>
           </a:blip>
@@ -12884,7 +13808,7 @@
   <a:extraClrSchemeLst/>
   <a:extLst>
     <a:ext uri="{05A4C25C-085E-4340-85A3-A5531E510DB2}">
-      <thm15:themeFamily xmlns:thm15="http://schemas.microsoft.com/office/thememl/2012/main" name="Ion Boardroom" id="{FC33163D-4339-46B1-8EED-24C834239D99}" vid="{EC7F02AD-9687-440F-A9DF-FAA6F22270D7}"/>
+      <thm15:themeFamily xmlns:thm15="http://schemas.microsoft.com/office/thememl/2012/main" name="Ion Boardroom" id="{FC33163D-4339-46B1-8EED-24C834239D99}" vid="{B8502691-933B-45FE-8764-BA278511EF27}"/>
     </a:ext>
   </a:extLst>
 </a:theme>

--- a/HouseRenting.pptx
+++ b/HouseRenting.pptx
@@ -7,6 +7,8 @@
   <p:sldIdLst>
     <p:sldId id="256" r:id="rId2"/>
     <p:sldId id="257" r:id="rId3"/>
+    <p:sldId id="258" r:id="rId4"/>
+    <p:sldId id="259" r:id="rId5"/>
   </p:sldIdLst>
   <p:sldSz cx="12192000" cy="6858000"/>
   <p:notesSz cx="6858000" cy="9144000"/>
@@ -105,6 +107,11 @@
       </a:defRPr>
     </a:lvl9pPr>
   </p:defaultTextStyle>
+  <p:extLst>
+    <p:ext uri="{EFAFB233-063F-42B5-8137-9DF3F51BA10A}">
+      <p15:sldGuideLst xmlns:p15="http://schemas.microsoft.com/office/powerpoint/2012/main"/>
+    </p:ext>
+  </p:extLst>
 </p:presentation>
 </file>
 
@@ -443,7 +450,7 @@
           <a:p>
             <a:fld id="{BE27C8D0-96A9-4B6C-8DFF-D2F542A7F341}" type="datetimeFigureOut">
               <a:rPr lang="en-US" smtClean="0"/>
-              <a:t>9/30/2018</a:t>
+              <a:t>10/4/2018</a:t>
             </a:fld>
             <a:endParaRPr lang="en-US"/>
           </a:p>
@@ -1531,7 +1538,7 @@
           <a:p>
             <a:fld id="{BE27C8D0-96A9-4B6C-8DFF-D2F542A7F341}" type="datetimeFigureOut">
               <a:rPr lang="en-US" smtClean="0"/>
-              <a:t>9/30/2018</a:t>
+              <a:t>10/4/2018</a:t>
             </a:fld>
             <a:endParaRPr lang="en-US"/>
           </a:p>
@@ -2511,7 +2518,7 @@
           <a:p>
             <a:fld id="{BE27C8D0-96A9-4B6C-8DFF-D2F542A7F341}" type="datetimeFigureOut">
               <a:rPr lang="en-US" smtClean="0"/>
-              <a:t>9/30/2018</a:t>
+              <a:t>10/4/2018</a:t>
             </a:fld>
             <a:endParaRPr lang="en-US"/>
           </a:p>
@@ -3645,7 +3652,7 @@
           <a:p>
             <a:fld id="{BE27C8D0-96A9-4B6C-8DFF-D2F542A7F341}" type="datetimeFigureOut">
               <a:rPr lang="en-US" smtClean="0"/>
-              <a:t>9/30/2018</a:t>
+              <a:t>10/4/2018</a:t>
             </a:fld>
             <a:endParaRPr lang="en-US"/>
           </a:p>
@@ -4678,7 +4685,7 @@
           <a:p>
             <a:fld id="{BE27C8D0-96A9-4B6C-8DFF-D2F542A7F341}" type="datetimeFigureOut">
               <a:rPr lang="en-US" smtClean="0"/>
-              <a:t>9/30/2018</a:t>
+              <a:t>10/4/2018</a:t>
             </a:fld>
             <a:endParaRPr lang="en-US"/>
           </a:p>
@@ -5338,7 +5345,7 @@
           <a:p>
             <a:fld id="{BE27C8D0-96A9-4B6C-8DFF-D2F542A7F341}" type="datetimeFigureOut">
               <a:rPr lang="en-US" smtClean="0"/>
-              <a:t>9/30/2018</a:t>
+              <a:t>10/4/2018</a:t>
             </a:fld>
             <a:endParaRPr lang="en-US"/>
           </a:p>
@@ -6199,7 +6206,7 @@
           <a:p>
             <a:fld id="{BE27C8D0-96A9-4B6C-8DFF-D2F542A7F341}" type="datetimeFigureOut">
               <a:rPr lang="en-US" smtClean="0"/>
-              <a:t>9/30/2018</a:t>
+              <a:t>10/4/2018</a:t>
             </a:fld>
             <a:endParaRPr lang="en-US"/>
           </a:p>
@@ -6389,7 +6396,7 @@
           <a:p>
             <a:fld id="{BE27C8D0-96A9-4B6C-8DFF-D2F542A7F341}" type="datetimeFigureOut">
               <a:rPr lang="en-US" smtClean="0"/>
-              <a:t>9/30/2018</a:t>
+              <a:t>10/4/2018</a:t>
             </a:fld>
             <a:endParaRPr lang="en-US"/>
           </a:p>
@@ -7361,7 +7368,7 @@
           <a:p>
             <a:fld id="{BE27C8D0-96A9-4B6C-8DFF-D2F542A7F341}" type="datetimeFigureOut">
               <a:rPr lang="en-US" smtClean="0"/>
-              <a:t>9/30/2018</a:t>
+              <a:t>10/4/2018</a:t>
             </a:fld>
             <a:endParaRPr lang="en-US"/>
           </a:p>
@@ -7572,7 +7579,7 @@
           <a:p>
             <a:fld id="{BE27C8D0-96A9-4B6C-8DFF-D2F542A7F341}" type="datetimeFigureOut">
               <a:rPr lang="en-US" smtClean="0"/>
-              <a:t>9/30/2018</a:t>
+              <a:t>10/4/2018</a:t>
             </a:fld>
             <a:endParaRPr lang="en-US"/>
           </a:p>
@@ -8606,7 +8613,7 @@
           <a:p>
             <a:fld id="{BE27C8D0-96A9-4B6C-8DFF-D2F542A7F341}" type="datetimeFigureOut">
               <a:rPr lang="en-US" smtClean="0"/>
-              <a:t>9/30/2018</a:t>
+              <a:t>10/4/2018</a:t>
             </a:fld>
             <a:endParaRPr lang="en-US"/>
           </a:p>
@@ -8878,7 +8885,7 @@
           <a:p>
             <a:fld id="{BE27C8D0-96A9-4B6C-8DFF-D2F542A7F341}" type="datetimeFigureOut">
               <a:rPr lang="en-US" smtClean="0"/>
-              <a:t>9/30/2018</a:t>
+              <a:t>10/4/2018</a:t>
             </a:fld>
             <a:endParaRPr lang="en-US"/>
           </a:p>
@@ -9288,7 +9295,7 @@
           <a:p>
             <a:fld id="{BE27C8D0-96A9-4B6C-8DFF-D2F542A7F341}" type="datetimeFigureOut">
               <a:rPr lang="en-US" smtClean="0"/>
-              <a:t>9/30/2018</a:t>
+              <a:t>10/4/2018</a:t>
             </a:fld>
             <a:endParaRPr lang="en-US"/>
           </a:p>
@@ -9415,7 +9422,7 @@
           <a:p>
             <a:fld id="{BE27C8D0-96A9-4B6C-8DFF-D2F542A7F341}" type="datetimeFigureOut">
               <a:rPr lang="en-US" smtClean="0"/>
-              <a:t>9/30/2018</a:t>
+              <a:t>10/4/2018</a:t>
             </a:fld>
             <a:endParaRPr lang="en-US"/>
           </a:p>
@@ -9510,7 +9517,7 @@
           <a:p>
             <a:fld id="{BE27C8D0-96A9-4B6C-8DFF-D2F542A7F341}" type="datetimeFigureOut">
               <a:rPr lang="en-US" smtClean="0"/>
-              <a:t>9/30/2018</a:t>
+              <a:t>10/4/2018</a:t>
             </a:fld>
             <a:endParaRPr lang="en-US"/>
           </a:p>
@@ -10591,7 +10598,7 @@
           <a:p>
             <a:fld id="{BE27C8D0-96A9-4B6C-8DFF-D2F542A7F341}" type="datetimeFigureOut">
               <a:rPr lang="en-US" smtClean="0"/>
-              <a:t>9/30/2018</a:t>
+              <a:t>10/4/2018</a:t>
             </a:fld>
             <a:endParaRPr lang="en-US"/>
           </a:p>
@@ -11699,7 +11706,7 @@
           <a:p>
             <a:fld id="{BE27C8D0-96A9-4B6C-8DFF-D2F542A7F341}" type="datetimeFigureOut">
               <a:rPr lang="en-US" smtClean="0"/>
-              <a:t>9/30/2018</a:t>
+              <a:t>10/4/2018</a:t>
             </a:fld>
             <a:endParaRPr lang="en-US"/>
           </a:p>
@@ -12696,7 +12703,7 @@
           <a:p>
             <a:fld id="{BE27C8D0-96A9-4B6C-8DFF-D2F542A7F341}" type="datetimeFigureOut">
               <a:rPr lang="en-US" smtClean="0"/>
-              <a:t>9/30/2018</a:t>
+              <a:t>10/4/2018</a:t>
             </a:fld>
             <a:endParaRPr lang="en-US"/>
           </a:p>
@@ -13508,7 +13515,10 @@
           <a:bodyPr/>
           <a:lstStyle/>
           <a:p>
-            <a:endParaRPr lang="en-US" dirty="0"/>
+            <a:r>
+              <a:rPr lang="en-US" dirty="0"/>
+              <a:t>Objective  of my Project</a:t>
+            </a:r>
           </a:p>
         </p:txBody>
       </p:sp>
@@ -13533,7 +13543,13 @@
           <a:bodyPr/>
           <a:lstStyle/>
           <a:p>
-            <a:endParaRPr lang="en-US"/>
+            <a:pPr marL="0" indent="0">
+              <a:buNone/>
+            </a:pPr>
+            <a:r>
+              <a:rPr lang="en-US" dirty="0"/>
+              <a:t> </a:t>
+            </a:r>
           </a:p>
         </p:txBody>
       </p:sp>
@@ -13541,6 +13557,184 @@
     <p:extLst>
       <p:ext uri="{BB962C8B-B14F-4D97-AF65-F5344CB8AC3E}">
         <p14:creationId xmlns:p14="http://schemas.microsoft.com/office/powerpoint/2010/main" val="3938738532"/>
+      </p:ext>
+    </p:extLst>
+  </p:cSld>
+  <p:clrMapOvr>
+    <a:masterClrMapping/>
+  </p:clrMapOvr>
+</p:sld>
+</file>
+
+<file path=ppt/slides/slide3.xml><?xml version="1.0" encoding="utf-8"?>
+<p:sld xmlns:a="http://schemas.openxmlformats.org/drawingml/2006/main" xmlns:r="http://schemas.openxmlformats.org/officeDocument/2006/relationships" xmlns:p="http://schemas.openxmlformats.org/presentationml/2006/main">
+  <p:cSld>
+    <p:spTree>
+      <p:nvGrpSpPr>
+        <p:cNvPr id="1" name=""/>
+        <p:cNvGrpSpPr/>
+        <p:nvPr/>
+      </p:nvGrpSpPr>
+      <p:grpSpPr>
+        <a:xfrm>
+          <a:off x="0" y="0"/>
+          <a:ext cx="0" cy="0"/>
+          <a:chOff x="0" y="0"/>
+          <a:chExt cx="0" cy="0"/>
+        </a:xfrm>
+      </p:grpSpPr>
+      <p:sp>
+        <p:nvSpPr>
+          <p:cNvPr id="2" name="Title 1">
+            <a:extLst>
+              <a:ext uri="{FF2B5EF4-FFF2-40B4-BE49-F238E27FC236}">
+                <a16:creationId xmlns:a16="http://schemas.microsoft.com/office/drawing/2014/main" id="{73267F4E-09E9-4B27-8439-0BA071506CF5}"/>
+              </a:ext>
+            </a:extLst>
+          </p:cNvPr>
+          <p:cNvSpPr>
+            <a:spLocks noGrp="1"/>
+          </p:cNvSpPr>
+          <p:nvPr>
+            <p:ph type="title"/>
+          </p:nvPr>
+        </p:nvSpPr>
+        <p:spPr/>
+        <p:txBody>
+          <a:bodyPr/>
+          <a:lstStyle/>
+          <a:p>
+            <a:r>
+              <a:rPr lang="en-US" dirty="0"/>
+              <a:t>Background Study</a:t>
+            </a:r>
+          </a:p>
+        </p:txBody>
+      </p:sp>
+      <p:sp>
+        <p:nvSpPr>
+          <p:cNvPr id="3" name="Content Placeholder 2">
+            <a:extLst>
+              <a:ext uri="{FF2B5EF4-FFF2-40B4-BE49-F238E27FC236}">
+                <a16:creationId xmlns:a16="http://schemas.microsoft.com/office/drawing/2014/main" id="{B187BBCC-FF56-471B-9E91-634FA7B0BFD9}"/>
+              </a:ext>
+            </a:extLst>
+          </p:cNvPr>
+          <p:cNvSpPr>
+            <a:spLocks noGrp="1"/>
+          </p:cNvSpPr>
+          <p:nvPr>
+            <p:ph idx="1"/>
+          </p:nvPr>
+        </p:nvSpPr>
+        <p:spPr/>
+        <p:txBody>
+          <a:bodyPr/>
+          <a:lstStyle/>
+          <a:p>
+            <a:pPr marL="0" indent="0">
+              <a:buNone/>
+            </a:pPr>
+            <a:r>
+              <a:rPr lang="en-US" dirty="0"/>
+              <a:t> </a:t>
+            </a:r>
+          </a:p>
+        </p:txBody>
+      </p:sp>
+    </p:spTree>
+    <p:extLst>
+      <p:ext uri="{BB962C8B-B14F-4D97-AF65-F5344CB8AC3E}">
+        <p14:creationId xmlns:p14="http://schemas.microsoft.com/office/powerpoint/2010/main" val="3210426351"/>
+      </p:ext>
+    </p:extLst>
+  </p:cSld>
+  <p:clrMapOvr>
+    <a:masterClrMapping/>
+  </p:clrMapOvr>
+</p:sld>
+</file>
+
+<file path=ppt/slides/slide4.xml><?xml version="1.0" encoding="utf-8"?>
+<p:sld xmlns:a="http://schemas.openxmlformats.org/drawingml/2006/main" xmlns:r="http://schemas.openxmlformats.org/officeDocument/2006/relationships" xmlns:p="http://schemas.openxmlformats.org/presentationml/2006/main">
+  <p:cSld>
+    <p:spTree>
+      <p:nvGrpSpPr>
+        <p:cNvPr id="1" name=""/>
+        <p:cNvGrpSpPr/>
+        <p:nvPr/>
+      </p:nvGrpSpPr>
+      <p:grpSpPr>
+        <a:xfrm>
+          <a:off x="0" y="0"/>
+          <a:ext cx="0" cy="0"/>
+          <a:chOff x="0" y="0"/>
+          <a:chExt cx="0" cy="0"/>
+        </a:xfrm>
+      </p:grpSpPr>
+      <p:sp>
+        <p:nvSpPr>
+          <p:cNvPr id="2" name="Title 1">
+            <a:extLst>
+              <a:ext uri="{FF2B5EF4-FFF2-40B4-BE49-F238E27FC236}">
+                <a16:creationId xmlns:a16="http://schemas.microsoft.com/office/drawing/2014/main" id="{3881622E-D83E-4F1E-A399-5EB00D57D4CF}"/>
+              </a:ext>
+            </a:extLst>
+          </p:cNvPr>
+          <p:cNvSpPr>
+            <a:spLocks noGrp="1"/>
+          </p:cNvSpPr>
+          <p:nvPr>
+            <p:ph type="title"/>
+          </p:nvPr>
+        </p:nvSpPr>
+        <p:spPr/>
+        <p:txBody>
+          <a:bodyPr/>
+          <a:lstStyle/>
+          <a:p>
+            <a:r>
+              <a:rPr lang="en-US" dirty="0"/>
+              <a:t>Feasibility Study</a:t>
+            </a:r>
+          </a:p>
+        </p:txBody>
+      </p:sp>
+      <p:sp>
+        <p:nvSpPr>
+          <p:cNvPr id="3" name="Content Placeholder 2">
+            <a:extLst>
+              <a:ext uri="{FF2B5EF4-FFF2-40B4-BE49-F238E27FC236}">
+                <a16:creationId xmlns:a16="http://schemas.microsoft.com/office/drawing/2014/main" id="{622DC191-E1CA-4F8A-97CC-1105C569B82D}"/>
+              </a:ext>
+            </a:extLst>
+          </p:cNvPr>
+          <p:cNvSpPr>
+            <a:spLocks noGrp="1"/>
+          </p:cNvSpPr>
+          <p:nvPr>
+            <p:ph idx="1"/>
+          </p:nvPr>
+        </p:nvSpPr>
+        <p:spPr/>
+        <p:txBody>
+          <a:bodyPr/>
+          <a:lstStyle/>
+          <a:p>
+            <a:pPr marL="0" indent="0">
+              <a:buNone/>
+            </a:pPr>
+            <a:r>
+              <a:rPr lang="en-US"/>
+              <a:t> </a:t>
+            </a:r>
+          </a:p>
+        </p:txBody>
+      </p:sp>
+    </p:spTree>
+    <p:extLst>
+      <p:ext uri="{BB962C8B-B14F-4D97-AF65-F5344CB8AC3E}">
+        <p14:creationId xmlns:p14="http://schemas.microsoft.com/office/powerpoint/2010/main" val="3694486878"/>
       </p:ext>
     </p:extLst>
   </p:cSld>

--- a/HouseRenting.pptx
+++ b/HouseRenting.pptx
@@ -13728,6 +13728,7 @@
               <a:rPr lang="en-US"/>
               <a:t> </a:t>
             </a:r>
+            <a:endParaRPr lang="en-US" dirty="0"/>
           </a:p>
         </p:txBody>
       </p:sp>

--- a/HouseRenting.pptx
+++ b/HouseRenting.pptx
@@ -9,6 +9,7 @@
     <p:sldId id="257" r:id="rId3"/>
     <p:sldId id="258" r:id="rId4"/>
     <p:sldId id="259" r:id="rId5"/>
+    <p:sldId id="260" r:id="rId6"/>
   </p:sldIdLst>
   <p:sldSz cx="12192000" cy="6858000"/>
   <p:notesSz cx="6858000" cy="9144000"/>
@@ -13725,10 +13726,9 @@
               <a:buNone/>
             </a:pPr>
             <a:r>
-              <a:rPr lang="en-US"/>
+              <a:rPr lang="en-US" dirty="0"/>
               <a:t> </a:t>
             </a:r>
-            <a:endParaRPr lang="en-US" dirty="0"/>
           </a:p>
         </p:txBody>
       </p:sp>
@@ -13736,6 +13736,95 @@
     <p:extLst>
       <p:ext uri="{BB962C8B-B14F-4D97-AF65-F5344CB8AC3E}">
         <p14:creationId xmlns:p14="http://schemas.microsoft.com/office/powerpoint/2010/main" val="3694486878"/>
+      </p:ext>
+    </p:extLst>
+  </p:cSld>
+  <p:clrMapOvr>
+    <a:masterClrMapping/>
+  </p:clrMapOvr>
+</p:sld>
+</file>
+
+<file path=ppt/slides/slide5.xml><?xml version="1.0" encoding="utf-8"?>
+<p:sld xmlns:a="http://schemas.openxmlformats.org/drawingml/2006/main" xmlns:r="http://schemas.openxmlformats.org/officeDocument/2006/relationships" xmlns:p="http://schemas.openxmlformats.org/presentationml/2006/main">
+  <p:cSld>
+    <p:spTree>
+      <p:nvGrpSpPr>
+        <p:cNvPr id="1" name=""/>
+        <p:cNvGrpSpPr/>
+        <p:nvPr/>
+      </p:nvGrpSpPr>
+      <p:grpSpPr>
+        <a:xfrm>
+          <a:off x="0" y="0"/>
+          <a:ext cx="0" cy="0"/>
+          <a:chOff x="0" y="0"/>
+          <a:chExt cx="0" cy="0"/>
+        </a:xfrm>
+      </p:grpSpPr>
+      <p:sp>
+        <p:nvSpPr>
+          <p:cNvPr id="2" name="Title 1">
+            <a:extLst>
+              <a:ext uri="{FF2B5EF4-FFF2-40B4-BE49-F238E27FC236}">
+                <a16:creationId xmlns:a16="http://schemas.microsoft.com/office/drawing/2014/main" id="{0CCA526C-11EA-4371-8DC0-5A20DA015025}"/>
+              </a:ext>
+            </a:extLst>
+          </p:cNvPr>
+          <p:cNvSpPr>
+            <a:spLocks noGrp="1"/>
+          </p:cNvSpPr>
+          <p:nvPr>
+            <p:ph type="title"/>
+          </p:nvPr>
+        </p:nvSpPr>
+        <p:spPr/>
+        <p:txBody>
+          <a:bodyPr/>
+          <a:lstStyle/>
+          <a:p>
+            <a:r>
+              <a:rPr lang="en-US" dirty="0"/>
+              <a:t>Application Area</a:t>
+            </a:r>
+          </a:p>
+        </p:txBody>
+      </p:sp>
+      <p:sp>
+        <p:nvSpPr>
+          <p:cNvPr id="3" name="Content Placeholder 2">
+            <a:extLst>
+              <a:ext uri="{FF2B5EF4-FFF2-40B4-BE49-F238E27FC236}">
+                <a16:creationId xmlns:a16="http://schemas.microsoft.com/office/drawing/2014/main" id="{30E58F49-8E16-4A04-9A55-911A0E6B0B82}"/>
+              </a:ext>
+            </a:extLst>
+          </p:cNvPr>
+          <p:cNvSpPr>
+            <a:spLocks noGrp="1"/>
+          </p:cNvSpPr>
+          <p:nvPr>
+            <p:ph idx="1"/>
+          </p:nvPr>
+        </p:nvSpPr>
+        <p:spPr/>
+        <p:txBody>
+          <a:bodyPr/>
+          <a:lstStyle/>
+          <a:p>
+            <a:pPr marL="0" indent="0">
+              <a:buNone/>
+            </a:pPr>
+            <a:r>
+              <a:rPr lang="en-US"/>
+              <a:t> </a:t>
+            </a:r>
+          </a:p>
+        </p:txBody>
+      </p:sp>
+    </p:spTree>
+    <p:extLst>
+      <p:ext uri="{BB962C8B-B14F-4D97-AF65-F5344CB8AC3E}">
+        <p14:creationId xmlns:p14="http://schemas.microsoft.com/office/powerpoint/2010/main" val="1859908528"/>
       </p:ext>
     </p:extLst>
   </p:cSld>

--- a/HouseRenting.pptx
+++ b/HouseRenting.pptx
@@ -10,6 +10,7 @@
     <p:sldId id="258" r:id="rId4"/>
     <p:sldId id="259" r:id="rId5"/>
     <p:sldId id="260" r:id="rId6"/>
+    <p:sldId id="261" r:id="rId7"/>
   </p:sldIdLst>
   <p:sldSz cx="12192000" cy="6858000"/>
   <p:notesSz cx="6858000" cy="9144000"/>
@@ -13815,7 +13816,7 @@
               <a:buNone/>
             </a:pPr>
             <a:r>
-              <a:rPr lang="en-US"/>
+              <a:rPr lang="en-US" dirty="0"/>
               <a:t> </a:t>
             </a:r>
           </a:p>
@@ -13825,6 +13826,95 @@
     <p:extLst>
       <p:ext uri="{BB962C8B-B14F-4D97-AF65-F5344CB8AC3E}">
         <p14:creationId xmlns:p14="http://schemas.microsoft.com/office/powerpoint/2010/main" val="1859908528"/>
+      </p:ext>
+    </p:extLst>
+  </p:cSld>
+  <p:clrMapOvr>
+    <a:masterClrMapping/>
+  </p:clrMapOvr>
+</p:sld>
+</file>
+
+<file path=ppt/slides/slide6.xml><?xml version="1.0" encoding="utf-8"?>
+<p:sld xmlns:a="http://schemas.openxmlformats.org/drawingml/2006/main" xmlns:r="http://schemas.openxmlformats.org/officeDocument/2006/relationships" xmlns:p="http://schemas.openxmlformats.org/presentationml/2006/main">
+  <p:cSld>
+    <p:spTree>
+      <p:nvGrpSpPr>
+        <p:cNvPr id="1" name=""/>
+        <p:cNvGrpSpPr/>
+        <p:nvPr/>
+      </p:nvGrpSpPr>
+      <p:grpSpPr>
+        <a:xfrm>
+          <a:off x="0" y="0"/>
+          <a:ext cx="0" cy="0"/>
+          <a:chOff x="0" y="0"/>
+          <a:chExt cx="0" cy="0"/>
+        </a:xfrm>
+      </p:grpSpPr>
+      <p:sp>
+        <p:nvSpPr>
+          <p:cNvPr id="2" name="Title 1">
+            <a:extLst>
+              <a:ext uri="{FF2B5EF4-FFF2-40B4-BE49-F238E27FC236}">
+                <a16:creationId xmlns:a16="http://schemas.microsoft.com/office/drawing/2014/main" id="{D4350B92-E475-47B9-AE80-B93489D218AB}"/>
+              </a:ext>
+            </a:extLst>
+          </p:cNvPr>
+          <p:cNvSpPr>
+            <a:spLocks noGrp="1"/>
+          </p:cNvSpPr>
+          <p:nvPr>
+            <p:ph type="title"/>
+          </p:nvPr>
+        </p:nvSpPr>
+        <p:spPr/>
+        <p:txBody>
+          <a:bodyPr/>
+          <a:lstStyle/>
+          <a:p>
+            <a:r>
+              <a:rPr lang="en-US" dirty="0"/>
+              <a:t>Use Technology</a:t>
+            </a:r>
+          </a:p>
+        </p:txBody>
+      </p:sp>
+      <p:sp>
+        <p:nvSpPr>
+          <p:cNvPr id="3" name="Content Placeholder 2">
+            <a:extLst>
+              <a:ext uri="{FF2B5EF4-FFF2-40B4-BE49-F238E27FC236}">
+                <a16:creationId xmlns:a16="http://schemas.microsoft.com/office/drawing/2014/main" id="{F9F6C0F6-48FC-4409-8896-61A48452FE96}"/>
+              </a:ext>
+            </a:extLst>
+          </p:cNvPr>
+          <p:cNvSpPr>
+            <a:spLocks noGrp="1"/>
+          </p:cNvSpPr>
+          <p:nvPr>
+            <p:ph idx="1"/>
+          </p:nvPr>
+        </p:nvSpPr>
+        <p:spPr/>
+        <p:txBody>
+          <a:bodyPr/>
+          <a:lstStyle/>
+          <a:p>
+            <a:pPr marL="0" indent="0">
+              <a:buNone/>
+            </a:pPr>
+            <a:r>
+              <a:rPr lang="en-US"/>
+              <a:t> </a:t>
+            </a:r>
+          </a:p>
+        </p:txBody>
+      </p:sp>
+    </p:spTree>
+    <p:extLst>
+      <p:ext uri="{BB962C8B-B14F-4D97-AF65-F5344CB8AC3E}">
+        <p14:creationId xmlns:p14="http://schemas.microsoft.com/office/powerpoint/2010/main" val="1652468403"/>
       </p:ext>
     </p:extLst>
   </p:cSld>

--- a/HouseRenting.pptx
+++ b/HouseRenting.pptx
@@ -11,6 +11,7 @@
     <p:sldId id="259" r:id="rId5"/>
     <p:sldId id="260" r:id="rId6"/>
     <p:sldId id="261" r:id="rId7"/>
+    <p:sldId id="262" r:id="rId8"/>
   </p:sldIdLst>
   <p:sldSz cx="12192000" cy="6858000"/>
   <p:notesSz cx="6858000" cy="9144000"/>
@@ -13905,7 +13906,7 @@
               <a:buNone/>
             </a:pPr>
             <a:r>
-              <a:rPr lang="en-US"/>
+              <a:rPr lang="en-US" dirty="0"/>
               <a:t> </a:t>
             </a:r>
           </a:p>
@@ -13915,6 +13916,95 @@
     <p:extLst>
       <p:ext uri="{BB962C8B-B14F-4D97-AF65-F5344CB8AC3E}">
         <p14:creationId xmlns:p14="http://schemas.microsoft.com/office/powerpoint/2010/main" val="1652468403"/>
+      </p:ext>
+    </p:extLst>
+  </p:cSld>
+  <p:clrMapOvr>
+    <a:masterClrMapping/>
+  </p:clrMapOvr>
+</p:sld>
+</file>
+
+<file path=ppt/slides/slide7.xml><?xml version="1.0" encoding="utf-8"?>
+<p:sld xmlns:a="http://schemas.openxmlformats.org/drawingml/2006/main" xmlns:r="http://schemas.openxmlformats.org/officeDocument/2006/relationships" xmlns:p="http://schemas.openxmlformats.org/presentationml/2006/main">
+  <p:cSld>
+    <p:spTree>
+      <p:nvGrpSpPr>
+        <p:cNvPr id="1" name=""/>
+        <p:cNvGrpSpPr/>
+        <p:nvPr/>
+      </p:nvGrpSpPr>
+      <p:grpSpPr>
+        <a:xfrm>
+          <a:off x="0" y="0"/>
+          <a:ext cx="0" cy="0"/>
+          <a:chOff x="0" y="0"/>
+          <a:chExt cx="0" cy="0"/>
+        </a:xfrm>
+      </p:grpSpPr>
+      <p:sp>
+        <p:nvSpPr>
+          <p:cNvPr id="2" name="Title 1">
+            <a:extLst>
+              <a:ext uri="{FF2B5EF4-FFF2-40B4-BE49-F238E27FC236}">
+                <a16:creationId xmlns:a16="http://schemas.microsoft.com/office/drawing/2014/main" id="{4ABAD137-DF27-46A2-A18E-A7E7E025E33D}"/>
+              </a:ext>
+            </a:extLst>
+          </p:cNvPr>
+          <p:cNvSpPr>
+            <a:spLocks noGrp="1"/>
+          </p:cNvSpPr>
+          <p:nvPr>
+            <p:ph type="title"/>
+          </p:nvPr>
+        </p:nvSpPr>
+        <p:spPr/>
+        <p:txBody>
+          <a:bodyPr/>
+          <a:lstStyle/>
+          <a:p>
+            <a:r>
+              <a:rPr lang="en-US" dirty="0"/>
+              <a:t>Implementation Plan</a:t>
+            </a:r>
+          </a:p>
+        </p:txBody>
+      </p:sp>
+      <p:sp>
+        <p:nvSpPr>
+          <p:cNvPr id="3" name="Content Placeholder 2">
+            <a:extLst>
+              <a:ext uri="{FF2B5EF4-FFF2-40B4-BE49-F238E27FC236}">
+                <a16:creationId xmlns:a16="http://schemas.microsoft.com/office/drawing/2014/main" id="{56219843-90CE-4A69-B45E-C2988A3AA3BB}"/>
+              </a:ext>
+            </a:extLst>
+          </p:cNvPr>
+          <p:cNvSpPr>
+            <a:spLocks noGrp="1"/>
+          </p:cNvSpPr>
+          <p:nvPr>
+            <p:ph idx="1"/>
+          </p:nvPr>
+        </p:nvSpPr>
+        <p:spPr/>
+        <p:txBody>
+          <a:bodyPr/>
+          <a:lstStyle/>
+          <a:p>
+            <a:pPr marL="0" indent="0">
+              <a:buNone/>
+            </a:pPr>
+            <a:r>
+              <a:rPr lang="en-US"/>
+              <a:t> </a:t>
+            </a:r>
+          </a:p>
+        </p:txBody>
+      </p:sp>
+    </p:spTree>
+    <p:extLst>
+      <p:ext uri="{BB962C8B-B14F-4D97-AF65-F5344CB8AC3E}">
+        <p14:creationId xmlns:p14="http://schemas.microsoft.com/office/powerpoint/2010/main" val="4243813945"/>
       </p:ext>
     </p:extLst>
   </p:cSld>

--- a/HouseRenting.pptx
+++ b/HouseRenting.pptx
@@ -12,6 +12,7 @@
     <p:sldId id="260" r:id="rId6"/>
     <p:sldId id="261" r:id="rId7"/>
     <p:sldId id="262" r:id="rId8"/>
+    <p:sldId id="263" r:id="rId9"/>
   </p:sldIdLst>
   <p:sldSz cx="12192000" cy="6858000"/>
   <p:notesSz cx="6858000" cy="9144000"/>
@@ -13995,7 +13996,7 @@
               <a:buNone/>
             </a:pPr>
             <a:r>
-              <a:rPr lang="en-US"/>
+              <a:rPr lang="en-US" dirty="0"/>
               <a:t> </a:t>
             </a:r>
           </a:p>
@@ -14005,6 +14006,96 @@
     <p:extLst>
       <p:ext uri="{BB962C8B-B14F-4D97-AF65-F5344CB8AC3E}">
         <p14:creationId xmlns:p14="http://schemas.microsoft.com/office/powerpoint/2010/main" val="4243813945"/>
+      </p:ext>
+    </p:extLst>
+  </p:cSld>
+  <p:clrMapOvr>
+    <a:masterClrMapping/>
+  </p:clrMapOvr>
+</p:sld>
+</file>
+
+<file path=ppt/slides/slide8.xml><?xml version="1.0" encoding="utf-8"?>
+<p:sld xmlns:a="http://schemas.openxmlformats.org/drawingml/2006/main" xmlns:r="http://schemas.openxmlformats.org/officeDocument/2006/relationships" xmlns:p="http://schemas.openxmlformats.org/presentationml/2006/main">
+  <p:cSld>
+    <p:spTree>
+      <p:nvGrpSpPr>
+        <p:cNvPr id="1" name=""/>
+        <p:cNvGrpSpPr/>
+        <p:nvPr/>
+      </p:nvGrpSpPr>
+      <p:grpSpPr>
+        <a:xfrm>
+          <a:off x="0" y="0"/>
+          <a:ext cx="0" cy="0"/>
+          <a:chOff x="0" y="0"/>
+          <a:chExt cx="0" cy="0"/>
+        </a:xfrm>
+      </p:grpSpPr>
+      <p:sp>
+        <p:nvSpPr>
+          <p:cNvPr id="2" name="Title 1">
+            <a:extLst>
+              <a:ext uri="{FF2B5EF4-FFF2-40B4-BE49-F238E27FC236}">
+                <a16:creationId xmlns:a16="http://schemas.microsoft.com/office/drawing/2014/main" id="{4ABAD137-DF27-46A2-A18E-A7E7E025E33D}"/>
+              </a:ext>
+            </a:extLst>
+          </p:cNvPr>
+          <p:cNvSpPr>
+            <a:spLocks noGrp="1"/>
+          </p:cNvSpPr>
+          <p:nvPr>
+            <p:ph type="title"/>
+          </p:nvPr>
+        </p:nvSpPr>
+        <p:spPr/>
+        <p:txBody>
+          <a:bodyPr/>
+          <a:lstStyle/>
+          <a:p>
+            <a:r>
+              <a:rPr lang="en-US"/>
+              <a:t>Expected Outcome</a:t>
+            </a:r>
+            <a:endParaRPr lang="en-US" dirty="0"/>
+          </a:p>
+        </p:txBody>
+      </p:sp>
+      <p:sp>
+        <p:nvSpPr>
+          <p:cNvPr id="3" name="Content Placeholder 2">
+            <a:extLst>
+              <a:ext uri="{FF2B5EF4-FFF2-40B4-BE49-F238E27FC236}">
+                <a16:creationId xmlns:a16="http://schemas.microsoft.com/office/drawing/2014/main" id="{56219843-90CE-4A69-B45E-C2988A3AA3BB}"/>
+              </a:ext>
+            </a:extLst>
+          </p:cNvPr>
+          <p:cNvSpPr>
+            <a:spLocks noGrp="1"/>
+          </p:cNvSpPr>
+          <p:nvPr>
+            <p:ph idx="1"/>
+          </p:nvPr>
+        </p:nvSpPr>
+        <p:spPr/>
+        <p:txBody>
+          <a:bodyPr/>
+          <a:lstStyle/>
+          <a:p>
+            <a:pPr marL="0" indent="0">
+              <a:buNone/>
+            </a:pPr>
+            <a:r>
+              <a:rPr lang="en-US" dirty="0"/>
+              <a:t> </a:t>
+            </a:r>
+          </a:p>
+        </p:txBody>
+      </p:sp>
+    </p:spTree>
+    <p:extLst>
+      <p:ext uri="{BB962C8B-B14F-4D97-AF65-F5344CB8AC3E}">
+        <p14:creationId xmlns:p14="http://schemas.microsoft.com/office/powerpoint/2010/main" val="1847214280"/>
       </p:ext>
     </p:extLst>
   </p:cSld>

--- a/HouseRenting.pptx
+++ b/HouseRenting.pptx
@@ -13,6 +13,7 @@
     <p:sldId id="261" r:id="rId7"/>
     <p:sldId id="262" r:id="rId8"/>
     <p:sldId id="263" r:id="rId9"/>
+    <p:sldId id="264" r:id="rId10"/>
   </p:sldIdLst>
   <p:sldSz cx="12192000" cy="6858000"/>
   <p:notesSz cx="6858000" cy="9144000"/>
@@ -14054,10 +14055,9 @@
           <a:lstStyle/>
           <a:p>
             <a:r>
-              <a:rPr lang="en-US"/>
+              <a:rPr lang="en-US" dirty="0"/>
               <a:t>Expected Outcome</a:t>
             </a:r>
-            <a:endParaRPr lang="en-US" dirty="0"/>
           </a:p>
         </p:txBody>
       </p:sp>
@@ -14096,6 +14096,100 @@
     <p:extLst>
       <p:ext uri="{BB962C8B-B14F-4D97-AF65-F5344CB8AC3E}">
         <p14:creationId xmlns:p14="http://schemas.microsoft.com/office/powerpoint/2010/main" val="1847214280"/>
+      </p:ext>
+    </p:extLst>
+  </p:cSld>
+  <p:clrMapOvr>
+    <a:masterClrMapping/>
+  </p:clrMapOvr>
+</p:sld>
+</file>
+
+<file path=ppt/slides/slide9.xml><?xml version="1.0" encoding="utf-8"?>
+<p:sld xmlns:a="http://schemas.openxmlformats.org/drawingml/2006/main" xmlns:r="http://schemas.openxmlformats.org/officeDocument/2006/relationships" xmlns:p="http://schemas.openxmlformats.org/presentationml/2006/main">
+  <p:cSld>
+    <p:spTree>
+      <p:nvGrpSpPr>
+        <p:cNvPr id="1" name=""/>
+        <p:cNvGrpSpPr/>
+        <p:nvPr/>
+      </p:nvGrpSpPr>
+      <p:grpSpPr>
+        <a:xfrm>
+          <a:off x="0" y="0"/>
+          <a:ext cx="0" cy="0"/>
+          <a:chOff x="0" y="0"/>
+          <a:chExt cx="0" cy="0"/>
+        </a:xfrm>
+      </p:grpSpPr>
+      <p:sp>
+        <p:nvSpPr>
+          <p:cNvPr id="2" name="Title 1">
+            <a:extLst>
+              <a:ext uri="{FF2B5EF4-FFF2-40B4-BE49-F238E27FC236}">
+                <a16:creationId xmlns:a16="http://schemas.microsoft.com/office/drawing/2014/main" id="{4ABAD137-DF27-46A2-A18E-A7E7E025E33D}"/>
+              </a:ext>
+            </a:extLst>
+          </p:cNvPr>
+          <p:cNvSpPr>
+            <a:spLocks noGrp="1"/>
+          </p:cNvSpPr>
+          <p:nvPr>
+            <p:ph type="title"/>
+          </p:nvPr>
+        </p:nvSpPr>
+        <p:spPr/>
+        <p:txBody>
+          <a:bodyPr/>
+          <a:lstStyle/>
+          <a:p>
+            <a:r>
+              <a:rPr lang="en-US" dirty="0"/>
+              <a:t>Weakness of </a:t>
+            </a:r>
+            <a:r>
+              <a:rPr lang="en-US"/>
+              <a:t>Our Project</a:t>
+            </a:r>
+            <a:endParaRPr lang="en-US" dirty="0"/>
+          </a:p>
+        </p:txBody>
+      </p:sp>
+      <p:sp>
+        <p:nvSpPr>
+          <p:cNvPr id="3" name="Content Placeholder 2">
+            <a:extLst>
+              <a:ext uri="{FF2B5EF4-FFF2-40B4-BE49-F238E27FC236}">
+                <a16:creationId xmlns:a16="http://schemas.microsoft.com/office/drawing/2014/main" id="{56219843-90CE-4A69-B45E-C2988A3AA3BB}"/>
+              </a:ext>
+            </a:extLst>
+          </p:cNvPr>
+          <p:cNvSpPr>
+            <a:spLocks noGrp="1"/>
+          </p:cNvSpPr>
+          <p:nvPr>
+            <p:ph idx="1"/>
+          </p:nvPr>
+        </p:nvSpPr>
+        <p:spPr/>
+        <p:txBody>
+          <a:bodyPr/>
+          <a:lstStyle/>
+          <a:p>
+            <a:pPr marL="0" indent="0">
+              <a:buNone/>
+            </a:pPr>
+            <a:r>
+              <a:rPr lang="en-US" dirty="0"/>
+              <a:t> </a:t>
+            </a:r>
+          </a:p>
+        </p:txBody>
+      </p:sp>
+    </p:spTree>
+    <p:extLst>
+      <p:ext uri="{BB962C8B-B14F-4D97-AF65-F5344CB8AC3E}">
+        <p14:creationId xmlns:p14="http://schemas.microsoft.com/office/powerpoint/2010/main" val="969379202"/>
       </p:ext>
     </p:extLst>
   </p:cSld>

--- a/HouseRenting.pptx
+++ b/HouseRenting.pptx
@@ -14,6 +14,7 @@
     <p:sldId id="262" r:id="rId8"/>
     <p:sldId id="263" r:id="rId9"/>
     <p:sldId id="264" r:id="rId10"/>
+    <p:sldId id="265" r:id="rId11"/>
   </p:sldIdLst>
   <p:sldSz cx="12192000" cy="6858000"/>
   <p:notesSz cx="6858000" cy="9144000"/>
@@ -13482,6 +13483,95 @@
 </p:sld>
 </file>
 
+<file path=ppt/slides/slide10.xml><?xml version="1.0" encoding="utf-8"?>
+<p:sld xmlns:a="http://schemas.openxmlformats.org/drawingml/2006/main" xmlns:r="http://schemas.openxmlformats.org/officeDocument/2006/relationships" xmlns:p="http://schemas.openxmlformats.org/presentationml/2006/main">
+  <p:cSld>
+    <p:spTree>
+      <p:nvGrpSpPr>
+        <p:cNvPr id="1" name=""/>
+        <p:cNvGrpSpPr/>
+        <p:nvPr/>
+      </p:nvGrpSpPr>
+      <p:grpSpPr>
+        <a:xfrm>
+          <a:off x="0" y="0"/>
+          <a:ext cx="0" cy="0"/>
+          <a:chOff x="0" y="0"/>
+          <a:chExt cx="0" cy="0"/>
+        </a:xfrm>
+      </p:grpSpPr>
+      <p:sp>
+        <p:nvSpPr>
+          <p:cNvPr id="2" name="Title 1">
+            <a:extLst>
+              <a:ext uri="{FF2B5EF4-FFF2-40B4-BE49-F238E27FC236}">
+                <a16:creationId xmlns:a16="http://schemas.microsoft.com/office/drawing/2014/main" id="{4ABAD137-DF27-46A2-A18E-A7E7E025E33D}"/>
+              </a:ext>
+            </a:extLst>
+          </p:cNvPr>
+          <p:cNvSpPr>
+            <a:spLocks noGrp="1"/>
+          </p:cNvSpPr>
+          <p:nvPr>
+            <p:ph type="title"/>
+          </p:nvPr>
+        </p:nvSpPr>
+        <p:spPr/>
+        <p:txBody>
+          <a:bodyPr/>
+          <a:lstStyle/>
+          <a:p>
+            <a:r>
+              <a:rPr lang="en-US" dirty="0"/>
+              <a:t>Future Plan</a:t>
+            </a:r>
+          </a:p>
+        </p:txBody>
+      </p:sp>
+      <p:sp>
+        <p:nvSpPr>
+          <p:cNvPr id="3" name="Content Placeholder 2">
+            <a:extLst>
+              <a:ext uri="{FF2B5EF4-FFF2-40B4-BE49-F238E27FC236}">
+                <a16:creationId xmlns:a16="http://schemas.microsoft.com/office/drawing/2014/main" id="{56219843-90CE-4A69-B45E-C2988A3AA3BB}"/>
+              </a:ext>
+            </a:extLst>
+          </p:cNvPr>
+          <p:cNvSpPr>
+            <a:spLocks noGrp="1"/>
+          </p:cNvSpPr>
+          <p:nvPr>
+            <p:ph idx="1"/>
+          </p:nvPr>
+        </p:nvSpPr>
+        <p:spPr/>
+        <p:txBody>
+          <a:bodyPr/>
+          <a:lstStyle/>
+          <a:p>
+            <a:pPr marL="0" indent="0">
+              <a:buNone/>
+            </a:pPr>
+            <a:r>
+              <a:rPr lang="en-US" dirty="0"/>
+              <a:t> </a:t>
+            </a:r>
+          </a:p>
+        </p:txBody>
+      </p:sp>
+    </p:spTree>
+    <p:extLst>
+      <p:ext uri="{BB962C8B-B14F-4D97-AF65-F5344CB8AC3E}">
+        <p14:creationId xmlns:p14="http://schemas.microsoft.com/office/powerpoint/2010/main" val="3456328565"/>
+      </p:ext>
+    </p:extLst>
+  </p:cSld>
+  <p:clrMapOvr>
+    <a:masterClrMapping/>
+  </p:clrMapOvr>
+</p:sld>
+</file>
+
 <file path=ppt/slides/slide2.xml><?xml version="1.0" encoding="utf-8"?>
 <p:sld xmlns:a="http://schemas.openxmlformats.org/drawingml/2006/main" xmlns:r="http://schemas.openxmlformats.org/officeDocument/2006/relationships" xmlns:p="http://schemas.openxmlformats.org/presentationml/2006/main">
   <p:cSld>
@@ -14145,13 +14235,8 @@
           <a:p>
             <a:r>
               <a:rPr lang="en-US" dirty="0"/>
-              <a:t>Weakness of </a:t>
+              <a:t>Weakness of Our Project</a:t>
             </a:r>
-            <a:r>
-              <a:rPr lang="en-US"/>
-              <a:t>Our Project</a:t>
-            </a:r>
-            <a:endParaRPr lang="en-US" dirty="0"/>
           </a:p>
         </p:txBody>
       </p:sp>

--- a/HouseRenting.pptx
+++ b/HouseRenting.pptx
@@ -15,6 +15,7 @@
     <p:sldId id="263" r:id="rId9"/>
     <p:sldId id="264" r:id="rId10"/>
     <p:sldId id="265" r:id="rId11"/>
+    <p:sldId id="266" r:id="rId12"/>
   </p:sldIdLst>
   <p:sldSz cx="12192000" cy="6858000"/>
   <p:notesSz cx="6858000" cy="9144000"/>
@@ -13572,6 +13573,96 @@
 </p:sld>
 </file>
 
+<file path=ppt/slides/slide11.xml><?xml version="1.0" encoding="utf-8"?>
+<p:sld xmlns:a="http://schemas.openxmlformats.org/drawingml/2006/main" xmlns:r="http://schemas.openxmlformats.org/officeDocument/2006/relationships" xmlns:p="http://schemas.openxmlformats.org/presentationml/2006/main">
+  <p:cSld>
+    <p:spTree>
+      <p:nvGrpSpPr>
+        <p:cNvPr id="1" name=""/>
+        <p:cNvGrpSpPr/>
+        <p:nvPr/>
+      </p:nvGrpSpPr>
+      <p:grpSpPr>
+        <a:xfrm>
+          <a:off x="0" y="0"/>
+          <a:ext cx="0" cy="0"/>
+          <a:chOff x="0" y="0"/>
+          <a:chExt cx="0" cy="0"/>
+        </a:xfrm>
+      </p:grpSpPr>
+      <p:sp>
+        <p:nvSpPr>
+          <p:cNvPr id="2" name="Title 1">
+            <a:extLst>
+              <a:ext uri="{FF2B5EF4-FFF2-40B4-BE49-F238E27FC236}">
+                <a16:creationId xmlns:a16="http://schemas.microsoft.com/office/drawing/2014/main" id="{4ABAD137-DF27-46A2-A18E-A7E7E025E33D}"/>
+              </a:ext>
+            </a:extLst>
+          </p:cNvPr>
+          <p:cNvSpPr>
+            <a:spLocks noGrp="1"/>
+          </p:cNvSpPr>
+          <p:nvPr>
+            <p:ph type="title"/>
+          </p:nvPr>
+        </p:nvSpPr>
+        <p:spPr/>
+        <p:txBody>
+          <a:bodyPr/>
+          <a:lstStyle/>
+          <a:p>
+            <a:r>
+              <a:rPr lang="en-US" dirty="0" err="1"/>
+              <a:t>Conclution</a:t>
+            </a:r>
+            <a:endParaRPr lang="en-US" dirty="0"/>
+          </a:p>
+        </p:txBody>
+      </p:sp>
+      <p:sp>
+        <p:nvSpPr>
+          <p:cNvPr id="3" name="Content Placeholder 2">
+            <a:extLst>
+              <a:ext uri="{FF2B5EF4-FFF2-40B4-BE49-F238E27FC236}">
+                <a16:creationId xmlns:a16="http://schemas.microsoft.com/office/drawing/2014/main" id="{56219843-90CE-4A69-B45E-C2988A3AA3BB}"/>
+              </a:ext>
+            </a:extLst>
+          </p:cNvPr>
+          <p:cNvSpPr>
+            <a:spLocks noGrp="1"/>
+          </p:cNvSpPr>
+          <p:nvPr>
+            <p:ph idx="1"/>
+          </p:nvPr>
+        </p:nvSpPr>
+        <p:spPr/>
+        <p:txBody>
+          <a:bodyPr/>
+          <a:lstStyle/>
+          <a:p>
+            <a:pPr marL="0" indent="0">
+              <a:buNone/>
+            </a:pPr>
+            <a:r>
+              <a:rPr lang="en-US" dirty="0"/>
+              <a:t> </a:t>
+            </a:r>
+          </a:p>
+        </p:txBody>
+      </p:sp>
+    </p:spTree>
+    <p:extLst>
+      <p:ext uri="{BB962C8B-B14F-4D97-AF65-F5344CB8AC3E}">
+        <p14:creationId xmlns:p14="http://schemas.microsoft.com/office/powerpoint/2010/main" val="2297170349"/>
+      </p:ext>
+    </p:extLst>
+  </p:cSld>
+  <p:clrMapOvr>
+    <a:masterClrMapping/>
+  </p:clrMapOvr>
+</p:sld>
+</file>
+
 <file path=ppt/slides/slide2.xml><?xml version="1.0" encoding="utf-8"?>
 <p:sld xmlns:a="http://schemas.openxmlformats.org/drawingml/2006/main" xmlns:r="http://schemas.openxmlformats.org/officeDocument/2006/relationships" xmlns:p="http://schemas.openxmlformats.org/presentationml/2006/main">
   <p:cSld>
@@ -13973,37 +14064,381 @@
           </a:p>
         </p:txBody>
       </p:sp>
-      <p:sp>
-        <p:nvSpPr>
-          <p:cNvPr id="3" name="Content Placeholder 2">
+      <p:graphicFrame>
+        <p:nvGraphicFramePr>
+          <p:cNvPr id="16" name="Content Placeholder 15">
             <a:extLst>
               <a:ext uri="{FF2B5EF4-FFF2-40B4-BE49-F238E27FC236}">
-                <a16:creationId xmlns:a16="http://schemas.microsoft.com/office/drawing/2014/main" id="{F9F6C0F6-48FC-4409-8896-61A48452FE96}"/>
+                <a16:creationId xmlns:a16="http://schemas.microsoft.com/office/drawing/2014/main" id="{EA482A45-EBC0-4EFD-B753-CE3863160320}"/>
               </a:ext>
             </a:extLst>
           </p:cNvPr>
-          <p:cNvSpPr>
-            <a:spLocks noGrp="1"/>
-          </p:cNvSpPr>
+          <p:cNvGraphicFramePr>
+            <a:graphicFrameLocks noGrp="1"/>
+          </p:cNvGraphicFramePr>
           <p:nvPr>
             <p:ph idx="1"/>
+            <p:extLst>
+              <p:ext uri="{D42A27DB-BD31-4B8C-83A1-F6EECF244321}">
+                <p14:modId xmlns:p14="http://schemas.microsoft.com/office/powerpoint/2010/main" val="2870255533"/>
+              </p:ext>
+            </p:extLst>
           </p:nvPr>
-        </p:nvSpPr>
-        <p:spPr/>
-        <p:txBody>
-          <a:bodyPr/>
-          <a:lstStyle/>
-          <a:p>
-            <a:pPr marL="0" indent="0">
-              <a:buNone/>
-            </a:pPr>
-            <a:r>
-              <a:rPr lang="en-US" dirty="0"/>
-              <a:t> </a:t>
-            </a:r>
-          </a:p>
-        </p:txBody>
-      </p:sp>
+        </p:nvGraphicFramePr>
+        <p:xfrm>
+          <a:off x="1694962" y="2800448"/>
+          <a:ext cx="4401038" cy="2880360"/>
+        </p:xfrm>
+        <a:graphic>
+          <a:graphicData uri="http://schemas.openxmlformats.org/drawingml/2006/table">
+            <a:tbl>
+              <a:tblPr firstRow="1" bandRow="1">
+                <a:tableStyleId>{2D5ABB26-0587-4C30-8999-92F81FD0307C}</a:tableStyleId>
+              </a:tblPr>
+              <a:tblGrid>
+                <a:gridCol w="4401038">
+                  <a:extLst>
+                    <a:ext uri="{9D8B030D-6E8A-4147-A177-3AD203B41FA5}">
+                      <a16:colId xmlns:a16="http://schemas.microsoft.com/office/drawing/2014/main" val="2786390887"/>
+                    </a:ext>
+                  </a:extLst>
+                </a:gridCol>
+              </a:tblGrid>
+              <a:tr h="370840">
+                <a:tc>
+                  <a:txBody>
+                    <a:bodyPr/>
+                    <a:lstStyle/>
+                    <a:p>
+                      <a:pPr marL="285750" indent="-285750">
+                        <a:buFont typeface="Wingdings" panose="05000000000000000000" pitchFamily="2" charset="2"/>
+                        <a:buChar char="q"/>
+                      </a:pPr>
+                      <a:r>
+                        <a:rPr lang="en-US" sz="2600" dirty="0"/>
+                        <a:t>Server Side</a:t>
+                      </a:r>
+                    </a:p>
+                  </a:txBody>
+                  <a:tcPr/>
+                </a:tc>
+                <a:extLst>
+                  <a:ext uri="{0D108BD9-81ED-4DB2-BD59-A6C34878D82A}">
+                    <a16:rowId xmlns:a16="http://schemas.microsoft.com/office/drawing/2014/main" val="646730074"/>
+                  </a:ext>
+                </a:extLst>
+              </a:tr>
+              <a:tr h="370840">
+                <a:tc>
+                  <a:txBody>
+                    <a:bodyPr/>
+                    <a:lstStyle/>
+                    <a:p>
+                      <a:pPr marL="742950" lvl="1" indent="-285750">
+                        <a:buFont typeface="Wingdings" panose="05000000000000000000" pitchFamily="2" charset="2"/>
+                        <a:buChar char="q"/>
+                      </a:pPr>
+                      <a:r>
+                        <a:rPr lang="en-US" sz="2200" dirty="0"/>
+                        <a:t>Language</a:t>
+                      </a:r>
+                    </a:p>
+                  </a:txBody>
+                  <a:tcPr/>
+                </a:tc>
+                <a:extLst>
+                  <a:ext uri="{0D108BD9-81ED-4DB2-BD59-A6C34878D82A}">
+                    <a16:rowId xmlns:a16="http://schemas.microsoft.com/office/drawing/2014/main" val="795173613"/>
+                  </a:ext>
+                </a:extLst>
+              </a:tr>
+              <a:tr h="370840">
+                <a:tc>
+                  <a:txBody>
+                    <a:bodyPr/>
+                    <a:lstStyle/>
+                    <a:p>
+                      <a:pPr marL="1200150" lvl="2" indent="-285750">
+                        <a:buFont typeface="Wingdings" panose="05000000000000000000" pitchFamily="2" charset="2"/>
+                        <a:buChar char="Ø"/>
+                      </a:pPr>
+                      <a:r>
+                        <a:rPr lang="en-US" dirty="0"/>
+                        <a:t>JavaScript</a:t>
+                      </a:r>
+                    </a:p>
+                  </a:txBody>
+                  <a:tcPr/>
+                </a:tc>
+                <a:extLst>
+                  <a:ext uri="{0D108BD9-81ED-4DB2-BD59-A6C34878D82A}">
+                    <a16:rowId xmlns:a16="http://schemas.microsoft.com/office/drawing/2014/main" val="549785315"/>
+                  </a:ext>
+                </a:extLst>
+              </a:tr>
+              <a:tr h="370840">
+                <a:tc>
+                  <a:txBody>
+                    <a:bodyPr/>
+                    <a:lstStyle/>
+                    <a:p>
+                      <a:pPr marL="742950" lvl="1" indent="-285750">
+                        <a:buFont typeface="Wingdings" panose="05000000000000000000" pitchFamily="2" charset="2"/>
+                        <a:buChar char="q"/>
+                      </a:pPr>
+                      <a:r>
+                        <a:rPr lang="en-US" sz="2200" dirty="0"/>
+                        <a:t>Framework</a:t>
+                      </a:r>
+                    </a:p>
+                  </a:txBody>
+                  <a:tcPr/>
+                </a:tc>
+                <a:extLst>
+                  <a:ext uri="{0D108BD9-81ED-4DB2-BD59-A6C34878D82A}">
+                    <a16:rowId xmlns:a16="http://schemas.microsoft.com/office/drawing/2014/main" val="3601202269"/>
+                  </a:ext>
+                </a:extLst>
+              </a:tr>
+              <a:tr h="370840">
+                <a:tc>
+                  <a:txBody>
+                    <a:bodyPr/>
+                    <a:lstStyle/>
+                    <a:p>
+                      <a:pPr marL="1200150" lvl="2" indent="-285750">
+                        <a:buFont typeface="Wingdings" panose="05000000000000000000" pitchFamily="2" charset="2"/>
+                        <a:buChar char="Ø"/>
+                      </a:pPr>
+                      <a:r>
+                        <a:rPr lang="en-US" dirty="0"/>
+                        <a:t>Node JS</a:t>
+                      </a:r>
+                    </a:p>
+                  </a:txBody>
+                  <a:tcPr/>
+                </a:tc>
+                <a:extLst>
+                  <a:ext uri="{0D108BD9-81ED-4DB2-BD59-A6C34878D82A}">
+                    <a16:rowId xmlns:a16="http://schemas.microsoft.com/office/drawing/2014/main" val="964169676"/>
+                  </a:ext>
+                </a:extLst>
+              </a:tr>
+              <a:tr h="370840">
+                <a:tc>
+                  <a:txBody>
+                    <a:bodyPr/>
+                    <a:lstStyle/>
+                    <a:p>
+                      <a:pPr marL="742950" lvl="1" indent="-285750">
+                        <a:buFont typeface="Wingdings" panose="05000000000000000000" pitchFamily="2" charset="2"/>
+                        <a:buChar char="q"/>
+                      </a:pPr>
+                      <a:r>
+                        <a:rPr lang="en-US" sz="2200" dirty="0"/>
+                        <a:t>Database</a:t>
+                      </a:r>
+                    </a:p>
+                  </a:txBody>
+                  <a:tcPr/>
+                </a:tc>
+                <a:extLst>
+                  <a:ext uri="{0D108BD9-81ED-4DB2-BD59-A6C34878D82A}">
+                    <a16:rowId xmlns:a16="http://schemas.microsoft.com/office/drawing/2014/main" val="1279960137"/>
+                  </a:ext>
+                </a:extLst>
+              </a:tr>
+              <a:tr h="370840">
+                <a:tc>
+                  <a:txBody>
+                    <a:bodyPr/>
+                    <a:lstStyle/>
+                    <a:p>
+                      <a:pPr marL="1200150" lvl="2" indent="-285750">
+                        <a:buFont typeface="Wingdings" panose="05000000000000000000" pitchFamily="2" charset="2"/>
+                        <a:buChar char="Ø"/>
+                      </a:pPr>
+                      <a:r>
+                        <a:rPr lang="en-US" dirty="0"/>
+                        <a:t>MongoDB</a:t>
+                      </a:r>
+                    </a:p>
+                  </a:txBody>
+                  <a:tcPr/>
+                </a:tc>
+                <a:extLst>
+                  <a:ext uri="{0D108BD9-81ED-4DB2-BD59-A6C34878D82A}">
+                    <a16:rowId xmlns:a16="http://schemas.microsoft.com/office/drawing/2014/main" val="2550903803"/>
+                  </a:ext>
+                </a:extLst>
+              </a:tr>
+            </a:tbl>
+          </a:graphicData>
+        </a:graphic>
+      </p:graphicFrame>
+      <p:graphicFrame>
+        <p:nvGraphicFramePr>
+          <p:cNvPr id="17" name="Content Placeholder 15">
+            <a:extLst>
+              <a:ext uri="{FF2B5EF4-FFF2-40B4-BE49-F238E27FC236}">
+                <a16:creationId xmlns:a16="http://schemas.microsoft.com/office/drawing/2014/main" id="{76C54405-57B0-4FF6-BCDA-C7E334C99BAF}"/>
+              </a:ext>
+            </a:extLst>
+          </p:cNvPr>
+          <p:cNvGraphicFramePr>
+            <a:graphicFrameLocks/>
+          </p:cNvGraphicFramePr>
+          <p:nvPr>
+            <p:extLst>
+              <p:ext uri="{D42A27DB-BD31-4B8C-83A1-F6EECF244321}">
+                <p14:modId xmlns:p14="http://schemas.microsoft.com/office/powerpoint/2010/main" val="520541432"/>
+              </p:ext>
+            </p:extLst>
+          </p:nvPr>
+        </p:nvGraphicFramePr>
+        <p:xfrm>
+          <a:off x="6283571" y="2800448"/>
+          <a:ext cx="4401038" cy="2194560"/>
+        </p:xfrm>
+        <a:graphic>
+          <a:graphicData uri="http://schemas.openxmlformats.org/drawingml/2006/table">
+            <a:tbl>
+              <a:tblPr firstRow="1" bandRow="1">
+                <a:tableStyleId>{2D5ABB26-0587-4C30-8999-92F81FD0307C}</a:tableStyleId>
+              </a:tblPr>
+              <a:tblGrid>
+                <a:gridCol w="4401038">
+                  <a:extLst>
+                    <a:ext uri="{9D8B030D-6E8A-4147-A177-3AD203B41FA5}">
+                      <a16:colId xmlns:a16="http://schemas.microsoft.com/office/drawing/2014/main" val="2786390887"/>
+                    </a:ext>
+                  </a:extLst>
+                </a:gridCol>
+              </a:tblGrid>
+              <a:tr h="370840">
+                <a:tc>
+                  <a:txBody>
+                    <a:bodyPr/>
+                    <a:lstStyle/>
+                    <a:p>
+                      <a:pPr marL="285750" indent="-285750">
+                        <a:buFont typeface="Wingdings" panose="05000000000000000000" pitchFamily="2" charset="2"/>
+                        <a:buChar char="q"/>
+                      </a:pPr>
+                      <a:r>
+                        <a:rPr lang="en-US" sz="2600" dirty="0"/>
+                        <a:t>Client Side</a:t>
+                      </a:r>
+                    </a:p>
+                  </a:txBody>
+                  <a:tcPr/>
+                </a:tc>
+                <a:extLst>
+                  <a:ext uri="{0D108BD9-81ED-4DB2-BD59-A6C34878D82A}">
+                    <a16:rowId xmlns:a16="http://schemas.microsoft.com/office/drawing/2014/main" val="646730074"/>
+                  </a:ext>
+                </a:extLst>
+              </a:tr>
+              <a:tr h="370840">
+                <a:tc>
+                  <a:txBody>
+                    <a:bodyPr/>
+                    <a:lstStyle/>
+                    <a:p>
+                      <a:pPr marL="800100" lvl="1" indent="-342900">
+                        <a:buFont typeface="Wingdings" panose="05000000000000000000" pitchFamily="2" charset="2"/>
+                        <a:buChar char="Ø"/>
+                      </a:pPr>
+                      <a:r>
+                        <a:rPr lang="en-US" sz="2200" dirty="0"/>
+                        <a:t>HTML</a:t>
+                      </a:r>
+                    </a:p>
+                  </a:txBody>
+                  <a:tcPr/>
+                </a:tc>
+                <a:extLst>
+                  <a:ext uri="{0D108BD9-81ED-4DB2-BD59-A6C34878D82A}">
+                    <a16:rowId xmlns:a16="http://schemas.microsoft.com/office/drawing/2014/main" val="795173613"/>
+                  </a:ext>
+                </a:extLst>
+              </a:tr>
+              <a:tr h="370840">
+                <a:tc>
+                  <a:txBody>
+                    <a:bodyPr/>
+                    <a:lstStyle/>
+                    <a:p>
+                      <a:pPr marL="800100" lvl="1" indent="-342900">
+                        <a:buFont typeface="Wingdings" panose="05000000000000000000" pitchFamily="2" charset="2"/>
+                        <a:buChar char="Ø"/>
+                      </a:pPr>
+                      <a:r>
+                        <a:rPr lang="en-US" sz="2200" dirty="0"/>
+                        <a:t>CSS</a:t>
+                      </a:r>
+                    </a:p>
+                  </a:txBody>
+                  <a:tcPr/>
+                </a:tc>
+                <a:extLst>
+                  <a:ext uri="{0D108BD9-81ED-4DB2-BD59-A6C34878D82A}">
+                    <a16:rowId xmlns:a16="http://schemas.microsoft.com/office/drawing/2014/main" val="3601202269"/>
+                  </a:ext>
+                </a:extLst>
+              </a:tr>
+              <a:tr h="370840">
+                <a:tc>
+                  <a:txBody>
+                    <a:bodyPr/>
+                    <a:lstStyle/>
+                    <a:p>
+                      <a:pPr marL="800100" lvl="1" indent="-342900">
+                        <a:buFont typeface="Wingdings" panose="05000000000000000000" pitchFamily="2" charset="2"/>
+                        <a:buChar char="Ø"/>
+                      </a:pPr>
+                      <a:r>
+                        <a:rPr lang="en-US" sz="2200" dirty="0"/>
+                        <a:t>Bootstrap 4</a:t>
+                      </a:r>
+                    </a:p>
+                  </a:txBody>
+                  <a:tcPr/>
+                </a:tc>
+                <a:extLst>
+                  <a:ext uri="{0D108BD9-81ED-4DB2-BD59-A6C34878D82A}">
+                    <a16:rowId xmlns:a16="http://schemas.microsoft.com/office/drawing/2014/main" val="1279960137"/>
+                  </a:ext>
+                </a:extLst>
+              </a:tr>
+              <a:tr h="370840">
+                <a:tc>
+                  <a:txBody>
+                    <a:bodyPr/>
+                    <a:lstStyle/>
+                    <a:p>
+                      <a:pPr marL="800100" lvl="1" indent="-342900">
+                        <a:buFont typeface="Wingdings" panose="05000000000000000000" pitchFamily="2" charset="2"/>
+                        <a:buChar char="Ø"/>
+                      </a:pPr>
+                      <a:r>
+                        <a:rPr lang="en-US" sz="2200" dirty="0"/>
+                        <a:t>Angular 6</a:t>
+                      </a:r>
+                    </a:p>
+                  </a:txBody>
+                  <a:tcPr/>
+                </a:tc>
+                <a:extLst>
+                  <a:ext uri="{0D108BD9-81ED-4DB2-BD59-A6C34878D82A}">
+                    <a16:rowId xmlns:a16="http://schemas.microsoft.com/office/drawing/2014/main" val="2550903803"/>
+                  </a:ext>
+                </a:extLst>
+              </a:tr>
+            </a:tbl>
+          </a:graphicData>
+        </a:graphic>
+      </p:graphicFrame>
     </p:spTree>
     <p:extLst>
       <p:ext uri="{BB962C8B-B14F-4D97-AF65-F5344CB8AC3E}">

--- a/HouseRenting.pptx
+++ b/HouseRenting.pptx
@@ -6,16 +6,17 @@
   </p:sldMasterIdLst>
   <p:sldIdLst>
     <p:sldId id="256" r:id="rId2"/>
-    <p:sldId id="257" r:id="rId3"/>
-    <p:sldId id="258" r:id="rId4"/>
-    <p:sldId id="259" r:id="rId5"/>
-    <p:sldId id="260" r:id="rId6"/>
-    <p:sldId id="261" r:id="rId7"/>
-    <p:sldId id="262" r:id="rId8"/>
-    <p:sldId id="263" r:id="rId9"/>
-    <p:sldId id="264" r:id="rId10"/>
-    <p:sldId id="265" r:id="rId11"/>
-    <p:sldId id="266" r:id="rId12"/>
+    <p:sldId id="267" r:id="rId3"/>
+    <p:sldId id="257" r:id="rId4"/>
+    <p:sldId id="258" r:id="rId5"/>
+    <p:sldId id="259" r:id="rId6"/>
+    <p:sldId id="260" r:id="rId7"/>
+    <p:sldId id="261" r:id="rId8"/>
+    <p:sldId id="262" r:id="rId9"/>
+    <p:sldId id="263" r:id="rId10"/>
+    <p:sldId id="264" r:id="rId11"/>
+    <p:sldId id="265" r:id="rId12"/>
+    <p:sldId id="266" r:id="rId13"/>
   </p:sldIdLst>
   <p:sldSz cx="12192000" cy="6858000"/>
   <p:notesSz cx="6858000" cy="9144000"/>
@@ -457,7 +458,7 @@
           <a:p>
             <a:fld id="{BE27C8D0-96A9-4B6C-8DFF-D2F542A7F341}" type="datetimeFigureOut">
               <a:rPr lang="en-US" smtClean="0"/>
-              <a:t>10/4/2018</a:t>
+              <a:t>10/8/2018</a:t>
             </a:fld>
             <a:endParaRPr lang="en-US"/>
           </a:p>
@@ -1545,7 +1546,7 @@
           <a:p>
             <a:fld id="{BE27C8D0-96A9-4B6C-8DFF-D2F542A7F341}" type="datetimeFigureOut">
               <a:rPr lang="en-US" smtClean="0"/>
-              <a:t>10/4/2018</a:t>
+              <a:t>10/8/2018</a:t>
             </a:fld>
             <a:endParaRPr lang="en-US"/>
           </a:p>
@@ -2525,7 +2526,7 @@
           <a:p>
             <a:fld id="{BE27C8D0-96A9-4B6C-8DFF-D2F542A7F341}" type="datetimeFigureOut">
               <a:rPr lang="en-US" smtClean="0"/>
-              <a:t>10/4/2018</a:t>
+              <a:t>10/8/2018</a:t>
             </a:fld>
             <a:endParaRPr lang="en-US"/>
           </a:p>
@@ -3659,7 +3660,7 @@
           <a:p>
             <a:fld id="{BE27C8D0-96A9-4B6C-8DFF-D2F542A7F341}" type="datetimeFigureOut">
               <a:rPr lang="en-US" smtClean="0"/>
-              <a:t>10/4/2018</a:t>
+              <a:t>10/8/2018</a:t>
             </a:fld>
             <a:endParaRPr lang="en-US"/>
           </a:p>
@@ -4692,7 +4693,7 @@
           <a:p>
             <a:fld id="{BE27C8D0-96A9-4B6C-8DFF-D2F542A7F341}" type="datetimeFigureOut">
               <a:rPr lang="en-US" smtClean="0"/>
-              <a:t>10/4/2018</a:t>
+              <a:t>10/8/2018</a:t>
             </a:fld>
             <a:endParaRPr lang="en-US"/>
           </a:p>
@@ -5352,7 +5353,7 @@
           <a:p>
             <a:fld id="{BE27C8D0-96A9-4B6C-8DFF-D2F542A7F341}" type="datetimeFigureOut">
               <a:rPr lang="en-US" smtClean="0"/>
-              <a:t>10/4/2018</a:t>
+              <a:t>10/8/2018</a:t>
             </a:fld>
             <a:endParaRPr lang="en-US"/>
           </a:p>
@@ -6213,7 +6214,7 @@
           <a:p>
             <a:fld id="{BE27C8D0-96A9-4B6C-8DFF-D2F542A7F341}" type="datetimeFigureOut">
               <a:rPr lang="en-US" smtClean="0"/>
-              <a:t>10/4/2018</a:t>
+              <a:t>10/8/2018</a:t>
             </a:fld>
             <a:endParaRPr lang="en-US"/>
           </a:p>
@@ -6403,7 +6404,7 @@
           <a:p>
             <a:fld id="{BE27C8D0-96A9-4B6C-8DFF-D2F542A7F341}" type="datetimeFigureOut">
               <a:rPr lang="en-US" smtClean="0"/>
-              <a:t>10/4/2018</a:t>
+              <a:t>10/8/2018</a:t>
             </a:fld>
             <a:endParaRPr lang="en-US"/>
           </a:p>
@@ -7375,7 +7376,7 @@
           <a:p>
             <a:fld id="{BE27C8D0-96A9-4B6C-8DFF-D2F542A7F341}" type="datetimeFigureOut">
               <a:rPr lang="en-US" smtClean="0"/>
-              <a:t>10/4/2018</a:t>
+              <a:t>10/8/2018</a:t>
             </a:fld>
             <a:endParaRPr lang="en-US"/>
           </a:p>
@@ -7586,7 +7587,7 @@
           <a:p>
             <a:fld id="{BE27C8D0-96A9-4B6C-8DFF-D2F542A7F341}" type="datetimeFigureOut">
               <a:rPr lang="en-US" smtClean="0"/>
-              <a:t>10/4/2018</a:t>
+              <a:t>10/8/2018</a:t>
             </a:fld>
             <a:endParaRPr lang="en-US"/>
           </a:p>
@@ -8620,7 +8621,7 @@
           <a:p>
             <a:fld id="{BE27C8D0-96A9-4B6C-8DFF-D2F542A7F341}" type="datetimeFigureOut">
               <a:rPr lang="en-US" smtClean="0"/>
-              <a:t>10/4/2018</a:t>
+              <a:t>10/8/2018</a:t>
             </a:fld>
             <a:endParaRPr lang="en-US"/>
           </a:p>
@@ -8892,7 +8893,7 @@
           <a:p>
             <a:fld id="{BE27C8D0-96A9-4B6C-8DFF-D2F542A7F341}" type="datetimeFigureOut">
               <a:rPr lang="en-US" smtClean="0"/>
-              <a:t>10/4/2018</a:t>
+              <a:t>10/8/2018</a:t>
             </a:fld>
             <a:endParaRPr lang="en-US"/>
           </a:p>
@@ -9302,7 +9303,7 @@
           <a:p>
             <a:fld id="{BE27C8D0-96A9-4B6C-8DFF-D2F542A7F341}" type="datetimeFigureOut">
               <a:rPr lang="en-US" smtClean="0"/>
-              <a:t>10/4/2018</a:t>
+              <a:t>10/8/2018</a:t>
             </a:fld>
             <a:endParaRPr lang="en-US"/>
           </a:p>
@@ -9429,7 +9430,7 @@
           <a:p>
             <a:fld id="{BE27C8D0-96A9-4B6C-8DFF-D2F542A7F341}" type="datetimeFigureOut">
               <a:rPr lang="en-US" smtClean="0"/>
-              <a:t>10/4/2018</a:t>
+              <a:t>10/8/2018</a:t>
             </a:fld>
             <a:endParaRPr lang="en-US"/>
           </a:p>
@@ -9524,7 +9525,7 @@
           <a:p>
             <a:fld id="{BE27C8D0-96A9-4B6C-8DFF-D2F542A7F341}" type="datetimeFigureOut">
               <a:rPr lang="en-US" smtClean="0"/>
-              <a:t>10/4/2018</a:t>
+              <a:t>10/8/2018</a:t>
             </a:fld>
             <a:endParaRPr lang="en-US"/>
           </a:p>
@@ -10605,7 +10606,7 @@
           <a:p>
             <a:fld id="{BE27C8D0-96A9-4B6C-8DFF-D2F542A7F341}" type="datetimeFigureOut">
               <a:rPr lang="en-US" smtClean="0"/>
-              <a:t>10/4/2018</a:t>
+              <a:t>10/8/2018</a:t>
             </a:fld>
             <a:endParaRPr lang="en-US"/>
           </a:p>
@@ -11713,7 +11714,7 @@
           <a:p>
             <a:fld id="{BE27C8D0-96A9-4B6C-8DFF-D2F542A7F341}" type="datetimeFigureOut">
               <a:rPr lang="en-US" smtClean="0"/>
-              <a:t>10/4/2018</a:t>
+              <a:t>10/8/2018</a:t>
             </a:fld>
             <a:endParaRPr lang="en-US"/>
           </a:p>
@@ -12710,7 +12711,7 @@
           <a:p>
             <a:fld id="{BE27C8D0-96A9-4B6C-8DFF-D2F542A7F341}" type="datetimeFigureOut">
               <a:rPr lang="en-US" smtClean="0"/>
-              <a:t>10/4/2018</a:t>
+              <a:t>10/8/2018</a:t>
             </a:fld>
             <a:endParaRPr lang="en-US"/>
           </a:p>
@@ -13524,7 +13525,7 @@
           <a:p>
             <a:r>
               <a:rPr lang="en-US" dirty="0"/>
-              <a:t>Future Plan</a:t>
+              <a:t>Weakness of Our Project</a:t>
             </a:r>
           </a:p>
         </p:txBody>
@@ -13550,8 +13551,9 @@
           <a:bodyPr/>
           <a:lstStyle/>
           <a:p>
-            <a:pPr marL="0" indent="0">
-              <a:buNone/>
+            <a:pPr>
+              <a:buFont typeface="Wingdings" panose="05000000000000000000" pitchFamily="2" charset="2"/>
+              <a:buChar char="q"/>
             </a:pPr>
             <a:r>
               <a:rPr lang="en-US" dirty="0"/>
@@ -13563,7 +13565,7 @@
     </p:spTree>
     <p:extLst>
       <p:ext uri="{BB962C8B-B14F-4D97-AF65-F5344CB8AC3E}">
-        <p14:creationId xmlns:p14="http://schemas.microsoft.com/office/powerpoint/2010/main" val="3456328565"/>
+        <p14:creationId xmlns:p14="http://schemas.microsoft.com/office/powerpoint/2010/main" val="969379202"/>
       </p:ext>
     </p:extLst>
   </p:cSld>
@@ -13612,10 +13614,98 @@
           <a:lstStyle/>
           <a:p>
             <a:r>
-              <a:rPr lang="en-US" dirty="0" err="1"/>
-              <a:t>Conclution</a:t>
+              <a:rPr lang="en-US" dirty="0"/>
+              <a:t>Future Plan</a:t>
             </a:r>
-            <a:endParaRPr lang="en-US" dirty="0"/>
+          </a:p>
+        </p:txBody>
+      </p:sp>
+      <p:sp>
+        <p:nvSpPr>
+          <p:cNvPr id="3" name="Content Placeholder 2">
+            <a:extLst>
+              <a:ext uri="{FF2B5EF4-FFF2-40B4-BE49-F238E27FC236}">
+                <a16:creationId xmlns:a16="http://schemas.microsoft.com/office/drawing/2014/main" id="{56219843-90CE-4A69-B45E-C2988A3AA3BB}"/>
+              </a:ext>
+            </a:extLst>
+          </p:cNvPr>
+          <p:cNvSpPr>
+            <a:spLocks noGrp="1"/>
+          </p:cNvSpPr>
+          <p:nvPr>
+            <p:ph idx="1"/>
+          </p:nvPr>
+        </p:nvSpPr>
+        <p:spPr/>
+        <p:txBody>
+          <a:bodyPr/>
+          <a:lstStyle/>
+          <a:p>
+            <a:pPr marL="0" indent="0">
+              <a:buNone/>
+            </a:pPr>
+            <a:r>
+              <a:rPr lang="en-US" dirty="0"/>
+              <a:t> </a:t>
+            </a:r>
+          </a:p>
+        </p:txBody>
+      </p:sp>
+    </p:spTree>
+    <p:extLst>
+      <p:ext uri="{BB962C8B-B14F-4D97-AF65-F5344CB8AC3E}">
+        <p14:creationId xmlns:p14="http://schemas.microsoft.com/office/powerpoint/2010/main" val="3456328565"/>
+      </p:ext>
+    </p:extLst>
+  </p:cSld>
+  <p:clrMapOvr>
+    <a:masterClrMapping/>
+  </p:clrMapOvr>
+</p:sld>
+</file>
+
+<file path=ppt/slides/slide12.xml><?xml version="1.0" encoding="utf-8"?>
+<p:sld xmlns:a="http://schemas.openxmlformats.org/drawingml/2006/main" xmlns:r="http://schemas.openxmlformats.org/officeDocument/2006/relationships" xmlns:p="http://schemas.openxmlformats.org/presentationml/2006/main">
+  <p:cSld>
+    <p:spTree>
+      <p:nvGrpSpPr>
+        <p:cNvPr id="1" name=""/>
+        <p:cNvGrpSpPr/>
+        <p:nvPr/>
+      </p:nvGrpSpPr>
+      <p:grpSpPr>
+        <a:xfrm>
+          <a:off x="0" y="0"/>
+          <a:ext cx="0" cy="0"/>
+          <a:chOff x="0" y="0"/>
+          <a:chExt cx="0" cy="0"/>
+        </a:xfrm>
+      </p:grpSpPr>
+      <p:sp>
+        <p:nvSpPr>
+          <p:cNvPr id="2" name="Title 1">
+            <a:extLst>
+              <a:ext uri="{FF2B5EF4-FFF2-40B4-BE49-F238E27FC236}">
+                <a16:creationId xmlns:a16="http://schemas.microsoft.com/office/drawing/2014/main" id="{4ABAD137-DF27-46A2-A18E-A7E7E025E33D}"/>
+              </a:ext>
+            </a:extLst>
+          </p:cNvPr>
+          <p:cNvSpPr>
+            <a:spLocks noGrp="1"/>
+          </p:cNvSpPr>
+          <p:nvPr>
+            <p:ph type="title"/>
+          </p:nvPr>
+        </p:nvSpPr>
+        <p:spPr/>
+        <p:txBody>
+          <a:bodyPr/>
+          <a:lstStyle/>
+          <a:p>
+            <a:r>
+              <a:rPr lang="en-US" dirty="0"/>
+              <a:t>Conclusion</a:t>
+            </a:r>
           </a:p>
         </p:txBody>
       </p:sp>
@@ -13685,6 +13775,111 @@
           <p:cNvPr id="2" name="Title 1">
             <a:extLst>
               <a:ext uri="{FF2B5EF4-FFF2-40B4-BE49-F238E27FC236}">
+                <a16:creationId xmlns:a16="http://schemas.microsoft.com/office/drawing/2014/main" id="{B89ADE99-89AF-4356-9DF9-CE91F2C05167}"/>
+              </a:ext>
+            </a:extLst>
+          </p:cNvPr>
+          <p:cNvSpPr>
+            <a:spLocks noGrp="1"/>
+          </p:cNvSpPr>
+          <p:nvPr>
+            <p:ph type="title"/>
+          </p:nvPr>
+        </p:nvSpPr>
+        <p:spPr/>
+        <p:txBody>
+          <a:bodyPr/>
+          <a:lstStyle/>
+          <a:p>
+            <a:r>
+              <a:rPr lang="en-US" dirty="0"/>
+              <a:t>What is House Renting?</a:t>
+            </a:r>
+          </a:p>
+        </p:txBody>
+      </p:sp>
+      <p:sp>
+        <p:nvSpPr>
+          <p:cNvPr id="3" name="Content Placeholder 2">
+            <a:extLst>
+              <a:ext uri="{FF2B5EF4-FFF2-40B4-BE49-F238E27FC236}">
+                <a16:creationId xmlns:a16="http://schemas.microsoft.com/office/drawing/2014/main" id="{AAA42EAB-0EB5-4D28-A842-B26EB0BA001F}"/>
+              </a:ext>
+            </a:extLst>
+          </p:cNvPr>
+          <p:cNvSpPr>
+            <a:spLocks noGrp="1"/>
+          </p:cNvSpPr>
+          <p:nvPr>
+            <p:ph idx="1"/>
+          </p:nvPr>
+        </p:nvSpPr>
+        <p:spPr/>
+        <p:txBody>
+          <a:bodyPr/>
+          <a:lstStyle/>
+          <a:p>
+            <a:pPr>
+              <a:buFont typeface="Wingdings" panose="05000000000000000000" pitchFamily="2" charset="2"/>
+              <a:buChar char="q"/>
+            </a:pPr>
+            <a:r>
+              <a:rPr lang="en-US" sz="2000" dirty="0"/>
+              <a:t>House renting is a process that is People can advertising his or her own </a:t>
+            </a:r>
+            <a:r>
+              <a:rPr lang="en-US" sz="2000"/>
+              <a:t>house or </a:t>
+            </a:r>
+            <a:r>
+              <a:rPr lang="en-US" sz="2000" dirty="0"/>
+              <a:t>People can view house advertisement who want to rent house.</a:t>
+            </a:r>
+          </a:p>
+          <a:p>
+            <a:pPr>
+              <a:buFont typeface="Wingdings" panose="05000000000000000000" pitchFamily="2" charset="2"/>
+              <a:buChar char="q"/>
+            </a:pPr>
+            <a:endParaRPr lang="en-US" sz="2000" dirty="0"/>
+          </a:p>
+        </p:txBody>
+      </p:sp>
+    </p:spTree>
+    <p:extLst>
+      <p:ext uri="{BB962C8B-B14F-4D97-AF65-F5344CB8AC3E}">
+        <p14:creationId xmlns:p14="http://schemas.microsoft.com/office/powerpoint/2010/main" val="1266950323"/>
+      </p:ext>
+    </p:extLst>
+  </p:cSld>
+  <p:clrMapOvr>
+    <a:masterClrMapping/>
+  </p:clrMapOvr>
+</p:sld>
+</file>
+
+<file path=ppt/slides/slide3.xml><?xml version="1.0" encoding="utf-8"?>
+<p:sld xmlns:a="http://schemas.openxmlformats.org/drawingml/2006/main" xmlns:r="http://schemas.openxmlformats.org/officeDocument/2006/relationships" xmlns:p="http://schemas.openxmlformats.org/presentationml/2006/main">
+  <p:cSld>
+    <p:spTree>
+      <p:nvGrpSpPr>
+        <p:cNvPr id="1" name=""/>
+        <p:cNvGrpSpPr/>
+        <p:nvPr/>
+      </p:nvGrpSpPr>
+      <p:grpSpPr>
+        <a:xfrm>
+          <a:off x="0" y="0"/>
+          <a:ext cx="0" cy="0"/>
+          <a:chOff x="0" y="0"/>
+          <a:chExt cx="0" cy="0"/>
+        </a:xfrm>
+      </p:grpSpPr>
+      <p:sp>
+        <p:nvSpPr>
+          <p:cNvPr id="2" name="Title 1">
+            <a:extLst>
+              <a:ext uri="{FF2B5EF4-FFF2-40B4-BE49-F238E27FC236}">
                 <a16:creationId xmlns:a16="http://schemas.microsoft.com/office/drawing/2014/main" id="{6B98F740-6360-4ECF-AD29-7FD2389ED3A3}"/>
               </a:ext>
             </a:extLst>
@@ -13752,7 +13947,7 @@
 </p:sld>
 </file>
 
-<file path=ppt/slides/slide3.xml><?xml version="1.0" encoding="utf-8"?>
+<file path=ppt/slides/slide4.xml><?xml version="1.0" encoding="utf-8"?>
 <p:sld xmlns:a="http://schemas.openxmlformats.org/drawingml/2006/main" xmlns:r="http://schemas.openxmlformats.org/officeDocument/2006/relationships" xmlns:p="http://schemas.openxmlformats.org/presentationml/2006/main">
   <p:cSld>
     <p:spTree>
@@ -13841,7 +14036,7 @@
 </p:sld>
 </file>
 
-<file path=ppt/slides/slide4.xml><?xml version="1.0" encoding="utf-8"?>
+<file path=ppt/slides/slide5.xml><?xml version="1.0" encoding="utf-8"?>
 <p:sld xmlns:a="http://schemas.openxmlformats.org/drawingml/2006/main" xmlns:r="http://schemas.openxmlformats.org/officeDocument/2006/relationships" xmlns:p="http://schemas.openxmlformats.org/presentationml/2006/main">
   <p:cSld>
     <p:spTree>
@@ -13907,12 +14102,13 @@
           <a:bodyPr/>
           <a:lstStyle/>
           <a:p>
-            <a:pPr marL="0" indent="0">
-              <a:buNone/>
+            <a:pPr>
+              <a:buFont typeface="Wingdings" panose="05000000000000000000" pitchFamily="2" charset="2"/>
+              <a:buChar char="q"/>
             </a:pPr>
             <a:r>
               <a:rPr lang="en-US" dirty="0"/>
-              <a:t> </a:t>
+              <a:t>  </a:t>
             </a:r>
           </a:p>
         </p:txBody>
@@ -13930,7 +14126,7 @@
 </p:sld>
 </file>
 
-<file path=ppt/slides/slide5.xml><?xml version="1.0" encoding="utf-8"?>
+<file path=ppt/slides/slide6.xml><?xml version="1.0" encoding="utf-8"?>
 <p:sld xmlns:a="http://schemas.openxmlformats.org/drawingml/2006/main" xmlns:r="http://schemas.openxmlformats.org/officeDocument/2006/relationships" xmlns:p="http://schemas.openxmlformats.org/presentationml/2006/main">
   <p:cSld>
     <p:spTree>
@@ -14019,7 +14215,7 @@
 </p:sld>
 </file>
 
-<file path=ppt/slides/slide6.xml><?xml version="1.0" encoding="utf-8"?>
+<file path=ppt/slides/slide7.xml><?xml version="1.0" encoding="utf-8"?>
 <p:sld xmlns:a="http://schemas.openxmlformats.org/drawingml/2006/main" xmlns:r="http://schemas.openxmlformats.org/officeDocument/2006/relationships" xmlns:p="http://schemas.openxmlformats.org/presentationml/2006/main">
   <p:cSld>
     <p:spTree>
@@ -14452,95 +14648,6 @@
 </p:sld>
 </file>
 
-<file path=ppt/slides/slide7.xml><?xml version="1.0" encoding="utf-8"?>
-<p:sld xmlns:a="http://schemas.openxmlformats.org/drawingml/2006/main" xmlns:r="http://schemas.openxmlformats.org/officeDocument/2006/relationships" xmlns:p="http://schemas.openxmlformats.org/presentationml/2006/main">
-  <p:cSld>
-    <p:spTree>
-      <p:nvGrpSpPr>
-        <p:cNvPr id="1" name=""/>
-        <p:cNvGrpSpPr/>
-        <p:nvPr/>
-      </p:nvGrpSpPr>
-      <p:grpSpPr>
-        <a:xfrm>
-          <a:off x="0" y="0"/>
-          <a:ext cx="0" cy="0"/>
-          <a:chOff x="0" y="0"/>
-          <a:chExt cx="0" cy="0"/>
-        </a:xfrm>
-      </p:grpSpPr>
-      <p:sp>
-        <p:nvSpPr>
-          <p:cNvPr id="2" name="Title 1">
-            <a:extLst>
-              <a:ext uri="{FF2B5EF4-FFF2-40B4-BE49-F238E27FC236}">
-                <a16:creationId xmlns:a16="http://schemas.microsoft.com/office/drawing/2014/main" id="{4ABAD137-DF27-46A2-A18E-A7E7E025E33D}"/>
-              </a:ext>
-            </a:extLst>
-          </p:cNvPr>
-          <p:cNvSpPr>
-            <a:spLocks noGrp="1"/>
-          </p:cNvSpPr>
-          <p:nvPr>
-            <p:ph type="title"/>
-          </p:nvPr>
-        </p:nvSpPr>
-        <p:spPr/>
-        <p:txBody>
-          <a:bodyPr/>
-          <a:lstStyle/>
-          <a:p>
-            <a:r>
-              <a:rPr lang="en-US" dirty="0"/>
-              <a:t>Implementation Plan</a:t>
-            </a:r>
-          </a:p>
-        </p:txBody>
-      </p:sp>
-      <p:sp>
-        <p:nvSpPr>
-          <p:cNvPr id="3" name="Content Placeholder 2">
-            <a:extLst>
-              <a:ext uri="{FF2B5EF4-FFF2-40B4-BE49-F238E27FC236}">
-                <a16:creationId xmlns:a16="http://schemas.microsoft.com/office/drawing/2014/main" id="{56219843-90CE-4A69-B45E-C2988A3AA3BB}"/>
-              </a:ext>
-            </a:extLst>
-          </p:cNvPr>
-          <p:cNvSpPr>
-            <a:spLocks noGrp="1"/>
-          </p:cNvSpPr>
-          <p:nvPr>
-            <p:ph idx="1"/>
-          </p:nvPr>
-        </p:nvSpPr>
-        <p:spPr/>
-        <p:txBody>
-          <a:bodyPr/>
-          <a:lstStyle/>
-          <a:p>
-            <a:pPr marL="0" indent="0">
-              <a:buNone/>
-            </a:pPr>
-            <a:r>
-              <a:rPr lang="en-US" dirty="0"/>
-              <a:t> </a:t>
-            </a:r>
-          </a:p>
-        </p:txBody>
-      </p:sp>
-    </p:spTree>
-    <p:extLst>
-      <p:ext uri="{BB962C8B-B14F-4D97-AF65-F5344CB8AC3E}">
-        <p14:creationId xmlns:p14="http://schemas.microsoft.com/office/powerpoint/2010/main" val="4243813945"/>
-      </p:ext>
-    </p:extLst>
-  </p:cSld>
-  <p:clrMapOvr>
-    <a:masterClrMapping/>
-  </p:clrMapOvr>
-</p:sld>
-</file>
-
 <file path=ppt/slides/slide8.xml><?xml version="1.0" encoding="utf-8"?>
 <p:sld xmlns:a="http://schemas.openxmlformats.org/drawingml/2006/main" xmlns:r="http://schemas.openxmlformats.org/officeDocument/2006/relationships" xmlns:p="http://schemas.openxmlformats.org/presentationml/2006/main">
   <p:cSld>
@@ -14581,7 +14688,7 @@
           <a:p>
             <a:r>
               <a:rPr lang="en-US" dirty="0"/>
-              <a:t>Expected Outcome</a:t>
+              <a:t>Implementation Plan</a:t>
             </a:r>
           </a:p>
         </p:txBody>
@@ -14620,7 +14727,7 @@
     </p:spTree>
     <p:extLst>
       <p:ext uri="{BB962C8B-B14F-4D97-AF65-F5344CB8AC3E}">
-        <p14:creationId xmlns:p14="http://schemas.microsoft.com/office/powerpoint/2010/main" val="1847214280"/>
+        <p14:creationId xmlns:p14="http://schemas.microsoft.com/office/powerpoint/2010/main" val="4243813945"/>
       </p:ext>
     </p:extLst>
   </p:cSld>
@@ -14670,7 +14777,7 @@
           <a:p>
             <a:r>
               <a:rPr lang="en-US" dirty="0"/>
-              <a:t>Weakness of Our Project</a:t>
+              <a:t>Expected Outcome</a:t>
             </a:r>
           </a:p>
         </p:txBody>
@@ -14709,7 +14816,7 @@
     </p:spTree>
     <p:extLst>
       <p:ext uri="{BB962C8B-B14F-4D97-AF65-F5344CB8AC3E}">
-        <p14:creationId xmlns:p14="http://schemas.microsoft.com/office/powerpoint/2010/main" val="969379202"/>
+        <p14:creationId xmlns:p14="http://schemas.microsoft.com/office/powerpoint/2010/main" val="1847214280"/>
       </p:ext>
     </p:extLst>
   </p:cSld>

--- a/HouseRenting.pptx
+++ b/HouseRenting.pptx
@@ -13825,15 +13825,7 @@
             </a:pPr>
             <a:r>
               <a:rPr lang="en-US" sz="2000" dirty="0"/>
-              <a:t>House renting is a process that is People can advertising his or her own </a:t>
-            </a:r>
-            <a:r>
-              <a:rPr lang="en-US" sz="2000"/>
-              <a:t>house or </a:t>
-            </a:r>
-            <a:r>
-              <a:rPr lang="en-US" sz="2000" dirty="0"/>
-              <a:t>People can view house advertisement who want to rent house.</a:t>
+              <a:t>House renting is a process that is People can advertising his or her own house or People can view house advertisement who want to rent house.</a:t>
             </a:r>
           </a:p>
           <a:p>
@@ -13841,7 +13833,20 @@
               <a:buFont typeface="Wingdings" panose="05000000000000000000" pitchFamily="2" charset="2"/>
               <a:buChar char="q"/>
             </a:pPr>
-            <a:endParaRPr lang="en-US" sz="2000" dirty="0"/>
+            <a:r>
+              <a:rPr lang="en-US" sz="2000" dirty="0"/>
+              <a:t>People can easily find expected house for rent.</a:t>
+            </a:r>
+          </a:p>
+          <a:p>
+            <a:pPr>
+              <a:buFont typeface="Wingdings" panose="05000000000000000000" pitchFamily="2" charset="2"/>
+              <a:buChar char="q"/>
+            </a:pPr>
+            <a:r>
+              <a:rPr lang="en-US" sz="2000" dirty="0"/>
+              <a:t>It is reduce time and cost.</a:t>
+            </a:r>
           </a:p>
         </p:txBody>
       </p:sp>
@@ -13924,13 +13929,31 @@
           <a:bodyPr/>
           <a:lstStyle/>
           <a:p>
-            <a:pPr marL="0" indent="0">
-              <a:buNone/>
+            <a:pPr>
+              <a:buFont typeface="Wingdings" panose="05000000000000000000" pitchFamily="2" charset="2"/>
+              <a:buChar char="q"/>
             </a:pPr>
             <a:r>
               <a:rPr lang="en-US" dirty="0"/>
-              <a:t> </a:t>
+              <a:t>It is saved house renter time and money.</a:t>
             </a:r>
+          </a:p>
+          <a:p>
+            <a:pPr>
+              <a:buFont typeface="Wingdings" panose="05000000000000000000" pitchFamily="2" charset="2"/>
+              <a:buChar char="q"/>
+            </a:pPr>
+            <a:r>
+              <a:rPr lang="en-US" dirty="0"/>
+              <a:t>It most easiest way to find house.</a:t>
+            </a:r>
+          </a:p>
+          <a:p>
+            <a:pPr>
+              <a:buFont typeface="Wingdings" panose="05000000000000000000" pitchFamily="2" charset="2"/>
+              <a:buChar char="q"/>
+            </a:pPr>
+            <a:endParaRPr lang="en-US" dirty="0"/>
           </a:p>
         </p:txBody>
       </p:sp>
@@ -14013,12 +14036,63 @@
           <a:bodyPr/>
           <a:lstStyle/>
           <a:p>
-            <a:pPr marL="0" indent="0">
-              <a:buNone/>
+            <a:pPr>
+              <a:buFont typeface="Wingdings" panose="05000000000000000000" pitchFamily="2" charset="2"/>
+              <a:buChar char="q"/>
             </a:pPr>
             <a:r>
               <a:rPr lang="en-US" dirty="0"/>
-              <a:t> </a:t>
+              <a:t>In Bangladesh there is no such website.</a:t>
+            </a:r>
+          </a:p>
+          <a:p>
+            <a:pPr>
+              <a:buFont typeface="Wingdings" panose="05000000000000000000" pitchFamily="2" charset="2"/>
+              <a:buChar char="q"/>
+            </a:pPr>
+            <a:r>
+              <a:rPr lang="en-US" dirty="0"/>
+              <a:t>If there are available, no more popular and effective.</a:t>
+            </a:r>
+          </a:p>
+          <a:p>
+            <a:pPr>
+              <a:buFont typeface="Wingdings" panose="05000000000000000000" pitchFamily="2" charset="2"/>
+              <a:buChar char="q"/>
+            </a:pPr>
+            <a:r>
+              <a:rPr lang="en-US" dirty="0"/>
+              <a:t>It is simple and easiest way to give an advertisement.</a:t>
+            </a:r>
+          </a:p>
+          <a:p>
+            <a:pPr>
+              <a:buFont typeface="Wingdings" panose="05000000000000000000" pitchFamily="2" charset="2"/>
+              <a:buChar char="q"/>
+            </a:pPr>
+            <a:r>
+              <a:rPr lang="en-US" dirty="0"/>
+              <a:t>A adviser advising his house with picture and description and other necessary things.</a:t>
+            </a:r>
+          </a:p>
+          <a:p>
+            <a:pPr>
+              <a:buFont typeface="Wingdings" panose="05000000000000000000" pitchFamily="2" charset="2"/>
+              <a:buChar char="q"/>
+            </a:pPr>
+            <a:r>
+              <a:rPr lang="en-US" dirty="0"/>
+              <a:t>It is easily find house for renting.</a:t>
+            </a:r>
+          </a:p>
+          <a:p>
+            <a:pPr>
+              <a:buFont typeface="Wingdings" panose="05000000000000000000" pitchFamily="2" charset="2"/>
+              <a:buChar char="q"/>
+            </a:pPr>
+            <a:r>
+              <a:rPr lang="en-US" dirty="0"/>
+              <a:t>A house renter can easily find his own in the financial power.</a:t>
             </a:r>
           </a:p>
         </p:txBody>
@@ -14107,8 +14181,58 @@
               <a:buChar char="q"/>
             </a:pPr>
             <a:r>
-              <a:rPr lang="en-US" dirty="0"/>
-              <a:t>  </a:t>
+              <a:rPr lang="en-US" sz="2000" dirty="0"/>
+              <a:t>A feasibility study evaluates the project’s potential for success. There are five types of feasibility study:</a:t>
+            </a:r>
+          </a:p>
+          <a:p>
+            <a:pPr lvl="1">
+              <a:buFont typeface="Wingdings" panose="05000000000000000000" pitchFamily="2" charset="2"/>
+              <a:buChar char="Ø"/>
+            </a:pPr>
+            <a:r>
+              <a:rPr lang="en-US" sz="1800" dirty="0"/>
+              <a:t>Technical Feasibility: </a:t>
+            </a:r>
+          </a:p>
+          <a:p>
+            <a:pPr lvl="1">
+              <a:buFont typeface="Wingdings" panose="05000000000000000000" pitchFamily="2" charset="2"/>
+              <a:buChar char="Ø"/>
+            </a:pPr>
+            <a:r>
+              <a:rPr lang="en-US" sz="1800" dirty="0"/>
+              <a:t>Economic Feasibility:</a:t>
+            </a:r>
+          </a:p>
+          <a:p>
+            <a:pPr lvl="1">
+              <a:buFont typeface="Wingdings" panose="05000000000000000000" pitchFamily="2" charset="2"/>
+              <a:buChar char="Ø"/>
+            </a:pPr>
+            <a:r>
+              <a:rPr lang="en-US" sz="1800" dirty="0"/>
+              <a:t>Legal Feasibility:</a:t>
+            </a:r>
+          </a:p>
+          <a:p>
+            <a:pPr lvl="1">
+              <a:buFont typeface="Wingdings" panose="05000000000000000000" pitchFamily="2" charset="2"/>
+              <a:buChar char="Ø"/>
+            </a:pPr>
+            <a:r>
+              <a:rPr lang="en-US" sz="1800" dirty="0"/>
+              <a:t>Operational Feasibility:</a:t>
+            </a:r>
+          </a:p>
+          <a:p>
+            <a:pPr lvl="1">
+              <a:buFont typeface="Wingdings" panose="05000000000000000000" pitchFamily="2" charset="2"/>
+              <a:buChar char="Ø"/>
+            </a:pPr>
+            <a:r>
+              <a:rPr lang="en-US" sz="1800" dirty="0"/>
+              <a:t>Scheduling Feasibility</a:t>
             </a:r>
           </a:p>
         </p:txBody>

--- a/HouseRenting.pptx
+++ b/HouseRenting.pptx
@@ -14211,29 +14211,10 @@
               <a:buChar char="Ø"/>
             </a:pPr>
             <a:r>
-              <a:rPr lang="en-US" sz="1800" dirty="0"/>
-              <a:t>Legal Feasibility:</a:t>
+              <a:rPr lang="en-US" sz="1800"/>
+              <a:t>Environmenttal:</a:t>
             </a:r>
-          </a:p>
-          <a:p>
-            <a:pPr lvl="1">
-              <a:buFont typeface="Wingdings" panose="05000000000000000000" pitchFamily="2" charset="2"/>
-              <a:buChar char="Ø"/>
-            </a:pPr>
-            <a:r>
-              <a:rPr lang="en-US" sz="1800" dirty="0"/>
-              <a:t>Operational Feasibility:</a:t>
-            </a:r>
-          </a:p>
-          <a:p>
-            <a:pPr lvl="1">
-              <a:buFont typeface="Wingdings" panose="05000000000000000000" pitchFamily="2" charset="2"/>
-              <a:buChar char="Ø"/>
-            </a:pPr>
-            <a:r>
-              <a:rPr lang="en-US" sz="1800" dirty="0"/>
-              <a:t>Scheduling Feasibility</a:t>
-            </a:r>
+            <a:endParaRPr lang="en-US" sz="1800" dirty="0"/>
           </a:p>
         </p:txBody>
       </p:sp>
@@ -14321,7 +14302,7 @@
             </a:pPr>
             <a:r>
               <a:rPr lang="en-US" dirty="0"/>
-              <a:t> </a:t>
+              <a:t>  </a:t>
             </a:r>
           </a:p>
         </p:txBody>

--- a/HouseRenting.pptx
+++ b/HouseRenting.pptx
@@ -15,8 +15,6 @@
     <p:sldId id="262" r:id="rId9"/>
     <p:sldId id="263" r:id="rId10"/>
     <p:sldId id="264" r:id="rId11"/>
-    <p:sldId id="265" r:id="rId12"/>
-    <p:sldId id="266" r:id="rId13"/>
   </p:sldIdLst>
   <p:sldSz cx="12192000" cy="6858000"/>
   <p:notesSz cx="6858000" cy="9144000"/>
@@ -13575,184 +13573,6 @@
 </p:sld>
 </file>
 
-<file path=ppt/slides/slide11.xml><?xml version="1.0" encoding="utf-8"?>
-<p:sld xmlns:a="http://schemas.openxmlformats.org/drawingml/2006/main" xmlns:r="http://schemas.openxmlformats.org/officeDocument/2006/relationships" xmlns:p="http://schemas.openxmlformats.org/presentationml/2006/main">
-  <p:cSld>
-    <p:spTree>
-      <p:nvGrpSpPr>
-        <p:cNvPr id="1" name=""/>
-        <p:cNvGrpSpPr/>
-        <p:nvPr/>
-      </p:nvGrpSpPr>
-      <p:grpSpPr>
-        <a:xfrm>
-          <a:off x="0" y="0"/>
-          <a:ext cx="0" cy="0"/>
-          <a:chOff x="0" y="0"/>
-          <a:chExt cx="0" cy="0"/>
-        </a:xfrm>
-      </p:grpSpPr>
-      <p:sp>
-        <p:nvSpPr>
-          <p:cNvPr id="2" name="Title 1">
-            <a:extLst>
-              <a:ext uri="{FF2B5EF4-FFF2-40B4-BE49-F238E27FC236}">
-                <a16:creationId xmlns:a16="http://schemas.microsoft.com/office/drawing/2014/main" id="{4ABAD137-DF27-46A2-A18E-A7E7E025E33D}"/>
-              </a:ext>
-            </a:extLst>
-          </p:cNvPr>
-          <p:cNvSpPr>
-            <a:spLocks noGrp="1"/>
-          </p:cNvSpPr>
-          <p:nvPr>
-            <p:ph type="title"/>
-          </p:nvPr>
-        </p:nvSpPr>
-        <p:spPr/>
-        <p:txBody>
-          <a:bodyPr/>
-          <a:lstStyle/>
-          <a:p>
-            <a:r>
-              <a:rPr lang="en-US" dirty="0"/>
-              <a:t>Future Plan</a:t>
-            </a:r>
-          </a:p>
-        </p:txBody>
-      </p:sp>
-      <p:sp>
-        <p:nvSpPr>
-          <p:cNvPr id="3" name="Content Placeholder 2">
-            <a:extLst>
-              <a:ext uri="{FF2B5EF4-FFF2-40B4-BE49-F238E27FC236}">
-                <a16:creationId xmlns:a16="http://schemas.microsoft.com/office/drawing/2014/main" id="{56219843-90CE-4A69-B45E-C2988A3AA3BB}"/>
-              </a:ext>
-            </a:extLst>
-          </p:cNvPr>
-          <p:cNvSpPr>
-            <a:spLocks noGrp="1"/>
-          </p:cNvSpPr>
-          <p:nvPr>
-            <p:ph idx="1"/>
-          </p:nvPr>
-        </p:nvSpPr>
-        <p:spPr/>
-        <p:txBody>
-          <a:bodyPr/>
-          <a:lstStyle/>
-          <a:p>
-            <a:pPr marL="0" indent="0">
-              <a:buNone/>
-            </a:pPr>
-            <a:r>
-              <a:rPr lang="en-US" dirty="0"/>
-              <a:t> </a:t>
-            </a:r>
-          </a:p>
-        </p:txBody>
-      </p:sp>
-    </p:spTree>
-    <p:extLst>
-      <p:ext uri="{BB962C8B-B14F-4D97-AF65-F5344CB8AC3E}">
-        <p14:creationId xmlns:p14="http://schemas.microsoft.com/office/powerpoint/2010/main" val="3456328565"/>
-      </p:ext>
-    </p:extLst>
-  </p:cSld>
-  <p:clrMapOvr>
-    <a:masterClrMapping/>
-  </p:clrMapOvr>
-</p:sld>
-</file>
-
-<file path=ppt/slides/slide12.xml><?xml version="1.0" encoding="utf-8"?>
-<p:sld xmlns:a="http://schemas.openxmlformats.org/drawingml/2006/main" xmlns:r="http://schemas.openxmlformats.org/officeDocument/2006/relationships" xmlns:p="http://schemas.openxmlformats.org/presentationml/2006/main">
-  <p:cSld>
-    <p:spTree>
-      <p:nvGrpSpPr>
-        <p:cNvPr id="1" name=""/>
-        <p:cNvGrpSpPr/>
-        <p:nvPr/>
-      </p:nvGrpSpPr>
-      <p:grpSpPr>
-        <a:xfrm>
-          <a:off x="0" y="0"/>
-          <a:ext cx="0" cy="0"/>
-          <a:chOff x="0" y="0"/>
-          <a:chExt cx="0" cy="0"/>
-        </a:xfrm>
-      </p:grpSpPr>
-      <p:sp>
-        <p:nvSpPr>
-          <p:cNvPr id="2" name="Title 1">
-            <a:extLst>
-              <a:ext uri="{FF2B5EF4-FFF2-40B4-BE49-F238E27FC236}">
-                <a16:creationId xmlns:a16="http://schemas.microsoft.com/office/drawing/2014/main" id="{4ABAD137-DF27-46A2-A18E-A7E7E025E33D}"/>
-              </a:ext>
-            </a:extLst>
-          </p:cNvPr>
-          <p:cNvSpPr>
-            <a:spLocks noGrp="1"/>
-          </p:cNvSpPr>
-          <p:nvPr>
-            <p:ph type="title"/>
-          </p:nvPr>
-        </p:nvSpPr>
-        <p:spPr/>
-        <p:txBody>
-          <a:bodyPr/>
-          <a:lstStyle/>
-          <a:p>
-            <a:r>
-              <a:rPr lang="en-US" dirty="0"/>
-              <a:t>Conclusion</a:t>
-            </a:r>
-          </a:p>
-        </p:txBody>
-      </p:sp>
-      <p:sp>
-        <p:nvSpPr>
-          <p:cNvPr id="3" name="Content Placeholder 2">
-            <a:extLst>
-              <a:ext uri="{FF2B5EF4-FFF2-40B4-BE49-F238E27FC236}">
-                <a16:creationId xmlns:a16="http://schemas.microsoft.com/office/drawing/2014/main" id="{56219843-90CE-4A69-B45E-C2988A3AA3BB}"/>
-              </a:ext>
-            </a:extLst>
-          </p:cNvPr>
-          <p:cNvSpPr>
-            <a:spLocks noGrp="1"/>
-          </p:cNvSpPr>
-          <p:nvPr>
-            <p:ph idx="1"/>
-          </p:nvPr>
-        </p:nvSpPr>
-        <p:spPr/>
-        <p:txBody>
-          <a:bodyPr/>
-          <a:lstStyle/>
-          <a:p>
-            <a:pPr marL="0" indent="0">
-              <a:buNone/>
-            </a:pPr>
-            <a:r>
-              <a:rPr lang="en-US" dirty="0"/>
-              <a:t> </a:t>
-            </a:r>
-          </a:p>
-        </p:txBody>
-      </p:sp>
-    </p:spTree>
-    <p:extLst>
-      <p:ext uri="{BB962C8B-B14F-4D97-AF65-F5344CB8AC3E}">
-        <p14:creationId xmlns:p14="http://schemas.microsoft.com/office/powerpoint/2010/main" val="2297170349"/>
-      </p:ext>
-    </p:extLst>
-  </p:cSld>
-  <p:clrMapOvr>
-    <a:masterClrMapping/>
-  </p:clrMapOvr>
-</p:sld>
-</file>
-
 <file path=ppt/slides/slide2.xml><?xml version="1.0" encoding="utf-8"?>
 <p:sld xmlns:a="http://schemas.openxmlformats.org/drawingml/2006/main" xmlns:r="http://schemas.openxmlformats.org/officeDocument/2006/relationships" xmlns:p="http://schemas.openxmlformats.org/presentationml/2006/main">
   <p:cSld>
@@ -14211,10 +14031,13 @@
               <a:buChar char="Ø"/>
             </a:pPr>
             <a:r>
-              <a:rPr lang="en-US" sz="1800"/>
-              <a:t>Environmenttal:</a:t>
+              <a:rPr lang="en-US" sz="1800" dirty="0" err="1"/>
+              <a:t>Environmenttal</a:t>
             </a:r>
-            <a:endParaRPr lang="en-US" sz="1800" dirty="0"/>
+            <a:r>
+              <a:rPr lang="en-US" sz="1800" dirty="0"/>
+              <a:t>:</a:t>
+            </a:r>
           </a:p>
         </p:txBody>
       </p:sp>
@@ -14297,12 +14120,23 @@
           <a:bodyPr/>
           <a:lstStyle/>
           <a:p>
-            <a:pPr marL="0" indent="0">
-              <a:buNone/>
+            <a:pPr>
+              <a:buFont typeface="Wingdings" panose="05000000000000000000" pitchFamily="2" charset="2"/>
+              <a:buChar char="q"/>
             </a:pPr>
             <a:r>
               <a:rPr lang="en-US" dirty="0"/>
-              <a:t>  </a:t>
+              <a:t>Industrial: This Project is used as business purposes. </a:t>
+            </a:r>
+          </a:p>
+          <a:p>
+            <a:pPr>
+              <a:buFont typeface="Wingdings" panose="05000000000000000000" pitchFamily="2" charset="2"/>
+              <a:buChar char="q"/>
+            </a:pPr>
+            <a:r>
+              <a:rPr lang="en-US" dirty="0"/>
+              <a:t>Academic:</a:t>
             </a:r>
           </a:p>
         </p:txBody>

--- a/HouseRenting.pptx
+++ b/HouseRenting.pptx
@@ -13523,7 +13523,7 @@
           <a:p>
             <a:r>
               <a:rPr lang="en-US" dirty="0"/>
-              <a:t>Weakness of Our Project</a:t>
+              <a:t>Risk of Our Project</a:t>
             </a:r>
           </a:p>
         </p:txBody>
@@ -13555,7 +13555,37 @@
             </a:pPr>
             <a:r>
               <a:rPr lang="en-US" dirty="0"/>
-              <a:t> </a:t>
+              <a:t>Node.js is recent technology. So outcoming problem handle is more challenge.</a:t>
+            </a:r>
+          </a:p>
+          <a:p>
+            <a:pPr>
+              <a:buFont typeface="Wingdings" panose="05000000000000000000" pitchFamily="2" charset="2"/>
+              <a:buChar char="q"/>
+            </a:pPr>
+            <a:r>
+              <a:rPr lang="en-US" dirty="0"/>
+              <a:t>There is no good community scope.</a:t>
+            </a:r>
+          </a:p>
+          <a:p>
+            <a:pPr>
+              <a:buFont typeface="Wingdings" panose="05000000000000000000" pitchFamily="2" charset="2"/>
+              <a:buChar char="q"/>
+            </a:pPr>
+            <a:r>
+              <a:rPr lang="en-US" dirty="0"/>
+              <a:t>The information of house advertiser keep secure is more challenge.</a:t>
+            </a:r>
+          </a:p>
+          <a:p>
+            <a:pPr>
+              <a:buFont typeface="Wingdings" panose="05000000000000000000" pitchFamily="2" charset="2"/>
+              <a:buChar char="q"/>
+            </a:pPr>
+            <a:r>
+              <a:rPr lang="en-US" dirty="0"/>
+              <a:t>Sometimes bad people to take information, subscription is apply on house advertiser.</a:t>
             </a:r>
           </a:p>
         </p:txBody>
@@ -14031,8 +14061,8 @@
               <a:buChar char="Ø"/>
             </a:pPr>
             <a:r>
-              <a:rPr lang="en-US" sz="1800" dirty="0" err="1"/>
-              <a:t>Environmenttal</a:t>
+              <a:rPr lang="en-US" sz="1800"/>
+              <a:t>Environmental</a:t>
             </a:r>
             <a:r>
               <a:rPr lang="en-US" sz="1800" dirty="0"/>
@@ -14215,7 +14245,7 @@
             <p:ph idx="1"/>
             <p:extLst>
               <p:ext uri="{D42A27DB-BD31-4B8C-83A1-F6EECF244321}">
-                <p14:modId xmlns:p14="http://schemas.microsoft.com/office/powerpoint/2010/main" val="2870255533"/>
+                <p14:modId xmlns:p14="http://schemas.microsoft.com/office/powerpoint/2010/main" val="2947408939"/>
               </p:ext>
             </p:extLst>
           </p:nvPr>
@@ -14742,13 +14772,21 @@
           <a:bodyPr/>
           <a:lstStyle/>
           <a:p>
-            <a:pPr marL="0" indent="0">
-              <a:buNone/>
+            <a:pPr>
+              <a:buFont typeface="Wingdings" panose="05000000000000000000" pitchFamily="2" charset="2"/>
+              <a:buChar char="q"/>
             </a:pPr>
             <a:r>
-              <a:rPr lang="en-US" dirty="0"/>
-              <a:t> </a:t>
+              <a:rPr lang="en-US"/>
+              <a:t>Complete business Platform.</a:t>
             </a:r>
+          </a:p>
+          <a:p>
+            <a:pPr>
+              <a:buFont typeface="Wingdings" panose="05000000000000000000" pitchFamily="2" charset="2"/>
+              <a:buChar char="q"/>
+            </a:pPr>
+            <a:endParaRPr lang="en-US" dirty="0"/>
           </a:p>
         </p:txBody>
       </p:sp>

--- a/HouseRenting.pptx
+++ b/HouseRenting.pptx
@@ -14245,13 +14245,13 @@
             <p:ph idx="1"/>
             <p:extLst>
               <p:ext uri="{D42A27DB-BD31-4B8C-83A1-F6EECF244321}">
-                <p14:modId xmlns:p14="http://schemas.microsoft.com/office/powerpoint/2010/main" val="2947408939"/>
+                <p14:modId xmlns:p14="http://schemas.microsoft.com/office/powerpoint/2010/main" val="1318495324"/>
               </p:ext>
             </p:extLst>
           </p:nvPr>
         </p:nvGraphicFramePr>
         <p:xfrm>
-          <a:off x="1694962" y="2800448"/>
+          <a:off x="6656342" y="2941125"/>
           <a:ext cx="4401038" cy="2880360"/>
         </p:xfrm>
         <a:graphic>
@@ -14456,14 +14456,14 @@
           <p:nvPr>
             <p:extLst>
               <p:ext uri="{D42A27DB-BD31-4B8C-83A1-F6EECF244321}">
-                <p14:modId xmlns:p14="http://schemas.microsoft.com/office/powerpoint/2010/main" val="520541432"/>
+                <p14:modId xmlns:p14="http://schemas.microsoft.com/office/powerpoint/2010/main" val="1364718104"/>
               </p:ext>
             </p:extLst>
           </p:nvPr>
         </p:nvGraphicFramePr>
         <p:xfrm>
-          <a:off x="6283571" y="2800448"/>
-          <a:ext cx="4401038" cy="2194560"/>
+          <a:off x="1694962" y="2941125"/>
+          <a:ext cx="4401038" cy="2529840"/>
         </p:xfrm>
         <a:graphic>
           <a:graphicData uri="http://schemas.openxmlformats.org/drawingml/2006/table">
@@ -14567,6 +14567,16 @@
                         <a:t>Bootstrap 4</a:t>
                       </a:r>
                     </a:p>
+                    <a:p>
+                      <a:pPr marL="800100" lvl="1" indent="-342900">
+                        <a:buFont typeface="Wingdings" panose="05000000000000000000" pitchFamily="2" charset="2"/>
+                        <a:buChar char="Ø"/>
+                      </a:pPr>
+                      <a:r>
+                        <a:rPr lang="en-US" sz="2200" dirty="0"/>
+                        <a:t>Angular Materials</a:t>
+                      </a:r>
+                    </a:p>
                   </a:txBody>
                   <a:tcPr/>
                 </a:tc>
@@ -14777,7 +14787,7 @@
               <a:buChar char="q"/>
             </a:pPr>
             <a:r>
-              <a:rPr lang="en-US"/>
+              <a:rPr lang="en-US" dirty="0"/>
               <a:t>Complete business Platform.</a:t>
             </a:r>
           </a:p>

--- a/HouseRenting.pptx
+++ b/HouseRenting.pptx
@@ -13585,7 +13585,7 @@
             </a:pPr>
             <a:r>
               <a:rPr lang="en-US" dirty="0"/>
-              <a:t>Sometimes bad people to take information, subscription is apply on house advertiser.</a:t>
+              <a:t>Sometimes bad people to take information and subscription is apply on house advertiser.</a:t>
             </a:r>
           </a:p>
         </p:txBody>
@@ -13675,7 +13675,7 @@
             </a:pPr>
             <a:r>
               <a:rPr lang="en-US" sz="2000" dirty="0"/>
-              <a:t>House renting is a process that is People can advertising his or her own house or People can view house advertisement who want to rent house.</a:t>
+              <a:t>House renting is a system that is People can advertising his or her own house or People can view house advertisement who want to rent house.</a:t>
             </a:r>
           </a:p>
           <a:p>
@@ -13686,16 +13686,6 @@
             <a:r>
               <a:rPr lang="en-US" sz="2000" dirty="0"/>
               <a:t>People can easily find expected house for rent.</a:t>
-            </a:r>
-          </a:p>
-          <a:p>
-            <a:pPr>
-              <a:buFont typeface="Wingdings" panose="05000000000000000000" pitchFamily="2" charset="2"/>
-              <a:buChar char="q"/>
-            </a:pPr>
-            <a:r>
-              <a:rPr lang="en-US" sz="2000" dirty="0"/>
-              <a:t>It is reduce time and cost.</a:t>
             </a:r>
           </a:p>
         </p:txBody>
@@ -14032,7 +14022,7 @@
             </a:pPr>
             <a:r>
               <a:rPr lang="en-US" sz="2000" dirty="0"/>
-              <a:t>A feasibility study evaluates the project’s potential for success. There are five types of feasibility study:</a:t>
+              <a:t>A feasibility study evaluates the project’s potential for success.</a:t>
             </a:r>
           </a:p>
           <a:p>
@@ -14042,7 +14032,7 @@
             </a:pPr>
             <a:r>
               <a:rPr lang="en-US" sz="1800" dirty="0"/>
-              <a:t>Technical Feasibility: </a:t>
+              <a:t>Technical Feasibility: I have 1year experience on angular for font end design and 6month experience on node.js framework for back end design.</a:t>
             </a:r>
           </a:p>
           <a:p>
@@ -14052,7 +14042,7 @@
             </a:pPr>
             <a:r>
               <a:rPr lang="en-US" sz="1800" dirty="0"/>
-              <a:t>Economic Feasibility:</a:t>
+              <a:t>Economic Feasibility: </a:t>
             </a:r>
           </a:p>
           <a:p>
@@ -14061,12 +14051,8 @@
               <a:buChar char="Ø"/>
             </a:pPr>
             <a:r>
-              <a:rPr lang="en-US" sz="1800"/>
-              <a:t>Environmental</a:t>
-            </a:r>
-            <a:r>
               <a:rPr lang="en-US" sz="1800" dirty="0"/>
-              <a:t>:</a:t>
+              <a:t>Environmental:</a:t>
             </a:r>
           </a:p>
         </p:txBody>
@@ -14166,7 +14152,17 @@
             </a:pPr>
             <a:r>
               <a:rPr lang="en-US" dirty="0"/>
-              <a:t>Academic:</a:t>
+              <a:t>Actually this project is popular in urban area.</a:t>
+            </a:r>
+          </a:p>
+          <a:p>
+            <a:pPr>
+              <a:buFont typeface="Wingdings" panose="05000000000000000000" pitchFamily="2" charset="2"/>
+              <a:buChar char="q"/>
+            </a:pPr>
+            <a:r>
+              <a:rPr lang="en-US" dirty="0"/>
+              <a:t>All class of professionals will be most popularities.</a:t>
             </a:r>
           </a:p>
         </p:txBody>
@@ -14796,7 +14792,20 @@
               <a:buFont typeface="Wingdings" panose="05000000000000000000" pitchFamily="2" charset="2"/>
               <a:buChar char="q"/>
             </a:pPr>
-            <a:endParaRPr lang="en-US" dirty="0"/>
+            <a:r>
+              <a:rPr lang="en-US" dirty="0"/>
+              <a:t>It is reduce time and cost for both renter and advertiser.</a:t>
+            </a:r>
+          </a:p>
+          <a:p>
+            <a:pPr>
+              <a:buFont typeface="Wingdings" panose="05000000000000000000" pitchFamily="2" charset="2"/>
+              <a:buChar char="q"/>
+            </a:pPr>
+            <a:r>
+              <a:rPr lang="en-US" dirty="0"/>
+              <a:t>It is help to hurry up to find  a house for rent.</a:t>
+            </a:r>
           </a:p>
         </p:txBody>
       </p:sp>

--- a/HouseRenting.pptx
+++ b/HouseRenting.pptx
@@ -4,6 +4,9 @@
   <p:sldMasterIdLst>
     <p:sldMasterId id="2147483762" r:id="rId1"/>
   </p:sldMasterIdLst>
+  <p:notesMasterIdLst>
+    <p:notesMasterId r:id="rId13"/>
+  </p:notesMasterIdLst>
   <p:sldIdLst>
     <p:sldId id="256" r:id="rId2"/>
     <p:sldId id="267" r:id="rId3"/>
@@ -13,8 +16,9 @@
     <p:sldId id="260" r:id="rId7"/>
     <p:sldId id="261" r:id="rId8"/>
     <p:sldId id="262" r:id="rId9"/>
-    <p:sldId id="263" r:id="rId10"/>
-    <p:sldId id="264" r:id="rId11"/>
+    <p:sldId id="268" r:id="rId10"/>
+    <p:sldId id="269" r:id="rId11"/>
+    <p:sldId id="263" r:id="rId12"/>
   </p:sldIdLst>
   <p:sldSz cx="12192000" cy="6858000"/>
   <p:notesSz cx="6858000" cy="9144000"/>
@@ -121,6 +125,439 @@
 </p:presentation>
 </file>
 
+<file path=ppt/notesMasters/notesMaster1.xml><?xml version="1.0" encoding="utf-8"?>
+<p:notesMaster xmlns:a="http://schemas.openxmlformats.org/drawingml/2006/main" xmlns:r="http://schemas.openxmlformats.org/officeDocument/2006/relationships" xmlns:p="http://schemas.openxmlformats.org/presentationml/2006/main">
+  <p:cSld>
+    <p:bg>
+      <p:bgRef idx="1001">
+        <a:schemeClr val="bg1"/>
+      </p:bgRef>
+    </p:bg>
+    <p:spTree>
+      <p:nvGrpSpPr>
+        <p:cNvPr id="1" name=""/>
+        <p:cNvGrpSpPr/>
+        <p:nvPr/>
+      </p:nvGrpSpPr>
+      <p:grpSpPr>
+        <a:xfrm>
+          <a:off x="0" y="0"/>
+          <a:ext cx="0" cy="0"/>
+          <a:chOff x="0" y="0"/>
+          <a:chExt cx="0" cy="0"/>
+        </a:xfrm>
+      </p:grpSpPr>
+      <p:sp>
+        <p:nvSpPr>
+          <p:cNvPr id="2" name="Header Placeholder 1"/>
+          <p:cNvSpPr>
+            <a:spLocks noGrp="1"/>
+          </p:cNvSpPr>
+          <p:nvPr>
+            <p:ph type="hdr" sz="quarter"/>
+          </p:nvPr>
+        </p:nvSpPr>
+        <p:spPr>
+          <a:xfrm>
+            <a:off x="0" y="0"/>
+            <a:ext cx="2971800" cy="458788"/>
+          </a:xfrm>
+          <a:prstGeom prst="rect">
+            <a:avLst/>
+          </a:prstGeom>
+        </p:spPr>
+        <p:txBody>
+          <a:bodyPr vert="horz" lIns="91440" tIns="45720" rIns="91440" bIns="45720" rtlCol="0"/>
+          <a:lstStyle>
+            <a:lvl1pPr algn="l">
+              <a:defRPr sz="1200"/>
+            </a:lvl1pPr>
+          </a:lstStyle>
+          <a:p>
+            <a:endParaRPr lang="en-US"/>
+          </a:p>
+        </p:txBody>
+      </p:sp>
+      <p:sp>
+        <p:nvSpPr>
+          <p:cNvPr id="3" name="Date Placeholder 2"/>
+          <p:cNvSpPr>
+            <a:spLocks noGrp="1"/>
+          </p:cNvSpPr>
+          <p:nvPr>
+            <p:ph type="dt" idx="1"/>
+          </p:nvPr>
+        </p:nvSpPr>
+        <p:spPr>
+          <a:xfrm>
+            <a:off x="3884613" y="0"/>
+            <a:ext cx="2971800" cy="458788"/>
+          </a:xfrm>
+          <a:prstGeom prst="rect">
+            <a:avLst/>
+          </a:prstGeom>
+        </p:spPr>
+        <p:txBody>
+          <a:bodyPr vert="horz" lIns="91440" tIns="45720" rIns="91440" bIns="45720" rtlCol="0"/>
+          <a:lstStyle>
+            <a:lvl1pPr algn="r">
+              <a:defRPr sz="1200"/>
+            </a:lvl1pPr>
+          </a:lstStyle>
+          <a:p>
+            <a:fld id="{6CBF8D3D-F792-4374-B561-C16C9DAA3DA2}" type="datetimeFigureOut">
+              <a:rPr lang="en-US" smtClean="0"/>
+              <a:t>10/10/2018</a:t>
+            </a:fld>
+            <a:endParaRPr lang="en-US"/>
+          </a:p>
+        </p:txBody>
+      </p:sp>
+      <p:sp>
+        <p:nvSpPr>
+          <p:cNvPr id="4" name="Slide Image Placeholder 3"/>
+          <p:cNvSpPr>
+            <a:spLocks noGrp="1" noRot="1" noChangeAspect="1"/>
+          </p:cNvSpPr>
+          <p:nvPr>
+            <p:ph type="sldImg" idx="2"/>
+          </p:nvPr>
+        </p:nvSpPr>
+        <p:spPr>
+          <a:xfrm>
+            <a:off x="685800" y="1143000"/>
+            <a:ext cx="5486400" cy="3086100"/>
+          </a:xfrm>
+          <a:prstGeom prst="rect">
+            <a:avLst/>
+          </a:prstGeom>
+          <a:noFill/>
+          <a:ln w="12700">
+            <a:solidFill>
+              <a:prstClr val="black"/>
+            </a:solidFill>
+          </a:ln>
+        </p:spPr>
+        <p:txBody>
+          <a:bodyPr vert="horz" lIns="91440" tIns="45720" rIns="91440" bIns="45720" rtlCol="0" anchor="ctr"/>
+          <a:lstStyle/>
+          <a:p>
+            <a:endParaRPr lang="en-US"/>
+          </a:p>
+        </p:txBody>
+      </p:sp>
+      <p:sp>
+        <p:nvSpPr>
+          <p:cNvPr id="5" name="Notes Placeholder 4"/>
+          <p:cNvSpPr>
+            <a:spLocks noGrp="1"/>
+          </p:cNvSpPr>
+          <p:nvPr>
+            <p:ph type="body" sz="quarter" idx="3"/>
+          </p:nvPr>
+        </p:nvSpPr>
+        <p:spPr>
+          <a:xfrm>
+            <a:off x="685800" y="4400550"/>
+            <a:ext cx="5486400" cy="3600450"/>
+          </a:xfrm>
+          <a:prstGeom prst="rect">
+            <a:avLst/>
+          </a:prstGeom>
+        </p:spPr>
+        <p:txBody>
+          <a:bodyPr vert="horz" lIns="91440" tIns="45720" rIns="91440" bIns="45720" rtlCol="0"/>
+          <a:lstStyle/>
+          <a:p>
+            <a:pPr lvl="0"/>
+            <a:r>
+              <a:rPr lang="en-US"/>
+              <a:t>Edit Master text styles</a:t>
+            </a:r>
+          </a:p>
+          <a:p>
+            <a:pPr lvl="1"/>
+            <a:r>
+              <a:rPr lang="en-US"/>
+              <a:t>Second level</a:t>
+            </a:r>
+          </a:p>
+          <a:p>
+            <a:pPr lvl="2"/>
+            <a:r>
+              <a:rPr lang="en-US"/>
+              <a:t>Third level</a:t>
+            </a:r>
+          </a:p>
+          <a:p>
+            <a:pPr lvl="3"/>
+            <a:r>
+              <a:rPr lang="en-US"/>
+              <a:t>Fourth level</a:t>
+            </a:r>
+          </a:p>
+          <a:p>
+            <a:pPr lvl="4"/>
+            <a:r>
+              <a:rPr lang="en-US"/>
+              <a:t>Fifth level</a:t>
+            </a:r>
+          </a:p>
+        </p:txBody>
+      </p:sp>
+      <p:sp>
+        <p:nvSpPr>
+          <p:cNvPr id="6" name="Footer Placeholder 5"/>
+          <p:cNvSpPr>
+            <a:spLocks noGrp="1"/>
+          </p:cNvSpPr>
+          <p:nvPr>
+            <p:ph type="ftr" sz="quarter" idx="4"/>
+          </p:nvPr>
+        </p:nvSpPr>
+        <p:spPr>
+          <a:xfrm>
+            <a:off x="0" y="8685213"/>
+            <a:ext cx="2971800" cy="458787"/>
+          </a:xfrm>
+          <a:prstGeom prst="rect">
+            <a:avLst/>
+          </a:prstGeom>
+        </p:spPr>
+        <p:txBody>
+          <a:bodyPr vert="horz" lIns="91440" tIns="45720" rIns="91440" bIns="45720" rtlCol="0" anchor="b"/>
+          <a:lstStyle>
+            <a:lvl1pPr algn="l">
+              <a:defRPr sz="1200"/>
+            </a:lvl1pPr>
+          </a:lstStyle>
+          <a:p>
+            <a:endParaRPr lang="en-US"/>
+          </a:p>
+        </p:txBody>
+      </p:sp>
+      <p:sp>
+        <p:nvSpPr>
+          <p:cNvPr id="7" name="Slide Number Placeholder 6"/>
+          <p:cNvSpPr>
+            <a:spLocks noGrp="1"/>
+          </p:cNvSpPr>
+          <p:nvPr>
+            <p:ph type="sldNum" sz="quarter" idx="5"/>
+          </p:nvPr>
+        </p:nvSpPr>
+        <p:spPr>
+          <a:xfrm>
+            <a:off x="3884613" y="8685213"/>
+            <a:ext cx="2971800" cy="458787"/>
+          </a:xfrm>
+          <a:prstGeom prst="rect">
+            <a:avLst/>
+          </a:prstGeom>
+        </p:spPr>
+        <p:txBody>
+          <a:bodyPr vert="horz" lIns="91440" tIns="45720" rIns="91440" bIns="45720" rtlCol="0" anchor="b"/>
+          <a:lstStyle>
+            <a:lvl1pPr algn="r">
+              <a:defRPr sz="1200"/>
+            </a:lvl1pPr>
+          </a:lstStyle>
+          <a:p>
+            <a:fld id="{8EE719E3-48B5-484E-961C-C9D25C82E27E}" type="slidenum">
+              <a:rPr lang="en-US" smtClean="0"/>
+              <a:t>‹#›</a:t>
+            </a:fld>
+            <a:endParaRPr lang="en-US"/>
+          </a:p>
+        </p:txBody>
+      </p:sp>
+    </p:spTree>
+    <p:extLst>
+      <p:ext uri="{BB962C8B-B14F-4D97-AF65-F5344CB8AC3E}">
+        <p14:creationId xmlns:p14="http://schemas.microsoft.com/office/powerpoint/2010/main" val="885699700"/>
+      </p:ext>
+    </p:extLst>
+  </p:cSld>
+  <p:clrMap bg1="lt1" tx1="dk1" bg2="lt2" tx2="dk2" accent1="accent1" accent2="accent2" accent3="accent3" accent4="accent4" accent5="accent5" accent6="accent6" hlink="hlink" folHlink="folHlink"/>
+  <p:notesStyle>
+    <a:lvl1pPr marL="0" algn="l" defTabSz="914400" rtl="0" eaLnBrk="1" latinLnBrk="0" hangingPunct="1">
+      <a:defRPr sz="1200" kern="1200">
+        <a:solidFill>
+          <a:schemeClr val="tx1"/>
+        </a:solidFill>
+        <a:latin typeface="+mn-lt"/>
+        <a:ea typeface="+mn-ea"/>
+        <a:cs typeface="+mn-cs"/>
+      </a:defRPr>
+    </a:lvl1pPr>
+    <a:lvl2pPr marL="457200" algn="l" defTabSz="914400" rtl="0" eaLnBrk="1" latinLnBrk="0" hangingPunct="1">
+      <a:defRPr sz="1200" kern="1200">
+        <a:solidFill>
+          <a:schemeClr val="tx1"/>
+        </a:solidFill>
+        <a:latin typeface="+mn-lt"/>
+        <a:ea typeface="+mn-ea"/>
+        <a:cs typeface="+mn-cs"/>
+      </a:defRPr>
+    </a:lvl2pPr>
+    <a:lvl3pPr marL="914400" algn="l" defTabSz="914400" rtl="0" eaLnBrk="1" latinLnBrk="0" hangingPunct="1">
+      <a:defRPr sz="1200" kern="1200">
+        <a:solidFill>
+          <a:schemeClr val="tx1"/>
+        </a:solidFill>
+        <a:latin typeface="+mn-lt"/>
+        <a:ea typeface="+mn-ea"/>
+        <a:cs typeface="+mn-cs"/>
+      </a:defRPr>
+    </a:lvl3pPr>
+    <a:lvl4pPr marL="1371600" algn="l" defTabSz="914400" rtl="0" eaLnBrk="1" latinLnBrk="0" hangingPunct="1">
+      <a:defRPr sz="1200" kern="1200">
+        <a:solidFill>
+          <a:schemeClr val="tx1"/>
+        </a:solidFill>
+        <a:latin typeface="+mn-lt"/>
+        <a:ea typeface="+mn-ea"/>
+        <a:cs typeface="+mn-cs"/>
+      </a:defRPr>
+    </a:lvl4pPr>
+    <a:lvl5pPr marL="1828800" algn="l" defTabSz="914400" rtl="0" eaLnBrk="1" latinLnBrk="0" hangingPunct="1">
+      <a:defRPr sz="1200" kern="1200">
+        <a:solidFill>
+          <a:schemeClr val="tx1"/>
+        </a:solidFill>
+        <a:latin typeface="+mn-lt"/>
+        <a:ea typeface="+mn-ea"/>
+        <a:cs typeface="+mn-cs"/>
+      </a:defRPr>
+    </a:lvl5pPr>
+    <a:lvl6pPr marL="2286000" algn="l" defTabSz="914400" rtl="0" eaLnBrk="1" latinLnBrk="0" hangingPunct="1">
+      <a:defRPr sz="1200" kern="1200">
+        <a:solidFill>
+          <a:schemeClr val="tx1"/>
+        </a:solidFill>
+        <a:latin typeface="+mn-lt"/>
+        <a:ea typeface="+mn-ea"/>
+        <a:cs typeface="+mn-cs"/>
+      </a:defRPr>
+    </a:lvl6pPr>
+    <a:lvl7pPr marL="2743200" algn="l" defTabSz="914400" rtl="0" eaLnBrk="1" latinLnBrk="0" hangingPunct="1">
+      <a:defRPr sz="1200" kern="1200">
+        <a:solidFill>
+          <a:schemeClr val="tx1"/>
+        </a:solidFill>
+        <a:latin typeface="+mn-lt"/>
+        <a:ea typeface="+mn-ea"/>
+        <a:cs typeface="+mn-cs"/>
+      </a:defRPr>
+    </a:lvl7pPr>
+    <a:lvl8pPr marL="3200400" algn="l" defTabSz="914400" rtl="0" eaLnBrk="1" latinLnBrk="0" hangingPunct="1">
+      <a:defRPr sz="1200" kern="1200">
+        <a:solidFill>
+          <a:schemeClr val="tx1"/>
+        </a:solidFill>
+        <a:latin typeface="+mn-lt"/>
+        <a:ea typeface="+mn-ea"/>
+        <a:cs typeface="+mn-cs"/>
+      </a:defRPr>
+    </a:lvl8pPr>
+    <a:lvl9pPr marL="3657600" algn="l" defTabSz="914400" rtl="0" eaLnBrk="1" latinLnBrk="0" hangingPunct="1">
+      <a:defRPr sz="1200" kern="1200">
+        <a:solidFill>
+          <a:schemeClr val="tx1"/>
+        </a:solidFill>
+        <a:latin typeface="+mn-lt"/>
+        <a:ea typeface="+mn-ea"/>
+        <a:cs typeface="+mn-cs"/>
+      </a:defRPr>
+    </a:lvl9pPr>
+  </p:notesStyle>
+</p:notesMaster>
+</file>
+
+<file path=ppt/notesSlides/notesSlide1.xml><?xml version="1.0" encoding="utf-8"?>
+<p:notes xmlns:a="http://schemas.openxmlformats.org/drawingml/2006/main" xmlns:r="http://schemas.openxmlformats.org/officeDocument/2006/relationships" xmlns:p="http://schemas.openxmlformats.org/presentationml/2006/main">
+  <p:cSld>
+    <p:spTree>
+      <p:nvGrpSpPr>
+        <p:cNvPr id="1" name=""/>
+        <p:cNvGrpSpPr/>
+        <p:nvPr/>
+      </p:nvGrpSpPr>
+      <p:grpSpPr>
+        <a:xfrm>
+          <a:off x="0" y="0"/>
+          <a:ext cx="0" cy="0"/>
+          <a:chOff x="0" y="0"/>
+          <a:chExt cx="0" cy="0"/>
+        </a:xfrm>
+      </p:grpSpPr>
+      <p:sp>
+        <p:nvSpPr>
+          <p:cNvPr id="2" name="Slide Image Placeholder 1"/>
+          <p:cNvSpPr>
+            <a:spLocks noGrp="1" noRot="1" noChangeAspect="1"/>
+          </p:cNvSpPr>
+          <p:nvPr>
+            <p:ph type="sldImg"/>
+          </p:nvPr>
+        </p:nvSpPr>
+        <p:spPr/>
+      </p:sp>
+      <p:sp>
+        <p:nvSpPr>
+          <p:cNvPr id="3" name="Notes Placeholder 2"/>
+          <p:cNvSpPr>
+            <a:spLocks noGrp="1"/>
+          </p:cNvSpPr>
+          <p:nvPr>
+            <p:ph type="body" idx="1"/>
+          </p:nvPr>
+        </p:nvSpPr>
+        <p:spPr/>
+        <p:txBody>
+          <a:bodyPr/>
+          <a:lstStyle/>
+          <a:p>
+            <a:endParaRPr lang="en-US" dirty="0"/>
+          </a:p>
+        </p:txBody>
+      </p:sp>
+      <p:sp>
+        <p:nvSpPr>
+          <p:cNvPr id="4" name="Slide Number Placeholder 3"/>
+          <p:cNvSpPr>
+            <a:spLocks noGrp="1"/>
+          </p:cNvSpPr>
+          <p:nvPr>
+            <p:ph type="sldNum" sz="quarter" idx="5"/>
+          </p:nvPr>
+        </p:nvSpPr>
+        <p:spPr/>
+        <p:txBody>
+          <a:bodyPr/>
+          <a:lstStyle/>
+          <a:p>
+            <a:fld id="{8EE719E3-48B5-484E-961C-C9D25C82E27E}" type="slidenum">
+              <a:rPr lang="en-US" smtClean="0"/>
+              <a:t>8</a:t>
+            </a:fld>
+            <a:endParaRPr lang="en-US"/>
+          </a:p>
+        </p:txBody>
+      </p:sp>
+    </p:spTree>
+    <p:extLst>
+      <p:ext uri="{BB962C8B-B14F-4D97-AF65-F5344CB8AC3E}">
+        <p14:creationId xmlns:p14="http://schemas.microsoft.com/office/powerpoint/2010/main" val="1246585761"/>
+      </p:ext>
+    </p:extLst>
+  </p:cSld>
+  <p:clrMapOvr>
+    <a:masterClrMapping/>
+  </p:clrMapOvr>
+</p:notes>
+</file>
+
 <file path=ppt/slideLayouts/slideLayout1.xml><?xml version="1.0" encoding="utf-8"?>
 <p:sldLayout xmlns:a="http://schemas.openxmlformats.org/drawingml/2006/main" xmlns:r="http://schemas.openxmlformats.org/officeDocument/2006/relationships" xmlns:p="http://schemas.openxmlformats.org/presentationml/2006/main" showMasterSp="0" type="title" preserve="1">
   <p:cSld name="Title Slide">
@@ -456,7 +893,7 @@
           <a:p>
             <a:fld id="{BE27C8D0-96A9-4B6C-8DFF-D2F542A7F341}" type="datetimeFigureOut">
               <a:rPr lang="en-US" smtClean="0"/>
-              <a:t>10/8/2018</a:t>
+              <a:t>10/10/2018</a:t>
             </a:fld>
             <a:endParaRPr lang="en-US"/>
           </a:p>
@@ -1544,7 +1981,7 @@
           <a:p>
             <a:fld id="{BE27C8D0-96A9-4B6C-8DFF-D2F542A7F341}" type="datetimeFigureOut">
               <a:rPr lang="en-US" smtClean="0"/>
-              <a:t>10/8/2018</a:t>
+              <a:t>10/10/2018</a:t>
             </a:fld>
             <a:endParaRPr lang="en-US"/>
           </a:p>
@@ -2524,7 +2961,7 @@
           <a:p>
             <a:fld id="{BE27C8D0-96A9-4B6C-8DFF-D2F542A7F341}" type="datetimeFigureOut">
               <a:rPr lang="en-US" smtClean="0"/>
-              <a:t>10/8/2018</a:t>
+              <a:t>10/10/2018</a:t>
             </a:fld>
             <a:endParaRPr lang="en-US"/>
           </a:p>
@@ -3658,7 +4095,7 @@
           <a:p>
             <a:fld id="{BE27C8D0-96A9-4B6C-8DFF-D2F542A7F341}" type="datetimeFigureOut">
               <a:rPr lang="en-US" smtClean="0"/>
-              <a:t>10/8/2018</a:t>
+              <a:t>10/10/2018</a:t>
             </a:fld>
             <a:endParaRPr lang="en-US"/>
           </a:p>
@@ -4691,7 +5128,7 @@
           <a:p>
             <a:fld id="{BE27C8D0-96A9-4B6C-8DFF-D2F542A7F341}" type="datetimeFigureOut">
               <a:rPr lang="en-US" smtClean="0"/>
-              <a:t>10/8/2018</a:t>
+              <a:t>10/10/2018</a:t>
             </a:fld>
             <a:endParaRPr lang="en-US"/>
           </a:p>
@@ -5351,7 +5788,7 @@
           <a:p>
             <a:fld id="{BE27C8D0-96A9-4B6C-8DFF-D2F542A7F341}" type="datetimeFigureOut">
               <a:rPr lang="en-US" smtClean="0"/>
-              <a:t>10/8/2018</a:t>
+              <a:t>10/10/2018</a:t>
             </a:fld>
             <a:endParaRPr lang="en-US"/>
           </a:p>
@@ -6212,7 +6649,7 @@
           <a:p>
             <a:fld id="{BE27C8D0-96A9-4B6C-8DFF-D2F542A7F341}" type="datetimeFigureOut">
               <a:rPr lang="en-US" smtClean="0"/>
-              <a:t>10/8/2018</a:t>
+              <a:t>10/10/2018</a:t>
             </a:fld>
             <a:endParaRPr lang="en-US"/>
           </a:p>
@@ -6402,7 +6839,7 @@
           <a:p>
             <a:fld id="{BE27C8D0-96A9-4B6C-8DFF-D2F542A7F341}" type="datetimeFigureOut">
               <a:rPr lang="en-US" smtClean="0"/>
-              <a:t>10/8/2018</a:t>
+              <a:t>10/10/2018</a:t>
             </a:fld>
             <a:endParaRPr lang="en-US"/>
           </a:p>
@@ -7374,7 +7811,7 @@
           <a:p>
             <a:fld id="{BE27C8D0-96A9-4B6C-8DFF-D2F542A7F341}" type="datetimeFigureOut">
               <a:rPr lang="en-US" smtClean="0"/>
-              <a:t>10/8/2018</a:t>
+              <a:t>10/10/2018</a:t>
             </a:fld>
             <a:endParaRPr lang="en-US"/>
           </a:p>
@@ -7585,7 +8022,7 @@
           <a:p>
             <a:fld id="{BE27C8D0-96A9-4B6C-8DFF-D2F542A7F341}" type="datetimeFigureOut">
               <a:rPr lang="en-US" smtClean="0"/>
-              <a:t>10/8/2018</a:t>
+              <a:t>10/10/2018</a:t>
             </a:fld>
             <a:endParaRPr lang="en-US"/>
           </a:p>
@@ -8619,7 +9056,7 @@
           <a:p>
             <a:fld id="{BE27C8D0-96A9-4B6C-8DFF-D2F542A7F341}" type="datetimeFigureOut">
               <a:rPr lang="en-US" smtClean="0"/>
-              <a:t>10/8/2018</a:t>
+              <a:t>10/10/2018</a:t>
             </a:fld>
             <a:endParaRPr lang="en-US"/>
           </a:p>
@@ -8891,7 +9328,7 @@
           <a:p>
             <a:fld id="{BE27C8D0-96A9-4B6C-8DFF-D2F542A7F341}" type="datetimeFigureOut">
               <a:rPr lang="en-US" smtClean="0"/>
-              <a:t>10/8/2018</a:t>
+              <a:t>10/10/2018</a:t>
             </a:fld>
             <a:endParaRPr lang="en-US"/>
           </a:p>
@@ -9301,7 +9738,7 @@
           <a:p>
             <a:fld id="{BE27C8D0-96A9-4B6C-8DFF-D2F542A7F341}" type="datetimeFigureOut">
               <a:rPr lang="en-US" smtClean="0"/>
-              <a:t>10/8/2018</a:t>
+              <a:t>10/10/2018</a:t>
             </a:fld>
             <a:endParaRPr lang="en-US"/>
           </a:p>
@@ -9428,7 +9865,7 @@
           <a:p>
             <a:fld id="{BE27C8D0-96A9-4B6C-8DFF-D2F542A7F341}" type="datetimeFigureOut">
               <a:rPr lang="en-US" smtClean="0"/>
-              <a:t>10/8/2018</a:t>
+              <a:t>10/10/2018</a:t>
             </a:fld>
             <a:endParaRPr lang="en-US"/>
           </a:p>
@@ -9523,7 +9960,7 @@
           <a:p>
             <a:fld id="{BE27C8D0-96A9-4B6C-8DFF-D2F542A7F341}" type="datetimeFigureOut">
               <a:rPr lang="en-US" smtClean="0"/>
-              <a:t>10/8/2018</a:t>
+              <a:t>10/10/2018</a:t>
             </a:fld>
             <a:endParaRPr lang="en-US"/>
           </a:p>
@@ -10604,7 +11041,7 @@
           <a:p>
             <a:fld id="{BE27C8D0-96A9-4B6C-8DFF-D2F542A7F341}" type="datetimeFigureOut">
               <a:rPr lang="en-US" smtClean="0"/>
-              <a:t>10/8/2018</a:t>
+              <a:t>10/10/2018</a:t>
             </a:fld>
             <a:endParaRPr lang="en-US"/>
           </a:p>
@@ -11712,7 +12149,7 @@
           <a:p>
             <a:fld id="{BE27C8D0-96A9-4B6C-8DFF-D2F542A7F341}" type="datetimeFigureOut">
               <a:rPr lang="en-US" smtClean="0"/>
-              <a:t>10/8/2018</a:t>
+              <a:t>10/10/2018</a:t>
             </a:fld>
             <a:endParaRPr lang="en-US"/>
           </a:p>
@@ -12709,7 +13146,7 @@
           <a:p>
             <a:fld id="{BE27C8D0-96A9-4B6C-8DFF-D2F542A7F341}" type="datetimeFigureOut">
               <a:rPr lang="en-US" smtClean="0"/>
-              <a:t>10/8/2018</a:t>
+              <a:t>10/10/2018</a:t>
             </a:fld>
             <a:endParaRPr lang="en-US"/>
           </a:p>
@@ -13505,6 +13942,135 @@
           <p:cNvPr id="2" name="Title 1">
             <a:extLst>
               <a:ext uri="{FF2B5EF4-FFF2-40B4-BE49-F238E27FC236}">
+                <a16:creationId xmlns:a16="http://schemas.microsoft.com/office/drawing/2014/main" id="{6F41BEC8-020D-4A91-8378-3A41F0F12B6B}"/>
+              </a:ext>
+            </a:extLst>
+          </p:cNvPr>
+          <p:cNvSpPr>
+            <a:spLocks noGrp="1"/>
+          </p:cNvSpPr>
+          <p:nvPr>
+            <p:ph type="title"/>
+          </p:nvPr>
+        </p:nvSpPr>
+        <p:spPr/>
+        <p:txBody>
+          <a:bodyPr/>
+          <a:lstStyle/>
+          <a:p>
+            <a:r>
+              <a:rPr lang="en-US" dirty="0"/>
+              <a:t>Relational Database(ER Diagram)</a:t>
+            </a:r>
+          </a:p>
+        </p:txBody>
+      </p:sp>
+      <p:pic>
+        <p:nvPicPr>
+          <p:cNvPr id="5" name="Content Placeholder 4">
+            <a:extLst>
+              <a:ext uri="{FF2B5EF4-FFF2-40B4-BE49-F238E27FC236}">
+                <a16:creationId xmlns:a16="http://schemas.microsoft.com/office/drawing/2014/main" id="{FB1B016E-B6B6-472E-881C-8A5648A2C4A5}"/>
+              </a:ext>
+            </a:extLst>
+          </p:cNvPr>
+          <p:cNvPicPr>
+            <a:picLocks noGrp="1" noChangeAspect="1"/>
+          </p:cNvPicPr>
+          <p:nvPr>
+            <p:ph idx="1"/>
+          </p:nvPr>
+        </p:nvPicPr>
+        <p:blipFill>
+          <a:blip r:embed="rId2">
+            <a:extLst>
+              <a:ext uri="{28A0092B-C50C-407E-A947-70E740481C1C}">
+                <a14:useLocalDpi xmlns:a14="http://schemas.microsoft.com/office/drawing/2010/main" val="0"/>
+              </a:ext>
+            </a:extLst>
+          </a:blip>
+          <a:stretch>
+            <a:fillRect/>
+          </a:stretch>
+        </p:blipFill>
+        <p:spPr>
+          <a:xfrm>
+            <a:off x="1154954" y="2194560"/>
+            <a:ext cx="6814252" cy="4663440"/>
+          </a:xfrm>
+        </p:spPr>
+      </p:pic>
+      <p:pic>
+        <p:nvPicPr>
+          <p:cNvPr id="7" name="Picture 6">
+            <a:extLst>
+              <a:ext uri="{FF2B5EF4-FFF2-40B4-BE49-F238E27FC236}">
+                <a16:creationId xmlns:a16="http://schemas.microsoft.com/office/drawing/2014/main" id="{0BA8C378-42F5-4ED6-B9DE-66EC890588C0}"/>
+              </a:ext>
+            </a:extLst>
+          </p:cNvPr>
+          <p:cNvPicPr>
+            <a:picLocks noChangeAspect="1"/>
+          </p:cNvPicPr>
+          <p:nvPr/>
+        </p:nvPicPr>
+        <p:blipFill>
+          <a:blip r:embed="rId3">
+            <a:extLst>
+              <a:ext uri="{28A0092B-C50C-407E-A947-70E740481C1C}">
+                <a14:useLocalDpi xmlns:a14="http://schemas.microsoft.com/office/drawing/2010/main" val="0"/>
+              </a:ext>
+            </a:extLst>
+          </a:blip>
+          <a:stretch>
+            <a:fillRect/>
+          </a:stretch>
+        </p:blipFill>
+        <p:spPr>
+          <a:xfrm>
+            <a:off x="7863840" y="2961689"/>
+            <a:ext cx="4328160" cy="2228850"/>
+          </a:xfrm>
+          <a:prstGeom prst="rect">
+            <a:avLst/>
+          </a:prstGeom>
+        </p:spPr>
+      </p:pic>
+    </p:spTree>
+    <p:extLst>
+      <p:ext uri="{BB962C8B-B14F-4D97-AF65-F5344CB8AC3E}">
+        <p14:creationId xmlns:p14="http://schemas.microsoft.com/office/powerpoint/2010/main" val="3632266078"/>
+      </p:ext>
+    </p:extLst>
+  </p:cSld>
+  <p:clrMapOvr>
+    <a:masterClrMapping/>
+  </p:clrMapOvr>
+</p:sld>
+</file>
+
+<file path=ppt/slides/slide11.xml><?xml version="1.0" encoding="utf-8"?>
+<p:sld xmlns:a="http://schemas.openxmlformats.org/drawingml/2006/main" xmlns:r="http://schemas.openxmlformats.org/officeDocument/2006/relationships" xmlns:p="http://schemas.openxmlformats.org/presentationml/2006/main">
+  <p:cSld>
+    <p:spTree>
+      <p:nvGrpSpPr>
+        <p:cNvPr id="1" name=""/>
+        <p:cNvGrpSpPr/>
+        <p:nvPr/>
+      </p:nvGrpSpPr>
+      <p:grpSpPr>
+        <a:xfrm>
+          <a:off x="0" y="0"/>
+          <a:ext cx="0" cy="0"/>
+          <a:chOff x="0" y="0"/>
+          <a:chExt cx="0" cy="0"/>
+        </a:xfrm>
+      </p:grpSpPr>
+      <p:sp>
+        <p:nvSpPr>
+          <p:cNvPr id="2" name="Title 1">
+            <a:extLst>
+              <a:ext uri="{FF2B5EF4-FFF2-40B4-BE49-F238E27FC236}">
                 <a16:creationId xmlns:a16="http://schemas.microsoft.com/office/drawing/2014/main" id="{4ABAD137-DF27-46A2-A18E-A7E7E025E33D}"/>
               </a:ext>
             </a:extLst>
@@ -13523,7 +14089,7 @@
           <a:p>
             <a:r>
               <a:rPr lang="en-US" dirty="0"/>
-              <a:t>Risk of Our Project</a:t>
+              <a:t>Expected Outcome</a:t>
             </a:r>
           </a:p>
         </p:txBody>
@@ -13555,7 +14121,7 @@
             </a:pPr>
             <a:r>
               <a:rPr lang="en-US" dirty="0"/>
-              <a:t>Node.js is recent technology. So outcoming problem handle is more challenge.</a:t>
+              <a:t>Complete business Platform.</a:t>
             </a:r>
           </a:p>
           <a:p>
@@ -13565,7 +14131,7 @@
             </a:pPr>
             <a:r>
               <a:rPr lang="en-US" dirty="0"/>
-              <a:t>There is no good community scope.</a:t>
+              <a:t>It is reduce time and cost for both renter and advertiser.</a:t>
             </a:r>
           </a:p>
           <a:p>
@@ -13575,17 +14141,7 @@
             </a:pPr>
             <a:r>
               <a:rPr lang="en-US" dirty="0"/>
-              <a:t>The information of house advertiser keep secure is more challenge.</a:t>
-            </a:r>
-          </a:p>
-          <a:p>
-            <a:pPr>
-              <a:buFont typeface="Wingdings" panose="05000000000000000000" pitchFamily="2" charset="2"/>
-              <a:buChar char="q"/>
-            </a:pPr>
-            <a:r>
-              <a:rPr lang="en-US" dirty="0"/>
-              <a:t>Sometimes bad people to take information and subscription is apply on house advertiser.</a:t>
+              <a:t>It is help to hurry up to find  a house for rent.</a:t>
             </a:r>
           </a:p>
         </p:txBody>
@@ -13593,7 +14149,7 @@
     </p:spTree>
     <p:extLst>
       <p:ext uri="{BB962C8B-B14F-4D97-AF65-F5344CB8AC3E}">
-        <p14:creationId xmlns:p14="http://schemas.microsoft.com/office/powerpoint/2010/main" val="969379202"/>
+        <p14:creationId xmlns:p14="http://schemas.microsoft.com/office/powerpoint/2010/main" val="1847214280"/>
       </p:ext>
     </p:extLst>
   </p:cSld>
@@ -13666,26 +14222,17 @@
         </p:nvSpPr>
         <p:spPr/>
         <p:txBody>
-          <a:bodyPr/>
+          <a:bodyPr>
+            <a:normAutofit/>
+          </a:bodyPr>
           <a:lstStyle/>
           <a:p>
-            <a:pPr>
-              <a:buFont typeface="Wingdings" panose="05000000000000000000" pitchFamily="2" charset="2"/>
-              <a:buChar char="q"/>
+            <a:pPr marL="0" indent="0">
+              <a:buNone/>
             </a:pPr>
             <a:r>
               <a:rPr lang="en-US" sz="2000" dirty="0"/>
-              <a:t>House renting is a system that is People can advertising his or her own house or People can view house advertisement who want to rent house.</a:t>
-            </a:r>
-          </a:p>
-          <a:p>
-            <a:pPr>
-              <a:buFont typeface="Wingdings" panose="05000000000000000000" pitchFamily="2" charset="2"/>
-              <a:buChar char="q"/>
-            </a:pPr>
-            <a:r>
-              <a:rPr lang="en-US" sz="2000" dirty="0"/>
-              <a:t>People can easily find expected house for rent.</a:t>
+              <a:t>House renting is a web application that is people can advertise his or her own house and people can view house advertisement who want to rent house.</a:t>
             </a:r>
           </a:p>
         </p:txBody>
@@ -13769,31 +14316,54 @@
           <a:bodyPr/>
           <a:lstStyle/>
           <a:p>
-            <a:pPr>
+            <a:pPr lvl="0">
               <a:buFont typeface="Wingdings" panose="05000000000000000000" pitchFamily="2" charset="2"/>
               <a:buChar char="q"/>
             </a:pPr>
             <a:r>
               <a:rPr lang="en-US" dirty="0"/>
-              <a:t>It is saved house renter time and money.</a:t>
+              <a:t>It is simple and easiest way to give an advertisement.</a:t>
             </a:r>
           </a:p>
           <a:p>
-            <a:pPr>
+            <a:pPr lvl="0">
               <a:buFont typeface="Wingdings" panose="05000000000000000000" pitchFamily="2" charset="2"/>
               <a:buChar char="q"/>
             </a:pPr>
             <a:r>
               <a:rPr lang="en-US" dirty="0"/>
-              <a:t>It most easiest way to find house.</a:t>
+              <a:t>An adviser advising his house with picture and description and other necessary things and other people view advertise who want to house rent.</a:t>
             </a:r>
           </a:p>
           <a:p>
-            <a:pPr>
+            <a:pPr lvl="0">
               <a:buFont typeface="Wingdings" panose="05000000000000000000" pitchFamily="2" charset="2"/>
               <a:buChar char="q"/>
             </a:pPr>
-            <a:endParaRPr lang="en-US" dirty="0"/>
+            <a:r>
+              <a:rPr lang="en-US" dirty="0"/>
+              <a:t>House renter and house advertiser will communicate throw phone number.</a:t>
+            </a:r>
+          </a:p>
+          <a:p>
+            <a:pPr lvl="0">
+              <a:buFont typeface="Wingdings" panose="05000000000000000000" pitchFamily="2" charset="2"/>
+              <a:buChar char="q"/>
+            </a:pPr>
+            <a:r>
+              <a:rPr lang="en-US" dirty="0"/>
+              <a:t>Real time communication is included.</a:t>
+            </a:r>
+          </a:p>
+          <a:p>
+            <a:pPr lvl="0">
+              <a:buFont typeface="Wingdings" panose="05000000000000000000" pitchFamily="2" charset="2"/>
+              <a:buChar char="q"/>
+            </a:pPr>
+            <a:r>
+              <a:rPr lang="en-US" dirty="0"/>
+              <a:t>It is reduced time and cost both renter and advertiser.</a:t>
+            </a:r>
           </a:p>
         </p:txBody>
       </p:sp>
@@ -13871,9 +14441,16 @@
             <p:ph idx="1"/>
           </p:nvPr>
         </p:nvSpPr>
-        <p:spPr/>
+        <p:spPr>
+          <a:xfrm>
+            <a:off x="1154954" y="2603500"/>
+            <a:ext cx="8825659" cy="4254500"/>
+          </a:xfrm>
+        </p:spPr>
         <p:txBody>
-          <a:bodyPr/>
+          <a:bodyPr>
+            <a:normAutofit/>
+          </a:bodyPr>
           <a:lstStyle/>
           <a:p>
             <a:pPr>
@@ -13881,9 +14458,66 @@
               <a:buChar char="q"/>
             </a:pPr>
             <a:r>
+              <a:rPr lang="en-US" b="1" dirty="0"/>
+              <a:t>Local market:</a:t>
+            </a:r>
+          </a:p>
+          <a:p>
+            <a:pPr lvl="1">
+              <a:buFont typeface="Wingdings" panose="05000000000000000000" pitchFamily="2" charset="2"/>
+              <a:buChar char="Ø"/>
+            </a:pPr>
+            <a:r>
               <a:rPr lang="en-US" dirty="0"/>
-              <a:t>In Bangladesh there is no such website.</a:t>
+              <a:t>As I know, there is one website available name as “</a:t>
             </a:r>
+            <a:r>
+              <a:rPr lang="en-US" dirty="0" err="1"/>
+              <a:t>bproperty</a:t>
+            </a:r>
+            <a:r>
+              <a:rPr lang="en-US" dirty="0"/>
+              <a:t>”.</a:t>
+            </a:r>
+            <a:endParaRPr lang="en-US" sz="1000" dirty="0"/>
+          </a:p>
+          <a:p>
+            <a:pPr lvl="1">
+              <a:buFont typeface="Wingdings" panose="05000000000000000000" pitchFamily="2" charset="2"/>
+              <a:buChar char="Ø"/>
+            </a:pPr>
+            <a:r>
+              <a:rPr lang="en-US" dirty="0"/>
+              <a:t>It is no more popular and effective.</a:t>
+            </a:r>
+            <a:endParaRPr lang="en-US" sz="1000" dirty="0"/>
+          </a:p>
+          <a:p>
+            <a:pPr marL="457200" lvl="1" indent="0">
+              <a:buNone/>
+            </a:pPr>
+            <a:r>
+              <a:rPr lang="en-US" dirty="0"/>
+              <a:t>Link: </a:t>
+            </a:r>
+            <a:r>
+              <a:rPr lang="en-US" sz="1000" dirty="0"/>
+              <a:t> </a:t>
+            </a:r>
+            <a:r>
+              <a:rPr lang="en-US" u="sng" dirty="0">
+                <a:hlinkClick r:id="rId2"/>
+              </a:rPr>
+              <a:t>https://www.bproperty.com/</a:t>
+            </a:r>
+            <a:endParaRPr lang="en-US" sz="1000" dirty="0"/>
+          </a:p>
+          <a:p>
+            <a:pPr lvl="1">
+              <a:buFont typeface="Wingdings" panose="05000000000000000000" pitchFamily="2" charset="2"/>
+              <a:buChar char="Ø"/>
+            </a:pPr>
+            <a:endParaRPr lang="en-US" b="1" dirty="0"/>
           </a:p>
           <a:p>
             <a:pPr>
@@ -13891,49 +14525,68 @@
               <a:buChar char="q"/>
             </a:pPr>
             <a:r>
-              <a:rPr lang="en-US" dirty="0"/>
-              <a:t>If there are available, no more popular and effective.</a:t>
+              <a:rPr lang="en-US" b="1" dirty="0"/>
+              <a:t>Global market:</a:t>
             </a:r>
           </a:p>
           <a:p>
-            <a:pPr>
+            <a:pPr lvl="1">
               <a:buFont typeface="Wingdings" panose="05000000000000000000" pitchFamily="2" charset="2"/>
-              <a:buChar char="q"/>
+              <a:buChar char="Ø"/>
             </a:pPr>
             <a:r>
               <a:rPr lang="en-US" dirty="0"/>
-              <a:t>It is simple and easiest way to give an advertisement.</a:t>
+              <a:t>In development countries about 96% people find their house in online.</a:t>
             </a:r>
-          </a:p>
-          <a:p>
-            <a:pPr>
+            <a:endParaRPr lang="en-US" sz="1000" dirty="0"/>
+          </a:p>
+          <a:p>
+            <a:pPr lvl="1">
               <a:buFont typeface="Wingdings" panose="05000000000000000000" pitchFamily="2" charset="2"/>
-              <a:buChar char="q"/>
+              <a:buChar char="Ø"/>
             </a:pPr>
             <a:r>
               <a:rPr lang="en-US" dirty="0"/>
-              <a:t>A adviser advising his house with picture and description and other necessary things.</a:t>
+              <a:t>House renting system is most popular.</a:t>
             </a:r>
-          </a:p>
-          <a:p>
-            <a:pPr>
-              <a:buFont typeface="Wingdings" panose="05000000000000000000" pitchFamily="2" charset="2"/>
-              <a:buChar char="q"/>
+            <a:endParaRPr lang="en-US" sz="1000" dirty="0"/>
+          </a:p>
+          <a:p>
+            <a:pPr marL="457200" lvl="1" indent="0">
+              <a:buNone/>
             </a:pPr>
             <a:r>
               <a:rPr lang="en-US" dirty="0"/>
-              <a:t>It is easily find house for renting.</a:t>
+              <a:t>Link: </a:t>
             </a:r>
-          </a:p>
-          <a:p>
-            <a:pPr>
-              <a:buFont typeface="Wingdings" panose="05000000000000000000" pitchFamily="2" charset="2"/>
-              <a:buChar char="q"/>
+            <a:r>
+              <a:rPr lang="en-US" u="sng" dirty="0">
+                <a:hlinkClick r:id="rId3"/>
+              </a:rPr>
+              <a:t>https://www.lacartedescolocs.fr/</a:t>
+            </a:r>
+            <a:endParaRPr lang="en-US" sz="1000" dirty="0"/>
+          </a:p>
+          <a:p>
+            <a:pPr marL="457200" lvl="1" indent="0">
+              <a:buNone/>
             </a:pPr>
             <a:r>
               <a:rPr lang="en-US" dirty="0"/>
-              <a:t>A house renter can easily find his own in the financial power.</a:t>
+              <a:t>Link: </a:t>
             </a:r>
+            <a:r>
+              <a:rPr lang="en-US" u="sng" dirty="0"/>
+              <a:t>https://www.spotahome.com/</a:t>
+            </a:r>
+            <a:endParaRPr lang="en-US" sz="1000" dirty="0"/>
+          </a:p>
+          <a:p>
+            <a:pPr lvl="1">
+              <a:buFont typeface="Wingdings" panose="05000000000000000000" pitchFamily="2" charset="2"/>
+              <a:buChar char="Ø"/>
+            </a:pPr>
+            <a:endParaRPr lang="en-US" dirty="0"/>
           </a:p>
         </p:txBody>
       </p:sp>
@@ -14011,9 +14664,16 @@
             <p:ph idx="1"/>
           </p:nvPr>
         </p:nvSpPr>
-        <p:spPr/>
+        <p:spPr>
+          <a:xfrm>
+            <a:off x="1154954" y="2603500"/>
+            <a:ext cx="8825659" cy="4254500"/>
+          </a:xfrm>
+        </p:spPr>
         <p:txBody>
-          <a:bodyPr/>
+          <a:bodyPr>
+            <a:normAutofit/>
+          </a:bodyPr>
           <a:lstStyle/>
           <a:p>
             <a:pPr>
@@ -14021,9 +14681,10 @@
               <a:buChar char="q"/>
             </a:pPr>
             <a:r>
-              <a:rPr lang="en-US" sz="2000" dirty="0"/>
-              <a:t>A feasibility study evaluates the project’s potential for success.</a:t>
+              <a:rPr lang="en-US" b="1" dirty="0"/>
+              <a:t>Technical:</a:t>
             </a:r>
+            <a:endParaRPr lang="en-US" dirty="0"/>
           </a:p>
           <a:p>
             <a:pPr lvl="1">
@@ -14031,9 +14692,20 @@
               <a:buChar char="Ø"/>
             </a:pPr>
             <a:r>
-              <a:rPr lang="en-US" sz="1800" dirty="0"/>
-              <a:t>Technical Feasibility: I have 1year experience on angular for font end design and 6month experience on node.js framework for back end design.</a:t>
+              <a:rPr lang="en-US" dirty="0"/>
+              <a:t>I have 1year experience on angular for Front-End design and 6month experience on node.js framework for Back-End design.</a:t>
             </a:r>
+          </a:p>
+          <a:p>
+            <a:pPr>
+              <a:buFont typeface="Wingdings" panose="05000000000000000000" pitchFamily="2" charset="2"/>
+              <a:buChar char="q"/>
+            </a:pPr>
+            <a:r>
+              <a:rPr lang="en-US" b="1" dirty="0"/>
+              <a:t>Economical:</a:t>
+            </a:r>
+            <a:endParaRPr lang="en-US" dirty="0"/>
           </a:p>
           <a:p>
             <a:pPr lvl="1">
@@ -14041,8 +14713,8 @@
               <a:buChar char="Ø"/>
             </a:pPr>
             <a:r>
-              <a:rPr lang="en-US" sz="1800" dirty="0"/>
-              <a:t>Economic Feasibility: </a:t>
+              <a:rPr lang="en-US" dirty="0"/>
+              <a:t>This is business purpose project.</a:t>
             </a:r>
           </a:p>
           <a:p>
@@ -14051,9 +14723,56 @@
               <a:buChar char="Ø"/>
             </a:pPr>
             <a:r>
-              <a:rPr lang="en-US" sz="1800" dirty="0"/>
+              <a:rPr lang="en-US" dirty="0"/>
+              <a:t>There is no more competitive web application for house renting. So, expected benefit will coming soon.</a:t>
+            </a:r>
+          </a:p>
+          <a:p>
+            <a:pPr>
+              <a:buFont typeface="Wingdings" panose="05000000000000000000" pitchFamily="2" charset="2"/>
+              <a:buChar char="q"/>
+            </a:pPr>
+            <a:r>
+              <a:rPr lang="en-US" b="1" dirty="0"/>
               <a:t>Environmental:</a:t>
             </a:r>
+            <a:endParaRPr lang="en-US" dirty="0"/>
+          </a:p>
+          <a:p>
+            <a:pPr lvl="1">
+              <a:buFont typeface="Wingdings" panose="05000000000000000000" pitchFamily="2" charset="2"/>
+              <a:buChar char="Ø"/>
+            </a:pPr>
+            <a:r>
+              <a:rPr lang="en-US" dirty="0"/>
+              <a:t>This is such as project that is impact of all class of professionals.</a:t>
+            </a:r>
+          </a:p>
+          <a:p>
+            <a:pPr lvl="1">
+              <a:buFont typeface="Wingdings" panose="05000000000000000000" pitchFamily="2" charset="2"/>
+              <a:buChar char="Ø"/>
+            </a:pPr>
+            <a:r>
+              <a:rPr lang="en-US" dirty="0"/>
+              <a:t>Trustworthy provide transaction.</a:t>
+            </a:r>
+          </a:p>
+          <a:p>
+            <a:pPr lvl="1">
+              <a:buFont typeface="Wingdings" panose="05000000000000000000" pitchFamily="2" charset="2"/>
+              <a:buChar char="Ø"/>
+            </a:pPr>
+            <a:r>
+              <a:rPr lang="en-US" dirty="0"/>
+              <a:t>To give wrong information by cheat people will be prevent.</a:t>
+            </a:r>
+          </a:p>
+          <a:p>
+            <a:pPr marL="0" indent="0">
+              <a:buNone/>
+            </a:pPr>
+            <a:endParaRPr lang="en-US" sz="1800" dirty="0"/>
           </a:p>
         </p:txBody>
       </p:sp>
@@ -14136,27 +14855,27 @@
           <a:bodyPr/>
           <a:lstStyle/>
           <a:p>
-            <a:pPr>
+            <a:pPr lvl="0">
               <a:buFont typeface="Wingdings" panose="05000000000000000000" pitchFamily="2" charset="2"/>
               <a:buChar char="q"/>
             </a:pPr>
             <a:r>
               <a:rPr lang="en-US" dirty="0"/>
-              <a:t>Industrial: This Project is used as business purposes. </a:t>
+              <a:t>This Project is used as business purposes.</a:t>
             </a:r>
           </a:p>
           <a:p>
-            <a:pPr>
+            <a:pPr lvl="0">
               <a:buFont typeface="Wingdings" panose="05000000000000000000" pitchFamily="2" charset="2"/>
               <a:buChar char="q"/>
             </a:pPr>
             <a:r>
               <a:rPr lang="en-US" dirty="0"/>
-              <a:t>Actually this project is popular in urban area.</a:t>
+              <a:t>Actually, this project is popular in urban area.</a:t>
             </a:r>
           </a:p>
           <a:p>
-            <a:pPr>
+            <a:pPr lvl="0">
               <a:buFont typeface="Wingdings" panose="05000000000000000000" pitchFamily="2" charset="2"/>
               <a:buChar char="q"/>
             </a:pPr>
@@ -14241,7 +14960,7 @@
             <p:ph idx="1"/>
             <p:extLst>
               <p:ext uri="{D42A27DB-BD31-4B8C-83A1-F6EECF244321}">
-                <p14:modId xmlns:p14="http://schemas.microsoft.com/office/powerpoint/2010/main" val="1318495324"/>
+                <p14:modId xmlns:p14="http://schemas.microsoft.com/office/powerpoint/2010/main" val="3761987985"/>
               </p:ext>
             </p:extLst>
           </p:nvPr>
@@ -14277,7 +14996,7 @@
                       </a:pPr>
                       <a:r>
                         <a:rPr lang="en-US" sz="2600" dirty="0"/>
-                        <a:t>Server Side</a:t>
+                        <a:t>  Server Side</a:t>
                       </a:r>
                     </a:p>
                   </a:txBody>
@@ -14301,7 +15020,7 @@
                       </a:pPr>
                       <a:r>
                         <a:rPr lang="en-US" sz="2200" dirty="0"/>
-                        <a:t>Language</a:t>
+                        <a:t>  Language</a:t>
                       </a:r>
                     </a:p>
                   </a:txBody>
@@ -14349,7 +15068,7 @@
                       </a:pPr>
                       <a:r>
                         <a:rPr lang="en-US" sz="2200" dirty="0"/>
-                        <a:t>Framework</a:t>
+                        <a:t>  Framework</a:t>
                       </a:r>
                     </a:p>
                   </a:txBody>
@@ -14397,7 +15116,7 @@
                       </a:pPr>
                       <a:r>
                         <a:rPr lang="en-US" sz="2200" dirty="0"/>
-                        <a:t>Database</a:t>
+                        <a:t>  Database</a:t>
                       </a:r>
                     </a:p>
                   </a:txBody>
@@ -14452,7 +15171,7 @@
           <p:nvPr>
             <p:extLst>
               <p:ext uri="{D42A27DB-BD31-4B8C-83A1-F6EECF244321}">
-                <p14:modId xmlns:p14="http://schemas.microsoft.com/office/powerpoint/2010/main" val="1364718104"/>
+                <p14:modId xmlns:p14="http://schemas.microsoft.com/office/powerpoint/2010/main" val="1319240950"/>
               </p:ext>
             </p:extLst>
           </p:nvPr>
@@ -14482,7 +15201,7 @@
                     <a:bodyPr/>
                     <a:lstStyle/>
                     <a:p>
-                      <a:pPr marL="285750" indent="-285750">
+                      <a:pPr marL="457200" lvl="0" indent="-457200">
                         <a:buFont typeface="Wingdings" panose="05000000000000000000" pitchFamily="2" charset="2"/>
                         <a:buChar char="q"/>
                       </a:pPr>
@@ -14668,37 +15387,41 @@
           </a:p>
         </p:txBody>
       </p:sp>
-      <p:sp>
-        <p:nvSpPr>
-          <p:cNvPr id="3" name="Content Placeholder 2">
+      <p:pic>
+        <p:nvPicPr>
+          <p:cNvPr id="5" name="Content Placeholder 4">
             <a:extLst>
               <a:ext uri="{FF2B5EF4-FFF2-40B4-BE49-F238E27FC236}">
-                <a16:creationId xmlns:a16="http://schemas.microsoft.com/office/drawing/2014/main" id="{56219843-90CE-4A69-B45E-C2988A3AA3BB}"/>
+                <a16:creationId xmlns:a16="http://schemas.microsoft.com/office/drawing/2014/main" id="{10BA8558-772D-4573-8D7C-3B39D3C4FD7E}"/>
               </a:ext>
             </a:extLst>
           </p:cNvPr>
-          <p:cNvSpPr>
-            <a:spLocks noGrp="1"/>
-          </p:cNvSpPr>
+          <p:cNvPicPr>
+            <a:picLocks noGrp="1" noChangeAspect="1"/>
+          </p:cNvPicPr>
           <p:nvPr>
             <p:ph idx="1"/>
           </p:nvPr>
-        </p:nvSpPr>
-        <p:spPr/>
-        <p:txBody>
-          <a:bodyPr/>
-          <a:lstStyle/>
-          <a:p>
-            <a:pPr marL="0" indent="0">
-              <a:buNone/>
-            </a:pPr>
-            <a:r>
-              <a:rPr lang="en-US" dirty="0"/>
-              <a:t> </a:t>
-            </a:r>
-          </a:p>
-        </p:txBody>
-      </p:sp>
+        </p:nvPicPr>
+        <p:blipFill>
+          <a:blip r:embed="rId3">
+            <a:extLst>
+              <a:ext uri="{28A0092B-C50C-407E-A947-70E740481C1C}">
+                <a14:useLocalDpi xmlns:a14="http://schemas.microsoft.com/office/drawing/2010/main" val="0"/>
+              </a:ext>
+            </a:extLst>
+          </a:blip>
+          <a:stretch>
+            <a:fillRect/>
+          </a:stretch>
+        </p:blipFill>
+        <p:spPr>
+          <a:xfrm>
+            <a:off x="1688123" y="2330727"/>
+            <a:ext cx="7891975" cy="4527273"/>
+          </a:xfrm>
+        </p:spPr>
+      </p:pic>
     </p:spTree>
     <p:extLst>
       <p:ext uri="{BB962C8B-B14F-4D97-AF65-F5344CB8AC3E}">
@@ -14734,7 +15457,7 @@
           <p:cNvPr id="2" name="Title 1">
             <a:extLst>
               <a:ext uri="{FF2B5EF4-FFF2-40B4-BE49-F238E27FC236}">
-                <a16:creationId xmlns:a16="http://schemas.microsoft.com/office/drawing/2014/main" id="{4ABAD137-DF27-46A2-A18E-A7E7E025E33D}"/>
+                <a16:creationId xmlns:a16="http://schemas.microsoft.com/office/drawing/2014/main" id="{2968633F-A54C-4F4C-BBB1-12EACB48BE73}"/>
               </a:ext>
             </a:extLst>
           </p:cNvPr>
@@ -14752,67 +15475,50 @@
           <a:p>
             <a:r>
               <a:rPr lang="en-US" dirty="0"/>
-              <a:t>Expected Outcome</a:t>
+              <a:t>Gantt Chart</a:t>
             </a:r>
           </a:p>
         </p:txBody>
       </p:sp>
-      <p:sp>
-        <p:nvSpPr>
-          <p:cNvPr id="3" name="Content Placeholder 2">
+      <p:pic>
+        <p:nvPicPr>
+          <p:cNvPr id="5" name="Content Placeholder 4">
             <a:extLst>
               <a:ext uri="{FF2B5EF4-FFF2-40B4-BE49-F238E27FC236}">
-                <a16:creationId xmlns:a16="http://schemas.microsoft.com/office/drawing/2014/main" id="{56219843-90CE-4A69-B45E-C2988A3AA3BB}"/>
+                <a16:creationId xmlns:a16="http://schemas.microsoft.com/office/drawing/2014/main" id="{04382DB9-CABB-4C8B-9047-34375A07A407}"/>
               </a:ext>
             </a:extLst>
           </p:cNvPr>
-          <p:cNvSpPr>
-            <a:spLocks noGrp="1"/>
-          </p:cNvSpPr>
+          <p:cNvPicPr>
+            <a:picLocks noGrp="1" noChangeAspect="1"/>
+          </p:cNvPicPr>
           <p:nvPr>
             <p:ph idx="1"/>
           </p:nvPr>
-        </p:nvSpPr>
-        <p:spPr/>
-        <p:txBody>
-          <a:bodyPr/>
-          <a:lstStyle/>
-          <a:p>
-            <a:pPr>
-              <a:buFont typeface="Wingdings" panose="05000000000000000000" pitchFamily="2" charset="2"/>
-              <a:buChar char="q"/>
-            </a:pPr>
-            <a:r>
-              <a:rPr lang="en-US" dirty="0"/>
-              <a:t>Complete business Platform.</a:t>
-            </a:r>
-          </a:p>
-          <a:p>
-            <a:pPr>
-              <a:buFont typeface="Wingdings" panose="05000000000000000000" pitchFamily="2" charset="2"/>
-              <a:buChar char="q"/>
-            </a:pPr>
-            <a:r>
-              <a:rPr lang="en-US" dirty="0"/>
-              <a:t>It is reduce time and cost for both renter and advertiser.</a:t>
-            </a:r>
-          </a:p>
-          <a:p>
-            <a:pPr>
-              <a:buFont typeface="Wingdings" panose="05000000000000000000" pitchFamily="2" charset="2"/>
-              <a:buChar char="q"/>
-            </a:pPr>
-            <a:r>
-              <a:rPr lang="en-US" dirty="0"/>
-              <a:t>It is help to hurry up to find  a house for rent.</a:t>
-            </a:r>
-          </a:p>
-        </p:txBody>
-      </p:sp>
+        </p:nvPicPr>
+        <p:blipFill>
+          <a:blip r:embed="rId2">
+            <a:extLst>
+              <a:ext uri="{28A0092B-C50C-407E-A947-70E740481C1C}">
+                <a14:useLocalDpi xmlns:a14="http://schemas.microsoft.com/office/drawing/2010/main" val="0"/>
+              </a:ext>
+            </a:extLst>
+          </a:blip>
+          <a:stretch>
+            <a:fillRect/>
+          </a:stretch>
+        </p:blipFill>
+        <p:spPr>
+          <a:xfrm>
+            <a:off x="1786596" y="2392484"/>
+            <a:ext cx="7090117" cy="4254500"/>
+          </a:xfrm>
+        </p:spPr>
+      </p:pic>
     </p:spTree>
     <p:extLst>
       <p:ext uri="{BB962C8B-B14F-4D97-AF65-F5344CB8AC3E}">
-        <p14:creationId xmlns:p14="http://schemas.microsoft.com/office/powerpoint/2010/main" val="1847214280"/>
+        <p14:creationId xmlns:p14="http://schemas.microsoft.com/office/powerpoint/2010/main" val="3440210261"/>
       </p:ext>
     </p:extLst>
   </p:cSld>
@@ -15084,4 +15790,299 @@
     </a:ext>
   </a:extLst>
 </a:theme>
+</file>
+
+<file path=ppt/theme/theme2.xml><?xml version="1.0" encoding="utf-8"?>
+<a:theme xmlns:a="http://schemas.openxmlformats.org/drawingml/2006/main" name="Office Theme">
+  <a:themeElements>
+    <a:clrScheme name="Office">
+      <a:dk1>
+        <a:sysClr val="windowText" lastClr="000000"/>
+      </a:dk1>
+      <a:lt1>
+        <a:sysClr val="window" lastClr="FFFFFF"/>
+      </a:lt1>
+      <a:dk2>
+        <a:srgbClr val="44546A"/>
+      </a:dk2>
+      <a:lt2>
+        <a:srgbClr val="E7E6E6"/>
+      </a:lt2>
+      <a:accent1>
+        <a:srgbClr val="4472C4"/>
+      </a:accent1>
+      <a:accent2>
+        <a:srgbClr val="ED7D31"/>
+      </a:accent2>
+      <a:accent3>
+        <a:srgbClr val="A5A5A5"/>
+      </a:accent3>
+      <a:accent4>
+        <a:srgbClr val="FFC000"/>
+      </a:accent4>
+      <a:accent5>
+        <a:srgbClr val="5B9BD5"/>
+      </a:accent5>
+      <a:accent6>
+        <a:srgbClr val="70AD47"/>
+      </a:accent6>
+      <a:hlink>
+        <a:srgbClr val="0563C1"/>
+      </a:hlink>
+      <a:folHlink>
+        <a:srgbClr val="954F72"/>
+      </a:folHlink>
+    </a:clrScheme>
+    <a:fontScheme name="Office">
+      <a:majorFont>
+        <a:latin typeface="Calibri Light" panose="020F0302020204030204"/>
+        <a:ea typeface=""/>
+        <a:cs typeface=""/>
+        <a:font script="Jpan" typeface="游ゴシック Light"/>
+        <a:font script="Hang" typeface="맑은 고딕"/>
+        <a:font script="Hans" typeface="等线 Light"/>
+        <a:font script="Hant" typeface="新細明體"/>
+        <a:font script="Arab" typeface="Times New Roman"/>
+        <a:font script="Hebr" typeface="Times New Roman"/>
+        <a:font script="Thai" typeface="Angsana New"/>
+        <a:font script="Ethi" typeface="Nyala"/>
+        <a:font script="Beng" typeface="Vrinda"/>
+        <a:font script="Gujr" typeface="Shruti"/>
+        <a:font script="Khmr" typeface="MoolBoran"/>
+        <a:font script="Knda" typeface="Tunga"/>
+        <a:font script="Guru" typeface="Raavi"/>
+        <a:font script="Cans" typeface="Euphemia"/>
+        <a:font script="Cher" typeface="Plantagenet Cherokee"/>
+        <a:font script="Yiii" typeface="Microsoft Yi Baiti"/>
+        <a:font script="Tibt" typeface="Microsoft Himalaya"/>
+        <a:font script="Thaa" typeface="MV Boli"/>
+        <a:font script="Deva" typeface="Mangal"/>
+        <a:font script="Telu" typeface="Gautami"/>
+        <a:font script="Taml" typeface="Latha"/>
+        <a:font script="Syrc" typeface="Estrangelo Edessa"/>
+        <a:font script="Orya" typeface="Kalinga"/>
+        <a:font script="Mlym" typeface="Kartika"/>
+        <a:font script="Laoo" typeface="DokChampa"/>
+        <a:font script="Sinh" typeface="Iskoola Pota"/>
+        <a:font script="Mong" typeface="Mongolian Baiti"/>
+        <a:font script="Viet" typeface="Times New Roman"/>
+        <a:font script="Uigh" typeface="Microsoft Uighur"/>
+        <a:font script="Geor" typeface="Sylfaen"/>
+        <a:font script="Armn" typeface="Arial"/>
+        <a:font script="Bugi" typeface="Leelawadee UI"/>
+        <a:font script="Bopo" typeface="Microsoft JhengHei"/>
+        <a:font script="Java" typeface="Javanese Text"/>
+        <a:font script="Lisu" typeface="Segoe UI"/>
+        <a:font script="Mymr" typeface="Myanmar Text"/>
+        <a:font script="Nkoo" typeface="Ebrima"/>
+        <a:font script="Olck" typeface="Nirmala UI"/>
+        <a:font script="Osma" typeface="Ebrima"/>
+        <a:font script="Phag" typeface="Phagspa"/>
+        <a:font script="Syrn" typeface="Estrangelo Edessa"/>
+        <a:font script="Syrj" typeface="Estrangelo Edessa"/>
+        <a:font script="Syre" typeface="Estrangelo Edessa"/>
+        <a:font script="Sora" typeface="Nirmala UI"/>
+        <a:font script="Tale" typeface="Microsoft Tai Le"/>
+        <a:font script="Talu" typeface="Microsoft New Tai Lue"/>
+        <a:font script="Tfng" typeface="Ebrima"/>
+      </a:majorFont>
+      <a:minorFont>
+        <a:latin typeface="Calibri" panose="020F0502020204030204"/>
+        <a:ea typeface=""/>
+        <a:cs typeface=""/>
+        <a:font script="Jpan" typeface="游ゴシック"/>
+        <a:font script="Hang" typeface="맑은 고딕"/>
+        <a:font script="Hans" typeface="等线"/>
+        <a:font script="Hant" typeface="新細明體"/>
+        <a:font script="Arab" typeface="Arial"/>
+        <a:font script="Hebr" typeface="Arial"/>
+        <a:font script="Thai" typeface="Cordia New"/>
+        <a:font script="Ethi" typeface="Nyala"/>
+        <a:font script="Beng" typeface="Vrinda"/>
+        <a:font script="Gujr" typeface="Shruti"/>
+        <a:font script="Khmr" typeface="DaunPenh"/>
+        <a:font script="Knda" typeface="Tunga"/>
+        <a:font script="Guru" typeface="Raavi"/>
+        <a:font script="Cans" typeface="Euphemia"/>
+        <a:font script="Cher" typeface="Plantagenet Cherokee"/>
+        <a:font script="Yiii" typeface="Microsoft Yi Baiti"/>
+        <a:font script="Tibt" typeface="Microsoft Himalaya"/>
+        <a:font script="Thaa" typeface="MV Boli"/>
+        <a:font script="Deva" typeface="Mangal"/>
+        <a:font script="Telu" typeface="Gautami"/>
+        <a:font script="Taml" typeface="Latha"/>
+        <a:font script="Syrc" typeface="Estrangelo Edessa"/>
+        <a:font script="Orya" typeface="Kalinga"/>
+        <a:font script="Mlym" typeface="Kartika"/>
+        <a:font script="Laoo" typeface="DokChampa"/>
+        <a:font script="Sinh" typeface="Iskoola Pota"/>
+        <a:font script="Mong" typeface="Mongolian Baiti"/>
+        <a:font script="Viet" typeface="Arial"/>
+        <a:font script="Uigh" typeface="Microsoft Uighur"/>
+        <a:font script="Geor" typeface="Sylfaen"/>
+        <a:font script="Armn" typeface="Arial"/>
+        <a:font script="Bugi" typeface="Leelawadee UI"/>
+        <a:font script="Bopo" typeface="Microsoft JhengHei"/>
+        <a:font script="Java" typeface="Javanese Text"/>
+        <a:font script="Lisu" typeface="Segoe UI"/>
+        <a:font script="Mymr" typeface="Myanmar Text"/>
+        <a:font script="Nkoo" typeface="Ebrima"/>
+        <a:font script="Olck" typeface="Nirmala UI"/>
+        <a:font script="Osma" typeface="Ebrima"/>
+        <a:font script="Phag" typeface="Phagspa"/>
+        <a:font script="Syrn" typeface="Estrangelo Edessa"/>
+        <a:font script="Syrj" typeface="Estrangelo Edessa"/>
+        <a:font script="Syre" typeface="Estrangelo Edessa"/>
+        <a:font script="Sora" typeface="Nirmala UI"/>
+        <a:font script="Tale" typeface="Microsoft Tai Le"/>
+        <a:font script="Talu" typeface="Microsoft New Tai Lue"/>
+        <a:font script="Tfng" typeface="Ebrima"/>
+      </a:minorFont>
+    </a:fontScheme>
+    <a:fmtScheme name="Office">
+      <a:fillStyleLst>
+        <a:solidFill>
+          <a:schemeClr val="phClr"/>
+        </a:solidFill>
+        <a:gradFill rotWithShape="1">
+          <a:gsLst>
+            <a:gs pos="0">
+              <a:schemeClr val="phClr">
+                <a:lumMod val="110000"/>
+                <a:satMod val="105000"/>
+                <a:tint val="67000"/>
+              </a:schemeClr>
+            </a:gs>
+            <a:gs pos="50000">
+              <a:schemeClr val="phClr">
+                <a:lumMod val="105000"/>
+                <a:satMod val="103000"/>
+                <a:tint val="73000"/>
+              </a:schemeClr>
+            </a:gs>
+            <a:gs pos="100000">
+              <a:schemeClr val="phClr">
+                <a:lumMod val="105000"/>
+                <a:satMod val="109000"/>
+                <a:tint val="81000"/>
+              </a:schemeClr>
+            </a:gs>
+          </a:gsLst>
+          <a:lin ang="5400000" scaled="0"/>
+        </a:gradFill>
+        <a:gradFill rotWithShape="1">
+          <a:gsLst>
+            <a:gs pos="0">
+              <a:schemeClr val="phClr">
+                <a:satMod val="103000"/>
+                <a:lumMod val="102000"/>
+                <a:tint val="94000"/>
+              </a:schemeClr>
+            </a:gs>
+            <a:gs pos="50000">
+              <a:schemeClr val="phClr">
+                <a:satMod val="110000"/>
+                <a:lumMod val="100000"/>
+                <a:shade val="100000"/>
+              </a:schemeClr>
+            </a:gs>
+            <a:gs pos="100000">
+              <a:schemeClr val="phClr">
+                <a:lumMod val="99000"/>
+                <a:satMod val="120000"/>
+                <a:shade val="78000"/>
+              </a:schemeClr>
+            </a:gs>
+          </a:gsLst>
+          <a:lin ang="5400000" scaled="0"/>
+        </a:gradFill>
+      </a:fillStyleLst>
+      <a:lnStyleLst>
+        <a:ln w="6350" cap="flat" cmpd="sng" algn="ctr">
+          <a:solidFill>
+            <a:schemeClr val="phClr"/>
+          </a:solidFill>
+          <a:prstDash val="solid"/>
+          <a:miter lim="800000"/>
+        </a:ln>
+        <a:ln w="12700" cap="flat" cmpd="sng" algn="ctr">
+          <a:solidFill>
+            <a:schemeClr val="phClr"/>
+          </a:solidFill>
+          <a:prstDash val="solid"/>
+          <a:miter lim="800000"/>
+        </a:ln>
+        <a:ln w="19050" cap="flat" cmpd="sng" algn="ctr">
+          <a:solidFill>
+            <a:schemeClr val="phClr"/>
+          </a:solidFill>
+          <a:prstDash val="solid"/>
+          <a:miter lim="800000"/>
+        </a:ln>
+      </a:lnStyleLst>
+      <a:effectStyleLst>
+        <a:effectStyle>
+          <a:effectLst/>
+        </a:effectStyle>
+        <a:effectStyle>
+          <a:effectLst/>
+        </a:effectStyle>
+        <a:effectStyle>
+          <a:effectLst>
+            <a:outerShdw blurRad="57150" dist="19050" dir="5400000" algn="ctr" rotWithShape="0">
+              <a:srgbClr val="000000">
+                <a:alpha val="63000"/>
+              </a:srgbClr>
+            </a:outerShdw>
+          </a:effectLst>
+        </a:effectStyle>
+      </a:effectStyleLst>
+      <a:bgFillStyleLst>
+        <a:solidFill>
+          <a:schemeClr val="phClr"/>
+        </a:solidFill>
+        <a:solidFill>
+          <a:schemeClr val="phClr">
+            <a:tint val="95000"/>
+            <a:satMod val="170000"/>
+          </a:schemeClr>
+        </a:solidFill>
+        <a:gradFill rotWithShape="1">
+          <a:gsLst>
+            <a:gs pos="0">
+              <a:schemeClr val="phClr">
+                <a:tint val="93000"/>
+                <a:satMod val="150000"/>
+                <a:shade val="98000"/>
+                <a:lumMod val="102000"/>
+              </a:schemeClr>
+            </a:gs>
+            <a:gs pos="50000">
+              <a:schemeClr val="phClr">
+                <a:tint val="98000"/>
+                <a:satMod val="130000"/>
+                <a:shade val="90000"/>
+                <a:lumMod val="103000"/>
+              </a:schemeClr>
+            </a:gs>
+            <a:gs pos="100000">
+              <a:schemeClr val="phClr">
+                <a:shade val="63000"/>
+                <a:satMod val="120000"/>
+              </a:schemeClr>
+            </a:gs>
+          </a:gsLst>
+          <a:lin ang="5400000" scaled="0"/>
+        </a:gradFill>
+      </a:bgFillStyleLst>
+    </a:fmtScheme>
+  </a:themeElements>
+  <a:objectDefaults/>
+  <a:extraClrSchemeLst/>
+  <a:extLst>
+    <a:ext uri="{05A4C25C-085E-4340-85A3-A5531E510DB2}">
+      <thm15:themeFamily xmlns:thm15="http://schemas.microsoft.com/office/thememl/2012/main" name="Office Theme" id="{62F939B6-93AF-4DB8-9C6B-D6C7DFDC589F}" vid="{4A3C46E8-61CC-4603-A589-7422A47A8E4A}"/>
+    </a:ext>
+  </a:extLst>
+</a:theme>
 </file>
--- a/HouseRenting.pptx
+++ b/HouseRenting.pptx
@@ -14232,7 +14232,15 @@
             </a:pPr>
             <a:r>
               <a:rPr lang="en-US" sz="2000" dirty="0"/>
-              <a:t>House renting is a web application that is people can advertise his or her own house and people can view house advertisement who want to rent house.</a:t>
+              <a:t>House renting is a web application that is people </a:t>
+            </a:r>
+            <a:r>
+              <a:rPr lang="en-US" sz="2000"/>
+              <a:t>can advertise their </a:t>
+            </a:r>
+            <a:r>
+              <a:rPr lang="en-US" sz="2000" dirty="0"/>
+              <a:t>own house and people can view house advertisement who want to rent house.</a:t>
             </a:r>
           </a:p>
         </p:txBody>

--- a/HouseRenting.pptx
+++ b/HouseRenting.pptx
@@ -14232,15 +14232,7 @@
             </a:pPr>
             <a:r>
               <a:rPr lang="en-US" sz="2000" dirty="0"/>
-              <a:t>House renting is a web application that is people </a:t>
-            </a:r>
-            <a:r>
-              <a:rPr lang="en-US" sz="2000"/>
-              <a:t>can advertise their </a:t>
-            </a:r>
-            <a:r>
-              <a:rPr lang="en-US" sz="2000" dirty="0"/>
-              <a:t>own house and people can view house advertisement who want to rent house.</a:t>
+              <a:t>House renting is a web application that is people can advertise their own house and people can view house advertisement who want to rent house.</a:t>
             </a:r>
           </a:p>
         </p:txBody>
@@ -14879,7 +14871,15 @@
             </a:pPr>
             <a:r>
               <a:rPr lang="en-US" dirty="0"/>
-              <a:t>Actually, this project is popular in urban area.</a:t>
+              <a:t>Actually, this </a:t>
+            </a:r>
+            <a:r>
+              <a:rPr lang="en-US"/>
+              <a:t>project will be </a:t>
+            </a:r>
+            <a:r>
+              <a:rPr lang="en-US" dirty="0"/>
+              <a:t>popular in urban area.</a:t>
             </a:r>
           </a:p>
           <a:p>

--- a/HouseRenting.pptx
+++ b/HouseRenting.pptx
@@ -5,20 +5,21 @@
     <p:sldMasterId id="2147483762" r:id="rId1"/>
   </p:sldMasterIdLst>
   <p:notesMasterIdLst>
-    <p:notesMasterId r:id="rId13"/>
+    <p:notesMasterId r:id="rId14"/>
   </p:notesMasterIdLst>
   <p:sldIdLst>
     <p:sldId id="256" r:id="rId2"/>
     <p:sldId id="267" r:id="rId3"/>
-    <p:sldId id="257" r:id="rId4"/>
-    <p:sldId id="258" r:id="rId5"/>
-    <p:sldId id="259" r:id="rId6"/>
-    <p:sldId id="260" r:id="rId7"/>
-    <p:sldId id="261" r:id="rId8"/>
-    <p:sldId id="262" r:id="rId9"/>
-    <p:sldId id="268" r:id="rId10"/>
-    <p:sldId id="269" r:id="rId11"/>
-    <p:sldId id="263" r:id="rId12"/>
+    <p:sldId id="270" r:id="rId4"/>
+    <p:sldId id="257" r:id="rId5"/>
+    <p:sldId id="258" r:id="rId6"/>
+    <p:sldId id="259" r:id="rId7"/>
+    <p:sldId id="260" r:id="rId8"/>
+    <p:sldId id="261" r:id="rId9"/>
+    <p:sldId id="262" r:id="rId10"/>
+    <p:sldId id="268" r:id="rId11"/>
+    <p:sldId id="269" r:id="rId12"/>
+    <p:sldId id="263" r:id="rId13"/>
   </p:sldIdLst>
   <p:sldSz cx="12192000" cy="6858000"/>
   <p:notesSz cx="6858000" cy="9144000"/>
@@ -539,7 +540,7 @@
           <a:p>
             <a:fld id="{8EE719E3-48B5-484E-961C-C9D25C82E27E}" type="slidenum">
               <a:rPr lang="en-US" smtClean="0"/>
-              <a:t>8</a:t>
+              <a:t>9</a:t>
             </a:fld>
             <a:endParaRPr lang="en-US"/>
           </a:p>
@@ -13942,6 +13943,99 @@
           <p:cNvPr id="2" name="Title 1">
             <a:extLst>
               <a:ext uri="{FF2B5EF4-FFF2-40B4-BE49-F238E27FC236}">
+                <a16:creationId xmlns:a16="http://schemas.microsoft.com/office/drawing/2014/main" id="{2968633F-A54C-4F4C-BBB1-12EACB48BE73}"/>
+              </a:ext>
+            </a:extLst>
+          </p:cNvPr>
+          <p:cNvSpPr>
+            <a:spLocks noGrp="1"/>
+          </p:cNvSpPr>
+          <p:nvPr>
+            <p:ph type="title"/>
+          </p:nvPr>
+        </p:nvSpPr>
+        <p:spPr/>
+        <p:txBody>
+          <a:bodyPr/>
+          <a:lstStyle/>
+          <a:p>
+            <a:r>
+              <a:rPr lang="en-US" dirty="0"/>
+              <a:t>Gantt Chart</a:t>
+            </a:r>
+          </a:p>
+        </p:txBody>
+      </p:sp>
+      <p:pic>
+        <p:nvPicPr>
+          <p:cNvPr id="5" name="Content Placeholder 4">
+            <a:extLst>
+              <a:ext uri="{FF2B5EF4-FFF2-40B4-BE49-F238E27FC236}">
+                <a16:creationId xmlns:a16="http://schemas.microsoft.com/office/drawing/2014/main" id="{04382DB9-CABB-4C8B-9047-34375A07A407}"/>
+              </a:ext>
+            </a:extLst>
+          </p:cNvPr>
+          <p:cNvPicPr>
+            <a:picLocks noGrp="1" noChangeAspect="1"/>
+          </p:cNvPicPr>
+          <p:nvPr>
+            <p:ph idx="1"/>
+          </p:nvPr>
+        </p:nvPicPr>
+        <p:blipFill>
+          <a:blip r:embed="rId2">
+            <a:extLst>
+              <a:ext uri="{28A0092B-C50C-407E-A947-70E740481C1C}">
+                <a14:useLocalDpi xmlns:a14="http://schemas.microsoft.com/office/drawing/2010/main" val="0"/>
+              </a:ext>
+            </a:extLst>
+          </a:blip>
+          <a:stretch>
+            <a:fillRect/>
+          </a:stretch>
+        </p:blipFill>
+        <p:spPr>
+          <a:xfrm>
+            <a:off x="1786596" y="2392484"/>
+            <a:ext cx="7090117" cy="4254500"/>
+          </a:xfrm>
+        </p:spPr>
+      </p:pic>
+    </p:spTree>
+    <p:extLst>
+      <p:ext uri="{BB962C8B-B14F-4D97-AF65-F5344CB8AC3E}">
+        <p14:creationId xmlns:p14="http://schemas.microsoft.com/office/powerpoint/2010/main" val="3440210261"/>
+      </p:ext>
+    </p:extLst>
+  </p:cSld>
+  <p:clrMapOvr>
+    <a:masterClrMapping/>
+  </p:clrMapOvr>
+</p:sld>
+</file>
+
+<file path=ppt/slides/slide11.xml><?xml version="1.0" encoding="utf-8"?>
+<p:sld xmlns:a="http://schemas.openxmlformats.org/drawingml/2006/main" xmlns:r="http://schemas.openxmlformats.org/officeDocument/2006/relationships" xmlns:p="http://schemas.openxmlformats.org/presentationml/2006/main">
+  <p:cSld>
+    <p:spTree>
+      <p:nvGrpSpPr>
+        <p:cNvPr id="1" name=""/>
+        <p:cNvGrpSpPr/>
+        <p:nvPr/>
+      </p:nvGrpSpPr>
+      <p:grpSpPr>
+        <a:xfrm>
+          <a:off x="0" y="0"/>
+          <a:ext cx="0" cy="0"/>
+          <a:chOff x="0" y="0"/>
+          <a:chExt cx="0" cy="0"/>
+        </a:xfrm>
+      </p:grpSpPr>
+      <p:sp>
+        <p:nvSpPr>
+          <p:cNvPr id="2" name="Title 1">
+            <a:extLst>
+              <a:ext uri="{FF2B5EF4-FFF2-40B4-BE49-F238E27FC236}">
                 <a16:creationId xmlns:a16="http://schemas.microsoft.com/office/drawing/2014/main" id="{6F41BEC8-020D-4A91-8378-3A41F0F12B6B}"/>
               </a:ext>
             </a:extLst>
@@ -14049,7 +14143,7 @@
 </p:sld>
 </file>
 
-<file path=ppt/slides/slide11.xml><?xml version="1.0" encoding="utf-8"?>
+<file path=ppt/slides/slide12.xml><?xml version="1.0" encoding="utf-8"?>
 <p:sld xmlns:a="http://schemas.openxmlformats.org/drawingml/2006/main" xmlns:r="http://schemas.openxmlformats.org/officeDocument/2006/relationships" xmlns:p="http://schemas.openxmlformats.org/presentationml/2006/main">
   <p:cSld>
     <p:spTree>
@@ -14272,6 +14366,116 @@
           <p:cNvPr id="2" name="Title 1">
             <a:extLst>
               <a:ext uri="{FF2B5EF4-FFF2-40B4-BE49-F238E27FC236}">
+                <a16:creationId xmlns:a16="http://schemas.microsoft.com/office/drawing/2014/main" id="{5F81C0C7-D2D2-4629-8D41-D4DC69CD0495}"/>
+              </a:ext>
+            </a:extLst>
+          </p:cNvPr>
+          <p:cNvSpPr>
+            <a:spLocks noGrp="1"/>
+          </p:cNvSpPr>
+          <p:nvPr>
+            <p:ph type="title"/>
+          </p:nvPr>
+        </p:nvSpPr>
+        <p:spPr/>
+        <p:txBody>
+          <a:bodyPr/>
+          <a:lstStyle/>
+          <a:p>
+            <a:r>
+              <a:rPr lang="en-US" dirty="0"/>
+              <a:t>Scope of the Project</a:t>
+            </a:r>
+          </a:p>
+        </p:txBody>
+      </p:sp>
+      <p:sp>
+        <p:nvSpPr>
+          <p:cNvPr id="3" name="Content Placeholder 2">
+            <a:extLst>
+              <a:ext uri="{FF2B5EF4-FFF2-40B4-BE49-F238E27FC236}">
+                <a16:creationId xmlns:a16="http://schemas.microsoft.com/office/drawing/2014/main" id="{ABF842FB-800B-4E93-8D68-2CBECA3FBAE8}"/>
+              </a:ext>
+            </a:extLst>
+          </p:cNvPr>
+          <p:cNvSpPr>
+            <a:spLocks noGrp="1"/>
+          </p:cNvSpPr>
+          <p:nvPr>
+            <p:ph idx="1"/>
+          </p:nvPr>
+        </p:nvSpPr>
+        <p:spPr/>
+        <p:txBody>
+          <a:bodyPr/>
+          <a:lstStyle/>
+          <a:p>
+            <a:pPr>
+              <a:buFont typeface="Wingdings" panose="05000000000000000000" pitchFamily="2" charset="2"/>
+              <a:buChar char="q"/>
+            </a:pPr>
+            <a:r>
+              <a:rPr lang="en-US" dirty="0"/>
+              <a:t>the project is built an online platform specially for house renting purpose</a:t>
+            </a:r>
+          </a:p>
+          <a:p>
+            <a:pPr>
+              <a:buFont typeface="Wingdings" panose="05000000000000000000" pitchFamily="2" charset="2"/>
+              <a:buChar char="q"/>
+            </a:pPr>
+            <a:r>
+              <a:rPr lang="en-US" dirty="0"/>
+              <a:t>This is an E-commerce platform</a:t>
+            </a:r>
+          </a:p>
+          <a:p>
+            <a:pPr>
+              <a:buFont typeface="Wingdings" panose="05000000000000000000" pitchFamily="2" charset="2"/>
+              <a:buChar char="q"/>
+            </a:pPr>
+            <a:r>
+              <a:rPr lang="en-US" dirty="0"/>
+              <a:t>This project is chosen for business purposes.</a:t>
+            </a:r>
+          </a:p>
+        </p:txBody>
+      </p:sp>
+    </p:spTree>
+    <p:extLst>
+      <p:ext uri="{BB962C8B-B14F-4D97-AF65-F5344CB8AC3E}">
+        <p14:creationId xmlns:p14="http://schemas.microsoft.com/office/powerpoint/2010/main" val="3180500324"/>
+      </p:ext>
+    </p:extLst>
+  </p:cSld>
+  <p:clrMapOvr>
+    <a:masterClrMapping/>
+  </p:clrMapOvr>
+</p:sld>
+</file>
+
+<file path=ppt/slides/slide4.xml><?xml version="1.0" encoding="utf-8"?>
+<p:sld xmlns:a="http://schemas.openxmlformats.org/drawingml/2006/main" xmlns:r="http://schemas.openxmlformats.org/officeDocument/2006/relationships" xmlns:p="http://schemas.openxmlformats.org/presentationml/2006/main">
+  <p:cSld>
+    <p:spTree>
+      <p:nvGrpSpPr>
+        <p:cNvPr id="1" name=""/>
+        <p:cNvGrpSpPr/>
+        <p:nvPr/>
+      </p:nvGrpSpPr>
+      <p:grpSpPr>
+        <a:xfrm>
+          <a:off x="0" y="0"/>
+          <a:ext cx="0" cy="0"/>
+          <a:chOff x="0" y="0"/>
+          <a:chExt cx="0" cy="0"/>
+        </a:xfrm>
+      </p:grpSpPr>
+      <p:sp>
+        <p:nvSpPr>
+          <p:cNvPr id="2" name="Title 1">
+            <a:extLst>
+              <a:ext uri="{FF2B5EF4-FFF2-40B4-BE49-F238E27FC236}">
                 <a16:creationId xmlns:a16="http://schemas.microsoft.com/office/drawing/2014/main" id="{6B98F740-6360-4ECF-AD29-7FD2389ED3A3}"/>
               </a:ext>
             </a:extLst>
@@ -14380,7 +14584,7 @@
 </p:sld>
 </file>
 
-<file path=ppt/slides/slide4.xml><?xml version="1.0" encoding="utf-8"?>
+<file path=ppt/slides/slide5.xml><?xml version="1.0" encoding="utf-8"?>
 <p:sld xmlns:a="http://schemas.openxmlformats.org/drawingml/2006/main" xmlns:r="http://schemas.openxmlformats.org/officeDocument/2006/relationships" xmlns:p="http://schemas.openxmlformats.org/presentationml/2006/main">
   <p:cSld>
     <p:spTree>
@@ -14603,7 +14807,7 @@
 </p:sld>
 </file>
 
-<file path=ppt/slides/slide5.xml><?xml version="1.0" encoding="utf-8"?>
+<file path=ppt/slides/slide6.xml><?xml version="1.0" encoding="utf-8"?>
 <p:sld xmlns:a="http://schemas.openxmlformats.org/drawingml/2006/main" xmlns:r="http://schemas.openxmlformats.org/officeDocument/2006/relationships" xmlns:p="http://schemas.openxmlformats.org/presentationml/2006/main">
   <p:cSld>
     <p:spTree>
@@ -14789,7 +14993,7 @@
 </p:sld>
 </file>
 
-<file path=ppt/slides/slide6.xml><?xml version="1.0" encoding="utf-8"?>
+<file path=ppt/slides/slide7.xml><?xml version="1.0" encoding="utf-8"?>
 <p:sld xmlns:a="http://schemas.openxmlformats.org/drawingml/2006/main" xmlns:r="http://schemas.openxmlformats.org/officeDocument/2006/relationships" xmlns:p="http://schemas.openxmlformats.org/presentationml/2006/main">
   <p:cSld>
     <p:spTree>
@@ -14871,15 +15075,7 @@
             </a:pPr>
             <a:r>
               <a:rPr lang="en-US" dirty="0"/>
-              <a:t>Actually, this </a:t>
-            </a:r>
-            <a:r>
-              <a:rPr lang="en-US"/>
-              <a:t>project will be </a:t>
-            </a:r>
-            <a:r>
-              <a:rPr lang="en-US" dirty="0"/>
-              <a:t>popular in urban area.</a:t>
+              <a:t>Actually, this project will be popular in urban area.</a:t>
             </a:r>
           </a:p>
           <a:p>
@@ -14907,7 +15103,7 @@
 </p:sld>
 </file>
 
-<file path=ppt/slides/slide7.xml><?xml version="1.0" encoding="utf-8"?>
+<file path=ppt/slides/slide8.xml><?xml version="1.0" encoding="utf-8"?>
 <p:sld xmlns:a="http://schemas.openxmlformats.org/drawingml/2006/main" xmlns:r="http://schemas.openxmlformats.org/officeDocument/2006/relationships" xmlns:p="http://schemas.openxmlformats.org/presentationml/2006/main">
   <p:cSld>
     <p:spTree>
@@ -15350,7 +15546,7 @@
 </p:sld>
 </file>
 
-<file path=ppt/slides/slide8.xml><?xml version="1.0" encoding="utf-8"?>
+<file path=ppt/slides/slide9.xml><?xml version="1.0" encoding="utf-8"?>
 <p:sld xmlns:a="http://schemas.openxmlformats.org/drawingml/2006/main" xmlns:r="http://schemas.openxmlformats.org/officeDocument/2006/relationships" xmlns:p="http://schemas.openxmlformats.org/presentationml/2006/main">
   <p:cSld>
     <p:spTree>
@@ -15434,99 +15630,6 @@
     <p:extLst>
       <p:ext uri="{BB962C8B-B14F-4D97-AF65-F5344CB8AC3E}">
         <p14:creationId xmlns:p14="http://schemas.microsoft.com/office/powerpoint/2010/main" val="4243813945"/>
-      </p:ext>
-    </p:extLst>
-  </p:cSld>
-  <p:clrMapOvr>
-    <a:masterClrMapping/>
-  </p:clrMapOvr>
-</p:sld>
-</file>
-
-<file path=ppt/slides/slide9.xml><?xml version="1.0" encoding="utf-8"?>
-<p:sld xmlns:a="http://schemas.openxmlformats.org/drawingml/2006/main" xmlns:r="http://schemas.openxmlformats.org/officeDocument/2006/relationships" xmlns:p="http://schemas.openxmlformats.org/presentationml/2006/main">
-  <p:cSld>
-    <p:spTree>
-      <p:nvGrpSpPr>
-        <p:cNvPr id="1" name=""/>
-        <p:cNvGrpSpPr/>
-        <p:nvPr/>
-      </p:nvGrpSpPr>
-      <p:grpSpPr>
-        <a:xfrm>
-          <a:off x="0" y="0"/>
-          <a:ext cx="0" cy="0"/>
-          <a:chOff x="0" y="0"/>
-          <a:chExt cx="0" cy="0"/>
-        </a:xfrm>
-      </p:grpSpPr>
-      <p:sp>
-        <p:nvSpPr>
-          <p:cNvPr id="2" name="Title 1">
-            <a:extLst>
-              <a:ext uri="{FF2B5EF4-FFF2-40B4-BE49-F238E27FC236}">
-                <a16:creationId xmlns:a16="http://schemas.microsoft.com/office/drawing/2014/main" id="{2968633F-A54C-4F4C-BBB1-12EACB48BE73}"/>
-              </a:ext>
-            </a:extLst>
-          </p:cNvPr>
-          <p:cNvSpPr>
-            <a:spLocks noGrp="1"/>
-          </p:cNvSpPr>
-          <p:nvPr>
-            <p:ph type="title"/>
-          </p:nvPr>
-        </p:nvSpPr>
-        <p:spPr/>
-        <p:txBody>
-          <a:bodyPr/>
-          <a:lstStyle/>
-          <a:p>
-            <a:r>
-              <a:rPr lang="en-US" dirty="0"/>
-              <a:t>Gantt Chart</a:t>
-            </a:r>
-          </a:p>
-        </p:txBody>
-      </p:sp>
-      <p:pic>
-        <p:nvPicPr>
-          <p:cNvPr id="5" name="Content Placeholder 4">
-            <a:extLst>
-              <a:ext uri="{FF2B5EF4-FFF2-40B4-BE49-F238E27FC236}">
-                <a16:creationId xmlns:a16="http://schemas.microsoft.com/office/drawing/2014/main" id="{04382DB9-CABB-4C8B-9047-34375A07A407}"/>
-              </a:ext>
-            </a:extLst>
-          </p:cNvPr>
-          <p:cNvPicPr>
-            <a:picLocks noGrp="1" noChangeAspect="1"/>
-          </p:cNvPicPr>
-          <p:nvPr>
-            <p:ph idx="1"/>
-          </p:nvPr>
-        </p:nvPicPr>
-        <p:blipFill>
-          <a:blip r:embed="rId2">
-            <a:extLst>
-              <a:ext uri="{28A0092B-C50C-407E-A947-70E740481C1C}">
-                <a14:useLocalDpi xmlns:a14="http://schemas.microsoft.com/office/drawing/2010/main" val="0"/>
-              </a:ext>
-            </a:extLst>
-          </a:blip>
-          <a:stretch>
-            <a:fillRect/>
-          </a:stretch>
-        </p:blipFill>
-        <p:spPr>
-          <a:xfrm>
-            <a:off x="1786596" y="2392484"/>
-            <a:ext cx="7090117" cy="4254500"/>
-          </a:xfrm>
-        </p:spPr>
-      </p:pic>
-    </p:spTree>
-    <p:extLst>
-      <p:ext uri="{BB962C8B-B14F-4D97-AF65-F5344CB8AC3E}">
-        <p14:creationId xmlns:p14="http://schemas.microsoft.com/office/powerpoint/2010/main" val="3440210261"/>
       </p:ext>
     </p:extLst>
   </p:cSld>

--- a/HouseRenting.pptx
+++ b/HouseRenting.pptx
@@ -14416,7 +14416,7 @@
             </a:pPr>
             <a:r>
               <a:rPr lang="en-US" dirty="0"/>
-              <a:t>the project is built an online platform specially for house renting purpose</a:t>
+              <a:t>the project is built an online platform specially for house renting purpose.</a:t>
             </a:r>
           </a:p>
           <a:p>
@@ -14426,7 +14426,7 @@
             </a:pPr>
             <a:r>
               <a:rPr lang="en-US" dirty="0"/>
-              <a:t>This is an E-commerce platform</a:t>
+              <a:t>This is an E-commerce platform.</a:t>
             </a:r>
           </a:p>
           <a:p>

--- a/HouseRenting.pptx
+++ b/HouseRenting.pptx
@@ -13750,7 +13750,7 @@
             </a:br>
             <a:r>
               <a:rPr lang="en-US" i="1" dirty="0"/>
-              <a:t>Online House Renting</a:t>
+              <a:t>“House Renting”</a:t>
             </a:r>
             <a:br>
               <a:rPr lang="en-US" i="1" dirty="0"/>
@@ -13759,28 +13759,28 @@
               <a:rPr lang="en-US" i="1" dirty="0"/>
             </a:br>
             <a:r>
-              <a:rPr lang="en-US" sz="3600" dirty="0"/>
+              <a:rPr lang="en-US" sz="3600" i="1" dirty="0"/>
               <a:t>Shahabuddin Ahmed</a:t>
             </a:r>
             <a:br>
-              <a:rPr lang="en-US" sz="3600" dirty="0"/>
+              <a:rPr lang="en-US" sz="3600" i="1" dirty="0"/>
             </a:br>
             <a:r>
-              <a:rPr lang="en-US" sz="3600" dirty="0"/>
+              <a:rPr lang="en-US" sz="3600" i="1" dirty="0"/>
               <a:t>Dept. of CSE</a:t>
             </a:r>
             <a:br>
-              <a:rPr lang="en-US" sz="3600" dirty="0"/>
+              <a:rPr lang="en-US" sz="3600" i="1" dirty="0"/>
             </a:br>
             <a:r>
-              <a:rPr lang="en-US" sz="3600" dirty="0"/>
+              <a:rPr lang="en-US" sz="3600" i="1" dirty="0"/>
               <a:t>Roll: 14095415</a:t>
             </a:r>
             <a:br>
-              <a:rPr lang="en-US" sz="3600" dirty="0"/>
+              <a:rPr lang="en-US" sz="3600" i="1" dirty="0"/>
             </a:br>
             <a:r>
-              <a:rPr lang="en-US" sz="3600" dirty="0"/>
+              <a:rPr lang="en-US" sz="3600" i="1" dirty="0"/>
               <a:t>Session: 2013-14</a:t>
             </a:r>
           </a:p>
@@ -14949,7 +14949,15 @@
             </a:pPr>
             <a:r>
               <a:rPr lang="en-US" dirty="0"/>
-              <a:t>This is such as project that is impact of all class of professionals.</a:t>
+              <a:t>This is such as project </a:t>
+            </a:r>
+            <a:r>
+              <a:rPr lang="en-US"/>
+              <a:t>that is good </a:t>
+            </a:r>
+            <a:r>
+              <a:rPr lang="en-US" dirty="0"/>
+              <a:t>impact of all class of professionals.</a:t>
             </a:r>
           </a:p>
           <a:p>
@@ -15075,7 +15083,7 @@
             </a:pPr>
             <a:r>
               <a:rPr lang="en-US" dirty="0"/>
-              <a:t>Actually, this project will be popular in urban area.</a:t>
+              <a:t>Actually, this project will be popular who are live in urban area.</a:t>
             </a:r>
           </a:p>
           <a:p>

--- a/HouseRenting.pptx
+++ b/HouseRenting.pptx
@@ -208,7 +208,7 @@
           <a:p>
             <a:fld id="{6CBF8D3D-F792-4374-B561-C16C9DAA3DA2}" type="datetimeFigureOut">
               <a:rPr lang="en-US" smtClean="0"/>
-              <a:t>10/10/2018</a:t>
+              <a:t>10/11/2018</a:t>
             </a:fld>
             <a:endParaRPr lang="en-US"/>
           </a:p>
@@ -894,7 +894,7 @@
           <a:p>
             <a:fld id="{BE27C8D0-96A9-4B6C-8DFF-D2F542A7F341}" type="datetimeFigureOut">
               <a:rPr lang="en-US" smtClean="0"/>
-              <a:t>10/10/2018</a:t>
+              <a:t>10/11/2018</a:t>
             </a:fld>
             <a:endParaRPr lang="en-US"/>
           </a:p>
@@ -1982,7 +1982,7 @@
           <a:p>
             <a:fld id="{BE27C8D0-96A9-4B6C-8DFF-D2F542A7F341}" type="datetimeFigureOut">
               <a:rPr lang="en-US" smtClean="0"/>
-              <a:t>10/10/2018</a:t>
+              <a:t>10/11/2018</a:t>
             </a:fld>
             <a:endParaRPr lang="en-US"/>
           </a:p>
@@ -2962,7 +2962,7 @@
           <a:p>
             <a:fld id="{BE27C8D0-96A9-4B6C-8DFF-D2F542A7F341}" type="datetimeFigureOut">
               <a:rPr lang="en-US" smtClean="0"/>
-              <a:t>10/10/2018</a:t>
+              <a:t>10/11/2018</a:t>
             </a:fld>
             <a:endParaRPr lang="en-US"/>
           </a:p>
@@ -4096,7 +4096,7 @@
           <a:p>
             <a:fld id="{BE27C8D0-96A9-4B6C-8DFF-D2F542A7F341}" type="datetimeFigureOut">
               <a:rPr lang="en-US" smtClean="0"/>
-              <a:t>10/10/2018</a:t>
+              <a:t>10/11/2018</a:t>
             </a:fld>
             <a:endParaRPr lang="en-US"/>
           </a:p>
@@ -5129,7 +5129,7 @@
           <a:p>
             <a:fld id="{BE27C8D0-96A9-4B6C-8DFF-D2F542A7F341}" type="datetimeFigureOut">
               <a:rPr lang="en-US" smtClean="0"/>
-              <a:t>10/10/2018</a:t>
+              <a:t>10/11/2018</a:t>
             </a:fld>
             <a:endParaRPr lang="en-US"/>
           </a:p>
@@ -5789,7 +5789,7 @@
           <a:p>
             <a:fld id="{BE27C8D0-96A9-4B6C-8DFF-D2F542A7F341}" type="datetimeFigureOut">
               <a:rPr lang="en-US" smtClean="0"/>
-              <a:t>10/10/2018</a:t>
+              <a:t>10/11/2018</a:t>
             </a:fld>
             <a:endParaRPr lang="en-US"/>
           </a:p>
@@ -6650,7 +6650,7 @@
           <a:p>
             <a:fld id="{BE27C8D0-96A9-4B6C-8DFF-D2F542A7F341}" type="datetimeFigureOut">
               <a:rPr lang="en-US" smtClean="0"/>
-              <a:t>10/10/2018</a:t>
+              <a:t>10/11/2018</a:t>
             </a:fld>
             <a:endParaRPr lang="en-US"/>
           </a:p>
@@ -6840,7 +6840,7 @@
           <a:p>
             <a:fld id="{BE27C8D0-96A9-4B6C-8DFF-D2F542A7F341}" type="datetimeFigureOut">
               <a:rPr lang="en-US" smtClean="0"/>
-              <a:t>10/10/2018</a:t>
+              <a:t>10/11/2018</a:t>
             </a:fld>
             <a:endParaRPr lang="en-US"/>
           </a:p>
@@ -7812,7 +7812,7 @@
           <a:p>
             <a:fld id="{BE27C8D0-96A9-4B6C-8DFF-D2F542A7F341}" type="datetimeFigureOut">
               <a:rPr lang="en-US" smtClean="0"/>
-              <a:t>10/10/2018</a:t>
+              <a:t>10/11/2018</a:t>
             </a:fld>
             <a:endParaRPr lang="en-US"/>
           </a:p>
@@ -8023,7 +8023,7 @@
           <a:p>
             <a:fld id="{BE27C8D0-96A9-4B6C-8DFF-D2F542A7F341}" type="datetimeFigureOut">
               <a:rPr lang="en-US" smtClean="0"/>
-              <a:t>10/10/2018</a:t>
+              <a:t>10/11/2018</a:t>
             </a:fld>
             <a:endParaRPr lang="en-US"/>
           </a:p>
@@ -9057,7 +9057,7 @@
           <a:p>
             <a:fld id="{BE27C8D0-96A9-4B6C-8DFF-D2F542A7F341}" type="datetimeFigureOut">
               <a:rPr lang="en-US" smtClean="0"/>
-              <a:t>10/10/2018</a:t>
+              <a:t>10/11/2018</a:t>
             </a:fld>
             <a:endParaRPr lang="en-US"/>
           </a:p>
@@ -9329,7 +9329,7 @@
           <a:p>
             <a:fld id="{BE27C8D0-96A9-4B6C-8DFF-D2F542A7F341}" type="datetimeFigureOut">
               <a:rPr lang="en-US" smtClean="0"/>
-              <a:t>10/10/2018</a:t>
+              <a:t>10/11/2018</a:t>
             </a:fld>
             <a:endParaRPr lang="en-US"/>
           </a:p>
@@ -9739,7 +9739,7 @@
           <a:p>
             <a:fld id="{BE27C8D0-96A9-4B6C-8DFF-D2F542A7F341}" type="datetimeFigureOut">
               <a:rPr lang="en-US" smtClean="0"/>
-              <a:t>10/10/2018</a:t>
+              <a:t>10/11/2018</a:t>
             </a:fld>
             <a:endParaRPr lang="en-US"/>
           </a:p>
@@ -9866,7 +9866,7 @@
           <a:p>
             <a:fld id="{BE27C8D0-96A9-4B6C-8DFF-D2F542A7F341}" type="datetimeFigureOut">
               <a:rPr lang="en-US" smtClean="0"/>
-              <a:t>10/10/2018</a:t>
+              <a:t>10/11/2018</a:t>
             </a:fld>
             <a:endParaRPr lang="en-US"/>
           </a:p>
@@ -9961,7 +9961,7 @@
           <a:p>
             <a:fld id="{BE27C8D0-96A9-4B6C-8DFF-D2F542A7F341}" type="datetimeFigureOut">
               <a:rPr lang="en-US" smtClean="0"/>
-              <a:t>10/10/2018</a:t>
+              <a:t>10/11/2018</a:t>
             </a:fld>
             <a:endParaRPr lang="en-US"/>
           </a:p>
@@ -11042,7 +11042,7 @@
           <a:p>
             <a:fld id="{BE27C8D0-96A9-4B6C-8DFF-D2F542A7F341}" type="datetimeFigureOut">
               <a:rPr lang="en-US" smtClean="0"/>
-              <a:t>10/10/2018</a:t>
+              <a:t>10/11/2018</a:t>
             </a:fld>
             <a:endParaRPr lang="en-US"/>
           </a:p>
@@ -12150,7 +12150,7 @@
           <a:p>
             <a:fld id="{BE27C8D0-96A9-4B6C-8DFF-D2F542A7F341}" type="datetimeFigureOut">
               <a:rPr lang="en-US" smtClean="0"/>
-              <a:t>10/10/2018</a:t>
+              <a:t>10/11/2018</a:t>
             </a:fld>
             <a:endParaRPr lang="en-US"/>
           </a:p>
@@ -13147,7 +13147,7 @@
           <a:p>
             <a:fld id="{BE27C8D0-96A9-4B6C-8DFF-D2F542A7F341}" type="datetimeFigureOut">
               <a:rPr lang="en-US" smtClean="0"/>
-              <a:t>10/10/2018</a:t>
+              <a:t>10/11/2018</a:t>
             </a:fld>
             <a:endParaRPr lang="en-US"/>
           </a:p>
@@ -14949,15 +14949,7 @@
             </a:pPr>
             <a:r>
               <a:rPr lang="en-US" dirty="0"/>
-              <a:t>This is such as project </a:t>
-            </a:r>
-            <a:r>
-              <a:rPr lang="en-US"/>
-              <a:t>that is good </a:t>
-            </a:r>
-            <a:r>
-              <a:rPr lang="en-US" dirty="0"/>
-              <a:t>impact of all class of professionals.</a:t>
+              <a:t>This is such as project that is good impact of all class of professionals.</a:t>
             </a:r>
           </a:p>
           <a:p>
@@ -15083,7 +15075,15 @@
             </a:pPr>
             <a:r>
               <a:rPr lang="en-US" dirty="0"/>
-              <a:t>Actually, this project will be popular who are live in urban area.</a:t>
+              <a:t>Actually, this project will be get </a:t>
+            </a:r>
+            <a:r>
+              <a:rPr lang="en-US"/>
+              <a:t>popularity who </a:t>
+            </a:r>
+            <a:r>
+              <a:rPr lang="en-US" dirty="0"/>
+              <a:t>live in urban area.</a:t>
             </a:r>
           </a:p>
           <a:p>

--- a/HouseRenting.pptx
+++ b/HouseRenting.pptx
@@ -15075,15 +15075,7 @@
             </a:pPr>
             <a:r>
               <a:rPr lang="en-US" dirty="0"/>
-              <a:t>Actually, this project will be get </a:t>
-            </a:r>
-            <a:r>
-              <a:rPr lang="en-US"/>
-              <a:t>popularity who </a:t>
-            </a:r>
-            <a:r>
-              <a:rPr lang="en-US" dirty="0"/>
-              <a:t>live in urban area.</a:t>
+              <a:t>Actually, this project will be get popularity who live in urban area.</a:t>
             </a:r>
           </a:p>
           <a:p>

--- a/HouseRenting.pptx
+++ b/HouseRenting.pptx
@@ -14535,8 +14535,12 @@
               <a:buChar char="q"/>
             </a:pPr>
             <a:r>
+              <a:rPr lang="en-US"/>
+              <a:t>An advertiser </a:t>
+            </a:r>
+            <a:r>
               <a:rPr lang="en-US" dirty="0"/>
-              <a:t>An adviser advising his house with picture and description and other necessary things and other people view advertise who want to house rent.</a:t>
+              <a:t>advising his house with picture and description and other necessary things and other people view advertise who want to house rent.</a:t>
             </a:r>
           </a:p>
           <a:p>

--- a/HouseRenting.pptx
+++ b/HouseRenting.pptx
@@ -5,7 +5,7 @@
     <p:sldMasterId id="2147483762" r:id="rId1"/>
   </p:sldMasterIdLst>
   <p:notesMasterIdLst>
-    <p:notesMasterId r:id="rId14"/>
+    <p:notesMasterId r:id="rId15"/>
   </p:notesMasterIdLst>
   <p:sldIdLst>
     <p:sldId id="256" r:id="rId2"/>
@@ -20,6 +20,7 @@
     <p:sldId id="268" r:id="rId11"/>
     <p:sldId id="269" r:id="rId12"/>
     <p:sldId id="263" r:id="rId13"/>
+    <p:sldId id="271" r:id="rId14"/>
   </p:sldIdLst>
   <p:sldSz cx="12192000" cy="6858000"/>
   <p:notesSz cx="6858000" cy="9144000"/>
@@ -14253,6 +14254,94 @@
 </p:sld>
 </file>
 
+<file path=ppt/slides/slide13.xml><?xml version="1.0" encoding="utf-8"?>
+<p:sld xmlns:a="http://schemas.openxmlformats.org/drawingml/2006/main" xmlns:r="http://schemas.openxmlformats.org/officeDocument/2006/relationships" xmlns:p="http://schemas.openxmlformats.org/presentationml/2006/main">
+  <p:cSld>
+    <p:spTree>
+      <p:nvGrpSpPr>
+        <p:cNvPr id="1" name=""/>
+        <p:cNvGrpSpPr/>
+        <p:nvPr/>
+      </p:nvGrpSpPr>
+      <p:grpSpPr>
+        <a:xfrm>
+          <a:off x="0" y="0"/>
+          <a:ext cx="0" cy="0"/>
+          <a:chOff x="0" y="0"/>
+          <a:chExt cx="0" cy="0"/>
+        </a:xfrm>
+      </p:grpSpPr>
+      <p:sp>
+        <p:nvSpPr>
+          <p:cNvPr id="2" name="Title 1">
+            <a:extLst>
+              <a:ext uri="{FF2B5EF4-FFF2-40B4-BE49-F238E27FC236}">
+                <a16:creationId xmlns:a16="http://schemas.microsoft.com/office/drawing/2014/main" id="{36EF07C1-A9A1-4196-8540-23D3F93FA6F8}"/>
+              </a:ext>
+            </a:extLst>
+          </p:cNvPr>
+          <p:cNvSpPr>
+            <a:spLocks noGrp="1"/>
+          </p:cNvSpPr>
+          <p:nvPr>
+            <p:ph type="title"/>
+          </p:nvPr>
+        </p:nvSpPr>
+        <p:spPr/>
+        <p:txBody>
+          <a:bodyPr/>
+          <a:lstStyle/>
+          <a:p>
+            <a:endParaRPr lang="en-US" dirty="0"/>
+          </a:p>
+        </p:txBody>
+      </p:sp>
+      <p:sp>
+        <p:nvSpPr>
+          <p:cNvPr id="3" name="Content Placeholder 2">
+            <a:extLst>
+              <a:ext uri="{FF2B5EF4-FFF2-40B4-BE49-F238E27FC236}">
+                <a16:creationId xmlns:a16="http://schemas.microsoft.com/office/drawing/2014/main" id="{69386492-254C-4424-B8C0-F324E0897AEA}"/>
+              </a:ext>
+            </a:extLst>
+          </p:cNvPr>
+          <p:cNvSpPr>
+            <a:spLocks noGrp="1"/>
+          </p:cNvSpPr>
+          <p:nvPr>
+            <p:ph idx="1"/>
+          </p:nvPr>
+        </p:nvSpPr>
+        <p:spPr/>
+        <p:txBody>
+          <a:bodyPr>
+            <a:normAutofit/>
+          </a:bodyPr>
+          <a:lstStyle/>
+          <a:p>
+            <a:pPr marL="0" indent="0" algn="ctr">
+              <a:buNone/>
+            </a:pPr>
+            <a:r>
+              <a:rPr lang="en-US" sz="6000" dirty="0"/>
+              <a:t>Thank You</a:t>
+            </a:r>
+          </a:p>
+        </p:txBody>
+      </p:sp>
+    </p:spTree>
+    <p:extLst>
+      <p:ext uri="{BB962C8B-B14F-4D97-AF65-F5344CB8AC3E}">
+        <p14:creationId xmlns:p14="http://schemas.microsoft.com/office/powerpoint/2010/main" val="313313020"/>
+      </p:ext>
+    </p:extLst>
+  </p:cSld>
+  <p:clrMapOvr>
+    <a:masterClrMapping/>
+  </p:clrMapOvr>
+</p:sld>
+</file>
+
 <file path=ppt/slides/slide2.xml><?xml version="1.0" encoding="utf-8"?>
 <p:sld xmlns:a="http://schemas.openxmlformats.org/drawingml/2006/main" xmlns:r="http://schemas.openxmlformats.org/officeDocument/2006/relationships" xmlns:p="http://schemas.openxmlformats.org/presentationml/2006/main">
   <p:cSld>
@@ -14535,12 +14624,8 @@
               <a:buChar char="q"/>
             </a:pPr>
             <a:r>
-              <a:rPr lang="en-US"/>
-              <a:t>An advertiser </a:t>
-            </a:r>
-            <a:r>
               <a:rPr lang="en-US" dirty="0"/>
-              <a:t>advising his house with picture and description and other necessary things and other people view advertise who want to house rent.</a:t>
+              <a:t>An advertiser advising his house with picture and description and other necessary things and other people view advertise who want to house rent.</a:t>
             </a:r>
           </a:p>
           <a:p>

--- a/HouseRenting.pptx
+++ b/HouseRenting.pptx
@@ -13750,8 +13750,12 @@
               <a:rPr lang="en-US" i="1" dirty="0"/>
             </a:br>
             <a:r>
+              <a:rPr lang="en-US" i="1"/>
+              <a:t>“Online House </a:t>
+            </a:r>
+            <a:r>
               <a:rPr lang="en-US" i="1" dirty="0"/>
-              <a:t>“House Renting”</a:t>
+              <a:t>Renting”</a:t>
             </a:r>
             <a:br>
               <a:rPr lang="en-US" i="1" dirty="0"/>

--- a/HouseRenting.pptx
+++ b/HouseRenting.pptx
@@ -13750,12 +13750,8 @@
               <a:rPr lang="en-US" i="1" dirty="0"/>
             </a:br>
             <a:r>
-              <a:rPr lang="en-US" i="1"/>
-              <a:t>“Online House </a:t>
-            </a:r>
-            <a:r>
               <a:rPr lang="en-US" i="1" dirty="0"/>
-              <a:t>Renting”</a:t>
+              <a:t>“Online House Renting”</a:t>
             </a:r>
             <a:br>
               <a:rPr lang="en-US" i="1" dirty="0"/>
@@ -14419,7 +14415,15 @@
             </a:pPr>
             <a:r>
               <a:rPr lang="en-US" sz="2000" dirty="0"/>
-              <a:t>House renting is a web application that is people can advertise their own house and people can view house advertisement who want to rent house.</a:t>
+              <a:t>House renting is a web application that is people can advertise their own house </a:t>
+            </a:r>
+            <a:r>
+              <a:rPr lang="en-US" sz="2000"/>
+              <a:t>and some people </a:t>
+            </a:r>
+            <a:r>
+              <a:rPr lang="en-US" sz="2000" dirty="0"/>
+              <a:t>can view house advertisement who want to rent house.</a:t>
             </a:r>
           </a:p>
         </p:txBody>

--- a/HouseRenting.pptx
+++ b/HouseRenting.pptx
@@ -14410,20 +14410,20 @@
           </a:bodyPr>
           <a:lstStyle/>
           <a:p>
-            <a:pPr marL="0" indent="0">
+            <a:pPr marL="0" indent="0" algn="just">
               <a:buNone/>
             </a:pPr>
             <a:r>
               <a:rPr lang="en-US" sz="2000" dirty="0"/>
-              <a:t>House renting is a web application that is people can advertise their own house </a:t>
+              <a:t>House renting is a web application that is people can advertise their own house and </a:t>
             </a:r>
             <a:r>
               <a:rPr lang="en-US" sz="2000"/>
-              <a:t>and some people </a:t>
+              <a:t>some can </a:t>
             </a:r>
             <a:r>
               <a:rPr lang="en-US" sz="2000" dirty="0"/>
-              <a:t>can view house advertisement who want to rent house.</a:t>
+              <a:t>view house advertisement who want to rent house.</a:t>
             </a:r>
           </a:p>
         </p:txBody>
